--- a/graph.pptx
+++ b/graph.pptx
@@ -105,6 +105,11 @@
       </a:defRPr>
     </a:lvl9pPr>
   </p:defaultTextStyle>
+  <p:extLst>
+    <p:ext uri="{EFAFB233-063F-42B5-8137-9DF3F51BA10A}">
+      <p15:sldGuideLst xmlns:p15="http://schemas.microsoft.com/office/powerpoint/2012/main"/>
+    </p:ext>
+  </p:extLst>
 </p:presentation>
 </file>
 
@@ -199,7 +204,7 @@
               <c:strCache>
                 <c:ptCount val="1"/>
                 <c:pt idx="0">
-                  <c:v>decoupled_loop</c:v>
+                  <c:v>decoupled_update</c:v>
                 </c:pt>
               </c:strCache>
             </c:strRef>
@@ -220,163 +225,163 @@
               <c:strCache>
                 <c:ptCount val="53"/>
                 <c:pt idx="0">
+                  <c:v>mcf</c:v>
+                </c:pt>
+                <c:pt idx="1">
+                  <c:v>gcc_s04</c:v>
+                </c:pt>
+                <c:pt idx="2">
+                  <c:v>astar_biglakes</c:v>
+                </c:pt>
+                <c:pt idx="3">
+                  <c:v>milc</c:v>
+                </c:pt>
+                <c:pt idx="4">
+                  <c:v>libquantum</c:v>
+                </c:pt>
+                <c:pt idx="5">
+                  <c:v>lbm</c:v>
+                </c:pt>
+                <c:pt idx="6">
+                  <c:v>sphinx3</c:v>
+                </c:pt>
+                <c:pt idx="7">
+                  <c:v>h264ref_sss</c:v>
+                </c:pt>
+                <c:pt idx="8">
+                  <c:v>perlbench_checkspam</c:v>
+                </c:pt>
+                <c:pt idx="9">
+                  <c:v>bzip2_combined</c:v>
+                </c:pt>
+                <c:pt idx="10">
+                  <c:v>gamess_gradient</c:v>
+                </c:pt>
+                <c:pt idx="11">
+                  <c:v>bzip2_liberty</c:v>
+                </c:pt>
+                <c:pt idx="12">
+                  <c:v>omnetpp</c:v>
+                </c:pt>
+                <c:pt idx="13">
+                  <c:v>gamess_triazolium</c:v>
+                </c:pt>
+                <c:pt idx="14">
+                  <c:v>tonto</c:v>
+                </c:pt>
+                <c:pt idx="15">
+                  <c:v>leslie3d</c:v>
+                </c:pt>
+                <c:pt idx="16">
+                  <c:v>zeusmp</c:v>
+                </c:pt>
+                <c:pt idx="17">
+                  <c:v>gcc_expr2</c:v>
+                </c:pt>
+                <c:pt idx="18">
+                  <c:v>gromacs</c:v>
+                </c:pt>
+                <c:pt idx="19">
+                  <c:v>hmmer_nph3</c:v>
+                </c:pt>
+                <c:pt idx="20">
+                  <c:v>soplex_pds</c:v>
+                </c:pt>
+                <c:pt idx="21">
+                  <c:v>gcc_g23</c:v>
+                </c:pt>
+                <c:pt idx="22">
+                  <c:v>bzip2_source</c:v>
+                </c:pt>
+                <c:pt idx="23">
+                  <c:v>bzip2_chicken</c:v>
+                </c:pt>
+                <c:pt idx="24">
+                  <c:v>bzip2_html</c:v>
+                </c:pt>
+                <c:pt idx="25">
                   <c:v>gamess_cytosine</c:v>
                 </c:pt>
-                <c:pt idx="1">
+                <c:pt idx="26">
+                  <c:v>gcc_expr</c:v>
+                </c:pt>
+                <c:pt idx="27">
+                  <c:v>gobmk_13x13</c:v>
+                </c:pt>
+                <c:pt idx="28">
+                  <c:v>perlbench_splitmail</c:v>
+                </c:pt>
+                <c:pt idx="29">
+                  <c:v>bzip2_program</c:v>
+                </c:pt>
+                <c:pt idx="30">
+                  <c:v>astar_rivers</c:v>
+                </c:pt>
+                <c:pt idx="31">
+                  <c:v>calculix</c:v>
+                </c:pt>
+                <c:pt idx="32">
+                  <c:v>sjeng</c:v>
+                </c:pt>
+                <c:pt idx="33">
+                  <c:v>gcc_cpdecl</c:v>
+                </c:pt>
+                <c:pt idx="34">
+                  <c:v>gcc_166</c:v>
+                </c:pt>
+                <c:pt idx="35">
+                  <c:v>gobmk_trevorc</c:v>
+                </c:pt>
+                <c:pt idx="36">
+                  <c:v>gobmk_trevord</c:v>
+                </c:pt>
+                <c:pt idx="37">
+                  <c:v>gcc_200</c:v>
+                </c:pt>
+                <c:pt idx="38">
+                  <c:v>gcc_typeck</c:v>
+                </c:pt>
+                <c:pt idx="39">
+                  <c:v>povray</c:v>
+                </c:pt>
+                <c:pt idx="40">
+                  <c:v>dealII</c:v>
+                </c:pt>
+                <c:pt idx="41">
+                  <c:v>namd</c:v>
+                </c:pt>
+                <c:pt idx="42">
+                  <c:v>gcc_scilab</c:v>
+                </c:pt>
+                <c:pt idx="43">
+                  <c:v>gobmk_nngs</c:v>
+                </c:pt>
+                <c:pt idx="44">
+                  <c:v>bwaves</c:v>
+                </c:pt>
+                <c:pt idx="45">
                   <c:v>soplex_ref</c:v>
                 </c:pt>
-                <c:pt idx="2">
-                  <c:v>bzip2_source</c:v>
-                </c:pt>
-                <c:pt idx="3">
-                  <c:v>gcc_cpdecl</c:v>
-                </c:pt>
-                <c:pt idx="4">
-                  <c:v>perlbench_splitmail</c:v>
-                </c:pt>
-                <c:pt idx="5">
-                  <c:v>sphinx3</c:v>
-                </c:pt>
-                <c:pt idx="6">
-                  <c:v>gromacs</c:v>
-                </c:pt>
-                <c:pt idx="7">
-                  <c:v>gamess_gradient</c:v>
-                </c:pt>
-                <c:pt idx="8">
-                  <c:v>povray</c:v>
-                </c:pt>
-                <c:pt idx="9">
-                  <c:v>gobmk_trevorc</c:v>
-                </c:pt>
-                <c:pt idx="10">
-                  <c:v>perlbench_checkspam</c:v>
-                </c:pt>
-                <c:pt idx="11">
-                  <c:v>gobmk_trevord</c:v>
-                </c:pt>
-                <c:pt idx="12">
-                  <c:v>gobmk_13x13</c:v>
-                </c:pt>
-                <c:pt idx="13">
-                  <c:v>lbm</c:v>
-                </c:pt>
-                <c:pt idx="14">
-                  <c:v>gcc_s04</c:v>
-                </c:pt>
-                <c:pt idx="15">
-                  <c:v>xalancbmk</c:v>
-                </c:pt>
-                <c:pt idx="16">
-                  <c:v>calculix</c:v>
-                </c:pt>
-                <c:pt idx="17">
+                <c:pt idx="46">
+                  <c:v>gobmk_score2</c:v>
+                </c:pt>
+                <c:pt idx="47">
                   <c:v>GemsFDTD</c:v>
-                </c:pt>
-                <c:pt idx="18">
-                  <c:v>gobmk_nngs</c:v>
-                </c:pt>
-                <c:pt idx="19">
-                  <c:v>gcc_typeck</c:v>
-                </c:pt>
-                <c:pt idx="20">
-                  <c:v>leslie3d</c:v>
-                </c:pt>
-                <c:pt idx="21">
-                  <c:v>gcc_166</c:v>
-                </c:pt>
-                <c:pt idx="22">
-                  <c:v>astar_biglakes</c:v>
-                </c:pt>
-                <c:pt idx="23">
-                  <c:v>gcc_scilab</c:v>
-                </c:pt>
-                <c:pt idx="24">
-                  <c:v>dealII</c:v>
-                </c:pt>
-                <c:pt idx="25">
-                  <c:v>hmmer_retro</c:v>
-                </c:pt>
-                <c:pt idx="26">
-                  <c:v>gamess_triazolium</c:v>
-                </c:pt>
-                <c:pt idx="27">
-                  <c:v>soplex_pds</c:v>
-                </c:pt>
-                <c:pt idx="28">
-                  <c:v>zeusmp</c:v>
-                </c:pt>
-                <c:pt idx="29">
-                  <c:v>tonto</c:v>
-                </c:pt>
-                <c:pt idx="30">
-                  <c:v>namd</c:v>
-                </c:pt>
-                <c:pt idx="31">
-                  <c:v>cactusADM</c:v>
-                </c:pt>
-                <c:pt idx="32">
-                  <c:v>milc</c:v>
-                </c:pt>
-                <c:pt idx="33">
-                  <c:v>bzip2_html</c:v>
-                </c:pt>
-                <c:pt idx="34">
-                  <c:v>astar_rivers</c:v>
-                </c:pt>
-                <c:pt idx="35">
-                  <c:v>bwaves</c:v>
-                </c:pt>
-                <c:pt idx="36">
-                  <c:v>mcf</c:v>
-                </c:pt>
-                <c:pt idx="37">
-                  <c:v>bzip2_program</c:v>
-                </c:pt>
-                <c:pt idx="38">
-                  <c:v>bzip2_liberty</c:v>
-                </c:pt>
-                <c:pt idx="39">
-                  <c:v>gcc_g23</c:v>
-                </c:pt>
-                <c:pt idx="40">
-                  <c:v>gobmk_score2</c:v>
-                </c:pt>
-                <c:pt idx="41">
-                  <c:v>h264ref_sss</c:v>
-                </c:pt>
-                <c:pt idx="42">
-                  <c:v>gcc_expr2</c:v>
-                </c:pt>
-                <c:pt idx="43">
-                  <c:v>omnetpp</c:v>
-                </c:pt>
-                <c:pt idx="44">
-                  <c:v>bzip2_combined</c:v>
-                </c:pt>
-                <c:pt idx="45">
-                  <c:v>bzip2_chicken</c:v>
-                </c:pt>
-                <c:pt idx="46">
-                  <c:v>perlbench_diffmail</c:v>
-                </c:pt>
-                <c:pt idx="47">
-                  <c:v>gcc_200</c:v>
                 </c:pt>
                 <c:pt idx="48">
                   <c:v>h264ref_foreman</c:v>
                 </c:pt>
                 <c:pt idx="49">
-                  <c:v>sjeng</c:v>
+                  <c:v>cactusADM</c:v>
                 </c:pt>
                 <c:pt idx="50">
-                  <c:v>libquantum</c:v>
+                  <c:v>hmmer_retro</c:v>
                 </c:pt>
                 <c:pt idx="51">
-                  <c:v>hmmer_nph3</c:v>
+                  <c:v>xalancbmk</c:v>
                 </c:pt>
                 <c:pt idx="52">
-                  <c:v>gcc_expr</c:v>
+                  <c:v>perlbench_diffmail</c:v>
                 </c:pt>
               </c:strCache>
             </c:strRef>
@@ -388,163 +393,163 @@
                 <c:formatCode>General</c:formatCode>
                 <c:ptCount val="53"/>
                 <c:pt idx="0">
-                  <c:v>0.88224303999999998</c:v>
+                  <c:v>23.668195999999998</c:v>
                 </c:pt>
                 <c:pt idx="1">
-                  <c:v>4.7568729999999997</c:v>
+                  <c:v>1.9265441000000001</c:v>
                 </c:pt>
                 <c:pt idx="2">
-                  <c:v>13.467364</c:v>
+                  <c:v>8.9583539999999999</c:v>
                 </c:pt>
                 <c:pt idx="3">
-                  <c:v>6.4219160000000004</c:v>
+                  <c:v>0.25304145</c:v>
                 </c:pt>
                 <c:pt idx="4">
-                  <c:v>3.8881454</c:v>
+                  <c:v>0.79128679999999996</c:v>
                 </c:pt>
                 <c:pt idx="5">
-                  <c:v>2.9932281999999999</c:v>
+                  <c:v>6.9000000000000006E-2</c:v>
                 </c:pt>
                 <c:pt idx="6">
-                  <c:v>2.2702441000000002</c:v>
+                  <c:v>3.1443563000000001</c:v>
                 </c:pt>
                 <c:pt idx="7">
-                  <c:v>0.46495429999999999</c:v>
+                  <c:v>1.7412300000000001</c:v>
                 </c:pt>
                 <c:pt idx="8">
-                  <c:v>4.6925673000000003</c:v>
+                  <c:v>3.9514174</c:v>
                 </c:pt>
                 <c:pt idx="9">
-                  <c:v>16.115213000000001</c:v>
+                  <c:v>14.039173999999999</c:v>
                 </c:pt>
                 <c:pt idx="10">
-                  <c:v>4.7869710000000003</c:v>
+                  <c:v>0.51279706000000003</c:v>
                 </c:pt>
                 <c:pt idx="11">
-                  <c:v>13.85791</c:v>
+                  <c:v>2.6316199999999998</c:v>
                 </c:pt>
                 <c:pt idx="12">
-                  <c:v>17.636744</c:v>
+                  <c:v>7.1840000000000002</c:v>
                 </c:pt>
                 <c:pt idx="13">
-                  <c:v>6.9000000000000006E-2</c:v>
+                  <c:v>1.2414098</c:v>
                 </c:pt>
                 <c:pt idx="14">
-                  <c:v>2.4015567</c:v>
+                  <c:v>0.70216650000000003</c:v>
                 </c:pt>
                 <c:pt idx="15">
-                  <c:v>3.1338582000000001</c:v>
+                  <c:v>2.6777769E-2</c:v>
                 </c:pt>
                 <c:pt idx="16">
-                  <c:v>0.97840285000000005</c:v>
+                  <c:v>7.6728333000000001E-3</c:v>
                 </c:pt>
                 <c:pt idx="17">
+                  <c:v>2.7255530000000001</c:v>
+                </c:pt>
+                <c:pt idx="18">
+                  <c:v>2.1422997000000001</c:v>
+                </c:pt>
+                <c:pt idx="19">
+                  <c:v>16.202905999999999</c:v>
+                </c:pt>
+                <c:pt idx="20">
+                  <c:v>15.892545999999999</c:v>
+                </c:pt>
+                <c:pt idx="21">
+                  <c:v>0.81029903999999997</c:v>
+                </c:pt>
+                <c:pt idx="22">
+                  <c:v>14.383677</c:v>
+                </c:pt>
+                <c:pt idx="23">
+                  <c:v>5.8166000000000002</c:v>
+                </c:pt>
+                <c:pt idx="24">
+                  <c:v>5.9972180000000002</c:v>
+                </c:pt>
+                <c:pt idx="25">
+                  <c:v>1.0391347</c:v>
+                </c:pt>
+                <c:pt idx="26">
+                  <c:v>0.16561862999999999</c:v>
+                </c:pt>
+                <c:pt idx="27">
+                  <c:v>18.311802</c:v>
+                </c:pt>
+                <c:pt idx="28">
+                  <c:v>3.3397597999999999</c:v>
+                </c:pt>
+                <c:pt idx="29">
+                  <c:v>9.6393540000000009</c:v>
+                </c:pt>
+                <c:pt idx="30">
+                  <c:v>18.145852999999999</c:v>
+                </c:pt>
+                <c:pt idx="31">
+                  <c:v>0.97682740000000001</c:v>
+                </c:pt>
+                <c:pt idx="32">
+                  <c:v>8.8853019999999994</c:v>
+                </c:pt>
+                <c:pt idx="33">
+                  <c:v>4.2473391999999999</c:v>
+                </c:pt>
+                <c:pt idx="34">
+                  <c:v>2.2571702</c:v>
+                </c:pt>
+                <c:pt idx="35">
+                  <c:v>16.547913000000001</c:v>
+                </c:pt>
+                <c:pt idx="36">
+                  <c:v>14.850984</c:v>
+                </c:pt>
+                <c:pt idx="37">
+                  <c:v>6.3887280000000004</c:v>
+                </c:pt>
+                <c:pt idx="38">
+                  <c:v>3.0478778000000002</c:v>
+                </c:pt>
+                <c:pt idx="39">
+                  <c:v>2.2954438000000001</c:v>
+                </c:pt>
+                <c:pt idx="40">
+                  <c:v>1.2001714999999999</c:v>
+                </c:pt>
+                <c:pt idx="41">
+                  <c:v>2.5944001999999999</c:v>
+                </c:pt>
+                <c:pt idx="42">
+                  <c:v>7.4673309999999997</c:v>
+                </c:pt>
+                <c:pt idx="43">
+                  <c:v>14.939655999999999</c:v>
+                </c:pt>
+                <c:pt idx="44">
+                  <c:v>9.9999989999999999E-4</c:v>
+                </c:pt>
+                <c:pt idx="45">
+                  <c:v>5.9304733000000001</c:v>
+                </c:pt>
+                <c:pt idx="46">
+                  <c:v>16.189416999999999</c:v>
+                </c:pt>
+                <c:pt idx="47">
                   <c:v>2.8770787999999999E-2</c:v>
                 </c:pt>
-                <c:pt idx="18">
-                  <c:v>14.142481</c:v>
-                </c:pt>
-                <c:pt idx="19">
-                  <c:v>3.4075587000000001</c:v>
-                </c:pt>
-                <c:pt idx="20">
-                  <c:v>2.6777769E-2</c:v>
-                </c:pt>
-                <c:pt idx="21">
-                  <c:v>2.6343236000000001</c:v>
-                </c:pt>
-                <c:pt idx="22">
-                  <c:v>8.7449729999999999</c:v>
-                </c:pt>
-                <c:pt idx="23">
-                  <c:v>10.11511</c:v>
-                </c:pt>
-                <c:pt idx="24">
-                  <c:v>1.3553644</c:v>
-                </c:pt>
-                <c:pt idx="25">
-                  <c:v>16.690605000000001</c:v>
-                </c:pt>
-                <c:pt idx="26">
-                  <c:v>0.30435449999999997</c:v>
-                </c:pt>
-                <c:pt idx="27">
-                  <c:v>13.805327</c:v>
-                </c:pt>
-                <c:pt idx="28">
-                  <c:v>7.6728333000000001E-3</c:v>
-                </c:pt>
-                <c:pt idx="29">
-                  <c:v>0.70623329999999995</c:v>
-                </c:pt>
-                <c:pt idx="30">
-                  <c:v>2.589661</c:v>
-                </c:pt>
-                <c:pt idx="31">
+                <c:pt idx="48">
+                  <c:v>2.4500867999999998</c:v>
+                </c:pt>
+                <c:pt idx="49">
                   <c:v>5.0000000000000001E-3</c:v>
                 </c:pt>
-                <c:pt idx="32">
-                  <c:v>0.25285760000000002</c:v>
-                </c:pt>
-                <c:pt idx="33">
-                  <c:v>5.4942045000000004</c:v>
-                </c:pt>
-                <c:pt idx="34">
-                  <c:v>18.242560999999998</c:v>
-                </c:pt>
-                <c:pt idx="35">
-                  <c:v>9.9999989999999999E-4</c:v>
-                </c:pt>
-                <c:pt idx="36">
-                  <c:v>23.116554000000001</c:v>
-                </c:pt>
-                <c:pt idx="37">
-                  <c:v>8.7075359999999993</c:v>
-                </c:pt>
-                <c:pt idx="38">
-                  <c:v>2.6143703</c:v>
-                </c:pt>
-                <c:pt idx="39">
-                  <c:v>0.78764707</c:v>
-                </c:pt>
-                <c:pt idx="40">
-                  <c:v>15.036987</c:v>
-                </c:pt>
-                <c:pt idx="41">
-                  <c:v>1.7492002</c:v>
-                </c:pt>
-                <c:pt idx="42">
-                  <c:v>3.4022380000000001</c:v>
-                </c:pt>
-                <c:pt idx="43">
-                  <c:v>7.6609999999999996</c:v>
-                </c:pt>
-                <c:pt idx="44">
-                  <c:v>13.391341000000001</c:v>
-                </c:pt>
-                <c:pt idx="45">
-                  <c:v>5.1674785999999999</c:v>
-                </c:pt>
-                <c:pt idx="46">
-                  <c:v>0.98499994999999996</c:v>
-                </c:pt>
-                <c:pt idx="47">
-                  <c:v>7.7431307</c:v>
-                </c:pt>
-                <c:pt idx="48">
-                  <c:v>2.4972413000000002</c:v>
-                </c:pt>
-                <c:pt idx="49">
-                  <c:v>8.0568939999999998</c:v>
-                </c:pt>
                 <c:pt idx="50">
-                  <c:v>0.33367246</c:v>
+                  <c:v>16.617419999999999</c:v>
                 </c:pt>
                 <c:pt idx="51">
-                  <c:v>16.186375000000002</c:v>
+                  <c:v>2.5678011999999999</c:v>
                 </c:pt>
                 <c:pt idx="52">
-                  <c:v>0.16519919</c:v>
+                  <c:v>0.94</c:v>
                 </c:pt>
               </c:numCache>
             </c:numRef>
@@ -564,7 +569,7 @@
               <c:strCache>
                 <c:ptCount val="1"/>
                 <c:pt idx="0">
-                  <c:v>decoupled</c:v>
+                  <c:v>decoupled_last</c:v>
                 </c:pt>
               </c:strCache>
             </c:strRef>
@@ -585,163 +590,163 @@
               <c:strCache>
                 <c:ptCount val="53"/>
                 <c:pt idx="0">
+                  <c:v>mcf</c:v>
+                </c:pt>
+                <c:pt idx="1">
+                  <c:v>gcc_s04</c:v>
+                </c:pt>
+                <c:pt idx="2">
+                  <c:v>astar_biglakes</c:v>
+                </c:pt>
+                <c:pt idx="3">
+                  <c:v>milc</c:v>
+                </c:pt>
+                <c:pt idx="4">
+                  <c:v>libquantum</c:v>
+                </c:pt>
+                <c:pt idx="5">
+                  <c:v>lbm</c:v>
+                </c:pt>
+                <c:pt idx="6">
+                  <c:v>sphinx3</c:v>
+                </c:pt>
+                <c:pt idx="7">
+                  <c:v>h264ref_sss</c:v>
+                </c:pt>
+                <c:pt idx="8">
+                  <c:v>perlbench_checkspam</c:v>
+                </c:pt>
+                <c:pt idx="9">
+                  <c:v>bzip2_combined</c:v>
+                </c:pt>
+                <c:pt idx="10">
+                  <c:v>gamess_gradient</c:v>
+                </c:pt>
+                <c:pt idx="11">
+                  <c:v>bzip2_liberty</c:v>
+                </c:pt>
+                <c:pt idx="12">
+                  <c:v>omnetpp</c:v>
+                </c:pt>
+                <c:pt idx="13">
+                  <c:v>gamess_triazolium</c:v>
+                </c:pt>
+                <c:pt idx="14">
+                  <c:v>tonto</c:v>
+                </c:pt>
+                <c:pt idx="15">
+                  <c:v>leslie3d</c:v>
+                </c:pt>
+                <c:pt idx="16">
+                  <c:v>zeusmp</c:v>
+                </c:pt>
+                <c:pt idx="17">
+                  <c:v>gcc_expr2</c:v>
+                </c:pt>
+                <c:pt idx="18">
+                  <c:v>gromacs</c:v>
+                </c:pt>
+                <c:pt idx="19">
+                  <c:v>hmmer_nph3</c:v>
+                </c:pt>
+                <c:pt idx="20">
+                  <c:v>soplex_pds</c:v>
+                </c:pt>
+                <c:pt idx="21">
+                  <c:v>gcc_g23</c:v>
+                </c:pt>
+                <c:pt idx="22">
+                  <c:v>bzip2_source</c:v>
+                </c:pt>
+                <c:pt idx="23">
+                  <c:v>bzip2_chicken</c:v>
+                </c:pt>
+                <c:pt idx="24">
+                  <c:v>bzip2_html</c:v>
+                </c:pt>
+                <c:pt idx="25">
                   <c:v>gamess_cytosine</c:v>
                 </c:pt>
-                <c:pt idx="1">
+                <c:pt idx="26">
+                  <c:v>gcc_expr</c:v>
+                </c:pt>
+                <c:pt idx="27">
+                  <c:v>gobmk_13x13</c:v>
+                </c:pt>
+                <c:pt idx="28">
+                  <c:v>perlbench_splitmail</c:v>
+                </c:pt>
+                <c:pt idx="29">
+                  <c:v>bzip2_program</c:v>
+                </c:pt>
+                <c:pt idx="30">
+                  <c:v>astar_rivers</c:v>
+                </c:pt>
+                <c:pt idx="31">
+                  <c:v>calculix</c:v>
+                </c:pt>
+                <c:pt idx="32">
+                  <c:v>sjeng</c:v>
+                </c:pt>
+                <c:pt idx="33">
+                  <c:v>gcc_cpdecl</c:v>
+                </c:pt>
+                <c:pt idx="34">
+                  <c:v>gcc_166</c:v>
+                </c:pt>
+                <c:pt idx="35">
+                  <c:v>gobmk_trevorc</c:v>
+                </c:pt>
+                <c:pt idx="36">
+                  <c:v>gobmk_trevord</c:v>
+                </c:pt>
+                <c:pt idx="37">
+                  <c:v>gcc_200</c:v>
+                </c:pt>
+                <c:pt idx="38">
+                  <c:v>gcc_typeck</c:v>
+                </c:pt>
+                <c:pt idx="39">
+                  <c:v>povray</c:v>
+                </c:pt>
+                <c:pt idx="40">
+                  <c:v>dealII</c:v>
+                </c:pt>
+                <c:pt idx="41">
+                  <c:v>namd</c:v>
+                </c:pt>
+                <c:pt idx="42">
+                  <c:v>gcc_scilab</c:v>
+                </c:pt>
+                <c:pt idx="43">
+                  <c:v>gobmk_nngs</c:v>
+                </c:pt>
+                <c:pt idx="44">
+                  <c:v>bwaves</c:v>
+                </c:pt>
+                <c:pt idx="45">
                   <c:v>soplex_ref</c:v>
                 </c:pt>
-                <c:pt idx="2">
-                  <c:v>bzip2_source</c:v>
-                </c:pt>
-                <c:pt idx="3">
-                  <c:v>gcc_cpdecl</c:v>
-                </c:pt>
-                <c:pt idx="4">
-                  <c:v>perlbench_splitmail</c:v>
-                </c:pt>
-                <c:pt idx="5">
-                  <c:v>sphinx3</c:v>
-                </c:pt>
-                <c:pt idx="6">
-                  <c:v>gromacs</c:v>
-                </c:pt>
-                <c:pt idx="7">
-                  <c:v>gamess_gradient</c:v>
-                </c:pt>
-                <c:pt idx="8">
-                  <c:v>povray</c:v>
-                </c:pt>
-                <c:pt idx="9">
-                  <c:v>gobmk_trevorc</c:v>
-                </c:pt>
-                <c:pt idx="10">
-                  <c:v>perlbench_checkspam</c:v>
-                </c:pt>
-                <c:pt idx="11">
-                  <c:v>gobmk_trevord</c:v>
-                </c:pt>
-                <c:pt idx="12">
-                  <c:v>gobmk_13x13</c:v>
-                </c:pt>
-                <c:pt idx="13">
-                  <c:v>lbm</c:v>
-                </c:pt>
-                <c:pt idx="14">
-                  <c:v>gcc_s04</c:v>
-                </c:pt>
-                <c:pt idx="15">
-                  <c:v>xalancbmk</c:v>
-                </c:pt>
-                <c:pt idx="16">
-                  <c:v>calculix</c:v>
-                </c:pt>
-                <c:pt idx="17">
+                <c:pt idx="46">
+                  <c:v>gobmk_score2</c:v>
+                </c:pt>
+                <c:pt idx="47">
                   <c:v>GemsFDTD</c:v>
-                </c:pt>
-                <c:pt idx="18">
-                  <c:v>gobmk_nngs</c:v>
-                </c:pt>
-                <c:pt idx="19">
-                  <c:v>gcc_typeck</c:v>
-                </c:pt>
-                <c:pt idx="20">
-                  <c:v>leslie3d</c:v>
-                </c:pt>
-                <c:pt idx="21">
-                  <c:v>gcc_166</c:v>
-                </c:pt>
-                <c:pt idx="22">
-                  <c:v>astar_biglakes</c:v>
-                </c:pt>
-                <c:pt idx="23">
-                  <c:v>gcc_scilab</c:v>
-                </c:pt>
-                <c:pt idx="24">
-                  <c:v>dealII</c:v>
-                </c:pt>
-                <c:pt idx="25">
-                  <c:v>hmmer_retro</c:v>
-                </c:pt>
-                <c:pt idx="26">
-                  <c:v>gamess_triazolium</c:v>
-                </c:pt>
-                <c:pt idx="27">
-                  <c:v>soplex_pds</c:v>
-                </c:pt>
-                <c:pt idx="28">
-                  <c:v>zeusmp</c:v>
-                </c:pt>
-                <c:pt idx="29">
-                  <c:v>tonto</c:v>
-                </c:pt>
-                <c:pt idx="30">
-                  <c:v>namd</c:v>
-                </c:pt>
-                <c:pt idx="31">
-                  <c:v>cactusADM</c:v>
-                </c:pt>
-                <c:pt idx="32">
-                  <c:v>milc</c:v>
-                </c:pt>
-                <c:pt idx="33">
-                  <c:v>bzip2_html</c:v>
-                </c:pt>
-                <c:pt idx="34">
-                  <c:v>astar_rivers</c:v>
-                </c:pt>
-                <c:pt idx="35">
-                  <c:v>bwaves</c:v>
-                </c:pt>
-                <c:pt idx="36">
-                  <c:v>mcf</c:v>
-                </c:pt>
-                <c:pt idx="37">
-                  <c:v>bzip2_program</c:v>
-                </c:pt>
-                <c:pt idx="38">
-                  <c:v>bzip2_liberty</c:v>
-                </c:pt>
-                <c:pt idx="39">
-                  <c:v>gcc_g23</c:v>
-                </c:pt>
-                <c:pt idx="40">
-                  <c:v>gobmk_score2</c:v>
-                </c:pt>
-                <c:pt idx="41">
-                  <c:v>h264ref_sss</c:v>
-                </c:pt>
-                <c:pt idx="42">
-                  <c:v>gcc_expr2</c:v>
-                </c:pt>
-                <c:pt idx="43">
-                  <c:v>omnetpp</c:v>
-                </c:pt>
-                <c:pt idx="44">
-                  <c:v>bzip2_combined</c:v>
-                </c:pt>
-                <c:pt idx="45">
-                  <c:v>bzip2_chicken</c:v>
-                </c:pt>
-                <c:pt idx="46">
-                  <c:v>perlbench_diffmail</c:v>
-                </c:pt>
-                <c:pt idx="47">
-                  <c:v>gcc_200</c:v>
                 </c:pt>
                 <c:pt idx="48">
                   <c:v>h264ref_foreman</c:v>
                 </c:pt>
                 <c:pt idx="49">
-                  <c:v>sjeng</c:v>
+                  <c:v>cactusADM</c:v>
                 </c:pt>
                 <c:pt idx="50">
-                  <c:v>libquantum</c:v>
+                  <c:v>hmmer_retro</c:v>
                 </c:pt>
                 <c:pt idx="51">
-                  <c:v>hmmer_nph3</c:v>
+                  <c:v>xalancbmk</c:v>
                 </c:pt>
                 <c:pt idx="52">
-                  <c:v>gcc_expr</c:v>
+                  <c:v>perlbench_diffmail</c:v>
                 </c:pt>
               </c:strCache>
             </c:strRef>
@@ -753,163 +758,163 @@
                 <c:formatCode>General</c:formatCode>
                 <c:ptCount val="53"/>
                 <c:pt idx="0">
-                  <c:v>1.4636035000000001</c:v>
+                  <c:v>23.116554000000001</c:v>
                 </c:pt>
                 <c:pt idx="1">
-                  <c:v>10.061023</c:v>
+                  <c:v>2.4015567</c:v>
                 </c:pt>
                 <c:pt idx="2">
-                  <c:v>14.603217000000001</c:v>
+                  <c:v>8.7449729999999999</c:v>
                 </c:pt>
                 <c:pt idx="3">
-                  <c:v>4.0568476000000002</c:v>
+                  <c:v>0.25285760000000002</c:v>
                 </c:pt>
                 <c:pt idx="4">
-                  <c:v>0.55738560000000004</c:v>
+                  <c:v>0.33367246</c:v>
                 </c:pt>
                 <c:pt idx="5">
-                  <c:v>4.7518589999999996</c:v>
+                  <c:v>6.9000000000000006E-2</c:v>
                 </c:pt>
                 <c:pt idx="6">
-                  <c:v>3.1050095999999998</c:v>
+                  <c:v>2.9932281999999999</c:v>
                 </c:pt>
                 <c:pt idx="7">
-                  <c:v>0.85661240000000005</c:v>
+                  <c:v>1.7492002</c:v>
                 </c:pt>
                 <c:pt idx="8">
-                  <c:v>1.1826970000000001</c:v>
+                  <c:v>4.7869710000000003</c:v>
                 </c:pt>
                 <c:pt idx="9">
-                  <c:v>20.019694999999999</c:v>
+                  <c:v>13.391341000000001</c:v>
                 </c:pt>
                 <c:pt idx="10">
-                  <c:v>6.8700833000000001</c:v>
+                  <c:v>0.46495429999999999</c:v>
                 </c:pt>
                 <c:pt idx="11">
-                  <c:v>19.292605999999999</c:v>
+                  <c:v>2.6143703</c:v>
                 </c:pt>
                 <c:pt idx="12">
-                  <c:v>21.922498999999998</c:v>
+                  <c:v>7.6609999999999996</c:v>
                 </c:pt>
                 <c:pt idx="13">
-                  <c:v>4.2999997999999998E-2</c:v>
+                  <c:v>0.30435449999999997</c:v>
                 </c:pt>
                 <c:pt idx="14">
-                  <c:v>5.9424963000000002</c:v>
+                  <c:v>0.70623329999999995</c:v>
                 </c:pt>
                 <c:pt idx="15">
-                  <c:v>1.9985253999999999</c:v>
+                  <c:v>2.6777769E-2</c:v>
                 </c:pt>
                 <c:pt idx="16">
-                  <c:v>0.2155754</c:v>
+                  <c:v>7.6728333000000001E-3</c:v>
                 </c:pt>
                 <c:pt idx="17">
-                  <c:v>0.17032206</c:v>
+                  <c:v>3.4022380000000001</c:v>
                 </c:pt>
                 <c:pt idx="18">
-                  <c:v>18.844906000000002</c:v>
+                  <c:v>2.2702441000000002</c:v>
                 </c:pt>
                 <c:pt idx="19">
-                  <c:v>6.8098039999999997</c:v>
+                  <c:v>16.186375000000002</c:v>
                 </c:pt>
                 <c:pt idx="20">
-                  <c:v>0.60079145</c:v>
+                  <c:v>13.805327</c:v>
                 </c:pt>
                 <c:pt idx="21">
-                  <c:v>1.9557424000000001</c:v>
+                  <c:v>0.78764707</c:v>
                 </c:pt>
                 <c:pt idx="22">
-                  <c:v>12.302182999999999</c:v>
+                  <c:v>13.467364</c:v>
                 </c:pt>
                 <c:pt idx="23">
-                  <c:v>22.292937999999999</c:v>
+                  <c:v>5.1674785999999999</c:v>
                 </c:pt>
                 <c:pt idx="24">
-                  <c:v>1.7805283000000001</c:v>
+                  <c:v>5.4942045000000004</c:v>
                 </c:pt>
                 <c:pt idx="25">
-                  <c:v>21.567587</c:v>
+                  <c:v>0.88224303999999998</c:v>
                 </c:pt>
                 <c:pt idx="26">
-                  <c:v>0.37352760000000002</c:v>
+                  <c:v>0.16519919</c:v>
                 </c:pt>
                 <c:pt idx="27">
-                  <c:v>25.863738999999999</c:v>
+                  <c:v>17.636744</c:v>
                 </c:pt>
                 <c:pt idx="28">
-                  <c:v>3.4483134999999998E-2</c:v>
+                  <c:v>3.8881454</c:v>
                 </c:pt>
                 <c:pt idx="29">
-                  <c:v>1.0302906999999999</c:v>
+                  <c:v>8.7075359999999993</c:v>
                 </c:pt>
                 <c:pt idx="30">
-                  <c:v>4.3175990000000004</c:v>
+                  <c:v>18.242560999999998</c:v>
                 </c:pt>
                 <c:pt idx="31">
-                  <c:v>0.01</c:v>
+                  <c:v>0.97840285000000005</c:v>
                 </c:pt>
                 <c:pt idx="32">
-                  <c:v>5.5415793999999997E-2</c:v>
+                  <c:v>8.0568939999999998</c:v>
                 </c:pt>
                 <c:pt idx="33">
-                  <c:v>5.2404849999999996</c:v>
+                  <c:v>6.4219160000000004</c:v>
                 </c:pt>
                 <c:pt idx="34">
-                  <c:v>25.714046</c:v>
+                  <c:v>2.6343236000000001</c:v>
                 </c:pt>
                 <c:pt idx="35">
-                  <c:v>1.6129998999999999</c:v>
+                  <c:v>16.115213000000001</c:v>
                 </c:pt>
                 <c:pt idx="36">
-                  <c:v>42.272742999999998</c:v>
+                  <c:v>13.85791</c:v>
                 </c:pt>
                 <c:pt idx="37">
-                  <c:v>9.9910964999999994</c:v>
+                  <c:v>7.7431307</c:v>
                 </c:pt>
                 <c:pt idx="38">
-                  <c:v>3.2043083000000001</c:v>
+                  <c:v>3.4075587000000001</c:v>
                 </c:pt>
                 <c:pt idx="39">
-                  <c:v>0.42229220000000001</c:v>
+                  <c:v>4.6925673000000003</c:v>
                 </c:pt>
                 <c:pt idx="40">
-                  <c:v>20.008182999999999</c:v>
+                  <c:v>1.3553644</c:v>
                 </c:pt>
                 <c:pt idx="41">
-                  <c:v>1.1453567</c:v>
+                  <c:v>2.589661</c:v>
                 </c:pt>
                 <c:pt idx="42">
-                  <c:v>7.2543553999999997</c:v>
+                  <c:v>10.11511</c:v>
                 </c:pt>
                 <c:pt idx="43">
-                  <c:v>5.9779999999999998</c:v>
+                  <c:v>14.142481</c:v>
                 </c:pt>
                 <c:pt idx="44">
-                  <c:v>14.173983</c:v>
+                  <c:v>9.9999989999999999E-4</c:v>
                 </c:pt>
                 <c:pt idx="45">
-                  <c:v>6.6338239999999997</c:v>
+                  <c:v>4.7568729999999997</c:v>
                 </c:pt>
                 <c:pt idx="46">
-                  <c:v>0.52900000000000003</c:v>
+                  <c:v>15.036987</c:v>
                 </c:pt>
                 <c:pt idx="47">
-                  <c:v>13.341879</c:v>
+                  <c:v>2.8770787999999999E-2</c:v>
                 </c:pt>
                 <c:pt idx="48">
-                  <c:v>1.7439321000000001</c:v>
+                  <c:v>2.4972413000000002</c:v>
                 </c:pt>
                 <c:pt idx="49">
-                  <c:v>13.265883000000001</c:v>
+                  <c:v>5.0000000000000001E-3</c:v>
                 </c:pt>
                 <c:pt idx="50">
-                  <c:v>3.2850160000000003E-2</c:v>
+                  <c:v>16.690605000000001</c:v>
                 </c:pt>
                 <c:pt idx="51">
-                  <c:v>20.045936999999999</c:v>
+                  <c:v>3.1338582000000001</c:v>
                 </c:pt>
                 <c:pt idx="52">
-                  <c:v>0.12574099</c:v>
+                  <c:v>0.98499994999999996</c:v>
                 </c:pt>
               </c:numCache>
             </c:numRef>
@@ -929,7 +934,7 @@
               <c:strCache>
                 <c:ptCount val="1"/>
                 <c:pt idx="0">
-                  <c:v>coupled</c:v>
+                  <c:v>decoupled</c:v>
                 </c:pt>
               </c:strCache>
             </c:strRef>
@@ -950,163 +955,163 @@
               <c:strCache>
                 <c:ptCount val="53"/>
                 <c:pt idx="0">
+                  <c:v>mcf</c:v>
+                </c:pt>
+                <c:pt idx="1">
+                  <c:v>gcc_s04</c:v>
+                </c:pt>
+                <c:pt idx="2">
+                  <c:v>astar_biglakes</c:v>
+                </c:pt>
+                <c:pt idx="3">
+                  <c:v>milc</c:v>
+                </c:pt>
+                <c:pt idx="4">
+                  <c:v>libquantum</c:v>
+                </c:pt>
+                <c:pt idx="5">
+                  <c:v>lbm</c:v>
+                </c:pt>
+                <c:pt idx="6">
+                  <c:v>sphinx3</c:v>
+                </c:pt>
+                <c:pt idx="7">
+                  <c:v>h264ref_sss</c:v>
+                </c:pt>
+                <c:pt idx="8">
+                  <c:v>perlbench_checkspam</c:v>
+                </c:pt>
+                <c:pt idx="9">
+                  <c:v>bzip2_combined</c:v>
+                </c:pt>
+                <c:pt idx="10">
+                  <c:v>gamess_gradient</c:v>
+                </c:pt>
+                <c:pt idx="11">
+                  <c:v>bzip2_liberty</c:v>
+                </c:pt>
+                <c:pt idx="12">
+                  <c:v>omnetpp</c:v>
+                </c:pt>
+                <c:pt idx="13">
+                  <c:v>gamess_triazolium</c:v>
+                </c:pt>
+                <c:pt idx="14">
+                  <c:v>tonto</c:v>
+                </c:pt>
+                <c:pt idx="15">
+                  <c:v>leslie3d</c:v>
+                </c:pt>
+                <c:pt idx="16">
+                  <c:v>zeusmp</c:v>
+                </c:pt>
+                <c:pt idx="17">
+                  <c:v>gcc_expr2</c:v>
+                </c:pt>
+                <c:pt idx="18">
+                  <c:v>gromacs</c:v>
+                </c:pt>
+                <c:pt idx="19">
+                  <c:v>hmmer_nph3</c:v>
+                </c:pt>
+                <c:pt idx="20">
+                  <c:v>soplex_pds</c:v>
+                </c:pt>
+                <c:pt idx="21">
+                  <c:v>gcc_g23</c:v>
+                </c:pt>
+                <c:pt idx="22">
+                  <c:v>bzip2_source</c:v>
+                </c:pt>
+                <c:pt idx="23">
+                  <c:v>bzip2_chicken</c:v>
+                </c:pt>
+                <c:pt idx="24">
+                  <c:v>bzip2_html</c:v>
+                </c:pt>
+                <c:pt idx="25">
                   <c:v>gamess_cytosine</c:v>
                 </c:pt>
-                <c:pt idx="1">
+                <c:pt idx="26">
+                  <c:v>gcc_expr</c:v>
+                </c:pt>
+                <c:pt idx="27">
+                  <c:v>gobmk_13x13</c:v>
+                </c:pt>
+                <c:pt idx="28">
+                  <c:v>perlbench_splitmail</c:v>
+                </c:pt>
+                <c:pt idx="29">
+                  <c:v>bzip2_program</c:v>
+                </c:pt>
+                <c:pt idx="30">
+                  <c:v>astar_rivers</c:v>
+                </c:pt>
+                <c:pt idx="31">
+                  <c:v>calculix</c:v>
+                </c:pt>
+                <c:pt idx="32">
+                  <c:v>sjeng</c:v>
+                </c:pt>
+                <c:pt idx="33">
+                  <c:v>gcc_cpdecl</c:v>
+                </c:pt>
+                <c:pt idx="34">
+                  <c:v>gcc_166</c:v>
+                </c:pt>
+                <c:pt idx="35">
+                  <c:v>gobmk_trevorc</c:v>
+                </c:pt>
+                <c:pt idx="36">
+                  <c:v>gobmk_trevord</c:v>
+                </c:pt>
+                <c:pt idx="37">
+                  <c:v>gcc_200</c:v>
+                </c:pt>
+                <c:pt idx="38">
+                  <c:v>gcc_typeck</c:v>
+                </c:pt>
+                <c:pt idx="39">
+                  <c:v>povray</c:v>
+                </c:pt>
+                <c:pt idx="40">
+                  <c:v>dealII</c:v>
+                </c:pt>
+                <c:pt idx="41">
+                  <c:v>namd</c:v>
+                </c:pt>
+                <c:pt idx="42">
+                  <c:v>gcc_scilab</c:v>
+                </c:pt>
+                <c:pt idx="43">
+                  <c:v>gobmk_nngs</c:v>
+                </c:pt>
+                <c:pt idx="44">
+                  <c:v>bwaves</c:v>
+                </c:pt>
+                <c:pt idx="45">
                   <c:v>soplex_ref</c:v>
                 </c:pt>
-                <c:pt idx="2">
-                  <c:v>bzip2_source</c:v>
-                </c:pt>
-                <c:pt idx="3">
-                  <c:v>gcc_cpdecl</c:v>
-                </c:pt>
-                <c:pt idx="4">
-                  <c:v>perlbench_splitmail</c:v>
-                </c:pt>
-                <c:pt idx="5">
-                  <c:v>sphinx3</c:v>
-                </c:pt>
-                <c:pt idx="6">
-                  <c:v>gromacs</c:v>
-                </c:pt>
-                <c:pt idx="7">
-                  <c:v>gamess_gradient</c:v>
-                </c:pt>
-                <c:pt idx="8">
-                  <c:v>povray</c:v>
-                </c:pt>
-                <c:pt idx="9">
-                  <c:v>gobmk_trevorc</c:v>
-                </c:pt>
-                <c:pt idx="10">
-                  <c:v>perlbench_checkspam</c:v>
-                </c:pt>
-                <c:pt idx="11">
-                  <c:v>gobmk_trevord</c:v>
-                </c:pt>
-                <c:pt idx="12">
-                  <c:v>gobmk_13x13</c:v>
-                </c:pt>
-                <c:pt idx="13">
-                  <c:v>lbm</c:v>
-                </c:pt>
-                <c:pt idx="14">
-                  <c:v>gcc_s04</c:v>
-                </c:pt>
-                <c:pt idx="15">
-                  <c:v>xalancbmk</c:v>
-                </c:pt>
-                <c:pt idx="16">
-                  <c:v>calculix</c:v>
-                </c:pt>
-                <c:pt idx="17">
+                <c:pt idx="46">
+                  <c:v>gobmk_score2</c:v>
+                </c:pt>
+                <c:pt idx="47">
                   <c:v>GemsFDTD</c:v>
-                </c:pt>
-                <c:pt idx="18">
-                  <c:v>gobmk_nngs</c:v>
-                </c:pt>
-                <c:pt idx="19">
-                  <c:v>gcc_typeck</c:v>
-                </c:pt>
-                <c:pt idx="20">
-                  <c:v>leslie3d</c:v>
-                </c:pt>
-                <c:pt idx="21">
-                  <c:v>gcc_166</c:v>
-                </c:pt>
-                <c:pt idx="22">
-                  <c:v>astar_biglakes</c:v>
-                </c:pt>
-                <c:pt idx="23">
-                  <c:v>gcc_scilab</c:v>
-                </c:pt>
-                <c:pt idx="24">
-                  <c:v>dealII</c:v>
-                </c:pt>
-                <c:pt idx="25">
-                  <c:v>hmmer_retro</c:v>
-                </c:pt>
-                <c:pt idx="26">
-                  <c:v>gamess_triazolium</c:v>
-                </c:pt>
-                <c:pt idx="27">
-                  <c:v>soplex_pds</c:v>
-                </c:pt>
-                <c:pt idx="28">
-                  <c:v>zeusmp</c:v>
-                </c:pt>
-                <c:pt idx="29">
-                  <c:v>tonto</c:v>
-                </c:pt>
-                <c:pt idx="30">
-                  <c:v>namd</c:v>
-                </c:pt>
-                <c:pt idx="31">
-                  <c:v>cactusADM</c:v>
-                </c:pt>
-                <c:pt idx="32">
-                  <c:v>milc</c:v>
-                </c:pt>
-                <c:pt idx="33">
-                  <c:v>bzip2_html</c:v>
-                </c:pt>
-                <c:pt idx="34">
-                  <c:v>astar_rivers</c:v>
-                </c:pt>
-                <c:pt idx="35">
-                  <c:v>bwaves</c:v>
-                </c:pt>
-                <c:pt idx="36">
-                  <c:v>mcf</c:v>
-                </c:pt>
-                <c:pt idx="37">
-                  <c:v>bzip2_program</c:v>
-                </c:pt>
-                <c:pt idx="38">
-                  <c:v>bzip2_liberty</c:v>
-                </c:pt>
-                <c:pt idx="39">
-                  <c:v>gcc_g23</c:v>
-                </c:pt>
-                <c:pt idx="40">
-                  <c:v>gobmk_score2</c:v>
-                </c:pt>
-                <c:pt idx="41">
-                  <c:v>h264ref_sss</c:v>
-                </c:pt>
-                <c:pt idx="42">
-                  <c:v>gcc_expr2</c:v>
-                </c:pt>
-                <c:pt idx="43">
-                  <c:v>omnetpp</c:v>
-                </c:pt>
-                <c:pt idx="44">
-                  <c:v>bzip2_combined</c:v>
-                </c:pt>
-                <c:pt idx="45">
-                  <c:v>bzip2_chicken</c:v>
-                </c:pt>
-                <c:pt idx="46">
-                  <c:v>perlbench_diffmail</c:v>
-                </c:pt>
-                <c:pt idx="47">
-                  <c:v>gcc_200</c:v>
                 </c:pt>
                 <c:pt idx="48">
                   <c:v>h264ref_foreman</c:v>
                 </c:pt>
                 <c:pt idx="49">
-                  <c:v>sjeng</c:v>
+                  <c:v>cactusADM</c:v>
                 </c:pt>
                 <c:pt idx="50">
-                  <c:v>libquantum</c:v>
+                  <c:v>hmmer_retro</c:v>
                 </c:pt>
                 <c:pt idx="51">
-                  <c:v>hmmer_nph3</c:v>
+                  <c:v>xalancbmk</c:v>
                 </c:pt>
                 <c:pt idx="52">
-                  <c:v>gcc_expr</c:v>
+                  <c:v>perlbench_diffmail</c:v>
                 </c:pt>
               </c:strCache>
             </c:strRef>
@@ -1118,163 +1123,163 @@
                 <c:formatCode>General</c:formatCode>
                 <c:ptCount val="53"/>
                 <c:pt idx="0">
-                  <c:v>1.5559711000000001</c:v>
+                  <c:v>42.272742999999998</c:v>
                 </c:pt>
                 <c:pt idx="1">
-                  <c:v>4.7122935999999997</c:v>
+                  <c:v>5.9424963000000002</c:v>
                 </c:pt>
                 <c:pt idx="2">
-                  <c:v>11.189624999999999</c:v>
+                  <c:v>12.302182999999999</c:v>
                 </c:pt>
                 <c:pt idx="3">
-                  <c:v>3.792087</c:v>
+                  <c:v>5.5415793999999997E-2</c:v>
                 </c:pt>
                 <c:pt idx="4">
-                  <c:v>1.3533857</c:v>
+                  <c:v>3.2850160000000003E-2</c:v>
                 </c:pt>
                 <c:pt idx="5">
-                  <c:v>3.2956474</c:v>
+                  <c:v>4.2999997999999998E-2</c:v>
                 </c:pt>
                 <c:pt idx="6">
-                  <c:v>1.9819347</c:v>
+                  <c:v>4.7518589999999996</c:v>
                 </c:pt>
                 <c:pt idx="7">
-                  <c:v>0.72803306999999995</c:v>
+                  <c:v>1.1453567</c:v>
                 </c:pt>
                 <c:pt idx="8">
-                  <c:v>5.6193223000000003</c:v>
+                  <c:v>6.8700833000000001</c:v>
                 </c:pt>
                 <c:pt idx="9">
-                  <c:v>20.217295</c:v>
+                  <c:v>14.173983</c:v>
                 </c:pt>
                 <c:pt idx="10">
-                  <c:v>6.1853420000000003</c:v>
+                  <c:v>0.85661240000000005</c:v>
                 </c:pt>
                 <c:pt idx="11">
-                  <c:v>17.27026</c:v>
+                  <c:v>3.2043083000000001</c:v>
                 </c:pt>
                 <c:pt idx="12">
-                  <c:v>19.985737</c:v>
+                  <c:v>5.9779999999999998</c:v>
                 </c:pt>
                 <c:pt idx="13">
-                  <c:v>5.8999996999999998E-2</c:v>
+                  <c:v>0.37352760000000002</c:v>
                 </c:pt>
                 <c:pt idx="14">
-                  <c:v>3.1273236</c:v>
+                  <c:v>1.0302906999999999</c:v>
                 </c:pt>
                 <c:pt idx="15">
-                  <c:v>4.1873817000000004</c:v>
+                  <c:v>0.60079145</c:v>
                 </c:pt>
                 <c:pt idx="16">
-                  <c:v>8.0301620000000004E-2</c:v>
+                  <c:v>3.4483134999999998E-2</c:v>
                 </c:pt>
                 <c:pt idx="17">
-                  <c:v>0.11086096600000001</c:v>
+                  <c:v>7.2543553999999997</c:v>
                 </c:pt>
                 <c:pt idx="18">
-                  <c:v>18.225190999999999</c:v>
+                  <c:v>3.1050095999999998</c:v>
                 </c:pt>
                 <c:pt idx="19">
-                  <c:v>4.3844028000000002</c:v>
+                  <c:v>20.045936999999999</c:v>
                 </c:pt>
                 <c:pt idx="20">
-                  <c:v>0.52331159999999999</c:v>
+                  <c:v>25.863738999999999</c:v>
                 </c:pt>
                 <c:pt idx="21">
-                  <c:v>4.8978929999999998</c:v>
+                  <c:v>0.42229220000000001</c:v>
                 </c:pt>
                 <c:pt idx="22">
-                  <c:v>10.615360000000001</c:v>
+                  <c:v>14.603217000000001</c:v>
                 </c:pt>
                 <c:pt idx="23">
-                  <c:v>11.908466000000001</c:v>
+                  <c:v>6.6338239999999997</c:v>
                 </c:pt>
                 <c:pt idx="24">
-                  <c:v>0.91375530000000005</c:v>
+                  <c:v>5.2404849999999996</c:v>
                 </c:pt>
                 <c:pt idx="25">
-                  <c:v>16.200699</c:v>
+                  <c:v>1.4636035000000001</c:v>
                 </c:pt>
                 <c:pt idx="26">
-                  <c:v>0.56566035999999997</c:v>
+                  <c:v>0.12574099</c:v>
                 </c:pt>
                 <c:pt idx="27">
-                  <c:v>11.544846</c:v>
+                  <c:v>21.922498999999998</c:v>
                 </c:pt>
                 <c:pt idx="28">
-                  <c:v>0.21915697000000001</c:v>
+                  <c:v>0.55738560000000004</c:v>
                 </c:pt>
                 <c:pt idx="29">
-                  <c:v>0.99090590000000001</c:v>
+                  <c:v>9.9910964999999994</c:v>
                 </c:pt>
                 <c:pt idx="30">
-                  <c:v>2.0503437999999998</c:v>
+                  <c:v>25.714046</c:v>
                 </c:pt>
                 <c:pt idx="31">
-                  <c:v>8.9999999999999993E-3</c:v>
+                  <c:v>0.2155754</c:v>
                 </c:pt>
                 <c:pt idx="32">
-                  <c:v>7.0028380000000001E-2</c:v>
+                  <c:v>13.265883000000001</c:v>
                 </c:pt>
                 <c:pt idx="33">
-                  <c:v>4.2298555000000002</c:v>
+                  <c:v>4.0568476000000002</c:v>
                 </c:pt>
                 <c:pt idx="34">
-                  <c:v>20.5016</c:v>
+                  <c:v>1.9557424000000001</c:v>
                 </c:pt>
                 <c:pt idx="35">
-                  <c:v>9.6999995000000006E-2</c:v>
+                  <c:v>20.019694999999999</c:v>
                 </c:pt>
                 <c:pt idx="36">
-                  <c:v>22.301708000000001</c:v>
+                  <c:v>19.292605999999999</c:v>
                 </c:pt>
                 <c:pt idx="37">
-                  <c:v>7.4373255</c:v>
+                  <c:v>13.341879</c:v>
                 </c:pt>
                 <c:pt idx="38">
-                  <c:v>2.1604318999999998</c:v>
+                  <c:v>6.8098039999999997</c:v>
                 </c:pt>
                 <c:pt idx="39">
-                  <c:v>1.4994826000000001</c:v>
+                  <c:v>1.1826970000000001</c:v>
                 </c:pt>
                 <c:pt idx="40">
-                  <c:v>16.690178</c:v>
+                  <c:v>1.7805283000000001</c:v>
                 </c:pt>
                 <c:pt idx="41">
-                  <c:v>1.0111002</c:v>
+                  <c:v>4.3175990000000004</c:v>
                 </c:pt>
                 <c:pt idx="42">
-                  <c:v>4.4166449999999999</c:v>
+                  <c:v>22.292937999999999</c:v>
                 </c:pt>
                 <c:pt idx="43">
-                  <c:v>7.57</c:v>
+                  <c:v>18.844906000000002</c:v>
                 </c:pt>
                 <c:pt idx="44">
-                  <c:v>11.446341</c:v>
+                  <c:v>1.6129998999999999</c:v>
                 </c:pt>
                 <c:pt idx="45">
-                  <c:v>3.9146350000000001</c:v>
+                  <c:v>10.061023</c:v>
                 </c:pt>
                 <c:pt idx="46">
-                  <c:v>2.8009998999999999</c:v>
+                  <c:v>20.008182999999999</c:v>
                 </c:pt>
                 <c:pt idx="47">
-                  <c:v>9.8178459999999994</c:v>
+                  <c:v>0.17032206</c:v>
                 </c:pt>
                 <c:pt idx="48">
-                  <c:v>1.7066083000000001</c:v>
+                  <c:v>1.7439321000000001</c:v>
                 </c:pt>
                 <c:pt idx="49">
-                  <c:v>13.925514</c:v>
+                  <c:v>0.01</c:v>
                 </c:pt>
                 <c:pt idx="50">
-                  <c:v>3.1113567</c:v>
+                  <c:v>21.567587</c:v>
                 </c:pt>
                 <c:pt idx="51">
-                  <c:v>14.826197000000001</c:v>
+                  <c:v>1.9985253999999999</c:v>
                 </c:pt>
                 <c:pt idx="52">
-                  <c:v>0.2957128</c:v>
+                  <c:v>0.52900000000000003</c:v>
                 </c:pt>
               </c:numCache>
             </c:numRef>
@@ -1282,6 +1287,371 @@
           <c:extLst>
             <c:ext xmlns:c16="http://schemas.microsoft.com/office/drawing/2014/chart" uri="{C3380CC4-5D6E-409C-BE32-E72D297353CC}">
               <c16:uniqueId val="{00000002-9048-4DB6-83DC-696395F7EB97}"/>
+            </c:ext>
+          </c:extLst>
+        </c:ser>
+        <c:ser>
+          <c:idx val="3"/>
+          <c:order val="3"/>
+          <c:tx>
+            <c:strRef>
+              <c:f>Sheet1!$E$1</c:f>
+              <c:strCache>
+                <c:ptCount val="1"/>
+                <c:pt idx="0">
+                  <c:v>coupled</c:v>
+                </c:pt>
+              </c:strCache>
+            </c:strRef>
+          </c:tx>
+          <c:spPr>
+            <a:solidFill>
+              <a:schemeClr val="accent4"/>
+            </a:solidFill>
+            <a:ln>
+              <a:noFill/>
+            </a:ln>
+            <a:effectLst/>
+          </c:spPr>
+          <c:invertIfNegative val="0"/>
+          <c:cat>
+            <c:strRef>
+              <c:f>Sheet1!$A$2:$A$54</c:f>
+              <c:strCache>
+                <c:ptCount val="53"/>
+                <c:pt idx="0">
+                  <c:v>mcf</c:v>
+                </c:pt>
+                <c:pt idx="1">
+                  <c:v>gcc_s04</c:v>
+                </c:pt>
+                <c:pt idx="2">
+                  <c:v>astar_biglakes</c:v>
+                </c:pt>
+                <c:pt idx="3">
+                  <c:v>milc</c:v>
+                </c:pt>
+                <c:pt idx="4">
+                  <c:v>libquantum</c:v>
+                </c:pt>
+                <c:pt idx="5">
+                  <c:v>lbm</c:v>
+                </c:pt>
+                <c:pt idx="6">
+                  <c:v>sphinx3</c:v>
+                </c:pt>
+                <c:pt idx="7">
+                  <c:v>h264ref_sss</c:v>
+                </c:pt>
+                <c:pt idx="8">
+                  <c:v>perlbench_checkspam</c:v>
+                </c:pt>
+                <c:pt idx="9">
+                  <c:v>bzip2_combined</c:v>
+                </c:pt>
+                <c:pt idx="10">
+                  <c:v>gamess_gradient</c:v>
+                </c:pt>
+                <c:pt idx="11">
+                  <c:v>bzip2_liberty</c:v>
+                </c:pt>
+                <c:pt idx="12">
+                  <c:v>omnetpp</c:v>
+                </c:pt>
+                <c:pt idx="13">
+                  <c:v>gamess_triazolium</c:v>
+                </c:pt>
+                <c:pt idx="14">
+                  <c:v>tonto</c:v>
+                </c:pt>
+                <c:pt idx="15">
+                  <c:v>leslie3d</c:v>
+                </c:pt>
+                <c:pt idx="16">
+                  <c:v>zeusmp</c:v>
+                </c:pt>
+                <c:pt idx="17">
+                  <c:v>gcc_expr2</c:v>
+                </c:pt>
+                <c:pt idx="18">
+                  <c:v>gromacs</c:v>
+                </c:pt>
+                <c:pt idx="19">
+                  <c:v>hmmer_nph3</c:v>
+                </c:pt>
+                <c:pt idx="20">
+                  <c:v>soplex_pds</c:v>
+                </c:pt>
+                <c:pt idx="21">
+                  <c:v>gcc_g23</c:v>
+                </c:pt>
+                <c:pt idx="22">
+                  <c:v>bzip2_source</c:v>
+                </c:pt>
+                <c:pt idx="23">
+                  <c:v>bzip2_chicken</c:v>
+                </c:pt>
+                <c:pt idx="24">
+                  <c:v>bzip2_html</c:v>
+                </c:pt>
+                <c:pt idx="25">
+                  <c:v>gamess_cytosine</c:v>
+                </c:pt>
+                <c:pt idx="26">
+                  <c:v>gcc_expr</c:v>
+                </c:pt>
+                <c:pt idx="27">
+                  <c:v>gobmk_13x13</c:v>
+                </c:pt>
+                <c:pt idx="28">
+                  <c:v>perlbench_splitmail</c:v>
+                </c:pt>
+                <c:pt idx="29">
+                  <c:v>bzip2_program</c:v>
+                </c:pt>
+                <c:pt idx="30">
+                  <c:v>astar_rivers</c:v>
+                </c:pt>
+                <c:pt idx="31">
+                  <c:v>calculix</c:v>
+                </c:pt>
+                <c:pt idx="32">
+                  <c:v>sjeng</c:v>
+                </c:pt>
+                <c:pt idx="33">
+                  <c:v>gcc_cpdecl</c:v>
+                </c:pt>
+                <c:pt idx="34">
+                  <c:v>gcc_166</c:v>
+                </c:pt>
+                <c:pt idx="35">
+                  <c:v>gobmk_trevorc</c:v>
+                </c:pt>
+                <c:pt idx="36">
+                  <c:v>gobmk_trevord</c:v>
+                </c:pt>
+                <c:pt idx="37">
+                  <c:v>gcc_200</c:v>
+                </c:pt>
+                <c:pt idx="38">
+                  <c:v>gcc_typeck</c:v>
+                </c:pt>
+                <c:pt idx="39">
+                  <c:v>povray</c:v>
+                </c:pt>
+                <c:pt idx="40">
+                  <c:v>dealII</c:v>
+                </c:pt>
+                <c:pt idx="41">
+                  <c:v>namd</c:v>
+                </c:pt>
+                <c:pt idx="42">
+                  <c:v>gcc_scilab</c:v>
+                </c:pt>
+                <c:pt idx="43">
+                  <c:v>gobmk_nngs</c:v>
+                </c:pt>
+                <c:pt idx="44">
+                  <c:v>bwaves</c:v>
+                </c:pt>
+                <c:pt idx="45">
+                  <c:v>soplex_ref</c:v>
+                </c:pt>
+                <c:pt idx="46">
+                  <c:v>gobmk_score2</c:v>
+                </c:pt>
+                <c:pt idx="47">
+                  <c:v>GemsFDTD</c:v>
+                </c:pt>
+                <c:pt idx="48">
+                  <c:v>h264ref_foreman</c:v>
+                </c:pt>
+                <c:pt idx="49">
+                  <c:v>cactusADM</c:v>
+                </c:pt>
+                <c:pt idx="50">
+                  <c:v>hmmer_retro</c:v>
+                </c:pt>
+                <c:pt idx="51">
+                  <c:v>xalancbmk</c:v>
+                </c:pt>
+                <c:pt idx="52">
+                  <c:v>perlbench_diffmail</c:v>
+                </c:pt>
+              </c:strCache>
+            </c:strRef>
+          </c:cat>
+          <c:val>
+            <c:numRef>
+              <c:f>Sheet1!$E$2:$E$54</c:f>
+              <c:numCache>
+                <c:formatCode>General</c:formatCode>
+                <c:ptCount val="53"/>
+                <c:pt idx="0">
+                  <c:v>22.301708000000001</c:v>
+                </c:pt>
+                <c:pt idx="1">
+                  <c:v>3.1273236</c:v>
+                </c:pt>
+                <c:pt idx="2">
+                  <c:v>10.615360000000001</c:v>
+                </c:pt>
+                <c:pt idx="3">
+                  <c:v>7.0028380000000001E-2</c:v>
+                </c:pt>
+                <c:pt idx="4">
+                  <c:v>3.1113567</c:v>
+                </c:pt>
+                <c:pt idx="5">
+                  <c:v>5.8999996999999998E-2</c:v>
+                </c:pt>
+                <c:pt idx="6">
+                  <c:v>3.2956474</c:v>
+                </c:pt>
+                <c:pt idx="7">
+                  <c:v>1.0111002</c:v>
+                </c:pt>
+                <c:pt idx="8">
+                  <c:v>6.1853420000000003</c:v>
+                </c:pt>
+                <c:pt idx="9">
+                  <c:v>11.446341</c:v>
+                </c:pt>
+                <c:pt idx="10">
+                  <c:v>0.72803306999999995</c:v>
+                </c:pt>
+                <c:pt idx="11">
+                  <c:v>2.1604318999999998</c:v>
+                </c:pt>
+                <c:pt idx="12">
+                  <c:v>7.57</c:v>
+                </c:pt>
+                <c:pt idx="13">
+                  <c:v>0.56566035999999997</c:v>
+                </c:pt>
+                <c:pt idx="14">
+                  <c:v>0.99090590000000001</c:v>
+                </c:pt>
+                <c:pt idx="15">
+                  <c:v>0.52331159999999999</c:v>
+                </c:pt>
+                <c:pt idx="16">
+                  <c:v>0.21915697000000001</c:v>
+                </c:pt>
+                <c:pt idx="17">
+                  <c:v>4.4166449999999999</c:v>
+                </c:pt>
+                <c:pt idx="18">
+                  <c:v>1.9819347</c:v>
+                </c:pt>
+                <c:pt idx="19">
+                  <c:v>14.826197000000001</c:v>
+                </c:pt>
+                <c:pt idx="20">
+                  <c:v>11.544846</c:v>
+                </c:pt>
+                <c:pt idx="21">
+                  <c:v>1.4994826000000001</c:v>
+                </c:pt>
+                <c:pt idx="22">
+                  <c:v>11.189624999999999</c:v>
+                </c:pt>
+                <c:pt idx="23">
+                  <c:v>3.9146350000000001</c:v>
+                </c:pt>
+                <c:pt idx="24">
+                  <c:v>4.2298555000000002</c:v>
+                </c:pt>
+                <c:pt idx="25">
+                  <c:v>1.5559711000000001</c:v>
+                </c:pt>
+                <c:pt idx="26">
+                  <c:v>0.2957128</c:v>
+                </c:pt>
+                <c:pt idx="27">
+                  <c:v>19.985737</c:v>
+                </c:pt>
+                <c:pt idx="28">
+                  <c:v>1.3533857</c:v>
+                </c:pt>
+                <c:pt idx="29">
+                  <c:v>7.4373255</c:v>
+                </c:pt>
+                <c:pt idx="30">
+                  <c:v>20.5016</c:v>
+                </c:pt>
+                <c:pt idx="31">
+                  <c:v>8.0301620000000004E-2</c:v>
+                </c:pt>
+                <c:pt idx="32">
+                  <c:v>13.925514</c:v>
+                </c:pt>
+                <c:pt idx="33">
+                  <c:v>3.792087</c:v>
+                </c:pt>
+                <c:pt idx="34">
+                  <c:v>4.8978929999999998</c:v>
+                </c:pt>
+                <c:pt idx="35">
+                  <c:v>20.217295</c:v>
+                </c:pt>
+                <c:pt idx="36">
+                  <c:v>17.27026</c:v>
+                </c:pt>
+                <c:pt idx="37">
+                  <c:v>9.8178459999999994</c:v>
+                </c:pt>
+                <c:pt idx="38">
+                  <c:v>4.3844028000000002</c:v>
+                </c:pt>
+                <c:pt idx="39">
+                  <c:v>5.6193223000000003</c:v>
+                </c:pt>
+                <c:pt idx="40">
+                  <c:v>0.91375530000000005</c:v>
+                </c:pt>
+                <c:pt idx="41">
+                  <c:v>2.0503437999999998</c:v>
+                </c:pt>
+                <c:pt idx="42">
+                  <c:v>11.908466000000001</c:v>
+                </c:pt>
+                <c:pt idx="43">
+                  <c:v>18.225190999999999</c:v>
+                </c:pt>
+                <c:pt idx="44">
+                  <c:v>9.6999995000000006E-2</c:v>
+                </c:pt>
+                <c:pt idx="45">
+                  <c:v>4.7122935999999997</c:v>
+                </c:pt>
+                <c:pt idx="46">
+                  <c:v>16.690178</c:v>
+                </c:pt>
+                <c:pt idx="47">
+                  <c:v>0.11086096600000001</c:v>
+                </c:pt>
+                <c:pt idx="48">
+                  <c:v>1.7066083000000001</c:v>
+                </c:pt>
+                <c:pt idx="49">
+                  <c:v>8.9999999999999993E-3</c:v>
+                </c:pt>
+                <c:pt idx="50">
+                  <c:v>16.200699</c:v>
+                </c:pt>
+                <c:pt idx="51">
+                  <c:v>4.1873817000000004</c:v>
+                </c:pt>
+                <c:pt idx="52">
+                  <c:v>2.8009998999999999</c:v>
+                </c:pt>
+              </c:numCache>
+            </c:numRef>
+          </c:val>
+          <c:extLst>
+            <c:ext xmlns:c16="http://schemas.microsoft.com/office/drawing/2014/chart" uri="{C3380CC4-5D6E-409C-BE32-E72D297353CC}">
+              <c16:uniqueId val="{00000000-1B26-4D06-A9A8-E593F1816F73}"/>
             </c:ext>
           </c:extLst>
         </c:ser>
@@ -1556,7 +1926,17 @@
     </c:title>
     <c:autoTitleDeleted val="0"/>
     <c:plotArea>
-      <c:layout/>
+      <c:layout>
+        <c:manualLayout>
+          <c:layoutTarget val="inner"/>
+          <c:xMode val="edge"/>
+          <c:yMode val="edge"/>
+          <c:x val="2.4400720980866861E-2"/>
+          <c:y val="0.16566805083242797"/>
+          <c:w val="0.96511414594710798"/>
+          <c:h val="0.48126024352483737"/>
+        </c:manualLayout>
+      </c:layout>
       <c:barChart>
         <c:barDir val="col"/>
         <c:grouping val="clustered"/>
@@ -1570,7 +1950,7 @@
               <c:strCache>
                 <c:ptCount val="1"/>
                 <c:pt idx="0">
-                  <c:v>decoupled_loop</c:v>
+                  <c:v>decoupled_update</c:v>
                 </c:pt>
               </c:strCache>
             </c:strRef>
@@ -1591,163 +1971,163 @@
               <c:strCache>
                 <c:ptCount val="53"/>
                 <c:pt idx="0">
+                  <c:v>mcf</c:v>
+                </c:pt>
+                <c:pt idx="1">
+                  <c:v>gcc_s04</c:v>
+                </c:pt>
+                <c:pt idx="2">
+                  <c:v>astar_biglakes</c:v>
+                </c:pt>
+                <c:pt idx="3">
+                  <c:v>milc</c:v>
+                </c:pt>
+                <c:pt idx="4">
+                  <c:v>libquantum</c:v>
+                </c:pt>
+                <c:pt idx="5">
+                  <c:v>lbm</c:v>
+                </c:pt>
+                <c:pt idx="6">
+                  <c:v>sphinx3</c:v>
+                </c:pt>
+                <c:pt idx="7">
+                  <c:v>h264ref_sss</c:v>
+                </c:pt>
+                <c:pt idx="8">
+                  <c:v>perlbench_checkspam</c:v>
+                </c:pt>
+                <c:pt idx="9">
+                  <c:v>bzip2_combined</c:v>
+                </c:pt>
+                <c:pt idx="10">
+                  <c:v>gamess_gradient</c:v>
+                </c:pt>
+                <c:pt idx="11">
+                  <c:v>bzip2_liberty</c:v>
+                </c:pt>
+                <c:pt idx="12">
+                  <c:v>omnetpp</c:v>
+                </c:pt>
+                <c:pt idx="13">
+                  <c:v>gamess_triazolium</c:v>
+                </c:pt>
+                <c:pt idx="14">
+                  <c:v>tonto</c:v>
+                </c:pt>
+                <c:pt idx="15">
+                  <c:v>leslie3d</c:v>
+                </c:pt>
+                <c:pt idx="16">
+                  <c:v>zeusmp</c:v>
+                </c:pt>
+                <c:pt idx="17">
+                  <c:v>gcc_expr2</c:v>
+                </c:pt>
+                <c:pt idx="18">
+                  <c:v>gromacs</c:v>
+                </c:pt>
+                <c:pt idx="19">
+                  <c:v>hmmer_nph3</c:v>
+                </c:pt>
+                <c:pt idx="20">
+                  <c:v>soplex_pds</c:v>
+                </c:pt>
+                <c:pt idx="21">
+                  <c:v>gcc_g23</c:v>
+                </c:pt>
+                <c:pt idx="22">
+                  <c:v>bzip2_source</c:v>
+                </c:pt>
+                <c:pt idx="23">
+                  <c:v>bzip2_chicken</c:v>
+                </c:pt>
+                <c:pt idx="24">
+                  <c:v>bzip2_html</c:v>
+                </c:pt>
+                <c:pt idx="25">
                   <c:v>gamess_cytosine</c:v>
                 </c:pt>
-                <c:pt idx="1">
+                <c:pt idx="26">
+                  <c:v>gcc_expr</c:v>
+                </c:pt>
+                <c:pt idx="27">
+                  <c:v>gobmk_13x13</c:v>
+                </c:pt>
+                <c:pt idx="28">
+                  <c:v>perlbench_splitmail</c:v>
+                </c:pt>
+                <c:pt idx="29">
+                  <c:v>bzip2_program</c:v>
+                </c:pt>
+                <c:pt idx="30">
+                  <c:v>astar_rivers</c:v>
+                </c:pt>
+                <c:pt idx="31">
+                  <c:v>calculix</c:v>
+                </c:pt>
+                <c:pt idx="32">
+                  <c:v>sjeng</c:v>
+                </c:pt>
+                <c:pt idx="33">
+                  <c:v>gcc_cpdecl</c:v>
+                </c:pt>
+                <c:pt idx="34">
+                  <c:v>gcc_166</c:v>
+                </c:pt>
+                <c:pt idx="35">
+                  <c:v>gobmk_trevorc</c:v>
+                </c:pt>
+                <c:pt idx="36">
+                  <c:v>gobmk_trevord</c:v>
+                </c:pt>
+                <c:pt idx="37">
+                  <c:v>gcc_200</c:v>
+                </c:pt>
+                <c:pt idx="38">
+                  <c:v>gcc_typeck</c:v>
+                </c:pt>
+                <c:pt idx="39">
+                  <c:v>povray</c:v>
+                </c:pt>
+                <c:pt idx="40">
+                  <c:v>dealII</c:v>
+                </c:pt>
+                <c:pt idx="41">
+                  <c:v>namd</c:v>
+                </c:pt>
+                <c:pt idx="42">
+                  <c:v>gcc_scilab</c:v>
+                </c:pt>
+                <c:pt idx="43">
+                  <c:v>gobmk_nngs</c:v>
+                </c:pt>
+                <c:pt idx="44">
+                  <c:v>bwaves</c:v>
+                </c:pt>
+                <c:pt idx="45">
                   <c:v>soplex_ref</c:v>
                 </c:pt>
-                <c:pt idx="2">
-                  <c:v>bzip2_source</c:v>
-                </c:pt>
-                <c:pt idx="3">
-                  <c:v>gcc_cpdecl</c:v>
-                </c:pt>
-                <c:pt idx="4">
-                  <c:v>perlbench_splitmail</c:v>
-                </c:pt>
-                <c:pt idx="5">
-                  <c:v>sphinx3</c:v>
-                </c:pt>
-                <c:pt idx="6">
-                  <c:v>gromacs</c:v>
-                </c:pt>
-                <c:pt idx="7">
-                  <c:v>gamess_gradient</c:v>
-                </c:pt>
-                <c:pt idx="8">
-                  <c:v>povray</c:v>
-                </c:pt>
-                <c:pt idx="9">
-                  <c:v>gobmk_trevorc</c:v>
-                </c:pt>
-                <c:pt idx="10">
-                  <c:v>perlbench_checkspam</c:v>
-                </c:pt>
-                <c:pt idx="11">
-                  <c:v>gobmk_trevord</c:v>
-                </c:pt>
-                <c:pt idx="12">
-                  <c:v>gobmk_13x13</c:v>
-                </c:pt>
-                <c:pt idx="13">
-                  <c:v>lbm</c:v>
-                </c:pt>
-                <c:pt idx="14">
-                  <c:v>gcc_s04</c:v>
-                </c:pt>
-                <c:pt idx="15">
-                  <c:v>xalancbmk</c:v>
-                </c:pt>
-                <c:pt idx="16">
-                  <c:v>calculix</c:v>
-                </c:pt>
-                <c:pt idx="17">
+                <c:pt idx="46">
+                  <c:v>gobmk_score2</c:v>
+                </c:pt>
+                <c:pt idx="47">
                   <c:v>GemsFDTD</c:v>
-                </c:pt>
-                <c:pt idx="18">
-                  <c:v>gobmk_nngs</c:v>
-                </c:pt>
-                <c:pt idx="19">
-                  <c:v>gcc_typeck</c:v>
-                </c:pt>
-                <c:pt idx="20">
-                  <c:v>leslie3d</c:v>
-                </c:pt>
-                <c:pt idx="21">
-                  <c:v>gcc_166</c:v>
-                </c:pt>
-                <c:pt idx="22">
-                  <c:v>astar_biglakes</c:v>
-                </c:pt>
-                <c:pt idx="23">
-                  <c:v>gcc_scilab</c:v>
-                </c:pt>
-                <c:pt idx="24">
-                  <c:v>dealII</c:v>
-                </c:pt>
-                <c:pt idx="25">
-                  <c:v>hmmer_retro</c:v>
-                </c:pt>
-                <c:pt idx="26">
-                  <c:v>gamess_triazolium</c:v>
-                </c:pt>
-                <c:pt idx="27">
-                  <c:v>soplex_pds</c:v>
-                </c:pt>
-                <c:pt idx="28">
-                  <c:v>zeusmp</c:v>
-                </c:pt>
-                <c:pt idx="29">
-                  <c:v>tonto</c:v>
-                </c:pt>
-                <c:pt idx="30">
-                  <c:v>namd</c:v>
-                </c:pt>
-                <c:pt idx="31">
-                  <c:v>cactusADM</c:v>
-                </c:pt>
-                <c:pt idx="32">
-                  <c:v>milc</c:v>
-                </c:pt>
-                <c:pt idx="33">
-                  <c:v>bzip2_html</c:v>
-                </c:pt>
-                <c:pt idx="34">
-                  <c:v>astar_rivers</c:v>
-                </c:pt>
-                <c:pt idx="35">
-                  <c:v>bwaves</c:v>
-                </c:pt>
-                <c:pt idx="36">
-                  <c:v>mcf</c:v>
-                </c:pt>
-                <c:pt idx="37">
-                  <c:v>bzip2_program</c:v>
-                </c:pt>
-                <c:pt idx="38">
-                  <c:v>bzip2_liberty</c:v>
-                </c:pt>
-                <c:pt idx="39">
-                  <c:v>gcc_g23</c:v>
-                </c:pt>
-                <c:pt idx="40">
-                  <c:v>gobmk_score2</c:v>
-                </c:pt>
-                <c:pt idx="41">
-                  <c:v>h264ref_sss</c:v>
-                </c:pt>
-                <c:pt idx="42">
-                  <c:v>gcc_expr2</c:v>
-                </c:pt>
-                <c:pt idx="43">
-                  <c:v>omnetpp</c:v>
-                </c:pt>
-                <c:pt idx="44">
-                  <c:v>bzip2_combined</c:v>
-                </c:pt>
-                <c:pt idx="45">
-                  <c:v>bzip2_chicken</c:v>
-                </c:pt>
-                <c:pt idx="46">
-                  <c:v>perlbench_diffmail</c:v>
-                </c:pt>
-                <c:pt idx="47">
-                  <c:v>gcc_200</c:v>
                 </c:pt>
                 <c:pt idx="48">
                   <c:v>h264ref_foreman</c:v>
                 </c:pt>
                 <c:pt idx="49">
-                  <c:v>sjeng</c:v>
+                  <c:v>cactusADM</c:v>
                 </c:pt>
                 <c:pt idx="50">
-                  <c:v>libquantum</c:v>
+                  <c:v>hmmer_retro</c:v>
                 </c:pt>
                 <c:pt idx="51">
-                  <c:v>hmmer_nph3</c:v>
+                  <c:v>xalancbmk</c:v>
                 </c:pt>
                 <c:pt idx="52">
-                  <c:v>gcc_expr</c:v>
+                  <c:v>perlbench_diffmail</c:v>
                 </c:pt>
               </c:strCache>
             </c:strRef>
@@ -1759,163 +2139,163 @@
                 <c:formatCode>General</c:formatCode>
                 <c:ptCount val="53"/>
                 <c:pt idx="0">
-                  <c:v>0.62010529999999997</c:v>
+                  <c:v>4.9667596999999999</c:v>
                 </c:pt>
                 <c:pt idx="1">
-                  <c:v>1.8064837</c:v>
+                  <c:v>0.57207359999999996</c:v>
                 </c:pt>
                 <c:pt idx="2">
-                  <c:v>5.4475594000000003</c:v>
+                  <c:v>2.5908766000000001</c:v>
                 </c:pt>
                 <c:pt idx="3">
-                  <c:v>1.7918022</c:v>
+                  <c:v>0.19949731000000001</c:v>
                 </c:pt>
                 <c:pt idx="4">
-                  <c:v>1.1377306</c:v>
+                  <c:v>0.11678916</c:v>
                 </c:pt>
                 <c:pt idx="5">
-                  <c:v>1.7073748</c:v>
+                  <c:v>0.32822812000000001</c:v>
                 </c:pt>
                 <c:pt idx="6">
-                  <c:v>3.1906538000000002</c:v>
+                  <c:v>1.7915032</c:v>
                 </c:pt>
                 <c:pt idx="7">
-                  <c:v>0.40708208000000001</c:v>
+                  <c:v>1.3053688000000001</c:v>
                 </c:pt>
                 <c:pt idx="8">
-                  <c:v>1.6781843999999999</c:v>
+                  <c:v>1.1652488000000001</c:v>
                 </c:pt>
                 <c:pt idx="9">
-                  <c:v>5.6842439999999996</c:v>
+                  <c:v>5.4668374000000002</c:v>
                 </c:pt>
                 <c:pt idx="10">
-                  <c:v>1.4150058999999999</c:v>
+                  <c:v>0.4475827</c:v>
                 </c:pt>
                 <c:pt idx="11">
-                  <c:v>4.9043359999999998</c:v>
+                  <c:v>0.82962630000000004</c:v>
                 </c:pt>
                 <c:pt idx="12">
-                  <c:v>5.6502840000000001</c:v>
+                  <c:v>1.5214639000000001</c:v>
                 </c:pt>
                 <c:pt idx="13">
-                  <c:v>0.32822812000000001</c:v>
+                  <c:v>1.1609335000000001</c:v>
                 </c:pt>
                 <c:pt idx="14">
-                  <c:v>0.71625249999999996</c:v>
+                  <c:v>0.43801475000000001</c:v>
                 </c:pt>
                 <c:pt idx="15">
-                  <c:v>0.57405810000000002</c:v>
+                  <c:v>2.2322656999999999E-2</c:v>
                 </c:pt>
                 <c:pt idx="16">
-                  <c:v>0.71583574999999999</c:v>
+                  <c:v>1.6822363999999999E-2</c:v>
                 </c:pt>
                 <c:pt idx="17">
+                  <c:v>0.74180763999999999</c:v>
+                </c:pt>
+                <c:pt idx="18">
+                  <c:v>2.3902307</c:v>
+                </c:pt>
+                <c:pt idx="19">
+                  <c:v>5.8242240000000001</c:v>
+                </c:pt>
+                <c:pt idx="20">
+                  <c:v>4.9361863000000001</c:v>
+                </c:pt>
+                <c:pt idx="21">
+                  <c:v>0.29314095000000001</c:v>
+                </c:pt>
+                <c:pt idx="22">
+                  <c:v>5.8087929999999997</c:v>
+                </c:pt>
+                <c:pt idx="23">
+                  <c:v>1.9918292</c:v>
+                </c:pt>
+                <c:pt idx="24">
+                  <c:v>2.7957253</c:v>
+                </c:pt>
+                <c:pt idx="25">
+                  <c:v>0.73073250000000001</c:v>
+                </c:pt>
+                <c:pt idx="26">
+                  <c:v>3.4704782000000003E-2</c:v>
+                </c:pt>
+                <c:pt idx="27">
+                  <c:v>5.8661833000000003</c:v>
+                </c:pt>
+                <c:pt idx="28">
+                  <c:v>0.97286530000000004</c:v>
+                </c:pt>
+                <c:pt idx="29">
+                  <c:v>3.6264546000000002</c:v>
+                </c:pt>
+                <c:pt idx="30">
+                  <c:v>5.2764230000000003</c:v>
+                </c:pt>
+                <c:pt idx="31">
+                  <c:v>0.71499469999999998</c:v>
+                </c:pt>
+                <c:pt idx="32">
+                  <c:v>2.6252222000000001</c:v>
+                </c:pt>
+                <c:pt idx="33">
+                  <c:v>1.1898405999999999</c:v>
+                </c:pt>
+                <c:pt idx="34">
+                  <c:v>0.54820955000000005</c:v>
+                </c:pt>
+                <c:pt idx="35">
+                  <c:v>5.8376726999999997</c:v>
+                </c:pt>
+                <c:pt idx="36">
+                  <c:v>5.2641260000000001</c:v>
+                </c:pt>
+                <c:pt idx="37">
+                  <c:v>1.5888864</c:v>
+                </c:pt>
+                <c:pt idx="38">
+                  <c:v>0.81730789999999998</c:v>
+                </c:pt>
+                <c:pt idx="39">
+                  <c:v>0.81801676999999995</c:v>
+                </c:pt>
+                <c:pt idx="40">
+                  <c:v>0.61894159999999998</c:v>
+                </c:pt>
+                <c:pt idx="41">
+                  <c:v>2.4911737</c:v>
+                </c:pt>
+                <c:pt idx="42">
+                  <c:v>2.1572480000000001</c:v>
+                </c:pt>
+                <c:pt idx="43">
+                  <c:v>5.0514096999999998</c:v>
+                </c:pt>
+                <c:pt idx="44">
+                  <c:v>1.322536E-3</c:v>
+                </c:pt>
+                <c:pt idx="45">
+                  <c:v>2.2660429999999998</c:v>
+                </c:pt>
+                <c:pt idx="46">
+                  <c:v>5.2301865000000003</c:v>
+                </c:pt>
+                <c:pt idx="47">
                   <c:v>2.0089383999999998E-2</c:v>
                 </c:pt>
-                <c:pt idx="18">
-                  <c:v>4.7771710000000001</c:v>
-                </c:pt>
-                <c:pt idx="19">
-                  <c:v>0.91522884000000004</c:v>
-                </c:pt>
-                <c:pt idx="20">
-                  <c:v>2.2322656999999999E-2</c:v>
-                </c:pt>
-                <c:pt idx="21">
-                  <c:v>0.63614510000000002</c:v>
-                </c:pt>
-                <c:pt idx="22">
-                  <c:v>2.5259366000000001</c:v>
-                </c:pt>
-                <c:pt idx="23">
-                  <c:v>2.9218278</c:v>
-                </c:pt>
-                <c:pt idx="24">
-                  <c:v>0.68775010000000003</c:v>
-                </c:pt>
-                <c:pt idx="25">
-                  <c:v>5.2045690000000002</c:v>
-                </c:pt>
-                <c:pt idx="26">
-                  <c:v>0.29329835999999998</c:v>
-                </c:pt>
-                <c:pt idx="27">
-                  <c:v>4.2832165</c:v>
-                </c:pt>
-                <c:pt idx="28">
-                  <c:v>1.6822363999999999E-2</c:v>
-                </c:pt>
-                <c:pt idx="29">
-                  <c:v>0.43922925000000002</c:v>
-                </c:pt>
-                <c:pt idx="30">
-                  <c:v>2.4932652000000002</c:v>
-                </c:pt>
-                <c:pt idx="31">
+                <c:pt idx="48">
+                  <c:v>1.5559137999999999</c:v>
+                </c:pt>
+                <c:pt idx="49">
                   <c:v>0.26611874000000002</c:v>
                 </c:pt>
-                <c:pt idx="32">
-                  <c:v>0.19929959999999999</c:v>
-                </c:pt>
-                <c:pt idx="33">
-                  <c:v>2.5612816999999999</c:v>
-                </c:pt>
-                <c:pt idx="34">
-                  <c:v>5.3163304</c:v>
-                </c:pt>
-                <c:pt idx="35">
-                  <c:v>1.322536E-3</c:v>
-                </c:pt>
-                <c:pt idx="36">
-                  <c:v>4.7608240000000004</c:v>
-                </c:pt>
-                <c:pt idx="37">
-                  <c:v>3.2606792000000002</c:v>
-                </c:pt>
-                <c:pt idx="38">
-                  <c:v>0.82395019999999997</c:v>
-                </c:pt>
-                <c:pt idx="39">
-                  <c:v>0.28552319999999998</c:v>
-                </c:pt>
-                <c:pt idx="40">
-                  <c:v>4.8877040000000003</c:v>
-                </c:pt>
-                <c:pt idx="41">
-                  <c:v>1.3111120000000001</c:v>
-                </c:pt>
-                <c:pt idx="42">
-                  <c:v>0.92864393999999995</c:v>
-                </c:pt>
-                <c:pt idx="43">
-                  <c:v>1.6223485</c:v>
-                </c:pt>
-                <c:pt idx="44">
-                  <c:v>5.1875453</c:v>
-                </c:pt>
-                <c:pt idx="45">
-                  <c:v>1.7873846</c:v>
-                </c:pt>
-                <c:pt idx="46">
-                  <c:v>0.32594099999999998</c:v>
-                </c:pt>
-                <c:pt idx="47">
-                  <c:v>1.9305483000000001</c:v>
-                </c:pt>
-                <c:pt idx="48">
-                  <c:v>1.5869465</c:v>
-                </c:pt>
-                <c:pt idx="49">
-                  <c:v>2.3810696999999998</c:v>
-                </c:pt>
                 <c:pt idx="50">
-                  <c:v>5.1655422999999999E-2</c:v>
+                  <c:v>5.1817330000000004</c:v>
                 </c:pt>
                 <c:pt idx="51">
-                  <c:v>5.8182836</c:v>
+                  <c:v>0.47062424000000003</c:v>
                 </c:pt>
                 <c:pt idx="52">
-                  <c:v>3.4596719999999997E-2</c:v>
+                  <c:v>0.31141596999999999</c:v>
                 </c:pt>
               </c:numCache>
             </c:numRef>
@@ -1935,7 +2315,7 @@
               <c:strCache>
                 <c:ptCount val="1"/>
                 <c:pt idx="0">
-                  <c:v>decoupled</c:v>
+                  <c:v>decoupled_last</c:v>
                 </c:pt>
               </c:strCache>
             </c:strRef>
@@ -1956,163 +2336,163 @@
               <c:strCache>
                 <c:ptCount val="53"/>
                 <c:pt idx="0">
+                  <c:v>mcf</c:v>
+                </c:pt>
+                <c:pt idx="1">
+                  <c:v>gcc_s04</c:v>
+                </c:pt>
+                <c:pt idx="2">
+                  <c:v>astar_biglakes</c:v>
+                </c:pt>
+                <c:pt idx="3">
+                  <c:v>milc</c:v>
+                </c:pt>
+                <c:pt idx="4">
+                  <c:v>libquantum</c:v>
+                </c:pt>
+                <c:pt idx="5">
+                  <c:v>lbm</c:v>
+                </c:pt>
+                <c:pt idx="6">
+                  <c:v>sphinx3</c:v>
+                </c:pt>
+                <c:pt idx="7">
+                  <c:v>h264ref_sss</c:v>
+                </c:pt>
+                <c:pt idx="8">
+                  <c:v>perlbench_checkspam</c:v>
+                </c:pt>
+                <c:pt idx="9">
+                  <c:v>bzip2_combined</c:v>
+                </c:pt>
+                <c:pt idx="10">
+                  <c:v>gamess_gradient</c:v>
+                </c:pt>
+                <c:pt idx="11">
+                  <c:v>bzip2_liberty</c:v>
+                </c:pt>
+                <c:pt idx="12">
+                  <c:v>omnetpp</c:v>
+                </c:pt>
+                <c:pt idx="13">
+                  <c:v>gamess_triazolium</c:v>
+                </c:pt>
+                <c:pt idx="14">
+                  <c:v>tonto</c:v>
+                </c:pt>
+                <c:pt idx="15">
+                  <c:v>leslie3d</c:v>
+                </c:pt>
+                <c:pt idx="16">
+                  <c:v>zeusmp</c:v>
+                </c:pt>
+                <c:pt idx="17">
+                  <c:v>gcc_expr2</c:v>
+                </c:pt>
+                <c:pt idx="18">
+                  <c:v>gromacs</c:v>
+                </c:pt>
+                <c:pt idx="19">
+                  <c:v>hmmer_nph3</c:v>
+                </c:pt>
+                <c:pt idx="20">
+                  <c:v>soplex_pds</c:v>
+                </c:pt>
+                <c:pt idx="21">
+                  <c:v>gcc_g23</c:v>
+                </c:pt>
+                <c:pt idx="22">
+                  <c:v>bzip2_source</c:v>
+                </c:pt>
+                <c:pt idx="23">
+                  <c:v>bzip2_chicken</c:v>
+                </c:pt>
+                <c:pt idx="24">
+                  <c:v>bzip2_html</c:v>
+                </c:pt>
+                <c:pt idx="25">
                   <c:v>gamess_cytosine</c:v>
                 </c:pt>
-                <c:pt idx="1">
+                <c:pt idx="26">
+                  <c:v>gcc_expr</c:v>
+                </c:pt>
+                <c:pt idx="27">
+                  <c:v>gobmk_13x13</c:v>
+                </c:pt>
+                <c:pt idx="28">
+                  <c:v>perlbench_splitmail</c:v>
+                </c:pt>
+                <c:pt idx="29">
+                  <c:v>bzip2_program</c:v>
+                </c:pt>
+                <c:pt idx="30">
+                  <c:v>astar_rivers</c:v>
+                </c:pt>
+                <c:pt idx="31">
+                  <c:v>calculix</c:v>
+                </c:pt>
+                <c:pt idx="32">
+                  <c:v>sjeng</c:v>
+                </c:pt>
+                <c:pt idx="33">
+                  <c:v>gcc_cpdecl</c:v>
+                </c:pt>
+                <c:pt idx="34">
+                  <c:v>gcc_166</c:v>
+                </c:pt>
+                <c:pt idx="35">
+                  <c:v>gobmk_trevorc</c:v>
+                </c:pt>
+                <c:pt idx="36">
+                  <c:v>gobmk_trevord</c:v>
+                </c:pt>
+                <c:pt idx="37">
+                  <c:v>gcc_200</c:v>
+                </c:pt>
+                <c:pt idx="38">
+                  <c:v>gcc_typeck</c:v>
+                </c:pt>
+                <c:pt idx="39">
+                  <c:v>povray</c:v>
+                </c:pt>
+                <c:pt idx="40">
+                  <c:v>dealII</c:v>
+                </c:pt>
+                <c:pt idx="41">
+                  <c:v>namd</c:v>
+                </c:pt>
+                <c:pt idx="42">
+                  <c:v>gcc_scilab</c:v>
+                </c:pt>
+                <c:pt idx="43">
+                  <c:v>gobmk_nngs</c:v>
+                </c:pt>
+                <c:pt idx="44">
+                  <c:v>bwaves</c:v>
+                </c:pt>
+                <c:pt idx="45">
                   <c:v>soplex_ref</c:v>
                 </c:pt>
-                <c:pt idx="2">
-                  <c:v>bzip2_source</c:v>
-                </c:pt>
-                <c:pt idx="3">
-                  <c:v>gcc_cpdecl</c:v>
-                </c:pt>
-                <c:pt idx="4">
-                  <c:v>perlbench_splitmail</c:v>
-                </c:pt>
-                <c:pt idx="5">
-                  <c:v>sphinx3</c:v>
-                </c:pt>
-                <c:pt idx="6">
-                  <c:v>gromacs</c:v>
-                </c:pt>
-                <c:pt idx="7">
-                  <c:v>gamess_gradient</c:v>
-                </c:pt>
-                <c:pt idx="8">
-                  <c:v>povray</c:v>
-                </c:pt>
-                <c:pt idx="9">
-                  <c:v>gobmk_trevorc</c:v>
-                </c:pt>
-                <c:pt idx="10">
-                  <c:v>perlbench_checkspam</c:v>
-                </c:pt>
-                <c:pt idx="11">
-                  <c:v>gobmk_trevord</c:v>
-                </c:pt>
-                <c:pt idx="12">
-                  <c:v>gobmk_13x13</c:v>
-                </c:pt>
-                <c:pt idx="13">
-                  <c:v>lbm</c:v>
-                </c:pt>
-                <c:pt idx="14">
-                  <c:v>gcc_s04</c:v>
-                </c:pt>
-                <c:pt idx="15">
-                  <c:v>xalancbmk</c:v>
-                </c:pt>
-                <c:pt idx="16">
-                  <c:v>calculix</c:v>
-                </c:pt>
-                <c:pt idx="17">
+                <c:pt idx="46">
+                  <c:v>gobmk_score2</c:v>
+                </c:pt>
+                <c:pt idx="47">
                   <c:v>GemsFDTD</c:v>
-                </c:pt>
-                <c:pt idx="18">
-                  <c:v>gobmk_nngs</c:v>
-                </c:pt>
-                <c:pt idx="19">
-                  <c:v>gcc_typeck</c:v>
-                </c:pt>
-                <c:pt idx="20">
-                  <c:v>leslie3d</c:v>
-                </c:pt>
-                <c:pt idx="21">
-                  <c:v>gcc_166</c:v>
-                </c:pt>
-                <c:pt idx="22">
-                  <c:v>astar_biglakes</c:v>
-                </c:pt>
-                <c:pt idx="23">
-                  <c:v>gcc_scilab</c:v>
-                </c:pt>
-                <c:pt idx="24">
-                  <c:v>dealII</c:v>
-                </c:pt>
-                <c:pt idx="25">
-                  <c:v>hmmer_retro</c:v>
-                </c:pt>
-                <c:pt idx="26">
-                  <c:v>gamess_triazolium</c:v>
-                </c:pt>
-                <c:pt idx="27">
-                  <c:v>soplex_pds</c:v>
-                </c:pt>
-                <c:pt idx="28">
-                  <c:v>zeusmp</c:v>
-                </c:pt>
-                <c:pt idx="29">
-                  <c:v>tonto</c:v>
-                </c:pt>
-                <c:pt idx="30">
-                  <c:v>namd</c:v>
-                </c:pt>
-                <c:pt idx="31">
-                  <c:v>cactusADM</c:v>
-                </c:pt>
-                <c:pt idx="32">
-                  <c:v>milc</c:v>
-                </c:pt>
-                <c:pt idx="33">
-                  <c:v>bzip2_html</c:v>
-                </c:pt>
-                <c:pt idx="34">
-                  <c:v>astar_rivers</c:v>
-                </c:pt>
-                <c:pt idx="35">
-                  <c:v>bwaves</c:v>
-                </c:pt>
-                <c:pt idx="36">
-                  <c:v>mcf</c:v>
-                </c:pt>
-                <c:pt idx="37">
-                  <c:v>bzip2_program</c:v>
-                </c:pt>
-                <c:pt idx="38">
-                  <c:v>bzip2_liberty</c:v>
-                </c:pt>
-                <c:pt idx="39">
-                  <c:v>gcc_g23</c:v>
-                </c:pt>
-                <c:pt idx="40">
-                  <c:v>gobmk_score2</c:v>
-                </c:pt>
-                <c:pt idx="41">
-                  <c:v>h264ref_sss</c:v>
-                </c:pt>
-                <c:pt idx="42">
-                  <c:v>gcc_expr2</c:v>
-                </c:pt>
-                <c:pt idx="43">
-                  <c:v>omnetpp</c:v>
-                </c:pt>
-                <c:pt idx="44">
-                  <c:v>bzip2_combined</c:v>
-                </c:pt>
-                <c:pt idx="45">
-                  <c:v>bzip2_chicken</c:v>
-                </c:pt>
-                <c:pt idx="46">
-                  <c:v>perlbench_diffmail</c:v>
-                </c:pt>
-                <c:pt idx="47">
-                  <c:v>gcc_200</c:v>
                 </c:pt>
                 <c:pt idx="48">
                   <c:v>h264ref_foreman</c:v>
                 </c:pt>
                 <c:pt idx="49">
-                  <c:v>sjeng</c:v>
+                  <c:v>cactusADM</c:v>
                 </c:pt>
                 <c:pt idx="50">
-                  <c:v>libquantum</c:v>
+                  <c:v>hmmer_retro</c:v>
                 </c:pt>
                 <c:pt idx="51">
-                  <c:v>hmmer_nph3</c:v>
+                  <c:v>xalancbmk</c:v>
                 </c:pt>
                 <c:pt idx="52">
-                  <c:v>gcc_expr</c:v>
+                  <c:v>perlbench_diffmail</c:v>
                 </c:pt>
               </c:strCache>
             </c:strRef>
@@ -2124,163 +2504,163 @@
                 <c:formatCode>General</c:formatCode>
                 <c:ptCount val="53"/>
                 <c:pt idx="0">
-                  <c:v>1.0217533000000001</c:v>
+                  <c:v>4.7608240000000004</c:v>
                 </c:pt>
                 <c:pt idx="1">
-                  <c:v>3.8250074000000001</c:v>
+                  <c:v>0.71625249999999996</c:v>
                 </c:pt>
                 <c:pt idx="2">
-                  <c:v>5.9068265000000002</c:v>
+                  <c:v>2.5259366000000001</c:v>
                 </c:pt>
                 <c:pt idx="3">
-                  <c:v>1.1954429</c:v>
+                  <c:v>0.19929959999999999</c:v>
                 </c:pt>
                 <c:pt idx="4">
-                  <c:v>0.16804606999999999</c:v>
+                  <c:v>5.1655422999999999E-2</c:v>
                 </c:pt>
                 <c:pt idx="5">
-                  <c:v>2.7118042</c:v>
+                  <c:v>0.32822812000000001</c:v>
                 </c:pt>
                 <c:pt idx="6">
-                  <c:v>3.2223587</c:v>
+                  <c:v>1.7073748</c:v>
                 </c:pt>
                 <c:pt idx="7">
-                  <c:v>0.73201024999999997</c:v>
+                  <c:v>1.3111120000000001</c:v>
                 </c:pt>
                 <c:pt idx="8">
-                  <c:v>0.42227226000000001</c:v>
+                  <c:v>1.4150058999999999</c:v>
                 </c:pt>
                 <c:pt idx="9">
-                  <c:v>7.0428385999999996</c:v>
+                  <c:v>5.1875453</c:v>
                 </c:pt>
                 <c:pt idx="10">
-                  <c:v>2.0366749999999998</c:v>
+                  <c:v>0.40708208000000001</c:v>
                 </c:pt>
                 <c:pt idx="11">
-                  <c:v>6.8610077</c:v>
+                  <c:v>0.82395019999999997</c:v>
                 </c:pt>
                 <c:pt idx="12">
-                  <c:v>7.0240935999999996</c:v>
+                  <c:v>1.6223485</c:v>
                 </c:pt>
                 <c:pt idx="13">
-                  <c:v>0.20242460000000001</c:v>
+                  <c:v>0.29329835999999998</c:v>
                 </c:pt>
                 <c:pt idx="14">
-                  <c:v>1.8132334999999999</c:v>
+                  <c:v>0.43922925000000002</c:v>
                 </c:pt>
                 <c:pt idx="15">
-                  <c:v>0.36826029999999998</c:v>
+                  <c:v>2.2322656999999999E-2</c:v>
                 </c:pt>
                 <c:pt idx="16">
-                  <c:v>0.15771408000000001</c:v>
+                  <c:v>1.6822363999999999E-2</c:v>
                 </c:pt>
                 <c:pt idx="17">
-                  <c:v>0.34839988</c:v>
+                  <c:v>0.92864393999999995</c:v>
                 </c:pt>
                 <c:pt idx="18">
-                  <c:v>6.3677549999999998</c:v>
+                  <c:v>3.1906538000000002</c:v>
                 </c:pt>
                 <c:pt idx="19">
-                  <c:v>1.8401635999999999</c:v>
+                  <c:v>5.8182836</c:v>
                 </c:pt>
                 <c:pt idx="20">
-                  <c:v>0.50687470000000001</c:v>
+                  <c:v>4.2832165</c:v>
                 </c:pt>
                 <c:pt idx="21">
-                  <c:v>0.47904580000000002</c:v>
+                  <c:v>0.28552319999999998</c:v>
                 </c:pt>
                 <c:pt idx="22">
-                  <c:v>3.4491260000000001</c:v>
+                  <c:v>5.4475594000000003</c:v>
                 </c:pt>
                 <c:pt idx="23">
-                  <c:v>6.4389950000000002</c:v>
+                  <c:v>1.7873846</c:v>
                 </c:pt>
                 <c:pt idx="24">
-                  <c:v>0.91129934999999995</c:v>
+                  <c:v>2.5612816999999999</c:v>
                 </c:pt>
                 <c:pt idx="25">
-                  <c:v>6.7253485</c:v>
+                  <c:v>0.62010529999999997</c:v>
                 </c:pt>
                 <c:pt idx="26">
-                  <c:v>0.36359584</c:v>
+                  <c:v>3.4596719999999997E-2</c:v>
                 </c:pt>
                 <c:pt idx="27">
-                  <c:v>8.0404499999999999</c:v>
+                  <c:v>5.6502840000000001</c:v>
                 </c:pt>
                 <c:pt idx="28">
-                  <c:v>7.1931049999999996E-2</c:v>
+                  <c:v>1.1377306</c:v>
                 </c:pt>
                 <c:pt idx="29">
-                  <c:v>0.64862883000000005</c:v>
+                  <c:v>3.2606792000000002</c:v>
                 </c:pt>
                 <c:pt idx="30">
-                  <c:v>4.1282189999999996</c:v>
+                  <c:v>5.3163304</c:v>
                 </c:pt>
                 <c:pt idx="31">
-                  <c:v>0.53306140000000002</c:v>
+                  <c:v>0.71583574999999999</c:v>
                 </c:pt>
                 <c:pt idx="32">
-                  <c:v>4.2798184000000003E-2</c:v>
+                  <c:v>2.3810696999999998</c:v>
                 </c:pt>
                 <c:pt idx="33">
-                  <c:v>2.4440436000000001</c:v>
+                  <c:v>1.7918022</c:v>
                 </c:pt>
                 <c:pt idx="34">
-                  <c:v>7.357437</c:v>
+                  <c:v>0.63614510000000002</c:v>
                 </c:pt>
                 <c:pt idx="35">
-                  <c:v>1.7100390000000001</c:v>
+                  <c:v>5.6842439999999996</c:v>
                 </c:pt>
                 <c:pt idx="36">
-                  <c:v>8.2365829999999995</c:v>
+                  <c:v>4.9043359999999998</c:v>
                 </c:pt>
                 <c:pt idx="37">
-                  <c:v>3.7540817</c:v>
+                  <c:v>1.9305483000000001</c:v>
                 </c:pt>
                 <c:pt idx="38">
-                  <c:v>1.0094827</c:v>
+                  <c:v>0.91522884000000004</c:v>
                 </c:pt>
                 <c:pt idx="39">
-                  <c:v>0.14458472999999999</c:v>
+                  <c:v>1.6781843999999999</c:v>
                 </c:pt>
                 <c:pt idx="40">
-                  <c:v>6.4248190000000003</c:v>
+                  <c:v>0.68775010000000003</c:v>
                 </c:pt>
                 <c:pt idx="41">
-                  <c:v>0.85931179999999996</c:v>
+                  <c:v>2.4932652000000002</c:v>
                 </c:pt>
                 <c:pt idx="42">
-                  <c:v>1.9936602000000001</c:v>
+                  <c:v>2.9218278</c:v>
                 </c:pt>
                 <c:pt idx="43">
-                  <c:v>1.2659235</c:v>
+                  <c:v>4.7771710000000001</c:v>
                 </c:pt>
                 <c:pt idx="44">
-                  <c:v>5.4711470000000002</c:v>
+                  <c:v>1.322536E-3</c:v>
                 </c:pt>
                 <c:pt idx="45">
-                  <c:v>2.3149302</c:v>
+                  <c:v>1.8064837</c:v>
                 </c:pt>
                 <c:pt idx="46">
-                  <c:v>0.17488100000000001</c:v>
+                  <c:v>4.8877040000000003</c:v>
                 </c:pt>
                 <c:pt idx="47">
-                  <c:v>3.3400496999999998</c:v>
+                  <c:v>2.0089383999999998E-2</c:v>
                 </c:pt>
                 <c:pt idx="48">
-                  <c:v>1.1072900000000001</c:v>
+                  <c:v>1.5869465</c:v>
                 </c:pt>
                 <c:pt idx="49">
-                  <c:v>3.9188890000000001</c:v>
+                  <c:v>0.26611874000000002</c:v>
                 </c:pt>
                 <c:pt idx="50">
-                  <c:v>5.3252485E-3</c:v>
+                  <c:v>5.2045690000000002</c:v>
                 </c:pt>
                 <c:pt idx="51">
-                  <c:v>7.2057169999999999</c:v>
+                  <c:v>0.57405810000000002</c:v>
                 </c:pt>
                 <c:pt idx="52">
-                  <c:v>2.6233373000000001E-2</c:v>
+                  <c:v>0.32594099999999998</c:v>
                 </c:pt>
               </c:numCache>
             </c:numRef>
@@ -2300,7 +2680,7 @@
               <c:strCache>
                 <c:ptCount val="1"/>
                 <c:pt idx="0">
-                  <c:v>coupled</c:v>
+                  <c:v>decoupled</c:v>
                 </c:pt>
               </c:strCache>
             </c:strRef>
@@ -2321,163 +2701,163 @@
               <c:strCache>
                 <c:ptCount val="53"/>
                 <c:pt idx="0">
+                  <c:v>mcf</c:v>
+                </c:pt>
+                <c:pt idx="1">
+                  <c:v>gcc_s04</c:v>
+                </c:pt>
+                <c:pt idx="2">
+                  <c:v>astar_biglakes</c:v>
+                </c:pt>
+                <c:pt idx="3">
+                  <c:v>milc</c:v>
+                </c:pt>
+                <c:pt idx="4">
+                  <c:v>libquantum</c:v>
+                </c:pt>
+                <c:pt idx="5">
+                  <c:v>lbm</c:v>
+                </c:pt>
+                <c:pt idx="6">
+                  <c:v>sphinx3</c:v>
+                </c:pt>
+                <c:pt idx="7">
+                  <c:v>h264ref_sss</c:v>
+                </c:pt>
+                <c:pt idx="8">
+                  <c:v>perlbench_checkspam</c:v>
+                </c:pt>
+                <c:pt idx="9">
+                  <c:v>bzip2_combined</c:v>
+                </c:pt>
+                <c:pt idx="10">
+                  <c:v>gamess_gradient</c:v>
+                </c:pt>
+                <c:pt idx="11">
+                  <c:v>bzip2_liberty</c:v>
+                </c:pt>
+                <c:pt idx="12">
+                  <c:v>omnetpp</c:v>
+                </c:pt>
+                <c:pt idx="13">
+                  <c:v>gamess_triazolium</c:v>
+                </c:pt>
+                <c:pt idx="14">
+                  <c:v>tonto</c:v>
+                </c:pt>
+                <c:pt idx="15">
+                  <c:v>leslie3d</c:v>
+                </c:pt>
+                <c:pt idx="16">
+                  <c:v>zeusmp</c:v>
+                </c:pt>
+                <c:pt idx="17">
+                  <c:v>gcc_expr2</c:v>
+                </c:pt>
+                <c:pt idx="18">
+                  <c:v>gromacs</c:v>
+                </c:pt>
+                <c:pt idx="19">
+                  <c:v>hmmer_nph3</c:v>
+                </c:pt>
+                <c:pt idx="20">
+                  <c:v>soplex_pds</c:v>
+                </c:pt>
+                <c:pt idx="21">
+                  <c:v>gcc_g23</c:v>
+                </c:pt>
+                <c:pt idx="22">
+                  <c:v>bzip2_source</c:v>
+                </c:pt>
+                <c:pt idx="23">
+                  <c:v>bzip2_chicken</c:v>
+                </c:pt>
+                <c:pt idx="24">
+                  <c:v>bzip2_html</c:v>
+                </c:pt>
+                <c:pt idx="25">
                   <c:v>gamess_cytosine</c:v>
                 </c:pt>
-                <c:pt idx="1">
+                <c:pt idx="26">
+                  <c:v>gcc_expr</c:v>
+                </c:pt>
+                <c:pt idx="27">
+                  <c:v>gobmk_13x13</c:v>
+                </c:pt>
+                <c:pt idx="28">
+                  <c:v>perlbench_splitmail</c:v>
+                </c:pt>
+                <c:pt idx="29">
+                  <c:v>bzip2_program</c:v>
+                </c:pt>
+                <c:pt idx="30">
+                  <c:v>astar_rivers</c:v>
+                </c:pt>
+                <c:pt idx="31">
+                  <c:v>calculix</c:v>
+                </c:pt>
+                <c:pt idx="32">
+                  <c:v>sjeng</c:v>
+                </c:pt>
+                <c:pt idx="33">
+                  <c:v>gcc_cpdecl</c:v>
+                </c:pt>
+                <c:pt idx="34">
+                  <c:v>gcc_166</c:v>
+                </c:pt>
+                <c:pt idx="35">
+                  <c:v>gobmk_trevorc</c:v>
+                </c:pt>
+                <c:pt idx="36">
+                  <c:v>gobmk_trevord</c:v>
+                </c:pt>
+                <c:pt idx="37">
+                  <c:v>gcc_200</c:v>
+                </c:pt>
+                <c:pt idx="38">
+                  <c:v>gcc_typeck</c:v>
+                </c:pt>
+                <c:pt idx="39">
+                  <c:v>povray</c:v>
+                </c:pt>
+                <c:pt idx="40">
+                  <c:v>dealII</c:v>
+                </c:pt>
+                <c:pt idx="41">
+                  <c:v>namd</c:v>
+                </c:pt>
+                <c:pt idx="42">
+                  <c:v>gcc_scilab</c:v>
+                </c:pt>
+                <c:pt idx="43">
+                  <c:v>gobmk_nngs</c:v>
+                </c:pt>
+                <c:pt idx="44">
+                  <c:v>bwaves</c:v>
+                </c:pt>
+                <c:pt idx="45">
                   <c:v>soplex_ref</c:v>
                 </c:pt>
-                <c:pt idx="2">
-                  <c:v>bzip2_source</c:v>
-                </c:pt>
-                <c:pt idx="3">
-                  <c:v>gcc_cpdecl</c:v>
-                </c:pt>
-                <c:pt idx="4">
-                  <c:v>perlbench_splitmail</c:v>
-                </c:pt>
-                <c:pt idx="5">
-                  <c:v>sphinx3</c:v>
-                </c:pt>
-                <c:pt idx="6">
-                  <c:v>gromacs</c:v>
-                </c:pt>
-                <c:pt idx="7">
-                  <c:v>gamess_gradient</c:v>
-                </c:pt>
-                <c:pt idx="8">
-                  <c:v>povray</c:v>
-                </c:pt>
-                <c:pt idx="9">
-                  <c:v>gobmk_trevorc</c:v>
-                </c:pt>
-                <c:pt idx="10">
-                  <c:v>perlbench_checkspam</c:v>
-                </c:pt>
-                <c:pt idx="11">
-                  <c:v>gobmk_trevord</c:v>
-                </c:pt>
-                <c:pt idx="12">
-                  <c:v>gobmk_13x13</c:v>
-                </c:pt>
-                <c:pt idx="13">
-                  <c:v>lbm</c:v>
-                </c:pt>
-                <c:pt idx="14">
-                  <c:v>gcc_s04</c:v>
-                </c:pt>
-                <c:pt idx="15">
-                  <c:v>xalancbmk</c:v>
-                </c:pt>
-                <c:pt idx="16">
-                  <c:v>calculix</c:v>
-                </c:pt>
-                <c:pt idx="17">
+                <c:pt idx="46">
+                  <c:v>gobmk_score2</c:v>
+                </c:pt>
+                <c:pt idx="47">
                   <c:v>GemsFDTD</c:v>
-                </c:pt>
-                <c:pt idx="18">
-                  <c:v>gobmk_nngs</c:v>
-                </c:pt>
-                <c:pt idx="19">
-                  <c:v>gcc_typeck</c:v>
-                </c:pt>
-                <c:pt idx="20">
-                  <c:v>leslie3d</c:v>
-                </c:pt>
-                <c:pt idx="21">
-                  <c:v>gcc_166</c:v>
-                </c:pt>
-                <c:pt idx="22">
-                  <c:v>astar_biglakes</c:v>
-                </c:pt>
-                <c:pt idx="23">
-                  <c:v>gcc_scilab</c:v>
-                </c:pt>
-                <c:pt idx="24">
-                  <c:v>dealII</c:v>
-                </c:pt>
-                <c:pt idx="25">
-                  <c:v>hmmer_retro</c:v>
-                </c:pt>
-                <c:pt idx="26">
-                  <c:v>gamess_triazolium</c:v>
-                </c:pt>
-                <c:pt idx="27">
-                  <c:v>soplex_pds</c:v>
-                </c:pt>
-                <c:pt idx="28">
-                  <c:v>zeusmp</c:v>
-                </c:pt>
-                <c:pt idx="29">
-                  <c:v>tonto</c:v>
-                </c:pt>
-                <c:pt idx="30">
-                  <c:v>namd</c:v>
-                </c:pt>
-                <c:pt idx="31">
-                  <c:v>cactusADM</c:v>
-                </c:pt>
-                <c:pt idx="32">
-                  <c:v>milc</c:v>
-                </c:pt>
-                <c:pt idx="33">
-                  <c:v>bzip2_html</c:v>
-                </c:pt>
-                <c:pt idx="34">
-                  <c:v>astar_rivers</c:v>
-                </c:pt>
-                <c:pt idx="35">
-                  <c:v>bwaves</c:v>
-                </c:pt>
-                <c:pt idx="36">
-                  <c:v>mcf</c:v>
-                </c:pt>
-                <c:pt idx="37">
-                  <c:v>bzip2_program</c:v>
-                </c:pt>
-                <c:pt idx="38">
-                  <c:v>bzip2_liberty</c:v>
-                </c:pt>
-                <c:pt idx="39">
-                  <c:v>gcc_g23</c:v>
-                </c:pt>
-                <c:pt idx="40">
-                  <c:v>gobmk_score2</c:v>
-                </c:pt>
-                <c:pt idx="41">
-                  <c:v>h264ref_sss</c:v>
-                </c:pt>
-                <c:pt idx="42">
-                  <c:v>gcc_expr2</c:v>
-                </c:pt>
-                <c:pt idx="43">
-                  <c:v>omnetpp</c:v>
-                </c:pt>
-                <c:pt idx="44">
-                  <c:v>bzip2_combined</c:v>
-                </c:pt>
-                <c:pt idx="45">
-                  <c:v>bzip2_chicken</c:v>
-                </c:pt>
-                <c:pt idx="46">
-                  <c:v>perlbench_diffmail</c:v>
-                </c:pt>
-                <c:pt idx="47">
-                  <c:v>gcc_200</c:v>
                 </c:pt>
                 <c:pt idx="48">
                   <c:v>h264ref_foreman</c:v>
                 </c:pt>
                 <c:pt idx="49">
-                  <c:v>sjeng</c:v>
+                  <c:v>cactusADM</c:v>
                 </c:pt>
                 <c:pt idx="50">
-                  <c:v>libquantum</c:v>
+                  <c:v>hmmer_retro</c:v>
                 </c:pt>
                 <c:pt idx="51">
-                  <c:v>hmmer_nph3</c:v>
+                  <c:v>xalancbmk</c:v>
                 </c:pt>
                 <c:pt idx="52">
-                  <c:v>gcc_expr</c:v>
+                  <c:v>perlbench_diffmail</c:v>
                 </c:pt>
               </c:strCache>
             </c:strRef>
@@ -2489,163 +2869,163 @@
                 <c:formatCode>General</c:formatCode>
                 <c:ptCount val="53"/>
                 <c:pt idx="0">
-                  <c:v>1.0933463999999999</c:v>
+                  <c:v>8.2365829999999995</c:v>
                 </c:pt>
                 <c:pt idx="1">
-                  <c:v>1.7952442</c:v>
+                  <c:v>1.8132334999999999</c:v>
                 </c:pt>
                 <c:pt idx="2">
-                  <c:v>4.5154443000000004</c:v>
+                  <c:v>3.4491260000000001</c:v>
                 </c:pt>
                 <c:pt idx="3">
-                  <c:v>1.1016037000000001</c:v>
+                  <c:v>4.2798184000000003E-2</c:v>
                 </c:pt>
                 <c:pt idx="4">
-                  <c:v>0.40407723000000001</c:v>
+                  <c:v>5.3252485E-3</c:v>
                 </c:pt>
                 <c:pt idx="5">
-                  <c:v>1.8791069</c:v>
+                  <c:v>0.20242460000000001</c:v>
                 </c:pt>
                 <c:pt idx="6">
-                  <c:v>2.1888551999999999</c:v>
+                  <c:v>2.7118042</c:v>
                 </c:pt>
                 <c:pt idx="7">
-                  <c:v>0.64451754000000006</c:v>
+                  <c:v>0.85931179999999996</c:v>
                 </c:pt>
                 <c:pt idx="8">
-                  <c:v>2.0026001999999998</c:v>
+                  <c:v>2.0366749999999998</c:v>
                 </c:pt>
                 <c:pt idx="9">
-                  <c:v>7.156542</c:v>
+                  <c:v>5.4711470000000002</c:v>
                 </c:pt>
                 <c:pt idx="10">
-                  <c:v>1.8315383999999999</c:v>
+                  <c:v>0.73201024999999997</c:v>
                 </c:pt>
                 <c:pt idx="11">
-                  <c:v>6.1455200000000003</c:v>
+                  <c:v>1.0094827</c:v>
                 </c:pt>
                 <c:pt idx="12">
-                  <c:v>6.405227</c:v>
+                  <c:v>1.2659235</c:v>
                 </c:pt>
                 <c:pt idx="13">
-                  <c:v>0.27956340000000002</c:v>
+                  <c:v>0.36359584</c:v>
                 </c:pt>
                 <c:pt idx="14">
-                  <c:v>0.92732203000000002</c:v>
+                  <c:v>0.64862883000000005</c:v>
                 </c:pt>
                 <c:pt idx="15">
-                  <c:v>0.76805334999999997</c:v>
+                  <c:v>0.50687470000000001</c:v>
                 </c:pt>
                 <c:pt idx="16">
-                  <c:v>5.8963000000000002E-2</c:v>
+                  <c:v>7.1931049999999996E-2</c:v>
                 </c:pt>
                 <c:pt idx="17">
-                  <c:v>0.23175082999999999</c:v>
+                  <c:v>1.9936602000000001</c:v>
                 </c:pt>
                 <c:pt idx="18">
-                  <c:v>6.1752833999999996</c:v>
+                  <c:v>3.2223587</c:v>
                 </c:pt>
                 <c:pt idx="19">
-                  <c:v>1.1740934000000001</c:v>
+                  <c:v>7.2057169999999999</c:v>
                 </c:pt>
                 <c:pt idx="20">
-                  <c:v>0.44019281999999998</c:v>
+                  <c:v>8.0404499999999999</c:v>
                 </c:pt>
                 <c:pt idx="21">
-                  <c:v>1.2002122</c:v>
+                  <c:v>0.14458472999999999</c:v>
                 </c:pt>
                 <c:pt idx="22">
-                  <c:v>3.0894308000000001</c:v>
+                  <c:v>5.9068265000000002</c:v>
                 </c:pt>
                 <c:pt idx="23">
-                  <c:v>3.4393544</c:v>
+                  <c:v>2.3149302</c:v>
                 </c:pt>
                 <c:pt idx="24">
-                  <c:v>0.48771735999999999</c:v>
+                  <c:v>2.4440436000000001</c:v>
                 </c:pt>
                 <c:pt idx="25">
-                  <c:v>5.0518099999999997</c:v>
+                  <c:v>1.0217533000000001</c:v>
                 </c:pt>
                 <c:pt idx="26">
-                  <c:v>0.54324899999999998</c:v>
+                  <c:v>2.6233373000000001E-2</c:v>
                 </c:pt>
                 <c:pt idx="27">
-                  <c:v>3.5804128999999998</c:v>
+                  <c:v>7.0240935999999996</c:v>
                 </c:pt>
                 <c:pt idx="28">
-                  <c:v>0.4576654</c:v>
+                  <c:v>0.16804606999999999</c:v>
                 </c:pt>
                 <c:pt idx="29">
-                  <c:v>0.63805365999999997</c:v>
+                  <c:v>3.7540817</c:v>
                 </c:pt>
                 <c:pt idx="30">
-                  <c:v>1.9561265000000001</c:v>
+                  <c:v>7.357437</c:v>
                 </c:pt>
                 <c:pt idx="31">
-                  <c:v>0.47621247</c:v>
+                  <c:v>0.15771408000000001</c:v>
                 </c:pt>
                 <c:pt idx="32">
-                  <c:v>5.4068208E-2</c:v>
+                  <c:v>3.9188890000000001</c:v>
                 </c:pt>
                 <c:pt idx="33">
-                  <c:v>1.9728985999999999</c:v>
+                  <c:v>1.1954429</c:v>
                 </c:pt>
                 <c:pt idx="34">
-                  <c:v>6.0976977000000003</c:v>
+                  <c:v>0.47904580000000002</c:v>
                 </c:pt>
                 <c:pt idx="35">
-                  <c:v>0.10315781</c:v>
+                  <c:v>7.0428385999999996</c:v>
                 </c:pt>
                 <c:pt idx="36">
-                  <c:v>4.6097627000000001</c:v>
+                  <c:v>6.8610077</c:v>
                 </c:pt>
                 <c:pt idx="37">
-                  <c:v>2.8091523999999999</c:v>
+                  <c:v>3.3400496999999998</c:v>
                 </c:pt>
                 <c:pt idx="38">
-                  <c:v>0.68097370000000002</c:v>
+                  <c:v>1.8401635999999999</c:v>
                 </c:pt>
                 <c:pt idx="39">
-                  <c:v>0.55527669999999996</c:v>
+                  <c:v>0.42227226000000001</c:v>
                 </c:pt>
                 <c:pt idx="40">
-                  <c:v>5.4815180000000003</c:v>
+                  <c:v>0.91129934999999995</c:v>
                 </c:pt>
                 <c:pt idx="41">
-                  <c:v>0.75809780000000004</c:v>
+                  <c:v>4.1282189999999996</c:v>
                 </c:pt>
                 <c:pt idx="42">
-                  <c:v>1.2036651</c:v>
+                  <c:v>6.4389950000000002</c:v>
                 </c:pt>
                 <c:pt idx="43">
-                  <c:v>1.6028886</c:v>
+                  <c:v>6.3677549999999998</c:v>
                 </c:pt>
                 <c:pt idx="44">
-                  <c:v>4.404325</c:v>
+                  <c:v>1.7100390000000001</c:v>
                 </c:pt>
                 <c:pt idx="45">
-                  <c:v>1.3752012</c:v>
+                  <c:v>3.8250074000000001</c:v>
                 </c:pt>
                 <c:pt idx="46">
-                  <c:v>0.92669489999999999</c:v>
+                  <c:v>6.4248190000000003</c:v>
                 </c:pt>
                 <c:pt idx="47">
-                  <c:v>2.4396445999999998</c:v>
+                  <c:v>0.34839988</c:v>
                 </c:pt>
                 <c:pt idx="48">
-                  <c:v>1.0834729999999999</c:v>
+                  <c:v>1.1072900000000001</c:v>
                 </c:pt>
                 <c:pt idx="49">
-                  <c:v>4.1161669999999999</c:v>
+                  <c:v>0.53306140000000002</c:v>
                 </c:pt>
                 <c:pt idx="50">
-                  <c:v>0.4576885</c:v>
+                  <c:v>6.7253485</c:v>
                 </c:pt>
                 <c:pt idx="51">
-                  <c:v>5.3294515999999996</c:v>
+                  <c:v>0.36826029999999998</c:v>
                 </c:pt>
                 <c:pt idx="52">
-                  <c:v>6.1945951999999999E-2</c:v>
+                  <c:v>0.17488100000000001</c:v>
                 </c:pt>
               </c:numCache>
             </c:numRef>
@@ -2653,6 +3033,371 @@
           <c:extLst>
             <c:ext xmlns:c16="http://schemas.microsoft.com/office/drawing/2014/chart" uri="{C3380CC4-5D6E-409C-BE32-E72D297353CC}">
               <c16:uniqueId val="{00000002-9048-4DB6-83DC-696395F7EB97}"/>
+            </c:ext>
+          </c:extLst>
+        </c:ser>
+        <c:ser>
+          <c:idx val="3"/>
+          <c:order val="3"/>
+          <c:tx>
+            <c:strRef>
+              <c:f>Sheet1!$E$1</c:f>
+              <c:strCache>
+                <c:ptCount val="1"/>
+                <c:pt idx="0">
+                  <c:v>coupled</c:v>
+                </c:pt>
+              </c:strCache>
+            </c:strRef>
+          </c:tx>
+          <c:spPr>
+            <a:solidFill>
+              <a:schemeClr val="accent4"/>
+            </a:solidFill>
+            <a:ln>
+              <a:noFill/>
+            </a:ln>
+            <a:effectLst/>
+          </c:spPr>
+          <c:invertIfNegative val="0"/>
+          <c:cat>
+            <c:strRef>
+              <c:f>Sheet1!$A$2:$A$54</c:f>
+              <c:strCache>
+                <c:ptCount val="53"/>
+                <c:pt idx="0">
+                  <c:v>mcf</c:v>
+                </c:pt>
+                <c:pt idx="1">
+                  <c:v>gcc_s04</c:v>
+                </c:pt>
+                <c:pt idx="2">
+                  <c:v>astar_biglakes</c:v>
+                </c:pt>
+                <c:pt idx="3">
+                  <c:v>milc</c:v>
+                </c:pt>
+                <c:pt idx="4">
+                  <c:v>libquantum</c:v>
+                </c:pt>
+                <c:pt idx="5">
+                  <c:v>lbm</c:v>
+                </c:pt>
+                <c:pt idx="6">
+                  <c:v>sphinx3</c:v>
+                </c:pt>
+                <c:pt idx="7">
+                  <c:v>h264ref_sss</c:v>
+                </c:pt>
+                <c:pt idx="8">
+                  <c:v>perlbench_checkspam</c:v>
+                </c:pt>
+                <c:pt idx="9">
+                  <c:v>bzip2_combined</c:v>
+                </c:pt>
+                <c:pt idx="10">
+                  <c:v>gamess_gradient</c:v>
+                </c:pt>
+                <c:pt idx="11">
+                  <c:v>bzip2_liberty</c:v>
+                </c:pt>
+                <c:pt idx="12">
+                  <c:v>omnetpp</c:v>
+                </c:pt>
+                <c:pt idx="13">
+                  <c:v>gamess_triazolium</c:v>
+                </c:pt>
+                <c:pt idx="14">
+                  <c:v>tonto</c:v>
+                </c:pt>
+                <c:pt idx="15">
+                  <c:v>leslie3d</c:v>
+                </c:pt>
+                <c:pt idx="16">
+                  <c:v>zeusmp</c:v>
+                </c:pt>
+                <c:pt idx="17">
+                  <c:v>gcc_expr2</c:v>
+                </c:pt>
+                <c:pt idx="18">
+                  <c:v>gromacs</c:v>
+                </c:pt>
+                <c:pt idx="19">
+                  <c:v>hmmer_nph3</c:v>
+                </c:pt>
+                <c:pt idx="20">
+                  <c:v>soplex_pds</c:v>
+                </c:pt>
+                <c:pt idx="21">
+                  <c:v>gcc_g23</c:v>
+                </c:pt>
+                <c:pt idx="22">
+                  <c:v>bzip2_source</c:v>
+                </c:pt>
+                <c:pt idx="23">
+                  <c:v>bzip2_chicken</c:v>
+                </c:pt>
+                <c:pt idx="24">
+                  <c:v>bzip2_html</c:v>
+                </c:pt>
+                <c:pt idx="25">
+                  <c:v>gamess_cytosine</c:v>
+                </c:pt>
+                <c:pt idx="26">
+                  <c:v>gcc_expr</c:v>
+                </c:pt>
+                <c:pt idx="27">
+                  <c:v>gobmk_13x13</c:v>
+                </c:pt>
+                <c:pt idx="28">
+                  <c:v>perlbench_splitmail</c:v>
+                </c:pt>
+                <c:pt idx="29">
+                  <c:v>bzip2_program</c:v>
+                </c:pt>
+                <c:pt idx="30">
+                  <c:v>astar_rivers</c:v>
+                </c:pt>
+                <c:pt idx="31">
+                  <c:v>calculix</c:v>
+                </c:pt>
+                <c:pt idx="32">
+                  <c:v>sjeng</c:v>
+                </c:pt>
+                <c:pt idx="33">
+                  <c:v>gcc_cpdecl</c:v>
+                </c:pt>
+                <c:pt idx="34">
+                  <c:v>gcc_166</c:v>
+                </c:pt>
+                <c:pt idx="35">
+                  <c:v>gobmk_trevorc</c:v>
+                </c:pt>
+                <c:pt idx="36">
+                  <c:v>gobmk_trevord</c:v>
+                </c:pt>
+                <c:pt idx="37">
+                  <c:v>gcc_200</c:v>
+                </c:pt>
+                <c:pt idx="38">
+                  <c:v>gcc_typeck</c:v>
+                </c:pt>
+                <c:pt idx="39">
+                  <c:v>povray</c:v>
+                </c:pt>
+                <c:pt idx="40">
+                  <c:v>dealII</c:v>
+                </c:pt>
+                <c:pt idx="41">
+                  <c:v>namd</c:v>
+                </c:pt>
+                <c:pt idx="42">
+                  <c:v>gcc_scilab</c:v>
+                </c:pt>
+                <c:pt idx="43">
+                  <c:v>gobmk_nngs</c:v>
+                </c:pt>
+                <c:pt idx="44">
+                  <c:v>bwaves</c:v>
+                </c:pt>
+                <c:pt idx="45">
+                  <c:v>soplex_ref</c:v>
+                </c:pt>
+                <c:pt idx="46">
+                  <c:v>gobmk_score2</c:v>
+                </c:pt>
+                <c:pt idx="47">
+                  <c:v>GemsFDTD</c:v>
+                </c:pt>
+                <c:pt idx="48">
+                  <c:v>h264ref_foreman</c:v>
+                </c:pt>
+                <c:pt idx="49">
+                  <c:v>cactusADM</c:v>
+                </c:pt>
+                <c:pt idx="50">
+                  <c:v>hmmer_retro</c:v>
+                </c:pt>
+                <c:pt idx="51">
+                  <c:v>xalancbmk</c:v>
+                </c:pt>
+                <c:pt idx="52">
+                  <c:v>perlbench_diffmail</c:v>
+                </c:pt>
+              </c:strCache>
+            </c:strRef>
+          </c:cat>
+          <c:val>
+            <c:numRef>
+              <c:f>Sheet1!$E$2:$E$54</c:f>
+              <c:numCache>
+                <c:formatCode>General</c:formatCode>
+                <c:ptCount val="53"/>
+                <c:pt idx="0">
+                  <c:v>4.6097627000000001</c:v>
+                </c:pt>
+                <c:pt idx="1">
+                  <c:v>0.92732203000000002</c:v>
+                </c:pt>
+                <c:pt idx="2">
+                  <c:v>3.0894308000000001</c:v>
+                </c:pt>
+                <c:pt idx="3">
+                  <c:v>5.4068208E-2</c:v>
+                </c:pt>
+                <c:pt idx="4">
+                  <c:v>0.4576885</c:v>
+                </c:pt>
+                <c:pt idx="5">
+                  <c:v>0.27956340000000002</c:v>
+                </c:pt>
+                <c:pt idx="6">
+                  <c:v>1.8791069</c:v>
+                </c:pt>
+                <c:pt idx="7">
+                  <c:v>0.75809780000000004</c:v>
+                </c:pt>
+                <c:pt idx="8">
+                  <c:v>1.8315383999999999</c:v>
+                </c:pt>
+                <c:pt idx="9">
+                  <c:v>4.404325</c:v>
+                </c:pt>
+                <c:pt idx="10">
+                  <c:v>0.64451754000000006</c:v>
+                </c:pt>
+                <c:pt idx="11">
+                  <c:v>0.68097370000000002</c:v>
+                </c:pt>
+                <c:pt idx="12">
+                  <c:v>1.6028886</c:v>
+                </c:pt>
+                <c:pt idx="13">
+                  <c:v>0.54324899999999998</c:v>
+                </c:pt>
+                <c:pt idx="14">
+                  <c:v>0.63805365999999997</c:v>
+                </c:pt>
+                <c:pt idx="15">
+                  <c:v>0.44019281999999998</c:v>
+                </c:pt>
+                <c:pt idx="16">
+                  <c:v>0.4576654</c:v>
+                </c:pt>
+                <c:pt idx="17">
+                  <c:v>1.2036651</c:v>
+                </c:pt>
+                <c:pt idx="18">
+                  <c:v>2.1888551999999999</c:v>
+                </c:pt>
+                <c:pt idx="19">
+                  <c:v>5.3294515999999996</c:v>
+                </c:pt>
+                <c:pt idx="20">
+                  <c:v>3.5804128999999998</c:v>
+                </c:pt>
+                <c:pt idx="21">
+                  <c:v>0.55527669999999996</c:v>
+                </c:pt>
+                <c:pt idx="22">
+                  <c:v>4.5154443000000004</c:v>
+                </c:pt>
+                <c:pt idx="23">
+                  <c:v>1.3752012</c:v>
+                </c:pt>
+                <c:pt idx="24">
+                  <c:v>1.9728985999999999</c:v>
+                </c:pt>
+                <c:pt idx="25">
+                  <c:v>1.0933463999999999</c:v>
+                </c:pt>
+                <c:pt idx="26">
+                  <c:v>6.1945951999999999E-2</c:v>
+                </c:pt>
+                <c:pt idx="27">
+                  <c:v>6.405227</c:v>
+                </c:pt>
+                <c:pt idx="28">
+                  <c:v>0.40407723000000001</c:v>
+                </c:pt>
+                <c:pt idx="29">
+                  <c:v>2.8091523999999999</c:v>
+                </c:pt>
+                <c:pt idx="30">
+                  <c:v>6.0976977000000003</c:v>
+                </c:pt>
+                <c:pt idx="31">
+                  <c:v>5.8963000000000002E-2</c:v>
+                </c:pt>
+                <c:pt idx="32">
+                  <c:v>4.1161669999999999</c:v>
+                </c:pt>
+                <c:pt idx="33">
+                  <c:v>1.1016037000000001</c:v>
+                </c:pt>
+                <c:pt idx="34">
+                  <c:v>1.2002122</c:v>
+                </c:pt>
+                <c:pt idx="35">
+                  <c:v>7.156542</c:v>
+                </c:pt>
+                <c:pt idx="36">
+                  <c:v>6.1455200000000003</c:v>
+                </c:pt>
+                <c:pt idx="37">
+                  <c:v>2.4396445999999998</c:v>
+                </c:pt>
+                <c:pt idx="38">
+                  <c:v>1.1740934000000001</c:v>
+                </c:pt>
+                <c:pt idx="39">
+                  <c:v>2.0026001999999998</c:v>
+                </c:pt>
+                <c:pt idx="40">
+                  <c:v>0.48771735999999999</c:v>
+                </c:pt>
+                <c:pt idx="41">
+                  <c:v>1.9561265000000001</c:v>
+                </c:pt>
+                <c:pt idx="42">
+                  <c:v>3.4393544</c:v>
+                </c:pt>
+                <c:pt idx="43">
+                  <c:v>6.1752833999999996</c:v>
+                </c:pt>
+                <c:pt idx="44">
+                  <c:v>0.10315781</c:v>
+                </c:pt>
+                <c:pt idx="45">
+                  <c:v>1.7952442</c:v>
+                </c:pt>
+                <c:pt idx="46">
+                  <c:v>5.4815180000000003</c:v>
+                </c:pt>
+                <c:pt idx="47">
+                  <c:v>0.23175082999999999</c:v>
+                </c:pt>
+                <c:pt idx="48">
+                  <c:v>1.0834729999999999</c:v>
+                </c:pt>
+                <c:pt idx="49">
+                  <c:v>0.47621247</c:v>
+                </c:pt>
+                <c:pt idx="50">
+                  <c:v>5.0518099999999997</c:v>
+                </c:pt>
+                <c:pt idx="51">
+                  <c:v>0.76805334999999997</c:v>
+                </c:pt>
+                <c:pt idx="52">
+                  <c:v>0.92669489999999999</c:v>
+                </c:pt>
+              </c:numCache>
+            </c:numRef>
+          </c:val>
+          <c:extLst>
+            <c:ext xmlns:c16="http://schemas.microsoft.com/office/drawing/2014/chart" uri="{C3380CC4-5D6E-409C-BE32-E72D297353CC}">
+              <c16:uniqueId val="{00000000-F83D-4072-BCC7-D5D250E1C745}"/>
             </c:ext>
           </c:extLst>
         </c:ser>
@@ -4082,7 +4827,7 @@
           <a:p>
             <a:fld id="{ED4FDD50-B9AB-44B6-8874-BEB4005BD240}" type="datetimeFigureOut">
               <a:rPr lang="zh-CN" altLang="en-US" smtClean="0"/>
-              <a:t>2022/10/13</a:t>
+              <a:t>2022/10/14</a:t>
             </a:fld>
             <a:endParaRPr lang="zh-CN" altLang="en-US"/>
           </a:p>
@@ -4280,7 +5025,7 @@
           <a:p>
             <a:fld id="{ED4FDD50-B9AB-44B6-8874-BEB4005BD240}" type="datetimeFigureOut">
               <a:rPr lang="zh-CN" altLang="en-US" smtClean="0"/>
-              <a:t>2022/10/13</a:t>
+              <a:t>2022/10/14</a:t>
             </a:fld>
             <a:endParaRPr lang="zh-CN" altLang="en-US"/>
           </a:p>
@@ -4488,7 +5233,7 @@
           <a:p>
             <a:fld id="{ED4FDD50-B9AB-44B6-8874-BEB4005BD240}" type="datetimeFigureOut">
               <a:rPr lang="zh-CN" altLang="en-US" smtClean="0"/>
-              <a:t>2022/10/13</a:t>
+              <a:t>2022/10/14</a:t>
             </a:fld>
             <a:endParaRPr lang="zh-CN" altLang="en-US"/>
           </a:p>
@@ -4686,7 +5431,7 @@
           <a:p>
             <a:fld id="{ED4FDD50-B9AB-44B6-8874-BEB4005BD240}" type="datetimeFigureOut">
               <a:rPr lang="zh-CN" altLang="en-US" smtClean="0"/>
-              <a:t>2022/10/13</a:t>
+              <a:t>2022/10/14</a:t>
             </a:fld>
             <a:endParaRPr lang="zh-CN" altLang="en-US"/>
           </a:p>
@@ -4961,7 +5706,7 @@
           <a:p>
             <a:fld id="{ED4FDD50-B9AB-44B6-8874-BEB4005BD240}" type="datetimeFigureOut">
               <a:rPr lang="zh-CN" altLang="en-US" smtClean="0"/>
-              <a:t>2022/10/13</a:t>
+              <a:t>2022/10/14</a:t>
             </a:fld>
             <a:endParaRPr lang="zh-CN" altLang="en-US"/>
           </a:p>
@@ -5226,7 +5971,7 @@
           <a:p>
             <a:fld id="{ED4FDD50-B9AB-44B6-8874-BEB4005BD240}" type="datetimeFigureOut">
               <a:rPr lang="zh-CN" altLang="en-US" smtClean="0"/>
-              <a:t>2022/10/13</a:t>
+              <a:t>2022/10/14</a:t>
             </a:fld>
             <a:endParaRPr lang="zh-CN" altLang="en-US"/>
           </a:p>
@@ -5638,7 +6383,7 @@
           <a:p>
             <a:fld id="{ED4FDD50-B9AB-44B6-8874-BEB4005BD240}" type="datetimeFigureOut">
               <a:rPr lang="zh-CN" altLang="en-US" smtClean="0"/>
-              <a:t>2022/10/13</a:t>
+              <a:t>2022/10/14</a:t>
             </a:fld>
             <a:endParaRPr lang="zh-CN" altLang="en-US"/>
           </a:p>
@@ -5779,7 +6524,7 @@
           <a:p>
             <a:fld id="{ED4FDD50-B9AB-44B6-8874-BEB4005BD240}" type="datetimeFigureOut">
               <a:rPr lang="zh-CN" altLang="en-US" smtClean="0"/>
-              <a:t>2022/10/13</a:t>
+              <a:t>2022/10/14</a:t>
             </a:fld>
             <a:endParaRPr lang="zh-CN" altLang="en-US"/>
           </a:p>
@@ -5892,7 +6637,7 @@
           <a:p>
             <a:fld id="{ED4FDD50-B9AB-44B6-8874-BEB4005BD240}" type="datetimeFigureOut">
               <a:rPr lang="zh-CN" altLang="en-US" smtClean="0"/>
-              <a:t>2022/10/13</a:t>
+              <a:t>2022/10/14</a:t>
             </a:fld>
             <a:endParaRPr lang="zh-CN" altLang="en-US"/>
           </a:p>
@@ -6203,7 +6948,7 @@
           <a:p>
             <a:fld id="{ED4FDD50-B9AB-44B6-8874-BEB4005BD240}" type="datetimeFigureOut">
               <a:rPr lang="zh-CN" altLang="en-US" smtClean="0"/>
-              <a:t>2022/10/13</a:t>
+              <a:t>2022/10/14</a:t>
             </a:fld>
             <a:endParaRPr lang="zh-CN" altLang="en-US"/>
           </a:p>
@@ -6491,7 +7236,7 @@
           <a:p>
             <a:fld id="{ED4FDD50-B9AB-44B6-8874-BEB4005BD240}" type="datetimeFigureOut">
               <a:rPr lang="zh-CN" altLang="en-US" smtClean="0"/>
-              <a:t>2022/10/13</a:t>
+              <a:t>2022/10/14</a:t>
             </a:fld>
             <a:endParaRPr lang="zh-CN" altLang="en-US"/>
           </a:p>
@@ -6732,7 +7477,7 @@
           <a:p>
             <a:fld id="{ED4FDD50-B9AB-44B6-8874-BEB4005BD240}" type="datetimeFigureOut">
               <a:rPr lang="zh-CN" altLang="en-US" smtClean="0"/>
-              <a:t>2022/10/13</a:t>
+              <a:t>2022/10/14</a:t>
             </a:fld>
             <a:endParaRPr lang="zh-CN" altLang="en-US"/>
           </a:p>
@@ -7162,14 +7907,14 @@
           <p:nvPr>
             <p:extLst>
               <p:ext uri="{D42A27DB-BD31-4B8C-83A1-F6EECF244321}">
-                <p14:modId xmlns:p14="http://schemas.microsoft.com/office/powerpoint/2010/main" val="50995856"/>
+                <p14:modId xmlns:p14="http://schemas.microsoft.com/office/powerpoint/2010/main" val="3968758532"/>
               </p:ext>
             </p:extLst>
           </p:nvPr>
         </p:nvGraphicFramePr>
         <p:xfrm>
-          <a:off x="1" y="719666"/>
-          <a:ext cx="12112388" cy="5418667"/>
+          <a:off x="-1760220" y="719666"/>
+          <a:ext cx="15537180" cy="5418667"/>
         </p:xfrm>
         <a:graphic>
           <a:graphicData uri="http://schemas.openxmlformats.org/drawingml/2006/chart">
@@ -7220,7 +7965,7 @@
           <p:nvPr>
             <p:extLst>
               <p:ext uri="{D42A27DB-BD31-4B8C-83A1-F6EECF244321}">
-                <p14:modId xmlns:p14="http://schemas.microsoft.com/office/powerpoint/2010/main" val="1884045100"/>
+                <p14:modId xmlns:p14="http://schemas.microsoft.com/office/powerpoint/2010/main" val="4105184660"/>
               </p:ext>
             </p:extLst>
           </p:nvPr>

--- a/graph.pptx
+++ b/graph.pptx
@@ -151,12 +151,6 @@
               <a:t>MPKI</a:t>
             </a:r>
           </a:p>
-          <a:p>
-            <a:pPr>
-              <a:defRPr/>
-            </a:pPr>
-            <a:endParaRPr lang="zh-CN" altLang="en-US" dirty="0"/>
-          </a:p>
         </c:rich>
       </c:tx>
       <c:overlay val="0"/>
@@ -204,7 +198,7 @@
               <c:strCache>
                 <c:ptCount val="1"/>
                 <c:pt idx="0">
-                  <c:v>decoupled_update</c:v>
+                  <c:v>stream tage</c:v>
                 </c:pt>
               </c:strCache>
             </c:strRef>
@@ -225,163 +219,163 @@
               <c:strCache>
                 <c:ptCount val="53"/>
                 <c:pt idx="0">
-                  <c:v>mcf</c:v>
+                  <c:v>GemsFDTD</c:v>
                 </c:pt>
                 <c:pt idx="1">
-                  <c:v>gcc_s04</c:v>
+                  <c:v>perlbench_diffmail</c:v>
                 </c:pt>
                 <c:pt idx="2">
                   <c:v>astar_biglakes</c:v>
                 </c:pt>
                 <c:pt idx="3">
-                  <c:v>milc</c:v>
+                  <c:v>bwaves</c:v>
                 </c:pt>
                 <c:pt idx="4">
+                  <c:v>soplex_ref</c:v>
+                </c:pt>
+                <c:pt idx="5">
+                  <c:v>omnetpp</c:v>
+                </c:pt>
+                <c:pt idx="6">
+                  <c:v>gobmk_score2</c:v>
+                </c:pt>
+                <c:pt idx="7">
+                  <c:v>hmmer_retro</c:v>
+                </c:pt>
+                <c:pt idx="8">
+                  <c:v>namd</c:v>
+                </c:pt>
+                <c:pt idx="9">
+                  <c:v>lbm</c:v>
+                </c:pt>
+                <c:pt idx="10">
+                  <c:v>perlbench_splitmail</c:v>
+                </c:pt>
+                <c:pt idx="11">
+                  <c:v>gcc_scilab</c:v>
+                </c:pt>
+                <c:pt idx="12">
                   <c:v>libquantum</c:v>
                 </c:pt>
-                <c:pt idx="5">
-                  <c:v>lbm</c:v>
-                </c:pt>
-                <c:pt idx="6">
-                  <c:v>sphinx3</c:v>
-                </c:pt>
-                <c:pt idx="7">
-                  <c:v>h264ref_sss</c:v>
-                </c:pt>
-                <c:pt idx="8">
-                  <c:v>perlbench_checkspam</c:v>
-                </c:pt>
-                <c:pt idx="9">
+                <c:pt idx="13">
+                  <c:v>cactusADM</c:v>
+                </c:pt>
+                <c:pt idx="14">
+                  <c:v>gcc_166</c:v>
+                </c:pt>
+                <c:pt idx="15">
+                  <c:v>xalancbmk</c:v>
+                </c:pt>
+                <c:pt idx="16">
+                  <c:v>gamess_gradient</c:v>
+                </c:pt>
+                <c:pt idx="17">
+                  <c:v>gcc_s04</c:v>
+                </c:pt>
+                <c:pt idx="18">
+                  <c:v>gobmk_nngs</c:v>
+                </c:pt>
+                <c:pt idx="19">
+                  <c:v>gobmk_trevord</c:v>
+                </c:pt>
+                <c:pt idx="20">
+                  <c:v>h264ref_foreman</c:v>
+                </c:pt>
+                <c:pt idx="21">
+                  <c:v>gamess_triazolium</c:v>
+                </c:pt>
+                <c:pt idx="22">
+                  <c:v>hmmer_nph3</c:v>
+                </c:pt>
+                <c:pt idx="23">
                   <c:v>bzip2_combined</c:v>
-                </c:pt>
-                <c:pt idx="10">
-                  <c:v>gamess_gradient</c:v>
-                </c:pt>
-                <c:pt idx="11">
-                  <c:v>bzip2_liberty</c:v>
-                </c:pt>
-                <c:pt idx="12">
-                  <c:v>omnetpp</c:v>
-                </c:pt>
-                <c:pt idx="13">
-                  <c:v>gamess_triazolium</c:v>
-                </c:pt>
-                <c:pt idx="14">
-                  <c:v>tonto</c:v>
-                </c:pt>
-                <c:pt idx="15">
-                  <c:v>leslie3d</c:v>
-                </c:pt>
-                <c:pt idx="16">
-                  <c:v>zeusmp</c:v>
-                </c:pt>
-                <c:pt idx="17">
-                  <c:v>gcc_expr2</c:v>
-                </c:pt>
-                <c:pt idx="18">
-                  <c:v>gromacs</c:v>
-                </c:pt>
-                <c:pt idx="19">
-                  <c:v>hmmer_nph3</c:v>
-                </c:pt>
-                <c:pt idx="20">
-                  <c:v>soplex_pds</c:v>
-                </c:pt>
-                <c:pt idx="21">
-                  <c:v>gcc_g23</c:v>
-                </c:pt>
-                <c:pt idx="22">
-                  <c:v>bzip2_source</c:v>
-                </c:pt>
-                <c:pt idx="23">
-                  <c:v>bzip2_chicken</c:v>
                 </c:pt>
                 <c:pt idx="24">
                   <c:v>bzip2_html</c:v>
                 </c:pt>
                 <c:pt idx="25">
+                  <c:v>gromacs</c:v>
+                </c:pt>
+                <c:pt idx="26">
+                  <c:v>bzip2_chicken</c:v>
+                </c:pt>
+                <c:pt idx="27">
+                  <c:v>gcc_expr</c:v>
+                </c:pt>
+                <c:pt idx="28">
+                  <c:v>astar_rivers</c:v>
+                </c:pt>
+                <c:pt idx="29">
+                  <c:v>tonto</c:v>
+                </c:pt>
+                <c:pt idx="30">
+                  <c:v>leslie3d</c:v>
+                </c:pt>
+                <c:pt idx="31">
+                  <c:v>gcc_cpdecl</c:v>
+                </c:pt>
+                <c:pt idx="32">
                   <c:v>gamess_cytosine</c:v>
                 </c:pt>
-                <c:pt idx="26">
-                  <c:v>gcc_expr</c:v>
-                </c:pt>
-                <c:pt idx="27">
+                <c:pt idx="33">
+                  <c:v>bzip2_program</c:v>
+                </c:pt>
+                <c:pt idx="34">
+                  <c:v>milc</c:v>
+                </c:pt>
+                <c:pt idx="35">
+                  <c:v>sjeng</c:v>
+                </c:pt>
+                <c:pt idx="36">
+                  <c:v>gcc_200</c:v>
+                </c:pt>
+                <c:pt idx="37">
+                  <c:v>gcc_g23</c:v>
+                </c:pt>
+                <c:pt idx="38">
+                  <c:v>mcf</c:v>
+                </c:pt>
+                <c:pt idx="39">
+                  <c:v>zeusmp</c:v>
+                </c:pt>
+                <c:pt idx="40">
+                  <c:v>bzip2_liberty</c:v>
+                </c:pt>
+                <c:pt idx="41">
+                  <c:v>povray</c:v>
+                </c:pt>
+                <c:pt idx="42">
+                  <c:v>sphinx3</c:v>
+                </c:pt>
+                <c:pt idx="43">
+                  <c:v>gcc_expr2</c:v>
+                </c:pt>
+                <c:pt idx="44">
+                  <c:v>dealII</c:v>
+                </c:pt>
+                <c:pt idx="45">
+                  <c:v>bzip2_source</c:v>
+                </c:pt>
+                <c:pt idx="46">
+                  <c:v>h264ref_sss</c:v>
+                </c:pt>
+                <c:pt idx="47">
                   <c:v>gobmk_13x13</c:v>
                 </c:pt>
-                <c:pt idx="28">
-                  <c:v>perlbench_splitmail</c:v>
-                </c:pt>
-                <c:pt idx="29">
-                  <c:v>bzip2_program</c:v>
-                </c:pt>
-                <c:pt idx="30">
-                  <c:v>astar_rivers</c:v>
-                </c:pt>
-                <c:pt idx="31">
+                <c:pt idx="48">
+                  <c:v>soplex_pds</c:v>
+                </c:pt>
+                <c:pt idx="49">
+                  <c:v>gobmk_trevorc</c:v>
+                </c:pt>
+                <c:pt idx="50">
+                  <c:v>gcc_typeck</c:v>
+                </c:pt>
+                <c:pt idx="51">
                   <c:v>calculix</c:v>
                 </c:pt>
-                <c:pt idx="32">
-                  <c:v>sjeng</c:v>
-                </c:pt>
-                <c:pt idx="33">
-                  <c:v>gcc_cpdecl</c:v>
-                </c:pt>
-                <c:pt idx="34">
-                  <c:v>gcc_166</c:v>
-                </c:pt>
-                <c:pt idx="35">
-                  <c:v>gobmk_trevorc</c:v>
-                </c:pt>
-                <c:pt idx="36">
-                  <c:v>gobmk_trevord</c:v>
-                </c:pt>
-                <c:pt idx="37">
-                  <c:v>gcc_200</c:v>
-                </c:pt>
-                <c:pt idx="38">
-                  <c:v>gcc_typeck</c:v>
-                </c:pt>
-                <c:pt idx="39">
-                  <c:v>povray</c:v>
-                </c:pt>
-                <c:pt idx="40">
-                  <c:v>dealII</c:v>
-                </c:pt>
-                <c:pt idx="41">
-                  <c:v>namd</c:v>
-                </c:pt>
-                <c:pt idx="42">
-                  <c:v>gcc_scilab</c:v>
-                </c:pt>
-                <c:pt idx="43">
-                  <c:v>gobmk_nngs</c:v>
-                </c:pt>
-                <c:pt idx="44">
-                  <c:v>bwaves</c:v>
-                </c:pt>
-                <c:pt idx="45">
-                  <c:v>soplex_ref</c:v>
-                </c:pt>
-                <c:pt idx="46">
-                  <c:v>gobmk_score2</c:v>
-                </c:pt>
-                <c:pt idx="47">
-                  <c:v>GemsFDTD</c:v>
-                </c:pt>
-                <c:pt idx="48">
-                  <c:v>h264ref_foreman</c:v>
-                </c:pt>
-                <c:pt idx="49">
-                  <c:v>cactusADM</c:v>
-                </c:pt>
-                <c:pt idx="50">
-                  <c:v>hmmer_retro</c:v>
-                </c:pt>
-                <c:pt idx="51">
-                  <c:v>xalancbmk</c:v>
-                </c:pt>
                 <c:pt idx="52">
-                  <c:v>perlbench_diffmail</c:v>
+                  <c:v>perlbench_checkspam</c:v>
                 </c:pt>
               </c:strCache>
             </c:strRef>
@@ -393,170 +387,170 @@
                 <c:formatCode>General</c:formatCode>
                 <c:ptCount val="53"/>
                 <c:pt idx="0">
-                  <c:v>23.668195999999998</c:v>
+                  <c:v>2.8337251000000001E-2</c:v>
                 </c:pt>
                 <c:pt idx="1">
-                  <c:v>1.9265441000000001</c:v>
+                  <c:v>0.55899995999999996</c:v>
                 </c:pt>
                 <c:pt idx="2">
-                  <c:v>8.9583539999999999</c:v>
+                  <c:v>8.2114370000000001</c:v>
                 </c:pt>
                 <c:pt idx="3">
-                  <c:v>0.25304145</c:v>
+                  <c:v>9.9999989999999999E-4</c:v>
                 </c:pt>
                 <c:pt idx="4">
-                  <c:v>0.79128679999999996</c:v>
+                  <c:v>4.3677210000000004</c:v>
                 </c:pt>
                 <c:pt idx="5">
-                  <c:v>6.9000000000000006E-2</c:v>
+                  <c:v>5.97</c:v>
                 </c:pt>
                 <c:pt idx="6">
-                  <c:v>3.1443563000000001</c:v>
+                  <c:v>15.338768</c:v>
                 </c:pt>
                 <c:pt idx="7">
-                  <c:v>1.7412300000000001</c:v>
+                  <c:v>16.65258</c:v>
                 </c:pt>
                 <c:pt idx="8">
-                  <c:v>3.9514174</c:v>
+                  <c:v>2.6316147000000001</c:v>
                 </c:pt>
                 <c:pt idx="9">
-                  <c:v>14.039173999999999</c:v>
+                  <c:v>7.3999990000000002E-2</c:v>
                 </c:pt>
                 <c:pt idx="10">
-                  <c:v>0.51279706000000003</c:v>
+                  <c:v>0.81695485000000001</c:v>
                 </c:pt>
                 <c:pt idx="11">
-                  <c:v>2.6316199999999998</c:v>
+                  <c:v>5.953068</c:v>
                 </c:pt>
                 <c:pt idx="12">
-                  <c:v>7.1840000000000002</c:v>
+                  <c:v>8.0504279999999998E-2</c:v>
                 </c:pt>
                 <c:pt idx="13">
-                  <c:v>1.2414098</c:v>
+                  <c:v>2.1999999999999999E-2</c:v>
                 </c:pt>
                 <c:pt idx="14">
-                  <c:v>0.70216650000000003</c:v>
+                  <c:v>1.3577002</c:v>
                 </c:pt>
                 <c:pt idx="15">
-                  <c:v>2.6777769E-2</c:v>
+                  <c:v>2.0359492000000001</c:v>
                 </c:pt>
                 <c:pt idx="16">
-                  <c:v>7.6728333000000001E-3</c:v>
+                  <c:v>0.31978879999999998</c:v>
                 </c:pt>
                 <c:pt idx="17">
-                  <c:v>2.7255530000000001</c:v>
+                  <c:v>1.2309068000000001</c:v>
                 </c:pt>
                 <c:pt idx="18">
-                  <c:v>2.1422997000000001</c:v>
+                  <c:v>15.728104</c:v>
                 </c:pt>
                 <c:pt idx="19">
-                  <c:v>16.202905999999999</c:v>
+                  <c:v>15.701649</c:v>
                 </c:pt>
                 <c:pt idx="20">
-                  <c:v>15.892545999999999</c:v>
+                  <c:v>1.330173</c:v>
                 </c:pt>
                 <c:pt idx="21">
-                  <c:v>0.81029903999999997</c:v>
+                  <c:v>0.23608080000000001</c:v>
                 </c:pt>
                 <c:pt idx="22">
-                  <c:v>14.383677</c:v>
+                  <c:v>15.574445000000001</c:v>
                 </c:pt>
                 <c:pt idx="23">
-                  <c:v>5.8166000000000002</c:v>
+                  <c:v>14.048555</c:v>
                 </c:pt>
                 <c:pt idx="24">
-                  <c:v>5.9972180000000002</c:v>
+                  <c:v>5.6446430000000003</c:v>
                 </c:pt>
                 <c:pt idx="25">
-                  <c:v>1.0391347</c:v>
+                  <c:v>2.2446654000000001</c:v>
                 </c:pt>
                 <c:pt idx="26">
-                  <c:v>0.16561862999999999</c:v>
+                  <c:v>5.5838264999999998</c:v>
                 </c:pt>
                 <c:pt idx="27">
-                  <c:v>18.311802</c:v>
+                  <c:v>0.12729190000000001</c:v>
                 </c:pt>
                 <c:pt idx="28">
-                  <c:v>3.3397597999999999</c:v>
+                  <c:v>17.711945</c:v>
                 </c:pt>
                 <c:pt idx="29">
-                  <c:v>9.6393540000000009</c:v>
+                  <c:v>0.40822464000000003</c:v>
                 </c:pt>
                 <c:pt idx="30">
-                  <c:v>18.145852999999999</c:v>
+                  <c:v>1.2837596999999999E-2</c:v>
                 </c:pt>
                 <c:pt idx="31">
-                  <c:v>0.97682740000000001</c:v>
+                  <c:v>1.4152948000000001</c:v>
                 </c:pt>
                 <c:pt idx="32">
-                  <c:v>8.8853019999999994</c:v>
+                  <c:v>0.60887146000000003</c:v>
                 </c:pt>
                 <c:pt idx="33">
-                  <c:v>4.2473391999999999</c:v>
+                  <c:v>9.0580409999999993</c:v>
                 </c:pt>
                 <c:pt idx="34">
-                  <c:v>2.2571702</c:v>
+                  <c:v>1.8240076000000001E-2</c:v>
                 </c:pt>
                 <c:pt idx="35">
-                  <c:v>16.547913000000001</c:v>
+                  <c:v>8.4827779999999997</c:v>
                 </c:pt>
                 <c:pt idx="36">
-                  <c:v>14.850984</c:v>
+                  <c:v>5.3595499999999996</c:v>
                 </c:pt>
                 <c:pt idx="37">
-                  <c:v>6.3887280000000004</c:v>
+                  <c:v>0.42937123999999999</c:v>
                 </c:pt>
                 <c:pt idx="38">
-                  <c:v>3.0478778000000002</c:v>
+                  <c:v>22.160806999999998</c:v>
                 </c:pt>
                 <c:pt idx="39">
-                  <c:v>2.2954438000000001</c:v>
+                  <c:v>3.4646858000000002E-3</c:v>
                 </c:pt>
                 <c:pt idx="40">
-                  <c:v>1.2001714999999999</c:v>
+                  <c:v>3.2733561999999998</c:v>
                 </c:pt>
                 <c:pt idx="41">
-                  <c:v>2.5944001999999999</c:v>
+                  <c:v>1.0478272</c:v>
                 </c:pt>
                 <c:pt idx="42">
-                  <c:v>7.4673309999999997</c:v>
+                  <c:v>2.6845734000000001</c:v>
                 </c:pt>
                 <c:pt idx="43">
-                  <c:v>14.939655999999999</c:v>
+                  <c:v>2.2909293000000002</c:v>
                 </c:pt>
                 <c:pt idx="44">
-                  <c:v>9.9999989999999999E-4</c:v>
+                  <c:v>1.0966834000000001</c:v>
                 </c:pt>
                 <c:pt idx="45">
-                  <c:v>5.9304733000000001</c:v>
+                  <c:v>14.502991</c:v>
                 </c:pt>
                 <c:pt idx="46">
-                  <c:v>16.189416999999999</c:v>
+                  <c:v>0.80999770000000004</c:v>
                 </c:pt>
                 <c:pt idx="47">
-                  <c:v>2.8770787999999999E-2</c:v>
+                  <c:v>20.544138</c:v>
                 </c:pt>
                 <c:pt idx="48">
-                  <c:v>2.4500867999999998</c:v>
+                  <c:v>15.04987</c:v>
                 </c:pt>
                 <c:pt idx="49">
-                  <c:v>5.0000000000000001E-3</c:v>
+                  <c:v>17.813139</c:v>
                 </c:pt>
                 <c:pt idx="50">
-                  <c:v>16.617419999999999</c:v>
+                  <c:v>1.9197934999999999</c:v>
                 </c:pt>
                 <c:pt idx="51">
-                  <c:v>2.5678011999999999</c:v>
+                  <c:v>6.1122976000000002E-2</c:v>
                 </c:pt>
                 <c:pt idx="52">
-                  <c:v>0.94</c:v>
+                  <c:v>3.0746609999999999</c:v>
                 </c:pt>
               </c:numCache>
             </c:numRef>
           </c:val>
           <c:extLst>
             <c:ext xmlns:c16="http://schemas.microsoft.com/office/drawing/2014/chart" uri="{C3380CC4-5D6E-409C-BE32-E72D297353CC}">
-              <c16:uniqueId val="{00000000-9048-4DB6-83DC-696395F7EB97}"/>
+              <c16:uniqueId val="{00000000-31C3-4DD2-B497-20B71E2072C8}"/>
             </c:ext>
           </c:extLst>
         </c:ser>
@@ -569,7 +563,7 @@
               <c:strCache>
                 <c:ptCount val="1"/>
                 <c:pt idx="0">
-                  <c:v>decoupled_last</c:v>
+                  <c:v>coupled</c:v>
                 </c:pt>
               </c:strCache>
             </c:strRef>
@@ -590,163 +584,163 @@
               <c:strCache>
                 <c:ptCount val="53"/>
                 <c:pt idx="0">
-                  <c:v>mcf</c:v>
+                  <c:v>GemsFDTD</c:v>
                 </c:pt>
                 <c:pt idx="1">
-                  <c:v>gcc_s04</c:v>
+                  <c:v>perlbench_diffmail</c:v>
                 </c:pt>
                 <c:pt idx="2">
                   <c:v>astar_biglakes</c:v>
                 </c:pt>
                 <c:pt idx="3">
-                  <c:v>milc</c:v>
+                  <c:v>bwaves</c:v>
                 </c:pt>
                 <c:pt idx="4">
+                  <c:v>soplex_ref</c:v>
+                </c:pt>
+                <c:pt idx="5">
+                  <c:v>omnetpp</c:v>
+                </c:pt>
+                <c:pt idx="6">
+                  <c:v>gobmk_score2</c:v>
+                </c:pt>
+                <c:pt idx="7">
+                  <c:v>hmmer_retro</c:v>
+                </c:pt>
+                <c:pt idx="8">
+                  <c:v>namd</c:v>
+                </c:pt>
+                <c:pt idx="9">
+                  <c:v>lbm</c:v>
+                </c:pt>
+                <c:pt idx="10">
+                  <c:v>perlbench_splitmail</c:v>
+                </c:pt>
+                <c:pt idx="11">
+                  <c:v>gcc_scilab</c:v>
+                </c:pt>
+                <c:pt idx="12">
                   <c:v>libquantum</c:v>
                 </c:pt>
-                <c:pt idx="5">
-                  <c:v>lbm</c:v>
-                </c:pt>
-                <c:pt idx="6">
-                  <c:v>sphinx3</c:v>
-                </c:pt>
-                <c:pt idx="7">
-                  <c:v>h264ref_sss</c:v>
-                </c:pt>
-                <c:pt idx="8">
-                  <c:v>perlbench_checkspam</c:v>
-                </c:pt>
-                <c:pt idx="9">
+                <c:pt idx="13">
+                  <c:v>cactusADM</c:v>
+                </c:pt>
+                <c:pt idx="14">
+                  <c:v>gcc_166</c:v>
+                </c:pt>
+                <c:pt idx="15">
+                  <c:v>xalancbmk</c:v>
+                </c:pt>
+                <c:pt idx="16">
+                  <c:v>gamess_gradient</c:v>
+                </c:pt>
+                <c:pt idx="17">
+                  <c:v>gcc_s04</c:v>
+                </c:pt>
+                <c:pt idx="18">
+                  <c:v>gobmk_nngs</c:v>
+                </c:pt>
+                <c:pt idx="19">
+                  <c:v>gobmk_trevord</c:v>
+                </c:pt>
+                <c:pt idx="20">
+                  <c:v>h264ref_foreman</c:v>
+                </c:pt>
+                <c:pt idx="21">
+                  <c:v>gamess_triazolium</c:v>
+                </c:pt>
+                <c:pt idx="22">
+                  <c:v>hmmer_nph3</c:v>
+                </c:pt>
+                <c:pt idx="23">
                   <c:v>bzip2_combined</c:v>
-                </c:pt>
-                <c:pt idx="10">
-                  <c:v>gamess_gradient</c:v>
-                </c:pt>
-                <c:pt idx="11">
-                  <c:v>bzip2_liberty</c:v>
-                </c:pt>
-                <c:pt idx="12">
-                  <c:v>omnetpp</c:v>
-                </c:pt>
-                <c:pt idx="13">
-                  <c:v>gamess_triazolium</c:v>
-                </c:pt>
-                <c:pt idx="14">
-                  <c:v>tonto</c:v>
-                </c:pt>
-                <c:pt idx="15">
-                  <c:v>leslie3d</c:v>
-                </c:pt>
-                <c:pt idx="16">
-                  <c:v>zeusmp</c:v>
-                </c:pt>
-                <c:pt idx="17">
-                  <c:v>gcc_expr2</c:v>
-                </c:pt>
-                <c:pt idx="18">
-                  <c:v>gromacs</c:v>
-                </c:pt>
-                <c:pt idx="19">
-                  <c:v>hmmer_nph3</c:v>
-                </c:pt>
-                <c:pt idx="20">
-                  <c:v>soplex_pds</c:v>
-                </c:pt>
-                <c:pt idx="21">
-                  <c:v>gcc_g23</c:v>
-                </c:pt>
-                <c:pt idx="22">
-                  <c:v>bzip2_source</c:v>
-                </c:pt>
-                <c:pt idx="23">
-                  <c:v>bzip2_chicken</c:v>
                 </c:pt>
                 <c:pt idx="24">
                   <c:v>bzip2_html</c:v>
                 </c:pt>
                 <c:pt idx="25">
+                  <c:v>gromacs</c:v>
+                </c:pt>
+                <c:pt idx="26">
+                  <c:v>bzip2_chicken</c:v>
+                </c:pt>
+                <c:pt idx="27">
+                  <c:v>gcc_expr</c:v>
+                </c:pt>
+                <c:pt idx="28">
+                  <c:v>astar_rivers</c:v>
+                </c:pt>
+                <c:pt idx="29">
+                  <c:v>tonto</c:v>
+                </c:pt>
+                <c:pt idx="30">
+                  <c:v>leslie3d</c:v>
+                </c:pt>
+                <c:pt idx="31">
+                  <c:v>gcc_cpdecl</c:v>
+                </c:pt>
+                <c:pt idx="32">
                   <c:v>gamess_cytosine</c:v>
                 </c:pt>
-                <c:pt idx="26">
-                  <c:v>gcc_expr</c:v>
-                </c:pt>
-                <c:pt idx="27">
+                <c:pt idx="33">
+                  <c:v>bzip2_program</c:v>
+                </c:pt>
+                <c:pt idx="34">
+                  <c:v>milc</c:v>
+                </c:pt>
+                <c:pt idx="35">
+                  <c:v>sjeng</c:v>
+                </c:pt>
+                <c:pt idx="36">
+                  <c:v>gcc_200</c:v>
+                </c:pt>
+                <c:pt idx="37">
+                  <c:v>gcc_g23</c:v>
+                </c:pt>
+                <c:pt idx="38">
+                  <c:v>mcf</c:v>
+                </c:pt>
+                <c:pt idx="39">
+                  <c:v>zeusmp</c:v>
+                </c:pt>
+                <c:pt idx="40">
+                  <c:v>bzip2_liberty</c:v>
+                </c:pt>
+                <c:pt idx="41">
+                  <c:v>povray</c:v>
+                </c:pt>
+                <c:pt idx="42">
+                  <c:v>sphinx3</c:v>
+                </c:pt>
+                <c:pt idx="43">
+                  <c:v>gcc_expr2</c:v>
+                </c:pt>
+                <c:pt idx="44">
+                  <c:v>dealII</c:v>
+                </c:pt>
+                <c:pt idx="45">
+                  <c:v>bzip2_source</c:v>
+                </c:pt>
+                <c:pt idx="46">
+                  <c:v>h264ref_sss</c:v>
+                </c:pt>
+                <c:pt idx="47">
                   <c:v>gobmk_13x13</c:v>
                 </c:pt>
-                <c:pt idx="28">
-                  <c:v>perlbench_splitmail</c:v>
-                </c:pt>
-                <c:pt idx="29">
-                  <c:v>bzip2_program</c:v>
-                </c:pt>
-                <c:pt idx="30">
-                  <c:v>astar_rivers</c:v>
-                </c:pt>
-                <c:pt idx="31">
+                <c:pt idx="48">
+                  <c:v>soplex_pds</c:v>
+                </c:pt>
+                <c:pt idx="49">
+                  <c:v>gobmk_trevorc</c:v>
+                </c:pt>
+                <c:pt idx="50">
+                  <c:v>gcc_typeck</c:v>
+                </c:pt>
+                <c:pt idx="51">
                   <c:v>calculix</c:v>
                 </c:pt>
-                <c:pt idx="32">
-                  <c:v>sjeng</c:v>
-                </c:pt>
-                <c:pt idx="33">
-                  <c:v>gcc_cpdecl</c:v>
-                </c:pt>
-                <c:pt idx="34">
-                  <c:v>gcc_166</c:v>
-                </c:pt>
-                <c:pt idx="35">
-                  <c:v>gobmk_trevorc</c:v>
-                </c:pt>
-                <c:pt idx="36">
-                  <c:v>gobmk_trevord</c:v>
-                </c:pt>
-                <c:pt idx="37">
-                  <c:v>gcc_200</c:v>
-                </c:pt>
-                <c:pt idx="38">
-                  <c:v>gcc_typeck</c:v>
-                </c:pt>
-                <c:pt idx="39">
-                  <c:v>povray</c:v>
-                </c:pt>
-                <c:pt idx="40">
-                  <c:v>dealII</c:v>
-                </c:pt>
-                <c:pt idx="41">
-                  <c:v>namd</c:v>
-                </c:pt>
-                <c:pt idx="42">
-                  <c:v>gcc_scilab</c:v>
-                </c:pt>
-                <c:pt idx="43">
-                  <c:v>gobmk_nngs</c:v>
-                </c:pt>
-                <c:pt idx="44">
-                  <c:v>bwaves</c:v>
-                </c:pt>
-                <c:pt idx="45">
-                  <c:v>soplex_ref</c:v>
-                </c:pt>
-                <c:pt idx="46">
-                  <c:v>gobmk_score2</c:v>
-                </c:pt>
-                <c:pt idx="47">
-                  <c:v>GemsFDTD</c:v>
-                </c:pt>
-                <c:pt idx="48">
-                  <c:v>h264ref_foreman</c:v>
-                </c:pt>
-                <c:pt idx="49">
-                  <c:v>cactusADM</c:v>
-                </c:pt>
-                <c:pt idx="50">
-                  <c:v>hmmer_retro</c:v>
-                </c:pt>
-                <c:pt idx="51">
-                  <c:v>xalancbmk</c:v>
-                </c:pt>
                 <c:pt idx="52">
-                  <c:v>perlbench_diffmail</c:v>
+                  <c:v>perlbench_checkspam</c:v>
                 </c:pt>
               </c:strCache>
             </c:strRef>
@@ -758,900 +752,170 @@
                 <c:formatCode>General</c:formatCode>
                 <c:ptCount val="53"/>
                 <c:pt idx="0">
-                  <c:v>23.116554000000001</c:v>
+                  <c:v>0.111848034</c:v>
                 </c:pt>
                 <c:pt idx="1">
-                  <c:v>2.4015567</c:v>
+                  <c:v>0.80100000000000005</c:v>
                 </c:pt>
                 <c:pt idx="2">
-                  <c:v>8.7449729999999999</c:v>
+                  <c:v>8.9497269999999993</c:v>
                 </c:pt>
                 <c:pt idx="3">
-                  <c:v>0.25285760000000002</c:v>
+                  <c:v>9.8000000000000004E-2</c:v>
                 </c:pt>
                 <c:pt idx="4">
-                  <c:v>0.33367246</c:v>
+                  <c:v>3.8495729999999999</c:v>
                 </c:pt>
                 <c:pt idx="5">
-                  <c:v>6.9000000000000006E-2</c:v>
+                  <c:v>5.7130000000000001</c:v>
                 </c:pt>
                 <c:pt idx="6">
-                  <c:v>2.9932281999999999</c:v>
+                  <c:v>13.2236595</c:v>
                 </c:pt>
                 <c:pt idx="7">
-                  <c:v>1.7492002</c:v>
+                  <c:v>14.405811999999999</c:v>
                 </c:pt>
                 <c:pt idx="8">
-                  <c:v>4.7869710000000003</c:v>
+                  <c:v>1.8955476</c:v>
                 </c:pt>
                 <c:pt idx="9">
-                  <c:v>13.391341000000001</c:v>
+                  <c:v>4.7999997000000003E-2</c:v>
                 </c:pt>
                 <c:pt idx="10">
-                  <c:v>0.46495429999999999</c:v>
+                  <c:v>1.0328774000000001</c:v>
                 </c:pt>
                 <c:pt idx="11">
-                  <c:v>2.6143703</c:v>
+                  <c:v>3.2896771</c:v>
                 </c:pt>
                 <c:pt idx="12">
-                  <c:v>7.6609999999999996</c:v>
+                  <c:v>1.9407483E-2</c:v>
                 </c:pt>
                 <c:pt idx="13">
-                  <c:v>0.30435449999999997</c:v>
+                  <c:v>5.0000000000000001E-3</c:v>
                 </c:pt>
                 <c:pt idx="14">
-                  <c:v>0.70623329999999995</c:v>
+                  <c:v>1.6090914999999999</c:v>
                 </c:pt>
                 <c:pt idx="15">
-                  <c:v>2.6777769E-2</c:v>
+                  <c:v>1.7087971</c:v>
                 </c:pt>
                 <c:pt idx="16">
-                  <c:v>7.6728333000000001E-3</c:v>
+                  <c:v>0.56511056000000004</c:v>
                 </c:pt>
                 <c:pt idx="17">
-                  <c:v>3.4022380000000001</c:v>
+                  <c:v>1.4525151999999999</c:v>
                 </c:pt>
                 <c:pt idx="18">
-                  <c:v>2.2702441000000002</c:v>
+                  <c:v>13.746771000000001</c:v>
                 </c:pt>
                 <c:pt idx="19">
-                  <c:v>16.186375000000002</c:v>
+                  <c:v>12.942622</c:v>
                 </c:pt>
                 <c:pt idx="20">
-                  <c:v>13.805327</c:v>
+                  <c:v>1.2317967000000001</c:v>
                 </c:pt>
                 <c:pt idx="21">
-                  <c:v>0.78764707</c:v>
+                  <c:v>0.38604369999999999</c:v>
                 </c:pt>
                 <c:pt idx="22">
-                  <c:v>13.467364</c:v>
+                  <c:v>13.662663999999999</c:v>
                 </c:pt>
                 <c:pt idx="23">
-                  <c:v>5.1674785999999999</c:v>
+                  <c:v>10.303621</c:v>
                 </c:pt>
                 <c:pt idx="24">
-                  <c:v>5.4942045000000004</c:v>
+                  <c:v>4.0035449999999999</c:v>
                 </c:pt>
                 <c:pt idx="25">
-                  <c:v>0.88224303999999998</c:v>
+                  <c:v>1.6678227000000001</c:v>
                 </c:pt>
                 <c:pt idx="26">
-                  <c:v>0.16519919</c:v>
+                  <c:v>3.6541223999999999</c:v>
                 </c:pt>
                 <c:pt idx="27">
-                  <c:v>17.636744</c:v>
+                  <c:v>0.16781840000000001</c:v>
                 </c:pt>
                 <c:pt idx="28">
-                  <c:v>3.8881454</c:v>
+                  <c:v>15.840717</c:v>
                 </c:pt>
                 <c:pt idx="29">
-                  <c:v>8.7075359999999993</c:v>
+                  <c:v>0.66901140000000003</c:v>
                 </c:pt>
                 <c:pt idx="30">
-                  <c:v>18.242560999999998</c:v>
+                  <c:v>5.4610956000000002E-2</c:v>
                 </c:pt>
                 <c:pt idx="31">
-                  <c:v>0.97840285000000005</c:v>
+                  <c:v>1.7845040000000001</c:v>
                 </c:pt>
                 <c:pt idx="32">
-                  <c:v>8.0568939999999998</c:v>
+                  <c:v>1.2435944000000001</c:v>
                 </c:pt>
                 <c:pt idx="33">
-                  <c:v>6.4219160000000004</c:v>
+                  <c:v>6.6705923</c:v>
                 </c:pt>
                 <c:pt idx="34">
-                  <c:v>2.6343236000000001</c:v>
+                  <c:v>7.5165436000000002E-2</c:v>
                 </c:pt>
                 <c:pt idx="35">
-                  <c:v>16.115213000000001</c:v>
+                  <c:v>7.4587700000000003</c:v>
                 </c:pt>
                 <c:pt idx="36">
-                  <c:v>13.85791</c:v>
+                  <c:v>4.7614590000000003</c:v>
                 </c:pt>
                 <c:pt idx="37">
-                  <c:v>7.7431307</c:v>
+                  <c:v>0.63111424000000005</c:v>
                 </c:pt>
                 <c:pt idx="38">
-                  <c:v>3.4075587000000001</c:v>
+                  <c:v>20.972626000000002</c:v>
                 </c:pt>
                 <c:pt idx="39">
-                  <c:v>4.6925673000000003</c:v>
+                  <c:v>4.4084564E-2</c:v>
                 </c:pt>
                 <c:pt idx="40">
-                  <c:v>1.3553644</c:v>
+                  <c:v>2.0330138</c:v>
                 </c:pt>
                 <c:pt idx="41">
-                  <c:v>2.589661</c:v>
+                  <c:v>1.9036674</c:v>
                 </c:pt>
                 <c:pt idx="42">
-                  <c:v>10.11511</c:v>
+                  <c:v>2.2179918000000001</c:v>
                 </c:pt>
                 <c:pt idx="43">
-                  <c:v>14.142481</c:v>
+                  <c:v>2.1743185999999999</c:v>
                 </c:pt>
                 <c:pt idx="44">
-                  <c:v>9.9999989999999999E-4</c:v>
+                  <c:v>0.83524719999999997</c:v>
                 </c:pt>
                 <c:pt idx="45">
-                  <c:v>4.7568729999999997</c:v>
+                  <c:v>10.187163</c:v>
                 </c:pt>
                 <c:pt idx="46">
-                  <c:v>15.036987</c:v>
+                  <c:v>0.71180712999999995</c:v>
                 </c:pt>
                 <c:pt idx="47">
-                  <c:v>2.8770787999999999E-2</c:v>
+                  <c:v>16.004549000000001</c:v>
                 </c:pt>
                 <c:pt idx="48">
-                  <c:v>2.4972413000000002</c:v>
+                  <c:v>10.820873000000001</c:v>
                 </c:pt>
                 <c:pt idx="49">
-                  <c:v>5.0000000000000001E-3</c:v>
+                  <c:v>15.509688000000001</c:v>
                 </c:pt>
                 <c:pt idx="50">
-                  <c:v>16.690605000000001</c:v>
+                  <c:v>1.9813848999999999</c:v>
                 </c:pt>
                 <c:pt idx="51">
-                  <c:v>3.1338582000000001</c:v>
+                  <c:v>0.35557538</c:v>
                 </c:pt>
                 <c:pt idx="52">
-                  <c:v>0.98499994999999996</c:v>
+                  <c:v>3.2528934</c:v>
                 </c:pt>
               </c:numCache>
             </c:numRef>
           </c:val>
           <c:extLst>
             <c:ext xmlns:c16="http://schemas.microsoft.com/office/drawing/2014/chart" uri="{C3380CC4-5D6E-409C-BE32-E72D297353CC}">
-              <c16:uniqueId val="{00000001-9048-4DB6-83DC-696395F7EB97}"/>
-            </c:ext>
-          </c:extLst>
-        </c:ser>
-        <c:ser>
-          <c:idx val="2"/>
-          <c:order val="2"/>
-          <c:tx>
-            <c:strRef>
-              <c:f>Sheet1!$D$1</c:f>
-              <c:strCache>
-                <c:ptCount val="1"/>
-                <c:pt idx="0">
-                  <c:v>decoupled</c:v>
-                </c:pt>
-              </c:strCache>
-            </c:strRef>
-          </c:tx>
-          <c:spPr>
-            <a:solidFill>
-              <a:schemeClr val="accent3"/>
-            </a:solidFill>
-            <a:ln>
-              <a:noFill/>
-            </a:ln>
-            <a:effectLst/>
-          </c:spPr>
-          <c:invertIfNegative val="0"/>
-          <c:cat>
-            <c:strRef>
-              <c:f>Sheet1!$A$2:$A$54</c:f>
-              <c:strCache>
-                <c:ptCount val="53"/>
-                <c:pt idx="0">
-                  <c:v>mcf</c:v>
-                </c:pt>
-                <c:pt idx="1">
-                  <c:v>gcc_s04</c:v>
-                </c:pt>
-                <c:pt idx="2">
-                  <c:v>astar_biglakes</c:v>
-                </c:pt>
-                <c:pt idx="3">
-                  <c:v>milc</c:v>
-                </c:pt>
-                <c:pt idx="4">
-                  <c:v>libquantum</c:v>
-                </c:pt>
-                <c:pt idx="5">
-                  <c:v>lbm</c:v>
-                </c:pt>
-                <c:pt idx="6">
-                  <c:v>sphinx3</c:v>
-                </c:pt>
-                <c:pt idx="7">
-                  <c:v>h264ref_sss</c:v>
-                </c:pt>
-                <c:pt idx="8">
-                  <c:v>perlbench_checkspam</c:v>
-                </c:pt>
-                <c:pt idx="9">
-                  <c:v>bzip2_combined</c:v>
-                </c:pt>
-                <c:pt idx="10">
-                  <c:v>gamess_gradient</c:v>
-                </c:pt>
-                <c:pt idx="11">
-                  <c:v>bzip2_liberty</c:v>
-                </c:pt>
-                <c:pt idx="12">
-                  <c:v>omnetpp</c:v>
-                </c:pt>
-                <c:pt idx="13">
-                  <c:v>gamess_triazolium</c:v>
-                </c:pt>
-                <c:pt idx="14">
-                  <c:v>tonto</c:v>
-                </c:pt>
-                <c:pt idx="15">
-                  <c:v>leslie3d</c:v>
-                </c:pt>
-                <c:pt idx="16">
-                  <c:v>zeusmp</c:v>
-                </c:pt>
-                <c:pt idx="17">
-                  <c:v>gcc_expr2</c:v>
-                </c:pt>
-                <c:pt idx="18">
-                  <c:v>gromacs</c:v>
-                </c:pt>
-                <c:pt idx="19">
-                  <c:v>hmmer_nph3</c:v>
-                </c:pt>
-                <c:pt idx="20">
-                  <c:v>soplex_pds</c:v>
-                </c:pt>
-                <c:pt idx="21">
-                  <c:v>gcc_g23</c:v>
-                </c:pt>
-                <c:pt idx="22">
-                  <c:v>bzip2_source</c:v>
-                </c:pt>
-                <c:pt idx="23">
-                  <c:v>bzip2_chicken</c:v>
-                </c:pt>
-                <c:pt idx="24">
-                  <c:v>bzip2_html</c:v>
-                </c:pt>
-                <c:pt idx="25">
-                  <c:v>gamess_cytosine</c:v>
-                </c:pt>
-                <c:pt idx="26">
-                  <c:v>gcc_expr</c:v>
-                </c:pt>
-                <c:pt idx="27">
-                  <c:v>gobmk_13x13</c:v>
-                </c:pt>
-                <c:pt idx="28">
-                  <c:v>perlbench_splitmail</c:v>
-                </c:pt>
-                <c:pt idx="29">
-                  <c:v>bzip2_program</c:v>
-                </c:pt>
-                <c:pt idx="30">
-                  <c:v>astar_rivers</c:v>
-                </c:pt>
-                <c:pt idx="31">
-                  <c:v>calculix</c:v>
-                </c:pt>
-                <c:pt idx="32">
-                  <c:v>sjeng</c:v>
-                </c:pt>
-                <c:pt idx="33">
-                  <c:v>gcc_cpdecl</c:v>
-                </c:pt>
-                <c:pt idx="34">
-                  <c:v>gcc_166</c:v>
-                </c:pt>
-                <c:pt idx="35">
-                  <c:v>gobmk_trevorc</c:v>
-                </c:pt>
-                <c:pt idx="36">
-                  <c:v>gobmk_trevord</c:v>
-                </c:pt>
-                <c:pt idx="37">
-                  <c:v>gcc_200</c:v>
-                </c:pt>
-                <c:pt idx="38">
-                  <c:v>gcc_typeck</c:v>
-                </c:pt>
-                <c:pt idx="39">
-                  <c:v>povray</c:v>
-                </c:pt>
-                <c:pt idx="40">
-                  <c:v>dealII</c:v>
-                </c:pt>
-                <c:pt idx="41">
-                  <c:v>namd</c:v>
-                </c:pt>
-                <c:pt idx="42">
-                  <c:v>gcc_scilab</c:v>
-                </c:pt>
-                <c:pt idx="43">
-                  <c:v>gobmk_nngs</c:v>
-                </c:pt>
-                <c:pt idx="44">
-                  <c:v>bwaves</c:v>
-                </c:pt>
-                <c:pt idx="45">
-                  <c:v>soplex_ref</c:v>
-                </c:pt>
-                <c:pt idx="46">
-                  <c:v>gobmk_score2</c:v>
-                </c:pt>
-                <c:pt idx="47">
-                  <c:v>GemsFDTD</c:v>
-                </c:pt>
-                <c:pt idx="48">
-                  <c:v>h264ref_foreman</c:v>
-                </c:pt>
-                <c:pt idx="49">
-                  <c:v>cactusADM</c:v>
-                </c:pt>
-                <c:pt idx="50">
-                  <c:v>hmmer_retro</c:v>
-                </c:pt>
-                <c:pt idx="51">
-                  <c:v>xalancbmk</c:v>
-                </c:pt>
-                <c:pt idx="52">
-                  <c:v>perlbench_diffmail</c:v>
-                </c:pt>
-              </c:strCache>
-            </c:strRef>
-          </c:cat>
-          <c:val>
-            <c:numRef>
-              <c:f>Sheet1!$D$2:$D$54</c:f>
-              <c:numCache>
-                <c:formatCode>General</c:formatCode>
-                <c:ptCount val="53"/>
-                <c:pt idx="0">
-                  <c:v>42.272742999999998</c:v>
-                </c:pt>
-                <c:pt idx="1">
-                  <c:v>5.9424963000000002</c:v>
-                </c:pt>
-                <c:pt idx="2">
-                  <c:v>12.302182999999999</c:v>
-                </c:pt>
-                <c:pt idx="3">
-                  <c:v>5.5415793999999997E-2</c:v>
-                </c:pt>
-                <c:pt idx="4">
-                  <c:v>3.2850160000000003E-2</c:v>
-                </c:pt>
-                <c:pt idx="5">
-                  <c:v>4.2999997999999998E-2</c:v>
-                </c:pt>
-                <c:pt idx="6">
-                  <c:v>4.7518589999999996</c:v>
-                </c:pt>
-                <c:pt idx="7">
-                  <c:v>1.1453567</c:v>
-                </c:pt>
-                <c:pt idx="8">
-                  <c:v>6.8700833000000001</c:v>
-                </c:pt>
-                <c:pt idx="9">
-                  <c:v>14.173983</c:v>
-                </c:pt>
-                <c:pt idx="10">
-                  <c:v>0.85661240000000005</c:v>
-                </c:pt>
-                <c:pt idx="11">
-                  <c:v>3.2043083000000001</c:v>
-                </c:pt>
-                <c:pt idx="12">
-                  <c:v>5.9779999999999998</c:v>
-                </c:pt>
-                <c:pt idx="13">
-                  <c:v>0.37352760000000002</c:v>
-                </c:pt>
-                <c:pt idx="14">
-                  <c:v>1.0302906999999999</c:v>
-                </c:pt>
-                <c:pt idx="15">
-                  <c:v>0.60079145</c:v>
-                </c:pt>
-                <c:pt idx="16">
-                  <c:v>3.4483134999999998E-2</c:v>
-                </c:pt>
-                <c:pt idx="17">
-                  <c:v>7.2543553999999997</c:v>
-                </c:pt>
-                <c:pt idx="18">
-                  <c:v>3.1050095999999998</c:v>
-                </c:pt>
-                <c:pt idx="19">
-                  <c:v>20.045936999999999</c:v>
-                </c:pt>
-                <c:pt idx="20">
-                  <c:v>25.863738999999999</c:v>
-                </c:pt>
-                <c:pt idx="21">
-                  <c:v>0.42229220000000001</c:v>
-                </c:pt>
-                <c:pt idx="22">
-                  <c:v>14.603217000000001</c:v>
-                </c:pt>
-                <c:pt idx="23">
-                  <c:v>6.6338239999999997</c:v>
-                </c:pt>
-                <c:pt idx="24">
-                  <c:v>5.2404849999999996</c:v>
-                </c:pt>
-                <c:pt idx="25">
-                  <c:v>1.4636035000000001</c:v>
-                </c:pt>
-                <c:pt idx="26">
-                  <c:v>0.12574099</c:v>
-                </c:pt>
-                <c:pt idx="27">
-                  <c:v>21.922498999999998</c:v>
-                </c:pt>
-                <c:pt idx="28">
-                  <c:v>0.55738560000000004</c:v>
-                </c:pt>
-                <c:pt idx="29">
-                  <c:v>9.9910964999999994</c:v>
-                </c:pt>
-                <c:pt idx="30">
-                  <c:v>25.714046</c:v>
-                </c:pt>
-                <c:pt idx="31">
-                  <c:v>0.2155754</c:v>
-                </c:pt>
-                <c:pt idx="32">
-                  <c:v>13.265883000000001</c:v>
-                </c:pt>
-                <c:pt idx="33">
-                  <c:v>4.0568476000000002</c:v>
-                </c:pt>
-                <c:pt idx="34">
-                  <c:v>1.9557424000000001</c:v>
-                </c:pt>
-                <c:pt idx="35">
-                  <c:v>20.019694999999999</c:v>
-                </c:pt>
-                <c:pt idx="36">
-                  <c:v>19.292605999999999</c:v>
-                </c:pt>
-                <c:pt idx="37">
-                  <c:v>13.341879</c:v>
-                </c:pt>
-                <c:pt idx="38">
-                  <c:v>6.8098039999999997</c:v>
-                </c:pt>
-                <c:pt idx="39">
-                  <c:v>1.1826970000000001</c:v>
-                </c:pt>
-                <c:pt idx="40">
-                  <c:v>1.7805283000000001</c:v>
-                </c:pt>
-                <c:pt idx="41">
-                  <c:v>4.3175990000000004</c:v>
-                </c:pt>
-                <c:pt idx="42">
-                  <c:v>22.292937999999999</c:v>
-                </c:pt>
-                <c:pt idx="43">
-                  <c:v>18.844906000000002</c:v>
-                </c:pt>
-                <c:pt idx="44">
-                  <c:v>1.6129998999999999</c:v>
-                </c:pt>
-                <c:pt idx="45">
-                  <c:v>10.061023</c:v>
-                </c:pt>
-                <c:pt idx="46">
-                  <c:v>20.008182999999999</c:v>
-                </c:pt>
-                <c:pt idx="47">
-                  <c:v>0.17032206</c:v>
-                </c:pt>
-                <c:pt idx="48">
-                  <c:v>1.7439321000000001</c:v>
-                </c:pt>
-                <c:pt idx="49">
-                  <c:v>0.01</c:v>
-                </c:pt>
-                <c:pt idx="50">
-                  <c:v>21.567587</c:v>
-                </c:pt>
-                <c:pt idx="51">
-                  <c:v>1.9985253999999999</c:v>
-                </c:pt>
-                <c:pt idx="52">
-                  <c:v>0.52900000000000003</c:v>
-                </c:pt>
-              </c:numCache>
-            </c:numRef>
-          </c:val>
-          <c:extLst>
-            <c:ext xmlns:c16="http://schemas.microsoft.com/office/drawing/2014/chart" uri="{C3380CC4-5D6E-409C-BE32-E72D297353CC}">
-              <c16:uniqueId val="{00000002-9048-4DB6-83DC-696395F7EB97}"/>
-            </c:ext>
-          </c:extLst>
-        </c:ser>
-        <c:ser>
-          <c:idx val="3"/>
-          <c:order val="3"/>
-          <c:tx>
-            <c:strRef>
-              <c:f>Sheet1!$E$1</c:f>
-              <c:strCache>
-                <c:ptCount val="1"/>
-                <c:pt idx="0">
-                  <c:v>coupled</c:v>
-                </c:pt>
-              </c:strCache>
-            </c:strRef>
-          </c:tx>
-          <c:spPr>
-            <a:solidFill>
-              <a:schemeClr val="accent4"/>
-            </a:solidFill>
-            <a:ln>
-              <a:noFill/>
-            </a:ln>
-            <a:effectLst/>
-          </c:spPr>
-          <c:invertIfNegative val="0"/>
-          <c:cat>
-            <c:strRef>
-              <c:f>Sheet1!$A$2:$A$54</c:f>
-              <c:strCache>
-                <c:ptCount val="53"/>
-                <c:pt idx="0">
-                  <c:v>mcf</c:v>
-                </c:pt>
-                <c:pt idx="1">
-                  <c:v>gcc_s04</c:v>
-                </c:pt>
-                <c:pt idx="2">
-                  <c:v>astar_biglakes</c:v>
-                </c:pt>
-                <c:pt idx="3">
-                  <c:v>milc</c:v>
-                </c:pt>
-                <c:pt idx="4">
-                  <c:v>libquantum</c:v>
-                </c:pt>
-                <c:pt idx="5">
-                  <c:v>lbm</c:v>
-                </c:pt>
-                <c:pt idx="6">
-                  <c:v>sphinx3</c:v>
-                </c:pt>
-                <c:pt idx="7">
-                  <c:v>h264ref_sss</c:v>
-                </c:pt>
-                <c:pt idx="8">
-                  <c:v>perlbench_checkspam</c:v>
-                </c:pt>
-                <c:pt idx="9">
-                  <c:v>bzip2_combined</c:v>
-                </c:pt>
-                <c:pt idx="10">
-                  <c:v>gamess_gradient</c:v>
-                </c:pt>
-                <c:pt idx="11">
-                  <c:v>bzip2_liberty</c:v>
-                </c:pt>
-                <c:pt idx="12">
-                  <c:v>omnetpp</c:v>
-                </c:pt>
-                <c:pt idx="13">
-                  <c:v>gamess_triazolium</c:v>
-                </c:pt>
-                <c:pt idx="14">
-                  <c:v>tonto</c:v>
-                </c:pt>
-                <c:pt idx="15">
-                  <c:v>leslie3d</c:v>
-                </c:pt>
-                <c:pt idx="16">
-                  <c:v>zeusmp</c:v>
-                </c:pt>
-                <c:pt idx="17">
-                  <c:v>gcc_expr2</c:v>
-                </c:pt>
-                <c:pt idx="18">
-                  <c:v>gromacs</c:v>
-                </c:pt>
-                <c:pt idx="19">
-                  <c:v>hmmer_nph3</c:v>
-                </c:pt>
-                <c:pt idx="20">
-                  <c:v>soplex_pds</c:v>
-                </c:pt>
-                <c:pt idx="21">
-                  <c:v>gcc_g23</c:v>
-                </c:pt>
-                <c:pt idx="22">
-                  <c:v>bzip2_source</c:v>
-                </c:pt>
-                <c:pt idx="23">
-                  <c:v>bzip2_chicken</c:v>
-                </c:pt>
-                <c:pt idx="24">
-                  <c:v>bzip2_html</c:v>
-                </c:pt>
-                <c:pt idx="25">
-                  <c:v>gamess_cytosine</c:v>
-                </c:pt>
-                <c:pt idx="26">
-                  <c:v>gcc_expr</c:v>
-                </c:pt>
-                <c:pt idx="27">
-                  <c:v>gobmk_13x13</c:v>
-                </c:pt>
-                <c:pt idx="28">
-                  <c:v>perlbench_splitmail</c:v>
-                </c:pt>
-                <c:pt idx="29">
-                  <c:v>bzip2_program</c:v>
-                </c:pt>
-                <c:pt idx="30">
-                  <c:v>astar_rivers</c:v>
-                </c:pt>
-                <c:pt idx="31">
-                  <c:v>calculix</c:v>
-                </c:pt>
-                <c:pt idx="32">
-                  <c:v>sjeng</c:v>
-                </c:pt>
-                <c:pt idx="33">
-                  <c:v>gcc_cpdecl</c:v>
-                </c:pt>
-                <c:pt idx="34">
-                  <c:v>gcc_166</c:v>
-                </c:pt>
-                <c:pt idx="35">
-                  <c:v>gobmk_trevorc</c:v>
-                </c:pt>
-                <c:pt idx="36">
-                  <c:v>gobmk_trevord</c:v>
-                </c:pt>
-                <c:pt idx="37">
-                  <c:v>gcc_200</c:v>
-                </c:pt>
-                <c:pt idx="38">
-                  <c:v>gcc_typeck</c:v>
-                </c:pt>
-                <c:pt idx="39">
-                  <c:v>povray</c:v>
-                </c:pt>
-                <c:pt idx="40">
-                  <c:v>dealII</c:v>
-                </c:pt>
-                <c:pt idx="41">
-                  <c:v>namd</c:v>
-                </c:pt>
-                <c:pt idx="42">
-                  <c:v>gcc_scilab</c:v>
-                </c:pt>
-                <c:pt idx="43">
-                  <c:v>gobmk_nngs</c:v>
-                </c:pt>
-                <c:pt idx="44">
-                  <c:v>bwaves</c:v>
-                </c:pt>
-                <c:pt idx="45">
-                  <c:v>soplex_ref</c:v>
-                </c:pt>
-                <c:pt idx="46">
-                  <c:v>gobmk_score2</c:v>
-                </c:pt>
-                <c:pt idx="47">
-                  <c:v>GemsFDTD</c:v>
-                </c:pt>
-                <c:pt idx="48">
-                  <c:v>h264ref_foreman</c:v>
-                </c:pt>
-                <c:pt idx="49">
-                  <c:v>cactusADM</c:v>
-                </c:pt>
-                <c:pt idx="50">
-                  <c:v>hmmer_retro</c:v>
-                </c:pt>
-                <c:pt idx="51">
-                  <c:v>xalancbmk</c:v>
-                </c:pt>
-                <c:pt idx="52">
-                  <c:v>perlbench_diffmail</c:v>
-                </c:pt>
-              </c:strCache>
-            </c:strRef>
-          </c:cat>
-          <c:val>
-            <c:numRef>
-              <c:f>Sheet1!$E$2:$E$54</c:f>
-              <c:numCache>
-                <c:formatCode>General</c:formatCode>
-                <c:ptCount val="53"/>
-                <c:pt idx="0">
-                  <c:v>22.301708000000001</c:v>
-                </c:pt>
-                <c:pt idx="1">
-                  <c:v>3.1273236</c:v>
-                </c:pt>
-                <c:pt idx="2">
-                  <c:v>10.615360000000001</c:v>
-                </c:pt>
-                <c:pt idx="3">
-                  <c:v>7.0028380000000001E-2</c:v>
-                </c:pt>
-                <c:pt idx="4">
-                  <c:v>3.1113567</c:v>
-                </c:pt>
-                <c:pt idx="5">
-                  <c:v>5.8999996999999998E-2</c:v>
-                </c:pt>
-                <c:pt idx="6">
-                  <c:v>3.2956474</c:v>
-                </c:pt>
-                <c:pt idx="7">
-                  <c:v>1.0111002</c:v>
-                </c:pt>
-                <c:pt idx="8">
-                  <c:v>6.1853420000000003</c:v>
-                </c:pt>
-                <c:pt idx="9">
-                  <c:v>11.446341</c:v>
-                </c:pt>
-                <c:pt idx="10">
-                  <c:v>0.72803306999999995</c:v>
-                </c:pt>
-                <c:pt idx="11">
-                  <c:v>2.1604318999999998</c:v>
-                </c:pt>
-                <c:pt idx="12">
-                  <c:v>7.57</c:v>
-                </c:pt>
-                <c:pt idx="13">
-                  <c:v>0.56566035999999997</c:v>
-                </c:pt>
-                <c:pt idx="14">
-                  <c:v>0.99090590000000001</c:v>
-                </c:pt>
-                <c:pt idx="15">
-                  <c:v>0.52331159999999999</c:v>
-                </c:pt>
-                <c:pt idx="16">
-                  <c:v>0.21915697000000001</c:v>
-                </c:pt>
-                <c:pt idx="17">
-                  <c:v>4.4166449999999999</c:v>
-                </c:pt>
-                <c:pt idx="18">
-                  <c:v>1.9819347</c:v>
-                </c:pt>
-                <c:pt idx="19">
-                  <c:v>14.826197000000001</c:v>
-                </c:pt>
-                <c:pt idx="20">
-                  <c:v>11.544846</c:v>
-                </c:pt>
-                <c:pt idx="21">
-                  <c:v>1.4994826000000001</c:v>
-                </c:pt>
-                <c:pt idx="22">
-                  <c:v>11.189624999999999</c:v>
-                </c:pt>
-                <c:pt idx="23">
-                  <c:v>3.9146350000000001</c:v>
-                </c:pt>
-                <c:pt idx="24">
-                  <c:v>4.2298555000000002</c:v>
-                </c:pt>
-                <c:pt idx="25">
-                  <c:v>1.5559711000000001</c:v>
-                </c:pt>
-                <c:pt idx="26">
-                  <c:v>0.2957128</c:v>
-                </c:pt>
-                <c:pt idx="27">
-                  <c:v>19.985737</c:v>
-                </c:pt>
-                <c:pt idx="28">
-                  <c:v>1.3533857</c:v>
-                </c:pt>
-                <c:pt idx="29">
-                  <c:v>7.4373255</c:v>
-                </c:pt>
-                <c:pt idx="30">
-                  <c:v>20.5016</c:v>
-                </c:pt>
-                <c:pt idx="31">
-                  <c:v>8.0301620000000004E-2</c:v>
-                </c:pt>
-                <c:pt idx="32">
-                  <c:v>13.925514</c:v>
-                </c:pt>
-                <c:pt idx="33">
-                  <c:v>3.792087</c:v>
-                </c:pt>
-                <c:pt idx="34">
-                  <c:v>4.8978929999999998</c:v>
-                </c:pt>
-                <c:pt idx="35">
-                  <c:v>20.217295</c:v>
-                </c:pt>
-                <c:pt idx="36">
-                  <c:v>17.27026</c:v>
-                </c:pt>
-                <c:pt idx="37">
-                  <c:v>9.8178459999999994</c:v>
-                </c:pt>
-                <c:pt idx="38">
-                  <c:v>4.3844028000000002</c:v>
-                </c:pt>
-                <c:pt idx="39">
-                  <c:v>5.6193223000000003</c:v>
-                </c:pt>
-                <c:pt idx="40">
-                  <c:v>0.91375530000000005</c:v>
-                </c:pt>
-                <c:pt idx="41">
-                  <c:v>2.0503437999999998</c:v>
-                </c:pt>
-                <c:pt idx="42">
-                  <c:v>11.908466000000001</c:v>
-                </c:pt>
-                <c:pt idx="43">
-                  <c:v>18.225190999999999</c:v>
-                </c:pt>
-                <c:pt idx="44">
-                  <c:v>9.6999995000000006E-2</c:v>
-                </c:pt>
-                <c:pt idx="45">
-                  <c:v>4.7122935999999997</c:v>
-                </c:pt>
-                <c:pt idx="46">
-                  <c:v>16.690178</c:v>
-                </c:pt>
-                <c:pt idx="47">
-                  <c:v>0.11086096600000001</c:v>
-                </c:pt>
-                <c:pt idx="48">
-                  <c:v>1.7066083000000001</c:v>
-                </c:pt>
-                <c:pt idx="49">
-                  <c:v>8.9999999999999993E-3</c:v>
-                </c:pt>
-                <c:pt idx="50">
-                  <c:v>16.200699</c:v>
-                </c:pt>
-                <c:pt idx="51">
-                  <c:v>4.1873817000000004</c:v>
-                </c:pt>
-                <c:pt idx="52">
-                  <c:v>2.8009998999999999</c:v>
-                </c:pt>
-              </c:numCache>
-            </c:numRef>
-          </c:val>
-          <c:extLst>
-            <c:ext xmlns:c16="http://schemas.microsoft.com/office/drawing/2014/chart" uri="{C3380CC4-5D6E-409C-BE32-E72D297353CC}">
-              <c16:uniqueId val="{00000000-1B26-4D06-A9A8-E593F1816F73}"/>
+              <c16:uniqueId val="{00000001-31C3-4DD2-B497-20B71E2072C8}"/>
             </c:ext>
           </c:extLst>
         </c:ser>
@@ -1665,11 +929,11 @@
         </c:dLbls>
         <c:gapWidth val="219"/>
         <c:overlap val="-27"/>
-        <c:axId val="1588810144"/>
-        <c:axId val="1588820960"/>
+        <c:axId val="1348992511"/>
+        <c:axId val="1348985439"/>
       </c:barChart>
       <c:catAx>
-        <c:axId val="1588810144"/>
+        <c:axId val="1348992511"/>
         <c:scaling>
           <c:orientation val="minMax"/>
         </c:scaling>
@@ -1712,7 +976,7 @@
             <a:endParaRPr lang="zh-CN"/>
           </a:p>
         </c:txPr>
-        <c:crossAx val="1588820960"/>
+        <c:crossAx val="1348985439"/>
         <c:crosses val="autoZero"/>
         <c:auto val="1"/>
         <c:lblAlgn val="ctr"/>
@@ -1720,7 +984,7 @@
         <c:noMultiLvlLbl val="0"/>
       </c:catAx>
       <c:valAx>
-        <c:axId val="1588820960"/>
+        <c:axId val="1348985439"/>
         <c:scaling>
           <c:orientation val="minMax"/>
         </c:scaling>
@@ -1771,7 +1035,7 @@
             <a:endParaRPr lang="zh-CN"/>
           </a:p>
         </c:txPr>
-        <c:crossAx val="1588810144"/>
+        <c:crossAx val="1348992511"/>
         <c:crosses val="autoZero"/>
         <c:crossBetween val="between"/>
       </c:valAx>
@@ -1883,14 +1147,8 @@
             </a:pPr>
             <a:r>
               <a:rPr lang="en-US" altLang="zh-CN" dirty="0" err="1"/>
-              <a:t>Misrate</a:t>
+              <a:t>misrate</a:t>
             </a:r>
-            <a:endParaRPr lang="en-US" altLang="zh-CN" dirty="0"/>
-          </a:p>
-          <a:p>
-            <a:pPr>
-              <a:defRPr/>
-            </a:pPr>
             <a:endParaRPr lang="zh-CN" altLang="en-US" dirty="0"/>
           </a:p>
         </c:rich>
@@ -1926,17 +1184,7 @@
     </c:title>
     <c:autoTitleDeleted val="0"/>
     <c:plotArea>
-      <c:layout>
-        <c:manualLayout>
-          <c:layoutTarget val="inner"/>
-          <c:xMode val="edge"/>
-          <c:yMode val="edge"/>
-          <c:x val="2.4400720980866861E-2"/>
-          <c:y val="0.16566805083242797"/>
-          <c:w val="0.96511414594710798"/>
-          <c:h val="0.48126024352483737"/>
-        </c:manualLayout>
-      </c:layout>
+      <c:layout/>
       <c:barChart>
         <c:barDir val="col"/>
         <c:grouping val="clustered"/>
@@ -1950,7 +1198,7 @@
               <c:strCache>
                 <c:ptCount val="1"/>
                 <c:pt idx="0">
-                  <c:v>decoupled_update</c:v>
+                  <c:v>stream tage</c:v>
                 </c:pt>
               </c:strCache>
             </c:strRef>
@@ -1971,163 +1219,163 @@
               <c:strCache>
                 <c:ptCount val="53"/>
                 <c:pt idx="0">
-                  <c:v>mcf</c:v>
+                  <c:v>GemsFDTD</c:v>
                 </c:pt>
                 <c:pt idx="1">
-                  <c:v>gcc_s04</c:v>
+                  <c:v>perlbench_diffmail</c:v>
                 </c:pt>
                 <c:pt idx="2">
                   <c:v>astar_biglakes</c:v>
                 </c:pt>
                 <c:pt idx="3">
-                  <c:v>milc</c:v>
+                  <c:v>bwaves</c:v>
                 </c:pt>
                 <c:pt idx="4">
+                  <c:v>soplex_ref</c:v>
+                </c:pt>
+                <c:pt idx="5">
+                  <c:v>omnetpp</c:v>
+                </c:pt>
+                <c:pt idx="6">
+                  <c:v>gobmk_score2</c:v>
+                </c:pt>
+                <c:pt idx="7">
+                  <c:v>hmmer_retro</c:v>
+                </c:pt>
+                <c:pt idx="8">
+                  <c:v>namd</c:v>
+                </c:pt>
+                <c:pt idx="9">
+                  <c:v>lbm</c:v>
+                </c:pt>
+                <c:pt idx="10">
+                  <c:v>perlbench_splitmail</c:v>
+                </c:pt>
+                <c:pt idx="11">
+                  <c:v>gcc_scilab</c:v>
+                </c:pt>
+                <c:pt idx="12">
                   <c:v>libquantum</c:v>
                 </c:pt>
-                <c:pt idx="5">
-                  <c:v>lbm</c:v>
-                </c:pt>
-                <c:pt idx="6">
-                  <c:v>sphinx3</c:v>
-                </c:pt>
-                <c:pt idx="7">
-                  <c:v>h264ref_sss</c:v>
-                </c:pt>
-                <c:pt idx="8">
-                  <c:v>perlbench_checkspam</c:v>
-                </c:pt>
-                <c:pt idx="9">
+                <c:pt idx="13">
+                  <c:v>cactusADM</c:v>
+                </c:pt>
+                <c:pt idx="14">
+                  <c:v>gcc_166</c:v>
+                </c:pt>
+                <c:pt idx="15">
+                  <c:v>xalancbmk</c:v>
+                </c:pt>
+                <c:pt idx="16">
+                  <c:v>gamess_gradient</c:v>
+                </c:pt>
+                <c:pt idx="17">
+                  <c:v>gcc_s04</c:v>
+                </c:pt>
+                <c:pt idx="18">
+                  <c:v>gobmk_nngs</c:v>
+                </c:pt>
+                <c:pt idx="19">
+                  <c:v>gobmk_trevord</c:v>
+                </c:pt>
+                <c:pt idx="20">
+                  <c:v>h264ref_foreman</c:v>
+                </c:pt>
+                <c:pt idx="21">
+                  <c:v>gamess_triazolium</c:v>
+                </c:pt>
+                <c:pt idx="22">
+                  <c:v>hmmer_nph3</c:v>
+                </c:pt>
+                <c:pt idx="23">
                   <c:v>bzip2_combined</c:v>
-                </c:pt>
-                <c:pt idx="10">
-                  <c:v>gamess_gradient</c:v>
-                </c:pt>
-                <c:pt idx="11">
-                  <c:v>bzip2_liberty</c:v>
-                </c:pt>
-                <c:pt idx="12">
-                  <c:v>omnetpp</c:v>
-                </c:pt>
-                <c:pt idx="13">
-                  <c:v>gamess_triazolium</c:v>
-                </c:pt>
-                <c:pt idx="14">
-                  <c:v>tonto</c:v>
-                </c:pt>
-                <c:pt idx="15">
-                  <c:v>leslie3d</c:v>
-                </c:pt>
-                <c:pt idx="16">
-                  <c:v>zeusmp</c:v>
-                </c:pt>
-                <c:pt idx="17">
-                  <c:v>gcc_expr2</c:v>
-                </c:pt>
-                <c:pt idx="18">
-                  <c:v>gromacs</c:v>
-                </c:pt>
-                <c:pt idx="19">
-                  <c:v>hmmer_nph3</c:v>
-                </c:pt>
-                <c:pt idx="20">
-                  <c:v>soplex_pds</c:v>
-                </c:pt>
-                <c:pt idx="21">
-                  <c:v>gcc_g23</c:v>
-                </c:pt>
-                <c:pt idx="22">
-                  <c:v>bzip2_source</c:v>
-                </c:pt>
-                <c:pt idx="23">
-                  <c:v>bzip2_chicken</c:v>
                 </c:pt>
                 <c:pt idx="24">
                   <c:v>bzip2_html</c:v>
                 </c:pt>
                 <c:pt idx="25">
+                  <c:v>gromacs</c:v>
+                </c:pt>
+                <c:pt idx="26">
+                  <c:v>bzip2_chicken</c:v>
+                </c:pt>
+                <c:pt idx="27">
+                  <c:v>gcc_expr</c:v>
+                </c:pt>
+                <c:pt idx="28">
+                  <c:v>astar_rivers</c:v>
+                </c:pt>
+                <c:pt idx="29">
+                  <c:v>tonto</c:v>
+                </c:pt>
+                <c:pt idx="30">
+                  <c:v>leslie3d</c:v>
+                </c:pt>
+                <c:pt idx="31">
+                  <c:v>gcc_cpdecl</c:v>
+                </c:pt>
+                <c:pt idx="32">
                   <c:v>gamess_cytosine</c:v>
                 </c:pt>
-                <c:pt idx="26">
-                  <c:v>gcc_expr</c:v>
-                </c:pt>
-                <c:pt idx="27">
+                <c:pt idx="33">
+                  <c:v>bzip2_program</c:v>
+                </c:pt>
+                <c:pt idx="34">
+                  <c:v>milc</c:v>
+                </c:pt>
+                <c:pt idx="35">
+                  <c:v>sjeng</c:v>
+                </c:pt>
+                <c:pt idx="36">
+                  <c:v>gcc_200</c:v>
+                </c:pt>
+                <c:pt idx="37">
+                  <c:v>gcc_g23</c:v>
+                </c:pt>
+                <c:pt idx="38">
+                  <c:v>mcf</c:v>
+                </c:pt>
+                <c:pt idx="39">
+                  <c:v>zeusmp</c:v>
+                </c:pt>
+                <c:pt idx="40">
+                  <c:v>bzip2_liberty</c:v>
+                </c:pt>
+                <c:pt idx="41">
+                  <c:v>povray</c:v>
+                </c:pt>
+                <c:pt idx="42">
+                  <c:v>sphinx3</c:v>
+                </c:pt>
+                <c:pt idx="43">
+                  <c:v>gcc_expr2</c:v>
+                </c:pt>
+                <c:pt idx="44">
+                  <c:v>dealII</c:v>
+                </c:pt>
+                <c:pt idx="45">
+                  <c:v>bzip2_source</c:v>
+                </c:pt>
+                <c:pt idx="46">
+                  <c:v>h264ref_sss</c:v>
+                </c:pt>
+                <c:pt idx="47">
                   <c:v>gobmk_13x13</c:v>
                 </c:pt>
-                <c:pt idx="28">
-                  <c:v>perlbench_splitmail</c:v>
-                </c:pt>
-                <c:pt idx="29">
-                  <c:v>bzip2_program</c:v>
-                </c:pt>
-                <c:pt idx="30">
-                  <c:v>astar_rivers</c:v>
-                </c:pt>
-                <c:pt idx="31">
+                <c:pt idx="48">
+                  <c:v>soplex_pds</c:v>
+                </c:pt>
+                <c:pt idx="49">
+                  <c:v>gobmk_trevorc</c:v>
+                </c:pt>
+                <c:pt idx="50">
+                  <c:v>gcc_typeck</c:v>
+                </c:pt>
+                <c:pt idx="51">
                   <c:v>calculix</c:v>
                 </c:pt>
-                <c:pt idx="32">
-                  <c:v>sjeng</c:v>
-                </c:pt>
-                <c:pt idx="33">
-                  <c:v>gcc_cpdecl</c:v>
-                </c:pt>
-                <c:pt idx="34">
-                  <c:v>gcc_166</c:v>
-                </c:pt>
-                <c:pt idx="35">
-                  <c:v>gobmk_trevorc</c:v>
-                </c:pt>
-                <c:pt idx="36">
-                  <c:v>gobmk_trevord</c:v>
-                </c:pt>
-                <c:pt idx="37">
-                  <c:v>gcc_200</c:v>
-                </c:pt>
-                <c:pt idx="38">
-                  <c:v>gcc_typeck</c:v>
-                </c:pt>
-                <c:pt idx="39">
-                  <c:v>povray</c:v>
-                </c:pt>
-                <c:pt idx="40">
-                  <c:v>dealII</c:v>
-                </c:pt>
-                <c:pt idx="41">
-                  <c:v>namd</c:v>
-                </c:pt>
-                <c:pt idx="42">
-                  <c:v>gcc_scilab</c:v>
-                </c:pt>
-                <c:pt idx="43">
-                  <c:v>gobmk_nngs</c:v>
-                </c:pt>
-                <c:pt idx="44">
-                  <c:v>bwaves</c:v>
-                </c:pt>
-                <c:pt idx="45">
-                  <c:v>soplex_ref</c:v>
-                </c:pt>
-                <c:pt idx="46">
-                  <c:v>gobmk_score2</c:v>
-                </c:pt>
-                <c:pt idx="47">
-                  <c:v>GemsFDTD</c:v>
-                </c:pt>
-                <c:pt idx="48">
-                  <c:v>h264ref_foreman</c:v>
-                </c:pt>
-                <c:pt idx="49">
-                  <c:v>cactusADM</c:v>
-                </c:pt>
-                <c:pt idx="50">
-                  <c:v>hmmer_retro</c:v>
-                </c:pt>
-                <c:pt idx="51">
-                  <c:v>xalancbmk</c:v>
-                </c:pt>
                 <c:pt idx="52">
-                  <c:v>perlbench_diffmail</c:v>
+                  <c:v>perlbench_checkspam</c:v>
                 </c:pt>
               </c:strCache>
             </c:strRef>
@@ -2139,170 +1387,170 @@
                 <c:formatCode>General</c:formatCode>
                 <c:ptCount val="53"/>
                 <c:pt idx="0">
-                  <c:v>4.9667596999999999</c:v>
+                  <c:v>1.9150550999999998E-2</c:v>
                 </c:pt>
                 <c:pt idx="1">
-                  <c:v>0.57207359999999996</c:v>
+                  <c:v>0.18533899000000001</c:v>
                 </c:pt>
                 <c:pt idx="2">
-                  <c:v>2.5908766000000001</c:v>
+                  <c:v>2.3524845000000001</c:v>
                 </c:pt>
                 <c:pt idx="3">
-                  <c:v>0.19949731000000001</c:v>
+                  <c:v>1.322536E-3</c:v>
                 </c:pt>
                 <c:pt idx="4">
-                  <c:v>0.11678916</c:v>
+                  <c:v>1.6574247</c:v>
                 </c:pt>
                 <c:pt idx="5">
-                  <c:v>0.32822812000000001</c:v>
+                  <c:v>1.2643872</c:v>
                 </c:pt>
                 <c:pt idx="6">
-                  <c:v>1.7915032</c:v>
+                  <c:v>5.0066147000000001</c:v>
                 </c:pt>
                 <c:pt idx="7">
-                  <c:v>1.3053688000000001</c:v>
+                  <c:v>5.1928010000000002</c:v>
                 </c:pt>
                 <c:pt idx="8">
-                  <c:v>1.1652488000000001</c:v>
+                  <c:v>2.5402882</c:v>
                 </c:pt>
                 <c:pt idx="9">
-                  <c:v>5.4668374000000002</c:v>
+                  <c:v>0.34893653000000002</c:v>
                 </c:pt>
                 <c:pt idx="10">
-                  <c:v>0.4475827</c:v>
+                  <c:v>0.24849450000000001</c:v>
                 </c:pt>
                 <c:pt idx="11">
-                  <c:v>0.82962630000000004</c:v>
+                  <c:v>1.7200344000000001</c:v>
                 </c:pt>
                 <c:pt idx="12">
-                  <c:v>1.5214639000000001</c:v>
+                  <c:v>1.2973706E-2</c:v>
                 </c:pt>
                 <c:pt idx="13">
-                  <c:v>1.1609335000000001</c:v>
+                  <c:v>1.2309021</c:v>
                 </c:pt>
                 <c:pt idx="14">
-                  <c:v>0.43801475000000001</c:v>
+                  <c:v>0.33123399999999997</c:v>
                 </c:pt>
                 <c:pt idx="15">
-                  <c:v>2.2322656999999999E-2</c:v>
+                  <c:v>0.37385249999999998</c:v>
                 </c:pt>
                 <c:pt idx="16">
-                  <c:v>1.6822363999999999E-2</c:v>
+                  <c:v>0.27943414</c:v>
                 </c:pt>
                 <c:pt idx="17">
-                  <c:v>0.74180763999999999</c:v>
+                  <c:v>0.36943355</c:v>
                 </c:pt>
                 <c:pt idx="18">
-                  <c:v>2.3902307</c:v>
+                  <c:v>5.2998605000000003</c:v>
                 </c:pt>
                 <c:pt idx="19">
-                  <c:v>5.8242240000000001</c:v>
+                  <c:v>5.5369289999999998</c:v>
                 </c:pt>
                 <c:pt idx="20">
-                  <c:v>4.9361863000000001</c:v>
+                  <c:v>0.84431772999999999</c:v>
                 </c:pt>
                 <c:pt idx="21">
-                  <c:v>0.29314095000000001</c:v>
+                  <c:v>0.22988132999999999</c:v>
                 </c:pt>
                 <c:pt idx="22">
-                  <c:v>5.8087929999999997</c:v>
+                  <c:v>5.5982250000000002</c:v>
                 </c:pt>
                 <c:pt idx="23">
-                  <c:v>1.9918292</c:v>
+                  <c:v>5.4580773999999996</c:v>
                 </c:pt>
                 <c:pt idx="24">
-                  <c:v>2.7957253</c:v>
+                  <c:v>2.6305013000000002</c:v>
                 </c:pt>
                 <c:pt idx="25">
-                  <c:v>0.73073250000000001</c:v>
+                  <c:v>3.2775020000000001</c:v>
                 </c:pt>
                 <c:pt idx="26">
-                  <c:v>3.4704782000000003E-2</c:v>
+                  <c:v>1.9149689999999999</c:v>
                 </c:pt>
                 <c:pt idx="27">
-                  <c:v>5.8661833000000003</c:v>
+                  <c:v>2.6563834000000001E-2</c:v>
                 </c:pt>
                 <c:pt idx="28">
-                  <c:v>0.97286530000000004</c:v>
+                  <c:v>5.1265745000000003</c:v>
                 </c:pt>
                 <c:pt idx="29">
-                  <c:v>3.6264546000000002</c:v>
+                  <c:v>0.25580424000000002</c:v>
                 </c:pt>
                 <c:pt idx="30">
-                  <c:v>5.2764230000000003</c:v>
+                  <c:v>1.0795212E-2</c:v>
                 </c:pt>
                 <c:pt idx="31">
-                  <c:v>0.71499469999999998</c:v>
+                  <c:v>0.41910934</c:v>
                 </c:pt>
                 <c:pt idx="32">
-                  <c:v>2.6252222000000001</c:v>
+                  <c:v>0.4270331</c:v>
                 </c:pt>
                 <c:pt idx="33">
-                  <c:v>1.1898405999999999</c:v>
+                  <c:v>3.3886158000000002</c:v>
                 </c:pt>
                 <c:pt idx="34">
-                  <c:v>0.54820955000000005</c:v>
+                  <c:v>1.395969E-2</c:v>
                 </c:pt>
                 <c:pt idx="35">
-                  <c:v>5.8376726999999997</c:v>
+                  <c:v>2.5065803999999998</c:v>
                 </c:pt>
                 <c:pt idx="36">
-                  <c:v>5.2641260000000001</c:v>
+                  <c:v>1.3357724</c:v>
                 </c:pt>
                 <c:pt idx="37">
-                  <c:v>1.5888864</c:v>
+                  <c:v>0.14766960000000001</c:v>
                 </c:pt>
                 <c:pt idx="38">
-                  <c:v>0.81730789999999998</c:v>
+                  <c:v>4.6170080000000002</c:v>
                 </c:pt>
                 <c:pt idx="39">
-                  <c:v>0.81801676999999995</c:v>
+                  <c:v>9.4709189999999995E-3</c:v>
                 </c:pt>
                 <c:pt idx="40">
-                  <c:v>0.61894159999999998</c:v>
+                  <c:v>1.0314897999999999</c:v>
                 </c:pt>
                 <c:pt idx="41">
-                  <c:v>2.4911737</c:v>
+                  <c:v>0.37415648000000001</c:v>
                 </c:pt>
                 <c:pt idx="42">
-                  <c:v>2.1572480000000001</c:v>
+                  <c:v>1.5314527</c:v>
                 </c:pt>
                 <c:pt idx="43">
-                  <c:v>5.0514096999999998</c:v>
+                  <c:v>0.62405100000000002</c:v>
                 </c:pt>
                 <c:pt idx="44">
-                  <c:v>1.322536E-3</c:v>
+                  <c:v>0.57108959999999998</c:v>
                 </c:pt>
                 <c:pt idx="45">
-                  <c:v>2.2660429999999998</c:v>
+                  <c:v>5.9025464000000003</c:v>
                 </c:pt>
                 <c:pt idx="46">
-                  <c:v>5.2301865000000003</c:v>
+                  <c:v>0.60715973000000001</c:v>
                 </c:pt>
                 <c:pt idx="47">
-                  <c:v>2.0089383999999998E-2</c:v>
+                  <c:v>6.5972986000000002</c:v>
                 </c:pt>
                 <c:pt idx="48">
-                  <c:v>1.5559137999999999</c:v>
+                  <c:v>4.6675430000000002</c:v>
                 </c:pt>
                 <c:pt idx="49">
-                  <c:v>0.26611874000000002</c:v>
+                  <c:v>6.2696399999999999</c:v>
                 </c:pt>
                 <c:pt idx="50">
-                  <c:v>5.1817330000000004</c:v>
+                  <c:v>0.51320330000000003</c:v>
                 </c:pt>
                 <c:pt idx="51">
-                  <c:v>0.47062424000000003</c:v>
+                  <c:v>4.4939651999999997E-2</c:v>
                 </c:pt>
                 <c:pt idx="52">
-                  <c:v>0.31141596999999999</c:v>
+                  <c:v>0.91089719999999996</c:v>
                 </c:pt>
               </c:numCache>
             </c:numRef>
           </c:val>
           <c:extLst>
             <c:ext xmlns:c16="http://schemas.microsoft.com/office/drawing/2014/chart" uri="{C3380CC4-5D6E-409C-BE32-E72D297353CC}">
-              <c16:uniqueId val="{00000000-9048-4DB6-83DC-696395F7EB97}"/>
+              <c16:uniqueId val="{00000000-78F6-4CE3-9851-2C31B39A119E}"/>
             </c:ext>
           </c:extLst>
         </c:ser>
@@ -2315,7 +1563,7 @@
               <c:strCache>
                 <c:ptCount val="1"/>
                 <c:pt idx="0">
-                  <c:v>decoupled_last</c:v>
+                  <c:v>coupled</c:v>
                 </c:pt>
               </c:strCache>
             </c:strRef>
@@ -2336,163 +1584,163 @@
               <c:strCache>
                 <c:ptCount val="53"/>
                 <c:pt idx="0">
-                  <c:v>mcf</c:v>
+                  <c:v>GemsFDTD</c:v>
                 </c:pt>
                 <c:pt idx="1">
-                  <c:v>gcc_s04</c:v>
+                  <c:v>perlbench_diffmail</c:v>
                 </c:pt>
                 <c:pt idx="2">
                   <c:v>astar_biglakes</c:v>
                 </c:pt>
                 <c:pt idx="3">
-                  <c:v>milc</c:v>
+                  <c:v>bwaves</c:v>
                 </c:pt>
                 <c:pt idx="4">
+                  <c:v>soplex_ref</c:v>
+                </c:pt>
+                <c:pt idx="5">
+                  <c:v>omnetpp</c:v>
+                </c:pt>
+                <c:pt idx="6">
+                  <c:v>gobmk_score2</c:v>
+                </c:pt>
+                <c:pt idx="7">
+                  <c:v>hmmer_retro</c:v>
+                </c:pt>
+                <c:pt idx="8">
+                  <c:v>namd</c:v>
+                </c:pt>
+                <c:pt idx="9">
+                  <c:v>lbm</c:v>
+                </c:pt>
+                <c:pt idx="10">
+                  <c:v>perlbench_splitmail</c:v>
+                </c:pt>
+                <c:pt idx="11">
+                  <c:v>gcc_scilab</c:v>
+                </c:pt>
+                <c:pt idx="12">
                   <c:v>libquantum</c:v>
                 </c:pt>
-                <c:pt idx="5">
-                  <c:v>lbm</c:v>
-                </c:pt>
-                <c:pt idx="6">
-                  <c:v>sphinx3</c:v>
-                </c:pt>
-                <c:pt idx="7">
-                  <c:v>h264ref_sss</c:v>
-                </c:pt>
-                <c:pt idx="8">
-                  <c:v>perlbench_checkspam</c:v>
-                </c:pt>
-                <c:pt idx="9">
+                <c:pt idx="13">
+                  <c:v>cactusADM</c:v>
+                </c:pt>
+                <c:pt idx="14">
+                  <c:v>gcc_166</c:v>
+                </c:pt>
+                <c:pt idx="15">
+                  <c:v>xalancbmk</c:v>
+                </c:pt>
+                <c:pt idx="16">
+                  <c:v>gamess_gradient</c:v>
+                </c:pt>
+                <c:pt idx="17">
+                  <c:v>gcc_s04</c:v>
+                </c:pt>
+                <c:pt idx="18">
+                  <c:v>gobmk_nngs</c:v>
+                </c:pt>
+                <c:pt idx="19">
+                  <c:v>gobmk_trevord</c:v>
+                </c:pt>
+                <c:pt idx="20">
+                  <c:v>h264ref_foreman</c:v>
+                </c:pt>
+                <c:pt idx="21">
+                  <c:v>gamess_triazolium</c:v>
+                </c:pt>
+                <c:pt idx="22">
+                  <c:v>hmmer_nph3</c:v>
+                </c:pt>
+                <c:pt idx="23">
                   <c:v>bzip2_combined</c:v>
-                </c:pt>
-                <c:pt idx="10">
-                  <c:v>gamess_gradient</c:v>
-                </c:pt>
-                <c:pt idx="11">
-                  <c:v>bzip2_liberty</c:v>
-                </c:pt>
-                <c:pt idx="12">
-                  <c:v>omnetpp</c:v>
-                </c:pt>
-                <c:pt idx="13">
-                  <c:v>gamess_triazolium</c:v>
-                </c:pt>
-                <c:pt idx="14">
-                  <c:v>tonto</c:v>
-                </c:pt>
-                <c:pt idx="15">
-                  <c:v>leslie3d</c:v>
-                </c:pt>
-                <c:pt idx="16">
-                  <c:v>zeusmp</c:v>
-                </c:pt>
-                <c:pt idx="17">
-                  <c:v>gcc_expr2</c:v>
-                </c:pt>
-                <c:pt idx="18">
-                  <c:v>gromacs</c:v>
-                </c:pt>
-                <c:pt idx="19">
-                  <c:v>hmmer_nph3</c:v>
-                </c:pt>
-                <c:pt idx="20">
-                  <c:v>soplex_pds</c:v>
-                </c:pt>
-                <c:pt idx="21">
-                  <c:v>gcc_g23</c:v>
-                </c:pt>
-                <c:pt idx="22">
-                  <c:v>bzip2_source</c:v>
-                </c:pt>
-                <c:pt idx="23">
-                  <c:v>bzip2_chicken</c:v>
                 </c:pt>
                 <c:pt idx="24">
                   <c:v>bzip2_html</c:v>
                 </c:pt>
                 <c:pt idx="25">
+                  <c:v>gromacs</c:v>
+                </c:pt>
+                <c:pt idx="26">
+                  <c:v>bzip2_chicken</c:v>
+                </c:pt>
+                <c:pt idx="27">
+                  <c:v>gcc_expr</c:v>
+                </c:pt>
+                <c:pt idx="28">
+                  <c:v>astar_rivers</c:v>
+                </c:pt>
+                <c:pt idx="29">
+                  <c:v>tonto</c:v>
+                </c:pt>
+                <c:pt idx="30">
+                  <c:v>leslie3d</c:v>
+                </c:pt>
+                <c:pt idx="31">
+                  <c:v>gcc_cpdecl</c:v>
+                </c:pt>
+                <c:pt idx="32">
                   <c:v>gamess_cytosine</c:v>
                 </c:pt>
-                <c:pt idx="26">
-                  <c:v>gcc_expr</c:v>
-                </c:pt>
-                <c:pt idx="27">
+                <c:pt idx="33">
+                  <c:v>bzip2_program</c:v>
+                </c:pt>
+                <c:pt idx="34">
+                  <c:v>milc</c:v>
+                </c:pt>
+                <c:pt idx="35">
+                  <c:v>sjeng</c:v>
+                </c:pt>
+                <c:pt idx="36">
+                  <c:v>gcc_200</c:v>
+                </c:pt>
+                <c:pt idx="37">
+                  <c:v>gcc_g23</c:v>
+                </c:pt>
+                <c:pt idx="38">
+                  <c:v>mcf</c:v>
+                </c:pt>
+                <c:pt idx="39">
+                  <c:v>zeusmp</c:v>
+                </c:pt>
+                <c:pt idx="40">
+                  <c:v>bzip2_liberty</c:v>
+                </c:pt>
+                <c:pt idx="41">
+                  <c:v>povray</c:v>
+                </c:pt>
+                <c:pt idx="42">
+                  <c:v>sphinx3</c:v>
+                </c:pt>
+                <c:pt idx="43">
+                  <c:v>gcc_expr2</c:v>
+                </c:pt>
+                <c:pt idx="44">
+                  <c:v>dealII</c:v>
+                </c:pt>
+                <c:pt idx="45">
+                  <c:v>bzip2_source</c:v>
+                </c:pt>
+                <c:pt idx="46">
+                  <c:v>h264ref_sss</c:v>
+                </c:pt>
+                <c:pt idx="47">
                   <c:v>gobmk_13x13</c:v>
                 </c:pt>
-                <c:pt idx="28">
-                  <c:v>perlbench_splitmail</c:v>
-                </c:pt>
-                <c:pt idx="29">
-                  <c:v>bzip2_program</c:v>
-                </c:pt>
-                <c:pt idx="30">
-                  <c:v>astar_rivers</c:v>
-                </c:pt>
-                <c:pt idx="31">
+                <c:pt idx="48">
+                  <c:v>soplex_pds</c:v>
+                </c:pt>
+                <c:pt idx="49">
+                  <c:v>gobmk_trevorc</c:v>
+                </c:pt>
+                <c:pt idx="50">
+                  <c:v>gcc_typeck</c:v>
+                </c:pt>
+                <c:pt idx="51">
                   <c:v>calculix</c:v>
                 </c:pt>
-                <c:pt idx="32">
-                  <c:v>sjeng</c:v>
-                </c:pt>
-                <c:pt idx="33">
-                  <c:v>gcc_cpdecl</c:v>
-                </c:pt>
-                <c:pt idx="34">
-                  <c:v>gcc_166</c:v>
-                </c:pt>
-                <c:pt idx="35">
-                  <c:v>gobmk_trevorc</c:v>
-                </c:pt>
-                <c:pt idx="36">
-                  <c:v>gobmk_trevord</c:v>
-                </c:pt>
-                <c:pt idx="37">
-                  <c:v>gcc_200</c:v>
-                </c:pt>
-                <c:pt idx="38">
-                  <c:v>gcc_typeck</c:v>
-                </c:pt>
-                <c:pt idx="39">
-                  <c:v>povray</c:v>
-                </c:pt>
-                <c:pt idx="40">
-                  <c:v>dealII</c:v>
-                </c:pt>
-                <c:pt idx="41">
-                  <c:v>namd</c:v>
-                </c:pt>
-                <c:pt idx="42">
-                  <c:v>gcc_scilab</c:v>
-                </c:pt>
-                <c:pt idx="43">
-                  <c:v>gobmk_nngs</c:v>
-                </c:pt>
-                <c:pt idx="44">
-                  <c:v>bwaves</c:v>
-                </c:pt>
-                <c:pt idx="45">
-                  <c:v>soplex_ref</c:v>
-                </c:pt>
-                <c:pt idx="46">
-                  <c:v>gobmk_score2</c:v>
-                </c:pt>
-                <c:pt idx="47">
-                  <c:v>GemsFDTD</c:v>
-                </c:pt>
-                <c:pt idx="48">
-                  <c:v>h264ref_foreman</c:v>
-                </c:pt>
-                <c:pt idx="49">
-                  <c:v>cactusADM</c:v>
-                </c:pt>
-                <c:pt idx="50">
-                  <c:v>hmmer_retro</c:v>
-                </c:pt>
-                <c:pt idx="51">
-                  <c:v>xalancbmk</c:v>
-                </c:pt>
                 <c:pt idx="52">
-                  <c:v>perlbench_diffmail</c:v>
+                  <c:v>perlbench_checkspam</c:v>
                 </c:pt>
               </c:strCache>
             </c:strRef>
@@ -2504,900 +1752,170 @@
                 <c:formatCode>General</c:formatCode>
                 <c:ptCount val="53"/>
                 <c:pt idx="0">
-                  <c:v>4.7608240000000004</c:v>
+                  <c:v>0.23388094000000001</c:v>
                 </c:pt>
                 <c:pt idx="1">
-                  <c:v>0.71625249999999996</c:v>
+                  <c:v>0.264936</c:v>
                 </c:pt>
                 <c:pt idx="2">
-                  <c:v>2.5259366000000001</c:v>
+                  <c:v>2.5353916000000001</c:v>
                 </c:pt>
                 <c:pt idx="3">
-                  <c:v>0.19929959999999999</c:v>
+                  <c:v>0.10315781</c:v>
                 </c:pt>
                 <c:pt idx="4">
-                  <c:v>5.1655422999999999E-2</c:v>
+                  <c:v>1.4633267999999999</c:v>
                 </c:pt>
                 <c:pt idx="5">
-                  <c:v>0.32822812000000001</c:v>
+                  <c:v>1.209592</c:v>
                 </c:pt>
                 <c:pt idx="6">
-                  <c:v>1.7073748</c:v>
+                  <c:v>4.3229509999999998</c:v>
                 </c:pt>
                 <c:pt idx="7">
-                  <c:v>1.3111120000000001</c:v>
+                  <c:v>4.4920964000000003</c:v>
                 </c:pt>
                 <c:pt idx="8">
-                  <c:v>1.4150058999999999</c:v>
+                  <c:v>1.8129896000000001</c:v>
                 </c:pt>
                 <c:pt idx="9">
-                  <c:v>5.1875453</c:v>
+                  <c:v>0.22779237999999999</c:v>
                 </c:pt>
                 <c:pt idx="10">
-                  <c:v>0.40708208000000001</c:v>
+                  <c:v>0.30507951999999999</c:v>
                 </c:pt>
                 <c:pt idx="11">
-                  <c:v>0.82395019999999997</c:v>
+                  <c:v>0.95083105999999995</c:v>
                 </c:pt>
                 <c:pt idx="12">
-                  <c:v>1.6223485</c:v>
+                  <c:v>3.1123343000000001E-3</c:v>
                 </c:pt>
                 <c:pt idx="13">
-                  <c:v>0.29329835999999998</c:v>
+                  <c:v>0.2768294</c:v>
                 </c:pt>
                 <c:pt idx="14">
-                  <c:v>0.43922925000000002</c:v>
+                  <c:v>0.39143403999999998</c:v>
                 </c:pt>
                 <c:pt idx="15">
-                  <c:v>2.2322656999999999E-2</c:v>
+                  <c:v>0.31331098000000002</c:v>
                 </c:pt>
                 <c:pt idx="16">
-                  <c:v>1.6822363999999999E-2</c:v>
+                  <c:v>0.49609908000000003</c:v>
                 </c:pt>
                 <c:pt idx="17">
-                  <c:v>0.92864393999999995</c:v>
+                  <c:v>0.43125724999999998</c:v>
                 </c:pt>
                 <c:pt idx="18">
-                  <c:v>3.1906538000000002</c:v>
+                  <c:v>4.6523924000000001</c:v>
                 </c:pt>
                 <c:pt idx="19">
-                  <c:v>5.8182836</c:v>
+                  <c:v>4.5940539999999999</c:v>
                 </c:pt>
                 <c:pt idx="20">
-                  <c:v>4.2832165</c:v>
+                  <c:v>0.78198100000000004</c:v>
                 </c:pt>
                 <c:pt idx="21">
-                  <c:v>0.28552319999999998</c:v>
+                  <c:v>0.37028601999999999</c:v>
                 </c:pt>
                 <c:pt idx="22">
-                  <c:v>5.4475594000000003</c:v>
+                  <c:v>4.9110490000000002</c:v>
                 </c:pt>
                 <c:pt idx="23">
-                  <c:v>1.7873846</c:v>
+                  <c:v>3.9751356000000002</c:v>
                 </c:pt>
                 <c:pt idx="24">
-                  <c:v>2.5612816999999999</c:v>
+                  <c:v>1.8673251</c:v>
                 </c:pt>
                 <c:pt idx="25">
-                  <c:v>0.62010529999999997</c:v>
+                  <c:v>1.9424782</c:v>
                 </c:pt>
                 <c:pt idx="26">
-                  <c:v>3.4596719999999997E-2</c:v>
+                  <c:v>1.2812271</c:v>
                 </c:pt>
                 <c:pt idx="27">
-                  <c:v>5.6502840000000001</c:v>
+                  <c:v>3.5262710000000003E-2</c:v>
                 </c:pt>
                 <c:pt idx="28">
-                  <c:v>1.1377306</c:v>
+                  <c:v>4.5920680000000003</c:v>
                 </c:pt>
                 <c:pt idx="29">
-                  <c:v>3.2606792000000002</c:v>
+                  <c:v>0.41064715000000002</c:v>
                 </c:pt>
                 <c:pt idx="30">
-                  <c:v>5.3163304</c:v>
+                  <c:v>4.5779581999999999E-2</c:v>
                 </c:pt>
                 <c:pt idx="31">
-                  <c:v>0.71583574999999999</c:v>
+                  <c:v>0.51758000000000004</c:v>
                 </c:pt>
                 <c:pt idx="32">
-                  <c:v>2.3810696999999998</c:v>
+                  <c:v>0.87466259999999996</c:v>
                 </c:pt>
                 <c:pt idx="33">
-                  <c:v>1.7918022</c:v>
+                  <c:v>2.5162108000000001</c:v>
                 </c:pt>
                 <c:pt idx="34">
-                  <c:v>0.63614510000000002</c:v>
+                  <c:v>5.7646629999999997E-2</c:v>
                 </c:pt>
                 <c:pt idx="35">
-                  <c:v>5.6842439999999996</c:v>
+                  <c:v>2.2046429999999999</c:v>
                 </c:pt>
                 <c:pt idx="36">
-                  <c:v>4.9043359999999998</c:v>
+                  <c:v>1.1853541999999999</c:v>
                 </c:pt>
                 <c:pt idx="37">
-                  <c:v>1.9305483000000001</c:v>
+                  <c:v>0.22359499999999999</c:v>
                 </c:pt>
                 <c:pt idx="38">
-                  <c:v>0.91522884000000004</c:v>
+                  <c:v>4.2991149999999996</c:v>
                 </c:pt>
                 <c:pt idx="39">
-                  <c:v>1.6781843999999999</c:v>
+                  <c:v>9.2442683999999997E-2</c:v>
                 </c:pt>
                 <c:pt idx="40">
-                  <c:v>0.68775010000000003</c:v>
+                  <c:v>0.64034926999999997</c:v>
                 </c:pt>
                 <c:pt idx="41">
-                  <c:v>2.4932652000000002</c:v>
+                  <c:v>0.67883919999999998</c:v>
                 </c:pt>
                 <c:pt idx="42">
-                  <c:v>2.9218278</c:v>
+                  <c:v>1.2651920000000001</c:v>
                 </c:pt>
                 <c:pt idx="43">
-                  <c:v>4.7771710000000001</c:v>
+                  <c:v>0.59007186</c:v>
                 </c:pt>
                 <c:pt idx="44">
-                  <c:v>1.322536E-3</c:v>
+                  <c:v>0.44196187999999997</c:v>
                 </c:pt>
                 <c:pt idx="45">
-                  <c:v>1.8064837</c:v>
+                  <c:v>4.1165599999999998</c:v>
                 </c:pt>
                 <c:pt idx="46">
-                  <c:v>4.8877040000000003</c:v>
+                  <c:v>0.53349360000000001</c:v>
                 </c:pt>
                 <c:pt idx="47">
-                  <c:v>2.0089383999999998E-2</c:v>
+                  <c:v>5.1299510000000001</c:v>
                 </c:pt>
                 <c:pt idx="48">
-                  <c:v>1.5869465</c:v>
+                  <c:v>3.3557830000000002</c:v>
                 </c:pt>
                 <c:pt idx="49">
-                  <c:v>0.26611874000000002</c:v>
+                  <c:v>5.4847783999999997</c:v>
                 </c:pt>
                 <c:pt idx="50">
-                  <c:v>5.2045690000000002</c:v>
+                  <c:v>0.52764440000000001</c:v>
                 </c:pt>
                 <c:pt idx="51">
-                  <c:v>0.57405810000000002</c:v>
+                  <c:v>0.26009633999999998</c:v>
                 </c:pt>
                 <c:pt idx="52">
-                  <c:v>0.32594099999999998</c:v>
+                  <c:v>0.96364839999999996</c:v>
                 </c:pt>
               </c:numCache>
             </c:numRef>
           </c:val>
           <c:extLst>
             <c:ext xmlns:c16="http://schemas.microsoft.com/office/drawing/2014/chart" uri="{C3380CC4-5D6E-409C-BE32-E72D297353CC}">
-              <c16:uniqueId val="{00000001-9048-4DB6-83DC-696395F7EB97}"/>
-            </c:ext>
-          </c:extLst>
-        </c:ser>
-        <c:ser>
-          <c:idx val="2"/>
-          <c:order val="2"/>
-          <c:tx>
-            <c:strRef>
-              <c:f>Sheet1!$D$1</c:f>
-              <c:strCache>
-                <c:ptCount val="1"/>
-                <c:pt idx="0">
-                  <c:v>decoupled</c:v>
-                </c:pt>
-              </c:strCache>
-            </c:strRef>
-          </c:tx>
-          <c:spPr>
-            <a:solidFill>
-              <a:schemeClr val="accent3"/>
-            </a:solidFill>
-            <a:ln>
-              <a:noFill/>
-            </a:ln>
-            <a:effectLst/>
-          </c:spPr>
-          <c:invertIfNegative val="0"/>
-          <c:cat>
-            <c:strRef>
-              <c:f>Sheet1!$A$2:$A$54</c:f>
-              <c:strCache>
-                <c:ptCount val="53"/>
-                <c:pt idx="0">
-                  <c:v>mcf</c:v>
-                </c:pt>
-                <c:pt idx="1">
-                  <c:v>gcc_s04</c:v>
-                </c:pt>
-                <c:pt idx="2">
-                  <c:v>astar_biglakes</c:v>
-                </c:pt>
-                <c:pt idx="3">
-                  <c:v>milc</c:v>
-                </c:pt>
-                <c:pt idx="4">
-                  <c:v>libquantum</c:v>
-                </c:pt>
-                <c:pt idx="5">
-                  <c:v>lbm</c:v>
-                </c:pt>
-                <c:pt idx="6">
-                  <c:v>sphinx3</c:v>
-                </c:pt>
-                <c:pt idx="7">
-                  <c:v>h264ref_sss</c:v>
-                </c:pt>
-                <c:pt idx="8">
-                  <c:v>perlbench_checkspam</c:v>
-                </c:pt>
-                <c:pt idx="9">
-                  <c:v>bzip2_combined</c:v>
-                </c:pt>
-                <c:pt idx="10">
-                  <c:v>gamess_gradient</c:v>
-                </c:pt>
-                <c:pt idx="11">
-                  <c:v>bzip2_liberty</c:v>
-                </c:pt>
-                <c:pt idx="12">
-                  <c:v>omnetpp</c:v>
-                </c:pt>
-                <c:pt idx="13">
-                  <c:v>gamess_triazolium</c:v>
-                </c:pt>
-                <c:pt idx="14">
-                  <c:v>tonto</c:v>
-                </c:pt>
-                <c:pt idx="15">
-                  <c:v>leslie3d</c:v>
-                </c:pt>
-                <c:pt idx="16">
-                  <c:v>zeusmp</c:v>
-                </c:pt>
-                <c:pt idx="17">
-                  <c:v>gcc_expr2</c:v>
-                </c:pt>
-                <c:pt idx="18">
-                  <c:v>gromacs</c:v>
-                </c:pt>
-                <c:pt idx="19">
-                  <c:v>hmmer_nph3</c:v>
-                </c:pt>
-                <c:pt idx="20">
-                  <c:v>soplex_pds</c:v>
-                </c:pt>
-                <c:pt idx="21">
-                  <c:v>gcc_g23</c:v>
-                </c:pt>
-                <c:pt idx="22">
-                  <c:v>bzip2_source</c:v>
-                </c:pt>
-                <c:pt idx="23">
-                  <c:v>bzip2_chicken</c:v>
-                </c:pt>
-                <c:pt idx="24">
-                  <c:v>bzip2_html</c:v>
-                </c:pt>
-                <c:pt idx="25">
-                  <c:v>gamess_cytosine</c:v>
-                </c:pt>
-                <c:pt idx="26">
-                  <c:v>gcc_expr</c:v>
-                </c:pt>
-                <c:pt idx="27">
-                  <c:v>gobmk_13x13</c:v>
-                </c:pt>
-                <c:pt idx="28">
-                  <c:v>perlbench_splitmail</c:v>
-                </c:pt>
-                <c:pt idx="29">
-                  <c:v>bzip2_program</c:v>
-                </c:pt>
-                <c:pt idx="30">
-                  <c:v>astar_rivers</c:v>
-                </c:pt>
-                <c:pt idx="31">
-                  <c:v>calculix</c:v>
-                </c:pt>
-                <c:pt idx="32">
-                  <c:v>sjeng</c:v>
-                </c:pt>
-                <c:pt idx="33">
-                  <c:v>gcc_cpdecl</c:v>
-                </c:pt>
-                <c:pt idx="34">
-                  <c:v>gcc_166</c:v>
-                </c:pt>
-                <c:pt idx="35">
-                  <c:v>gobmk_trevorc</c:v>
-                </c:pt>
-                <c:pt idx="36">
-                  <c:v>gobmk_trevord</c:v>
-                </c:pt>
-                <c:pt idx="37">
-                  <c:v>gcc_200</c:v>
-                </c:pt>
-                <c:pt idx="38">
-                  <c:v>gcc_typeck</c:v>
-                </c:pt>
-                <c:pt idx="39">
-                  <c:v>povray</c:v>
-                </c:pt>
-                <c:pt idx="40">
-                  <c:v>dealII</c:v>
-                </c:pt>
-                <c:pt idx="41">
-                  <c:v>namd</c:v>
-                </c:pt>
-                <c:pt idx="42">
-                  <c:v>gcc_scilab</c:v>
-                </c:pt>
-                <c:pt idx="43">
-                  <c:v>gobmk_nngs</c:v>
-                </c:pt>
-                <c:pt idx="44">
-                  <c:v>bwaves</c:v>
-                </c:pt>
-                <c:pt idx="45">
-                  <c:v>soplex_ref</c:v>
-                </c:pt>
-                <c:pt idx="46">
-                  <c:v>gobmk_score2</c:v>
-                </c:pt>
-                <c:pt idx="47">
-                  <c:v>GemsFDTD</c:v>
-                </c:pt>
-                <c:pt idx="48">
-                  <c:v>h264ref_foreman</c:v>
-                </c:pt>
-                <c:pt idx="49">
-                  <c:v>cactusADM</c:v>
-                </c:pt>
-                <c:pt idx="50">
-                  <c:v>hmmer_retro</c:v>
-                </c:pt>
-                <c:pt idx="51">
-                  <c:v>xalancbmk</c:v>
-                </c:pt>
-                <c:pt idx="52">
-                  <c:v>perlbench_diffmail</c:v>
-                </c:pt>
-              </c:strCache>
-            </c:strRef>
-          </c:cat>
-          <c:val>
-            <c:numRef>
-              <c:f>Sheet1!$D$2:$D$54</c:f>
-              <c:numCache>
-                <c:formatCode>General</c:formatCode>
-                <c:ptCount val="53"/>
-                <c:pt idx="0">
-                  <c:v>8.2365829999999995</c:v>
-                </c:pt>
-                <c:pt idx="1">
-                  <c:v>1.8132334999999999</c:v>
-                </c:pt>
-                <c:pt idx="2">
-                  <c:v>3.4491260000000001</c:v>
-                </c:pt>
-                <c:pt idx="3">
-                  <c:v>4.2798184000000003E-2</c:v>
-                </c:pt>
-                <c:pt idx="4">
-                  <c:v>5.3252485E-3</c:v>
-                </c:pt>
-                <c:pt idx="5">
-                  <c:v>0.20242460000000001</c:v>
-                </c:pt>
-                <c:pt idx="6">
-                  <c:v>2.7118042</c:v>
-                </c:pt>
-                <c:pt idx="7">
-                  <c:v>0.85931179999999996</c:v>
-                </c:pt>
-                <c:pt idx="8">
-                  <c:v>2.0366749999999998</c:v>
-                </c:pt>
-                <c:pt idx="9">
-                  <c:v>5.4711470000000002</c:v>
-                </c:pt>
-                <c:pt idx="10">
-                  <c:v>0.73201024999999997</c:v>
-                </c:pt>
-                <c:pt idx="11">
-                  <c:v>1.0094827</c:v>
-                </c:pt>
-                <c:pt idx="12">
-                  <c:v>1.2659235</c:v>
-                </c:pt>
-                <c:pt idx="13">
-                  <c:v>0.36359584</c:v>
-                </c:pt>
-                <c:pt idx="14">
-                  <c:v>0.64862883000000005</c:v>
-                </c:pt>
-                <c:pt idx="15">
-                  <c:v>0.50687470000000001</c:v>
-                </c:pt>
-                <c:pt idx="16">
-                  <c:v>7.1931049999999996E-2</c:v>
-                </c:pt>
-                <c:pt idx="17">
-                  <c:v>1.9936602000000001</c:v>
-                </c:pt>
-                <c:pt idx="18">
-                  <c:v>3.2223587</c:v>
-                </c:pt>
-                <c:pt idx="19">
-                  <c:v>7.2057169999999999</c:v>
-                </c:pt>
-                <c:pt idx="20">
-                  <c:v>8.0404499999999999</c:v>
-                </c:pt>
-                <c:pt idx="21">
-                  <c:v>0.14458472999999999</c:v>
-                </c:pt>
-                <c:pt idx="22">
-                  <c:v>5.9068265000000002</c:v>
-                </c:pt>
-                <c:pt idx="23">
-                  <c:v>2.3149302</c:v>
-                </c:pt>
-                <c:pt idx="24">
-                  <c:v>2.4440436000000001</c:v>
-                </c:pt>
-                <c:pt idx="25">
-                  <c:v>1.0217533000000001</c:v>
-                </c:pt>
-                <c:pt idx="26">
-                  <c:v>2.6233373000000001E-2</c:v>
-                </c:pt>
-                <c:pt idx="27">
-                  <c:v>7.0240935999999996</c:v>
-                </c:pt>
-                <c:pt idx="28">
-                  <c:v>0.16804606999999999</c:v>
-                </c:pt>
-                <c:pt idx="29">
-                  <c:v>3.7540817</c:v>
-                </c:pt>
-                <c:pt idx="30">
-                  <c:v>7.357437</c:v>
-                </c:pt>
-                <c:pt idx="31">
-                  <c:v>0.15771408000000001</c:v>
-                </c:pt>
-                <c:pt idx="32">
-                  <c:v>3.9188890000000001</c:v>
-                </c:pt>
-                <c:pt idx="33">
-                  <c:v>1.1954429</c:v>
-                </c:pt>
-                <c:pt idx="34">
-                  <c:v>0.47904580000000002</c:v>
-                </c:pt>
-                <c:pt idx="35">
-                  <c:v>7.0428385999999996</c:v>
-                </c:pt>
-                <c:pt idx="36">
-                  <c:v>6.8610077</c:v>
-                </c:pt>
-                <c:pt idx="37">
-                  <c:v>3.3400496999999998</c:v>
-                </c:pt>
-                <c:pt idx="38">
-                  <c:v>1.8401635999999999</c:v>
-                </c:pt>
-                <c:pt idx="39">
-                  <c:v>0.42227226000000001</c:v>
-                </c:pt>
-                <c:pt idx="40">
-                  <c:v>0.91129934999999995</c:v>
-                </c:pt>
-                <c:pt idx="41">
-                  <c:v>4.1282189999999996</c:v>
-                </c:pt>
-                <c:pt idx="42">
-                  <c:v>6.4389950000000002</c:v>
-                </c:pt>
-                <c:pt idx="43">
-                  <c:v>6.3677549999999998</c:v>
-                </c:pt>
-                <c:pt idx="44">
-                  <c:v>1.7100390000000001</c:v>
-                </c:pt>
-                <c:pt idx="45">
-                  <c:v>3.8250074000000001</c:v>
-                </c:pt>
-                <c:pt idx="46">
-                  <c:v>6.4248190000000003</c:v>
-                </c:pt>
-                <c:pt idx="47">
-                  <c:v>0.34839988</c:v>
-                </c:pt>
-                <c:pt idx="48">
-                  <c:v>1.1072900000000001</c:v>
-                </c:pt>
-                <c:pt idx="49">
-                  <c:v>0.53306140000000002</c:v>
-                </c:pt>
-                <c:pt idx="50">
-                  <c:v>6.7253485</c:v>
-                </c:pt>
-                <c:pt idx="51">
-                  <c:v>0.36826029999999998</c:v>
-                </c:pt>
-                <c:pt idx="52">
-                  <c:v>0.17488100000000001</c:v>
-                </c:pt>
-              </c:numCache>
-            </c:numRef>
-          </c:val>
-          <c:extLst>
-            <c:ext xmlns:c16="http://schemas.microsoft.com/office/drawing/2014/chart" uri="{C3380CC4-5D6E-409C-BE32-E72D297353CC}">
-              <c16:uniqueId val="{00000002-9048-4DB6-83DC-696395F7EB97}"/>
-            </c:ext>
-          </c:extLst>
-        </c:ser>
-        <c:ser>
-          <c:idx val="3"/>
-          <c:order val="3"/>
-          <c:tx>
-            <c:strRef>
-              <c:f>Sheet1!$E$1</c:f>
-              <c:strCache>
-                <c:ptCount val="1"/>
-                <c:pt idx="0">
-                  <c:v>coupled</c:v>
-                </c:pt>
-              </c:strCache>
-            </c:strRef>
-          </c:tx>
-          <c:spPr>
-            <a:solidFill>
-              <a:schemeClr val="accent4"/>
-            </a:solidFill>
-            <a:ln>
-              <a:noFill/>
-            </a:ln>
-            <a:effectLst/>
-          </c:spPr>
-          <c:invertIfNegative val="0"/>
-          <c:cat>
-            <c:strRef>
-              <c:f>Sheet1!$A$2:$A$54</c:f>
-              <c:strCache>
-                <c:ptCount val="53"/>
-                <c:pt idx="0">
-                  <c:v>mcf</c:v>
-                </c:pt>
-                <c:pt idx="1">
-                  <c:v>gcc_s04</c:v>
-                </c:pt>
-                <c:pt idx="2">
-                  <c:v>astar_biglakes</c:v>
-                </c:pt>
-                <c:pt idx="3">
-                  <c:v>milc</c:v>
-                </c:pt>
-                <c:pt idx="4">
-                  <c:v>libquantum</c:v>
-                </c:pt>
-                <c:pt idx="5">
-                  <c:v>lbm</c:v>
-                </c:pt>
-                <c:pt idx="6">
-                  <c:v>sphinx3</c:v>
-                </c:pt>
-                <c:pt idx="7">
-                  <c:v>h264ref_sss</c:v>
-                </c:pt>
-                <c:pt idx="8">
-                  <c:v>perlbench_checkspam</c:v>
-                </c:pt>
-                <c:pt idx="9">
-                  <c:v>bzip2_combined</c:v>
-                </c:pt>
-                <c:pt idx="10">
-                  <c:v>gamess_gradient</c:v>
-                </c:pt>
-                <c:pt idx="11">
-                  <c:v>bzip2_liberty</c:v>
-                </c:pt>
-                <c:pt idx="12">
-                  <c:v>omnetpp</c:v>
-                </c:pt>
-                <c:pt idx="13">
-                  <c:v>gamess_triazolium</c:v>
-                </c:pt>
-                <c:pt idx="14">
-                  <c:v>tonto</c:v>
-                </c:pt>
-                <c:pt idx="15">
-                  <c:v>leslie3d</c:v>
-                </c:pt>
-                <c:pt idx="16">
-                  <c:v>zeusmp</c:v>
-                </c:pt>
-                <c:pt idx="17">
-                  <c:v>gcc_expr2</c:v>
-                </c:pt>
-                <c:pt idx="18">
-                  <c:v>gromacs</c:v>
-                </c:pt>
-                <c:pt idx="19">
-                  <c:v>hmmer_nph3</c:v>
-                </c:pt>
-                <c:pt idx="20">
-                  <c:v>soplex_pds</c:v>
-                </c:pt>
-                <c:pt idx="21">
-                  <c:v>gcc_g23</c:v>
-                </c:pt>
-                <c:pt idx="22">
-                  <c:v>bzip2_source</c:v>
-                </c:pt>
-                <c:pt idx="23">
-                  <c:v>bzip2_chicken</c:v>
-                </c:pt>
-                <c:pt idx="24">
-                  <c:v>bzip2_html</c:v>
-                </c:pt>
-                <c:pt idx="25">
-                  <c:v>gamess_cytosine</c:v>
-                </c:pt>
-                <c:pt idx="26">
-                  <c:v>gcc_expr</c:v>
-                </c:pt>
-                <c:pt idx="27">
-                  <c:v>gobmk_13x13</c:v>
-                </c:pt>
-                <c:pt idx="28">
-                  <c:v>perlbench_splitmail</c:v>
-                </c:pt>
-                <c:pt idx="29">
-                  <c:v>bzip2_program</c:v>
-                </c:pt>
-                <c:pt idx="30">
-                  <c:v>astar_rivers</c:v>
-                </c:pt>
-                <c:pt idx="31">
-                  <c:v>calculix</c:v>
-                </c:pt>
-                <c:pt idx="32">
-                  <c:v>sjeng</c:v>
-                </c:pt>
-                <c:pt idx="33">
-                  <c:v>gcc_cpdecl</c:v>
-                </c:pt>
-                <c:pt idx="34">
-                  <c:v>gcc_166</c:v>
-                </c:pt>
-                <c:pt idx="35">
-                  <c:v>gobmk_trevorc</c:v>
-                </c:pt>
-                <c:pt idx="36">
-                  <c:v>gobmk_trevord</c:v>
-                </c:pt>
-                <c:pt idx="37">
-                  <c:v>gcc_200</c:v>
-                </c:pt>
-                <c:pt idx="38">
-                  <c:v>gcc_typeck</c:v>
-                </c:pt>
-                <c:pt idx="39">
-                  <c:v>povray</c:v>
-                </c:pt>
-                <c:pt idx="40">
-                  <c:v>dealII</c:v>
-                </c:pt>
-                <c:pt idx="41">
-                  <c:v>namd</c:v>
-                </c:pt>
-                <c:pt idx="42">
-                  <c:v>gcc_scilab</c:v>
-                </c:pt>
-                <c:pt idx="43">
-                  <c:v>gobmk_nngs</c:v>
-                </c:pt>
-                <c:pt idx="44">
-                  <c:v>bwaves</c:v>
-                </c:pt>
-                <c:pt idx="45">
-                  <c:v>soplex_ref</c:v>
-                </c:pt>
-                <c:pt idx="46">
-                  <c:v>gobmk_score2</c:v>
-                </c:pt>
-                <c:pt idx="47">
-                  <c:v>GemsFDTD</c:v>
-                </c:pt>
-                <c:pt idx="48">
-                  <c:v>h264ref_foreman</c:v>
-                </c:pt>
-                <c:pt idx="49">
-                  <c:v>cactusADM</c:v>
-                </c:pt>
-                <c:pt idx="50">
-                  <c:v>hmmer_retro</c:v>
-                </c:pt>
-                <c:pt idx="51">
-                  <c:v>xalancbmk</c:v>
-                </c:pt>
-                <c:pt idx="52">
-                  <c:v>perlbench_diffmail</c:v>
-                </c:pt>
-              </c:strCache>
-            </c:strRef>
-          </c:cat>
-          <c:val>
-            <c:numRef>
-              <c:f>Sheet1!$E$2:$E$54</c:f>
-              <c:numCache>
-                <c:formatCode>General</c:formatCode>
-                <c:ptCount val="53"/>
-                <c:pt idx="0">
-                  <c:v>4.6097627000000001</c:v>
-                </c:pt>
-                <c:pt idx="1">
-                  <c:v>0.92732203000000002</c:v>
-                </c:pt>
-                <c:pt idx="2">
-                  <c:v>3.0894308000000001</c:v>
-                </c:pt>
-                <c:pt idx="3">
-                  <c:v>5.4068208E-2</c:v>
-                </c:pt>
-                <c:pt idx="4">
-                  <c:v>0.4576885</c:v>
-                </c:pt>
-                <c:pt idx="5">
-                  <c:v>0.27956340000000002</c:v>
-                </c:pt>
-                <c:pt idx="6">
-                  <c:v>1.8791069</c:v>
-                </c:pt>
-                <c:pt idx="7">
-                  <c:v>0.75809780000000004</c:v>
-                </c:pt>
-                <c:pt idx="8">
-                  <c:v>1.8315383999999999</c:v>
-                </c:pt>
-                <c:pt idx="9">
-                  <c:v>4.404325</c:v>
-                </c:pt>
-                <c:pt idx="10">
-                  <c:v>0.64451754000000006</c:v>
-                </c:pt>
-                <c:pt idx="11">
-                  <c:v>0.68097370000000002</c:v>
-                </c:pt>
-                <c:pt idx="12">
-                  <c:v>1.6028886</c:v>
-                </c:pt>
-                <c:pt idx="13">
-                  <c:v>0.54324899999999998</c:v>
-                </c:pt>
-                <c:pt idx="14">
-                  <c:v>0.63805365999999997</c:v>
-                </c:pt>
-                <c:pt idx="15">
-                  <c:v>0.44019281999999998</c:v>
-                </c:pt>
-                <c:pt idx="16">
-                  <c:v>0.4576654</c:v>
-                </c:pt>
-                <c:pt idx="17">
-                  <c:v>1.2036651</c:v>
-                </c:pt>
-                <c:pt idx="18">
-                  <c:v>2.1888551999999999</c:v>
-                </c:pt>
-                <c:pt idx="19">
-                  <c:v>5.3294515999999996</c:v>
-                </c:pt>
-                <c:pt idx="20">
-                  <c:v>3.5804128999999998</c:v>
-                </c:pt>
-                <c:pt idx="21">
-                  <c:v>0.55527669999999996</c:v>
-                </c:pt>
-                <c:pt idx="22">
-                  <c:v>4.5154443000000004</c:v>
-                </c:pt>
-                <c:pt idx="23">
-                  <c:v>1.3752012</c:v>
-                </c:pt>
-                <c:pt idx="24">
-                  <c:v>1.9728985999999999</c:v>
-                </c:pt>
-                <c:pt idx="25">
-                  <c:v>1.0933463999999999</c:v>
-                </c:pt>
-                <c:pt idx="26">
-                  <c:v>6.1945951999999999E-2</c:v>
-                </c:pt>
-                <c:pt idx="27">
-                  <c:v>6.405227</c:v>
-                </c:pt>
-                <c:pt idx="28">
-                  <c:v>0.40407723000000001</c:v>
-                </c:pt>
-                <c:pt idx="29">
-                  <c:v>2.8091523999999999</c:v>
-                </c:pt>
-                <c:pt idx="30">
-                  <c:v>6.0976977000000003</c:v>
-                </c:pt>
-                <c:pt idx="31">
-                  <c:v>5.8963000000000002E-2</c:v>
-                </c:pt>
-                <c:pt idx="32">
-                  <c:v>4.1161669999999999</c:v>
-                </c:pt>
-                <c:pt idx="33">
-                  <c:v>1.1016037000000001</c:v>
-                </c:pt>
-                <c:pt idx="34">
-                  <c:v>1.2002122</c:v>
-                </c:pt>
-                <c:pt idx="35">
-                  <c:v>7.156542</c:v>
-                </c:pt>
-                <c:pt idx="36">
-                  <c:v>6.1455200000000003</c:v>
-                </c:pt>
-                <c:pt idx="37">
-                  <c:v>2.4396445999999998</c:v>
-                </c:pt>
-                <c:pt idx="38">
-                  <c:v>1.1740934000000001</c:v>
-                </c:pt>
-                <c:pt idx="39">
-                  <c:v>2.0026001999999998</c:v>
-                </c:pt>
-                <c:pt idx="40">
-                  <c:v>0.48771735999999999</c:v>
-                </c:pt>
-                <c:pt idx="41">
-                  <c:v>1.9561265000000001</c:v>
-                </c:pt>
-                <c:pt idx="42">
-                  <c:v>3.4393544</c:v>
-                </c:pt>
-                <c:pt idx="43">
-                  <c:v>6.1752833999999996</c:v>
-                </c:pt>
-                <c:pt idx="44">
-                  <c:v>0.10315781</c:v>
-                </c:pt>
-                <c:pt idx="45">
-                  <c:v>1.7952442</c:v>
-                </c:pt>
-                <c:pt idx="46">
-                  <c:v>5.4815180000000003</c:v>
-                </c:pt>
-                <c:pt idx="47">
-                  <c:v>0.23175082999999999</c:v>
-                </c:pt>
-                <c:pt idx="48">
-                  <c:v>1.0834729999999999</c:v>
-                </c:pt>
-                <c:pt idx="49">
-                  <c:v>0.47621247</c:v>
-                </c:pt>
-                <c:pt idx="50">
-                  <c:v>5.0518099999999997</c:v>
-                </c:pt>
-                <c:pt idx="51">
-                  <c:v>0.76805334999999997</c:v>
-                </c:pt>
-                <c:pt idx="52">
-                  <c:v>0.92669489999999999</c:v>
-                </c:pt>
-              </c:numCache>
-            </c:numRef>
-          </c:val>
-          <c:extLst>
-            <c:ext xmlns:c16="http://schemas.microsoft.com/office/drawing/2014/chart" uri="{C3380CC4-5D6E-409C-BE32-E72D297353CC}">
-              <c16:uniqueId val="{00000000-F83D-4072-BCC7-D5D250E1C745}"/>
+              <c16:uniqueId val="{00000001-78F6-4CE3-9851-2C31B39A119E}"/>
             </c:ext>
           </c:extLst>
         </c:ser>
@@ -3411,11 +1929,11 @@
         </c:dLbls>
         <c:gapWidth val="219"/>
         <c:overlap val="-27"/>
-        <c:axId val="1588810144"/>
-        <c:axId val="1588820960"/>
+        <c:axId val="1348987103"/>
+        <c:axId val="1348986271"/>
       </c:barChart>
       <c:catAx>
-        <c:axId val="1588810144"/>
+        <c:axId val="1348987103"/>
         <c:scaling>
           <c:orientation val="minMax"/>
         </c:scaling>
@@ -3458,7 +1976,7 @@
             <a:endParaRPr lang="zh-CN"/>
           </a:p>
         </c:txPr>
-        <c:crossAx val="1588820960"/>
+        <c:crossAx val="1348986271"/>
         <c:crosses val="autoZero"/>
         <c:auto val="1"/>
         <c:lblAlgn val="ctr"/>
@@ -3466,7 +1984,7 @@
         <c:noMultiLvlLbl val="0"/>
       </c:catAx>
       <c:valAx>
-        <c:axId val="1588820960"/>
+        <c:axId val="1348986271"/>
         <c:scaling>
           <c:orientation val="minMax"/>
         </c:scaling>
@@ -3517,7 +2035,7 @@
             <a:endParaRPr lang="zh-CN"/>
           </a:p>
         </c:txPr>
-        <c:crossAx val="1588810144"/>
+        <c:crossAx val="1348987103"/>
         <c:crosses val="autoZero"/>
         <c:crossBetween val="between"/>
       </c:valAx>
@@ -4827,7 +3345,7 @@
           <a:p>
             <a:fld id="{ED4FDD50-B9AB-44B6-8874-BEB4005BD240}" type="datetimeFigureOut">
               <a:rPr lang="zh-CN" altLang="en-US" smtClean="0"/>
-              <a:t>2022/10/14</a:t>
+              <a:t>2022/10/25</a:t>
             </a:fld>
             <a:endParaRPr lang="zh-CN" altLang="en-US"/>
           </a:p>
@@ -5025,7 +3543,7 @@
           <a:p>
             <a:fld id="{ED4FDD50-B9AB-44B6-8874-BEB4005BD240}" type="datetimeFigureOut">
               <a:rPr lang="zh-CN" altLang="en-US" smtClean="0"/>
-              <a:t>2022/10/14</a:t>
+              <a:t>2022/10/25</a:t>
             </a:fld>
             <a:endParaRPr lang="zh-CN" altLang="en-US"/>
           </a:p>
@@ -5233,7 +3751,7 @@
           <a:p>
             <a:fld id="{ED4FDD50-B9AB-44B6-8874-BEB4005BD240}" type="datetimeFigureOut">
               <a:rPr lang="zh-CN" altLang="en-US" smtClean="0"/>
-              <a:t>2022/10/14</a:t>
+              <a:t>2022/10/25</a:t>
             </a:fld>
             <a:endParaRPr lang="zh-CN" altLang="en-US"/>
           </a:p>
@@ -5431,7 +3949,7 @@
           <a:p>
             <a:fld id="{ED4FDD50-B9AB-44B6-8874-BEB4005BD240}" type="datetimeFigureOut">
               <a:rPr lang="zh-CN" altLang="en-US" smtClean="0"/>
-              <a:t>2022/10/14</a:t>
+              <a:t>2022/10/25</a:t>
             </a:fld>
             <a:endParaRPr lang="zh-CN" altLang="en-US"/>
           </a:p>
@@ -5706,7 +4224,7 @@
           <a:p>
             <a:fld id="{ED4FDD50-B9AB-44B6-8874-BEB4005BD240}" type="datetimeFigureOut">
               <a:rPr lang="zh-CN" altLang="en-US" smtClean="0"/>
-              <a:t>2022/10/14</a:t>
+              <a:t>2022/10/25</a:t>
             </a:fld>
             <a:endParaRPr lang="zh-CN" altLang="en-US"/>
           </a:p>
@@ -5971,7 +4489,7 @@
           <a:p>
             <a:fld id="{ED4FDD50-B9AB-44B6-8874-BEB4005BD240}" type="datetimeFigureOut">
               <a:rPr lang="zh-CN" altLang="en-US" smtClean="0"/>
-              <a:t>2022/10/14</a:t>
+              <a:t>2022/10/25</a:t>
             </a:fld>
             <a:endParaRPr lang="zh-CN" altLang="en-US"/>
           </a:p>
@@ -6383,7 +4901,7 @@
           <a:p>
             <a:fld id="{ED4FDD50-B9AB-44B6-8874-BEB4005BD240}" type="datetimeFigureOut">
               <a:rPr lang="zh-CN" altLang="en-US" smtClean="0"/>
-              <a:t>2022/10/14</a:t>
+              <a:t>2022/10/25</a:t>
             </a:fld>
             <a:endParaRPr lang="zh-CN" altLang="en-US"/>
           </a:p>
@@ -6524,7 +5042,7 @@
           <a:p>
             <a:fld id="{ED4FDD50-B9AB-44B6-8874-BEB4005BD240}" type="datetimeFigureOut">
               <a:rPr lang="zh-CN" altLang="en-US" smtClean="0"/>
-              <a:t>2022/10/14</a:t>
+              <a:t>2022/10/25</a:t>
             </a:fld>
             <a:endParaRPr lang="zh-CN" altLang="en-US"/>
           </a:p>
@@ -6637,7 +5155,7 @@
           <a:p>
             <a:fld id="{ED4FDD50-B9AB-44B6-8874-BEB4005BD240}" type="datetimeFigureOut">
               <a:rPr lang="zh-CN" altLang="en-US" smtClean="0"/>
-              <a:t>2022/10/14</a:t>
+              <a:t>2022/10/25</a:t>
             </a:fld>
             <a:endParaRPr lang="zh-CN" altLang="en-US"/>
           </a:p>
@@ -6948,7 +5466,7 @@
           <a:p>
             <a:fld id="{ED4FDD50-B9AB-44B6-8874-BEB4005BD240}" type="datetimeFigureOut">
               <a:rPr lang="zh-CN" altLang="en-US" smtClean="0"/>
-              <a:t>2022/10/14</a:t>
+              <a:t>2022/10/25</a:t>
             </a:fld>
             <a:endParaRPr lang="zh-CN" altLang="en-US"/>
           </a:p>
@@ -7236,7 +5754,7 @@
           <a:p>
             <a:fld id="{ED4FDD50-B9AB-44B6-8874-BEB4005BD240}" type="datetimeFigureOut">
               <a:rPr lang="zh-CN" altLang="en-US" smtClean="0"/>
-              <a:t>2022/10/14</a:t>
+              <a:t>2022/10/25</a:t>
             </a:fld>
             <a:endParaRPr lang="zh-CN" altLang="en-US"/>
           </a:p>
@@ -7477,7 +5995,7 @@
           <a:p>
             <a:fld id="{ED4FDD50-B9AB-44B6-8874-BEB4005BD240}" type="datetimeFigureOut">
               <a:rPr lang="zh-CN" altLang="en-US" smtClean="0"/>
-              <a:t>2022/10/14</a:t>
+              <a:t>2022/10/25</a:t>
             </a:fld>
             <a:endParaRPr lang="zh-CN" altLang="en-US"/>
           </a:p>
@@ -7896,10 +6414,10 @@
       </p:grpSpPr>
       <p:graphicFrame>
         <p:nvGraphicFramePr>
-          <p:cNvPr id="6" name="图表 5">
+          <p:cNvPr id="4" name="图表 3">
             <a:extLst>
               <a:ext uri="{FF2B5EF4-FFF2-40B4-BE49-F238E27FC236}">
-                <a16:creationId xmlns:a16="http://schemas.microsoft.com/office/drawing/2014/main" id="{5A4EC86A-E8AE-442B-23D2-6CF7ED398882}"/>
+                <a16:creationId xmlns:a16="http://schemas.microsoft.com/office/drawing/2014/main" id="{71EF4C85-5759-BCCD-26DE-74AFA555CA0F}"/>
               </a:ext>
             </a:extLst>
           </p:cNvPr>
@@ -7907,14 +6425,14 @@
           <p:nvPr>
             <p:extLst>
               <p:ext uri="{D42A27DB-BD31-4B8C-83A1-F6EECF244321}">
-                <p14:modId xmlns:p14="http://schemas.microsoft.com/office/powerpoint/2010/main" val="3968758532"/>
+                <p14:modId xmlns:p14="http://schemas.microsoft.com/office/powerpoint/2010/main" val="3414132468"/>
               </p:ext>
             </p:extLst>
           </p:nvPr>
         </p:nvGraphicFramePr>
         <p:xfrm>
-          <a:off x="-1760220" y="719666"/>
-          <a:ext cx="15537180" cy="5418667"/>
+          <a:off x="128875" y="719666"/>
+          <a:ext cx="11997665" cy="5418667"/>
         </p:xfrm>
         <a:graphic>
           <a:graphicData uri="http://schemas.openxmlformats.org/drawingml/2006/chart">
@@ -7954,10 +6472,10 @@
       </p:grpSpPr>
       <p:graphicFrame>
         <p:nvGraphicFramePr>
-          <p:cNvPr id="6" name="图表 5">
+          <p:cNvPr id="4" name="图表 3">
             <a:extLst>
               <a:ext uri="{FF2B5EF4-FFF2-40B4-BE49-F238E27FC236}">
-                <a16:creationId xmlns:a16="http://schemas.microsoft.com/office/drawing/2014/main" id="{5A4EC86A-E8AE-442B-23D2-6CF7ED398882}"/>
+                <a16:creationId xmlns:a16="http://schemas.microsoft.com/office/drawing/2014/main" id="{F5691AB9-F4EA-A604-C0DB-544A3A719210}"/>
               </a:ext>
             </a:extLst>
           </p:cNvPr>
@@ -7965,14 +6483,14 @@
           <p:nvPr>
             <p:extLst>
               <p:ext uri="{D42A27DB-BD31-4B8C-83A1-F6EECF244321}">
-                <p14:modId xmlns:p14="http://schemas.microsoft.com/office/powerpoint/2010/main" val="4105184660"/>
+                <p14:modId xmlns:p14="http://schemas.microsoft.com/office/powerpoint/2010/main" val="3954930242"/>
               </p:ext>
             </p:extLst>
           </p:nvPr>
         </p:nvGraphicFramePr>
         <p:xfrm>
-          <a:off x="1" y="719666"/>
-          <a:ext cx="12112388" cy="5418667"/>
+          <a:off x="202518" y="719666"/>
+          <a:ext cx="11989482" cy="5418667"/>
         </p:xfrm>
         <a:graphic>
           <a:graphicData uri="http://schemas.openxmlformats.org/drawingml/2006/chart">

--- a/graph.pptx
+++ b/graph.pptx
@@ -215,335 +215,185 @@
           <c:invertIfNegative val="0"/>
           <c:cat>
             <c:strRef>
-              <c:f>Sheet1!$A$2:$A$54</c:f>
+              <c:f>Sheet1!$A$2:$A$29</c:f>
               <c:strCache>
-                <c:ptCount val="53"/>
+                <c:ptCount val="28"/>
                 <c:pt idx="0">
+                  <c:v>bzip2</c:v>
+                </c:pt>
+                <c:pt idx="1">
+                  <c:v>perlbench</c:v>
+                </c:pt>
+                <c:pt idx="2">
+                  <c:v>omnetpp</c:v>
+                </c:pt>
+                <c:pt idx="3">
+                  <c:v>calculix</c:v>
+                </c:pt>
+                <c:pt idx="4">
+                  <c:v>gobmk</c:v>
+                </c:pt>
+                <c:pt idx="5">
+                  <c:v>gcc</c:v>
+                </c:pt>
+                <c:pt idx="6">
+                  <c:v>zeusmp</c:v>
+                </c:pt>
+                <c:pt idx="7">
+                  <c:v>bwaves</c:v>
+                </c:pt>
+                <c:pt idx="8">
+                  <c:v>tonto</c:v>
+                </c:pt>
+                <c:pt idx="9">
+                  <c:v>gromacs</c:v>
+                </c:pt>
+                <c:pt idx="10">
+                  <c:v>astar</c:v>
+                </c:pt>
+                <c:pt idx="11">
+                  <c:v>cactusADM</c:v>
+                </c:pt>
+                <c:pt idx="12">
+                  <c:v>xalancbmk</c:v>
+                </c:pt>
+                <c:pt idx="13">
+                  <c:v>gamess</c:v>
+                </c:pt>
+                <c:pt idx="14">
+                  <c:v>sphinx3</c:v>
+                </c:pt>
+                <c:pt idx="15">
+                  <c:v>milc</c:v>
+                </c:pt>
+                <c:pt idx="16">
+                  <c:v>soplex</c:v>
+                </c:pt>
+                <c:pt idx="17">
+                  <c:v>povray</c:v>
+                </c:pt>
+                <c:pt idx="18">
+                  <c:v>hmmer</c:v>
+                </c:pt>
+                <c:pt idx="19">
+                  <c:v>sjeng</c:v>
+                </c:pt>
+                <c:pt idx="20">
+                  <c:v>libquantum</c:v>
+                </c:pt>
+                <c:pt idx="21">
+                  <c:v>leslie3d</c:v>
+                </c:pt>
+                <c:pt idx="22">
+                  <c:v>wrf</c:v>
+                </c:pt>
+                <c:pt idx="23">
+                  <c:v>namd</c:v>
+                </c:pt>
+                <c:pt idx="24">
                   <c:v>GemsFDTD</c:v>
                 </c:pt>
-                <c:pt idx="1">
-                  <c:v>perlbench_diffmail</c:v>
-                </c:pt>
-                <c:pt idx="2">
-                  <c:v>astar_biglakes</c:v>
-                </c:pt>
-                <c:pt idx="3">
-                  <c:v>bwaves</c:v>
-                </c:pt>
-                <c:pt idx="4">
-                  <c:v>soplex_ref</c:v>
-                </c:pt>
-                <c:pt idx="5">
-                  <c:v>omnetpp</c:v>
-                </c:pt>
-                <c:pt idx="6">
-                  <c:v>gobmk_score2</c:v>
-                </c:pt>
-                <c:pt idx="7">
-                  <c:v>hmmer_retro</c:v>
-                </c:pt>
-                <c:pt idx="8">
-                  <c:v>namd</c:v>
-                </c:pt>
-                <c:pt idx="9">
+                <c:pt idx="25">
+                  <c:v>dealII</c:v>
+                </c:pt>
+                <c:pt idx="26">
                   <c:v>lbm</c:v>
                 </c:pt>
-                <c:pt idx="10">
-                  <c:v>perlbench_splitmail</c:v>
-                </c:pt>
-                <c:pt idx="11">
-                  <c:v>gcc_scilab</c:v>
-                </c:pt>
-                <c:pt idx="12">
-                  <c:v>libquantum</c:v>
-                </c:pt>
-                <c:pt idx="13">
-                  <c:v>cactusADM</c:v>
-                </c:pt>
-                <c:pt idx="14">
-                  <c:v>gcc_166</c:v>
-                </c:pt>
-                <c:pt idx="15">
-                  <c:v>xalancbmk</c:v>
-                </c:pt>
-                <c:pt idx="16">
-                  <c:v>gamess_gradient</c:v>
-                </c:pt>
-                <c:pt idx="17">
-                  <c:v>gcc_s04</c:v>
-                </c:pt>
-                <c:pt idx="18">
-                  <c:v>gobmk_nngs</c:v>
-                </c:pt>
-                <c:pt idx="19">
-                  <c:v>gobmk_trevord</c:v>
-                </c:pt>
-                <c:pt idx="20">
-                  <c:v>h264ref_foreman</c:v>
-                </c:pt>
-                <c:pt idx="21">
-                  <c:v>gamess_triazolium</c:v>
-                </c:pt>
-                <c:pt idx="22">
-                  <c:v>hmmer_nph3</c:v>
-                </c:pt>
-                <c:pt idx="23">
-                  <c:v>bzip2_combined</c:v>
-                </c:pt>
-                <c:pt idx="24">
-                  <c:v>bzip2_html</c:v>
-                </c:pt>
-                <c:pt idx="25">
-                  <c:v>gromacs</c:v>
-                </c:pt>
-                <c:pt idx="26">
-                  <c:v>bzip2_chicken</c:v>
-                </c:pt>
                 <c:pt idx="27">
-                  <c:v>gcc_expr</c:v>
-                </c:pt>
-                <c:pt idx="28">
-                  <c:v>astar_rivers</c:v>
-                </c:pt>
-                <c:pt idx="29">
-                  <c:v>tonto</c:v>
-                </c:pt>
-                <c:pt idx="30">
-                  <c:v>leslie3d</c:v>
-                </c:pt>
-                <c:pt idx="31">
-                  <c:v>gcc_cpdecl</c:v>
-                </c:pt>
-                <c:pt idx="32">
-                  <c:v>gamess_cytosine</c:v>
-                </c:pt>
-                <c:pt idx="33">
-                  <c:v>bzip2_program</c:v>
-                </c:pt>
-                <c:pt idx="34">
-                  <c:v>milc</c:v>
-                </c:pt>
-                <c:pt idx="35">
-                  <c:v>sjeng</c:v>
-                </c:pt>
-                <c:pt idx="36">
-                  <c:v>gcc_200</c:v>
-                </c:pt>
-                <c:pt idx="37">
-                  <c:v>gcc_g23</c:v>
-                </c:pt>
-                <c:pt idx="38">
-                  <c:v>mcf</c:v>
-                </c:pt>
-                <c:pt idx="39">
-                  <c:v>zeusmp</c:v>
-                </c:pt>
-                <c:pt idx="40">
-                  <c:v>bzip2_liberty</c:v>
-                </c:pt>
-                <c:pt idx="41">
-                  <c:v>povray</c:v>
-                </c:pt>
-                <c:pt idx="42">
-                  <c:v>sphinx3</c:v>
-                </c:pt>
-                <c:pt idx="43">
-                  <c:v>gcc_expr2</c:v>
-                </c:pt>
-                <c:pt idx="44">
-                  <c:v>dealII</c:v>
-                </c:pt>
-                <c:pt idx="45">
-                  <c:v>bzip2_source</c:v>
-                </c:pt>
-                <c:pt idx="46">
-                  <c:v>h264ref_sss</c:v>
-                </c:pt>
-                <c:pt idx="47">
-                  <c:v>gobmk_13x13</c:v>
-                </c:pt>
-                <c:pt idx="48">
-                  <c:v>soplex_pds</c:v>
-                </c:pt>
-                <c:pt idx="49">
-                  <c:v>gobmk_trevorc</c:v>
-                </c:pt>
-                <c:pt idx="50">
-                  <c:v>gcc_typeck</c:v>
-                </c:pt>
-                <c:pt idx="51">
-                  <c:v>calculix</c:v>
-                </c:pt>
-                <c:pt idx="52">
-                  <c:v>perlbench_checkspam</c:v>
+                  <c:v>h264ref</c:v>
                 </c:pt>
               </c:strCache>
             </c:strRef>
           </c:cat>
           <c:val>
             <c:numRef>
-              <c:f>Sheet1!$B$2:$B$54</c:f>
+              <c:f>Sheet1!$B$2:$B$29</c:f>
               <c:numCache>
                 <c:formatCode>General</c:formatCode>
-                <c:ptCount val="53"/>
+                <c:ptCount val="28"/>
                 <c:pt idx="0">
+                  <c:v>8.7937436967444196</c:v>
+                </c:pt>
+                <c:pt idx="1">
+                  <c:v>1.92095677396165</c:v>
+                </c:pt>
+                <c:pt idx="2">
+                  <c:v>5.97</c:v>
+                </c:pt>
+                <c:pt idx="3">
+                  <c:v>6.1122976000000002E-2</c:v>
+                </c:pt>
+                <c:pt idx="4">
+                  <c:v>16.577952456234399</c:v>
+                </c:pt>
+                <c:pt idx="5">
+                  <c:v>2.0202120439019602</c:v>
+                </c:pt>
+                <c:pt idx="6">
+                  <c:v>3.4646858000000002E-3</c:v>
+                </c:pt>
+                <c:pt idx="7">
+                  <c:v>9.9999989999999999E-4</c:v>
+                </c:pt>
+                <c:pt idx="8">
+                  <c:v>0.40822464000000003</c:v>
+                </c:pt>
+                <c:pt idx="9">
+                  <c:v>2.2446654000000001</c:v>
+                </c:pt>
+                <c:pt idx="10">
+                  <c:v>14.6396540295038</c:v>
+                </c:pt>
+                <c:pt idx="11">
+                  <c:v>2.1999999999999999E-2</c:v>
+                </c:pt>
+                <c:pt idx="12">
+                  <c:v>2.0359492000000001</c:v>
+                </c:pt>
+                <c:pt idx="13">
+                  <c:v>0.37707385008215399</c:v>
+                </c:pt>
+                <c:pt idx="14">
+                  <c:v>2.6845734000000001</c:v>
+                </c:pt>
+                <c:pt idx="15">
+                  <c:v>1.8240076000000001E-2</c:v>
+                </c:pt>
+                <c:pt idx="16">
+                  <c:v>9.7720938945511406</c:v>
+                </c:pt>
+                <c:pt idx="17">
+                  <c:v>1.0478272</c:v>
+                </c:pt>
+                <c:pt idx="18">
+                  <c:v>16.305893322065</c:v>
+                </c:pt>
+                <c:pt idx="19">
+                  <c:v>8.4827779999999997</c:v>
+                </c:pt>
+                <c:pt idx="20">
+                  <c:v>8.0504279999999998E-2</c:v>
+                </c:pt>
+                <c:pt idx="21">
+                  <c:v>1.2837596999999999E-2</c:v>
+                </c:pt>
+                <c:pt idx="22">
+                  <c:v>0</c:v>
+                </c:pt>
+                <c:pt idx="23">
+                  <c:v>2.6316147000000001</c:v>
+                </c:pt>
+                <c:pt idx="24">
                   <c:v>2.8337251000000001E-2</c:v>
                 </c:pt>
-                <c:pt idx="1">
-                  <c:v>0.55899995999999996</c:v>
-                </c:pt>
-                <c:pt idx="2">
-                  <c:v>8.2114370000000001</c:v>
-                </c:pt>
-                <c:pt idx="3">
-                  <c:v>9.9999989999999999E-4</c:v>
-                </c:pt>
-                <c:pt idx="4">
-                  <c:v>4.3677210000000004</c:v>
-                </c:pt>
-                <c:pt idx="5">
-                  <c:v>5.97</c:v>
-                </c:pt>
-                <c:pt idx="6">
-                  <c:v>15.338768</c:v>
-                </c:pt>
-                <c:pt idx="7">
-                  <c:v>16.65258</c:v>
-                </c:pt>
-                <c:pt idx="8">
-                  <c:v>2.6316147000000001</c:v>
-                </c:pt>
-                <c:pt idx="9">
+                <c:pt idx="25">
+                  <c:v>1.0966834000000001</c:v>
+                </c:pt>
+                <c:pt idx="26">
                   <c:v>7.3999990000000002E-2</c:v>
                 </c:pt>
-                <c:pt idx="10">
-                  <c:v>0.81695485000000001</c:v>
-                </c:pt>
-                <c:pt idx="11">
-                  <c:v>5.953068</c:v>
-                </c:pt>
-                <c:pt idx="12">
-                  <c:v>8.0504279999999998E-2</c:v>
-                </c:pt>
-                <c:pt idx="13">
-                  <c:v>2.1999999999999999E-2</c:v>
-                </c:pt>
-                <c:pt idx="14">
-                  <c:v>1.3577002</c:v>
-                </c:pt>
-                <c:pt idx="15">
-                  <c:v>2.0359492000000001</c:v>
-                </c:pt>
-                <c:pt idx="16">
-                  <c:v>0.31978879999999998</c:v>
-                </c:pt>
-                <c:pt idx="17">
-                  <c:v>1.2309068000000001</c:v>
-                </c:pt>
-                <c:pt idx="18">
-                  <c:v>15.728104</c:v>
-                </c:pt>
-                <c:pt idx="19">
-                  <c:v>15.701649</c:v>
-                </c:pt>
-                <c:pt idx="20">
-                  <c:v>1.330173</c:v>
-                </c:pt>
-                <c:pt idx="21">
-                  <c:v>0.23608080000000001</c:v>
-                </c:pt>
-                <c:pt idx="22">
-                  <c:v>15.574445000000001</c:v>
-                </c:pt>
-                <c:pt idx="23">
-                  <c:v>14.048555</c:v>
-                </c:pt>
-                <c:pt idx="24">
-                  <c:v>5.6446430000000003</c:v>
-                </c:pt>
-                <c:pt idx="25">
-                  <c:v>2.2446654000000001</c:v>
-                </c:pt>
-                <c:pt idx="26">
-                  <c:v>5.5838264999999998</c:v>
-                </c:pt>
                 <c:pt idx="27">
-                  <c:v>0.12729190000000001</c:v>
-                </c:pt>
-                <c:pt idx="28">
-                  <c:v>17.711945</c:v>
-                </c:pt>
-                <c:pt idx="29">
-                  <c:v>0.40822464000000003</c:v>
-                </c:pt>
-                <c:pt idx="30">
-                  <c:v>1.2837596999999999E-2</c:v>
-                </c:pt>
-                <c:pt idx="31">
-                  <c:v>1.4152948000000001</c:v>
-                </c:pt>
-                <c:pt idx="32">
-                  <c:v>0.60887146000000003</c:v>
-                </c:pt>
-                <c:pt idx="33">
-                  <c:v>9.0580409999999993</c:v>
-                </c:pt>
-                <c:pt idx="34">
-                  <c:v>1.8240076000000001E-2</c:v>
-                </c:pt>
-                <c:pt idx="35">
-                  <c:v>8.4827779999999997</c:v>
-                </c:pt>
-                <c:pt idx="36">
-                  <c:v>5.3595499999999996</c:v>
-                </c:pt>
-                <c:pt idx="37">
-                  <c:v>0.42937123999999999</c:v>
-                </c:pt>
-                <c:pt idx="38">
-                  <c:v>22.160806999999998</c:v>
-                </c:pt>
-                <c:pt idx="39">
-                  <c:v>3.4646858000000002E-3</c:v>
-                </c:pt>
-                <c:pt idx="40">
-                  <c:v>3.2733561999999998</c:v>
-                </c:pt>
-                <c:pt idx="41">
-                  <c:v>1.0478272</c:v>
-                </c:pt>
-                <c:pt idx="42">
-                  <c:v>2.6845734000000001</c:v>
-                </c:pt>
-                <c:pt idx="43">
-                  <c:v>2.2909293000000002</c:v>
-                </c:pt>
-                <c:pt idx="44">
-                  <c:v>1.0966834000000001</c:v>
-                </c:pt>
-                <c:pt idx="45">
-                  <c:v>14.502991</c:v>
-                </c:pt>
-                <c:pt idx="46">
-                  <c:v>0.80999770000000004</c:v>
-                </c:pt>
-                <c:pt idx="47">
-                  <c:v>20.544138</c:v>
-                </c:pt>
-                <c:pt idx="48">
-                  <c:v>15.04987</c:v>
-                </c:pt>
-                <c:pt idx="49">
-                  <c:v>17.813139</c:v>
-                </c:pt>
-                <c:pt idx="50">
-                  <c:v>1.9197934999999999</c:v>
-                </c:pt>
-                <c:pt idx="51">
-                  <c:v>6.1122976000000002E-2</c:v>
-                </c:pt>
-                <c:pt idx="52">
-                  <c:v>3.0746609999999999</c:v>
+                  <c:v>0.86127556420149098</c:v>
                 </c:pt>
               </c:numCache>
             </c:numRef>
@@ -580,335 +430,185 @@
           <c:invertIfNegative val="0"/>
           <c:cat>
             <c:strRef>
-              <c:f>Sheet1!$A$2:$A$54</c:f>
+              <c:f>Sheet1!$A$2:$A$29</c:f>
               <c:strCache>
-                <c:ptCount val="53"/>
+                <c:ptCount val="28"/>
                 <c:pt idx="0">
+                  <c:v>bzip2</c:v>
+                </c:pt>
+                <c:pt idx="1">
+                  <c:v>perlbench</c:v>
+                </c:pt>
+                <c:pt idx="2">
+                  <c:v>omnetpp</c:v>
+                </c:pt>
+                <c:pt idx="3">
+                  <c:v>calculix</c:v>
+                </c:pt>
+                <c:pt idx="4">
+                  <c:v>gobmk</c:v>
+                </c:pt>
+                <c:pt idx="5">
+                  <c:v>gcc</c:v>
+                </c:pt>
+                <c:pt idx="6">
+                  <c:v>zeusmp</c:v>
+                </c:pt>
+                <c:pt idx="7">
+                  <c:v>bwaves</c:v>
+                </c:pt>
+                <c:pt idx="8">
+                  <c:v>tonto</c:v>
+                </c:pt>
+                <c:pt idx="9">
+                  <c:v>gromacs</c:v>
+                </c:pt>
+                <c:pt idx="10">
+                  <c:v>astar</c:v>
+                </c:pt>
+                <c:pt idx="11">
+                  <c:v>cactusADM</c:v>
+                </c:pt>
+                <c:pt idx="12">
+                  <c:v>xalancbmk</c:v>
+                </c:pt>
+                <c:pt idx="13">
+                  <c:v>gamess</c:v>
+                </c:pt>
+                <c:pt idx="14">
+                  <c:v>sphinx3</c:v>
+                </c:pt>
+                <c:pt idx="15">
+                  <c:v>milc</c:v>
+                </c:pt>
+                <c:pt idx="16">
+                  <c:v>soplex</c:v>
+                </c:pt>
+                <c:pt idx="17">
+                  <c:v>povray</c:v>
+                </c:pt>
+                <c:pt idx="18">
+                  <c:v>hmmer</c:v>
+                </c:pt>
+                <c:pt idx="19">
+                  <c:v>sjeng</c:v>
+                </c:pt>
+                <c:pt idx="20">
+                  <c:v>libquantum</c:v>
+                </c:pt>
+                <c:pt idx="21">
+                  <c:v>leslie3d</c:v>
+                </c:pt>
+                <c:pt idx="22">
+                  <c:v>wrf</c:v>
+                </c:pt>
+                <c:pt idx="23">
+                  <c:v>namd</c:v>
+                </c:pt>
+                <c:pt idx="24">
                   <c:v>GemsFDTD</c:v>
                 </c:pt>
-                <c:pt idx="1">
-                  <c:v>perlbench_diffmail</c:v>
-                </c:pt>
-                <c:pt idx="2">
-                  <c:v>astar_biglakes</c:v>
-                </c:pt>
-                <c:pt idx="3">
-                  <c:v>bwaves</c:v>
-                </c:pt>
-                <c:pt idx="4">
-                  <c:v>soplex_ref</c:v>
-                </c:pt>
-                <c:pt idx="5">
-                  <c:v>omnetpp</c:v>
-                </c:pt>
-                <c:pt idx="6">
-                  <c:v>gobmk_score2</c:v>
-                </c:pt>
-                <c:pt idx="7">
-                  <c:v>hmmer_retro</c:v>
-                </c:pt>
-                <c:pt idx="8">
-                  <c:v>namd</c:v>
-                </c:pt>
-                <c:pt idx="9">
+                <c:pt idx="25">
+                  <c:v>dealII</c:v>
+                </c:pt>
+                <c:pt idx="26">
                   <c:v>lbm</c:v>
                 </c:pt>
-                <c:pt idx="10">
-                  <c:v>perlbench_splitmail</c:v>
-                </c:pt>
-                <c:pt idx="11">
-                  <c:v>gcc_scilab</c:v>
-                </c:pt>
-                <c:pt idx="12">
-                  <c:v>libquantum</c:v>
-                </c:pt>
-                <c:pt idx="13">
-                  <c:v>cactusADM</c:v>
-                </c:pt>
-                <c:pt idx="14">
-                  <c:v>gcc_166</c:v>
-                </c:pt>
-                <c:pt idx="15">
-                  <c:v>xalancbmk</c:v>
-                </c:pt>
-                <c:pt idx="16">
-                  <c:v>gamess_gradient</c:v>
-                </c:pt>
-                <c:pt idx="17">
-                  <c:v>gcc_s04</c:v>
-                </c:pt>
-                <c:pt idx="18">
-                  <c:v>gobmk_nngs</c:v>
-                </c:pt>
-                <c:pt idx="19">
-                  <c:v>gobmk_trevord</c:v>
-                </c:pt>
-                <c:pt idx="20">
-                  <c:v>h264ref_foreman</c:v>
-                </c:pt>
-                <c:pt idx="21">
-                  <c:v>gamess_triazolium</c:v>
-                </c:pt>
-                <c:pt idx="22">
-                  <c:v>hmmer_nph3</c:v>
-                </c:pt>
-                <c:pt idx="23">
-                  <c:v>bzip2_combined</c:v>
-                </c:pt>
-                <c:pt idx="24">
-                  <c:v>bzip2_html</c:v>
-                </c:pt>
-                <c:pt idx="25">
-                  <c:v>gromacs</c:v>
-                </c:pt>
-                <c:pt idx="26">
-                  <c:v>bzip2_chicken</c:v>
-                </c:pt>
                 <c:pt idx="27">
-                  <c:v>gcc_expr</c:v>
-                </c:pt>
-                <c:pt idx="28">
-                  <c:v>astar_rivers</c:v>
-                </c:pt>
-                <c:pt idx="29">
-                  <c:v>tonto</c:v>
-                </c:pt>
-                <c:pt idx="30">
-                  <c:v>leslie3d</c:v>
-                </c:pt>
-                <c:pt idx="31">
-                  <c:v>gcc_cpdecl</c:v>
-                </c:pt>
-                <c:pt idx="32">
-                  <c:v>gamess_cytosine</c:v>
-                </c:pt>
-                <c:pt idx="33">
-                  <c:v>bzip2_program</c:v>
-                </c:pt>
-                <c:pt idx="34">
-                  <c:v>milc</c:v>
-                </c:pt>
-                <c:pt idx="35">
-                  <c:v>sjeng</c:v>
-                </c:pt>
-                <c:pt idx="36">
-                  <c:v>gcc_200</c:v>
-                </c:pt>
-                <c:pt idx="37">
-                  <c:v>gcc_g23</c:v>
-                </c:pt>
-                <c:pt idx="38">
-                  <c:v>mcf</c:v>
-                </c:pt>
-                <c:pt idx="39">
-                  <c:v>zeusmp</c:v>
-                </c:pt>
-                <c:pt idx="40">
-                  <c:v>bzip2_liberty</c:v>
-                </c:pt>
-                <c:pt idx="41">
-                  <c:v>povray</c:v>
-                </c:pt>
-                <c:pt idx="42">
-                  <c:v>sphinx3</c:v>
-                </c:pt>
-                <c:pt idx="43">
-                  <c:v>gcc_expr2</c:v>
-                </c:pt>
-                <c:pt idx="44">
-                  <c:v>dealII</c:v>
-                </c:pt>
-                <c:pt idx="45">
-                  <c:v>bzip2_source</c:v>
-                </c:pt>
-                <c:pt idx="46">
-                  <c:v>h264ref_sss</c:v>
-                </c:pt>
-                <c:pt idx="47">
-                  <c:v>gobmk_13x13</c:v>
-                </c:pt>
-                <c:pt idx="48">
-                  <c:v>soplex_pds</c:v>
-                </c:pt>
-                <c:pt idx="49">
-                  <c:v>gobmk_trevorc</c:v>
-                </c:pt>
-                <c:pt idx="50">
-                  <c:v>gcc_typeck</c:v>
-                </c:pt>
-                <c:pt idx="51">
-                  <c:v>calculix</c:v>
-                </c:pt>
-                <c:pt idx="52">
-                  <c:v>perlbench_checkspam</c:v>
+                  <c:v>h264ref</c:v>
                 </c:pt>
               </c:strCache>
             </c:strRef>
           </c:cat>
           <c:val>
             <c:numRef>
-              <c:f>Sheet1!$C$2:$C$54</c:f>
+              <c:f>Sheet1!$C$2:$C$29</c:f>
               <c:numCache>
                 <c:formatCode>General</c:formatCode>
-                <c:ptCount val="53"/>
+                <c:ptCount val="28"/>
                 <c:pt idx="0">
+                  <c:v>6.2648258719263099</c:v>
+                </c:pt>
+                <c:pt idx="1">
+                  <c:v>2.1224913418300599</c:v>
+                </c:pt>
+                <c:pt idx="2">
+                  <c:v>5.7130000000000001</c:v>
+                </c:pt>
+                <c:pt idx="3">
+                  <c:v>0.35557538</c:v>
+                </c:pt>
+                <c:pt idx="4">
+                  <c:v>14.0367353103584</c:v>
+                </c:pt>
+                <c:pt idx="5">
+                  <c:v>1.9191761071608</c:v>
+                </c:pt>
+                <c:pt idx="6">
+                  <c:v>4.4084564E-2</c:v>
+                </c:pt>
+                <c:pt idx="7">
+                  <c:v>9.8000000000000004E-2</c:v>
+                </c:pt>
+                <c:pt idx="8">
+                  <c:v>0.66901140000000003</c:v>
+                </c:pt>
+                <c:pt idx="9">
+                  <c:v>1.6678227000000001</c:v>
+                </c:pt>
+                <c:pt idx="10">
+                  <c:v>13.612296545559101</c:v>
+                </c:pt>
+                <c:pt idx="11">
+                  <c:v>5.0000000000000001E-3</c:v>
+                </c:pt>
+                <c:pt idx="12">
+                  <c:v>1.7087971</c:v>
+                </c:pt>
+                <c:pt idx="13">
+                  <c:v>0.700574857917028</c:v>
+                </c:pt>
+                <c:pt idx="14">
+                  <c:v>2.2179918000000001</c:v>
+                </c:pt>
+                <c:pt idx="15">
+                  <c:v>7.5165436000000002E-2</c:v>
+                </c:pt>
+                <c:pt idx="16">
+                  <c:v>7.3765323000232801</c:v>
+                </c:pt>
+                <c:pt idx="17">
+                  <c:v>1.9036674</c:v>
+                </c:pt>
+                <c:pt idx="18">
+                  <c:v>14.1668442349853</c:v>
+                </c:pt>
+                <c:pt idx="19">
+                  <c:v>7.4587700000000003</c:v>
+                </c:pt>
+                <c:pt idx="20">
+                  <c:v>1.9407483E-2</c:v>
+                </c:pt>
+                <c:pt idx="21">
+                  <c:v>5.4610956000000002E-2</c:v>
+                </c:pt>
+                <c:pt idx="22">
+                  <c:v>0</c:v>
+                </c:pt>
+                <c:pt idx="23">
+                  <c:v>1.8955476</c:v>
+                </c:pt>
+                <c:pt idx="24">
                   <c:v>0.111848034</c:v>
                 </c:pt>
-                <c:pt idx="1">
-                  <c:v>0.80100000000000005</c:v>
-                </c:pt>
-                <c:pt idx="2">
-                  <c:v>8.9497269999999993</c:v>
-                </c:pt>
-                <c:pt idx="3">
-                  <c:v>9.8000000000000004E-2</c:v>
-                </c:pt>
-                <c:pt idx="4">
-                  <c:v>3.8495729999999999</c:v>
-                </c:pt>
-                <c:pt idx="5">
-                  <c:v>5.7130000000000001</c:v>
-                </c:pt>
-                <c:pt idx="6">
-                  <c:v>13.2236595</c:v>
-                </c:pt>
-                <c:pt idx="7">
-                  <c:v>14.405811999999999</c:v>
-                </c:pt>
-                <c:pt idx="8">
-                  <c:v>1.8955476</c:v>
-                </c:pt>
-                <c:pt idx="9">
+                <c:pt idx="25">
+                  <c:v>0.83524719999999997</c:v>
+                </c:pt>
+                <c:pt idx="26">
                   <c:v>4.7999997000000003E-2</c:v>
                 </c:pt>
-                <c:pt idx="10">
-                  <c:v>1.0328774000000001</c:v>
-                </c:pt>
-                <c:pt idx="11">
-                  <c:v>3.2896771</c:v>
-                </c:pt>
-                <c:pt idx="12">
-                  <c:v>1.9407483E-2</c:v>
-                </c:pt>
-                <c:pt idx="13">
-                  <c:v>5.0000000000000001E-3</c:v>
-                </c:pt>
-                <c:pt idx="14">
-                  <c:v>1.6090914999999999</c:v>
-                </c:pt>
-                <c:pt idx="15">
-                  <c:v>1.7087971</c:v>
-                </c:pt>
-                <c:pt idx="16">
-                  <c:v>0.56511056000000004</c:v>
-                </c:pt>
-                <c:pt idx="17">
-                  <c:v>1.4525151999999999</c:v>
-                </c:pt>
-                <c:pt idx="18">
-                  <c:v>13.746771000000001</c:v>
-                </c:pt>
-                <c:pt idx="19">
-                  <c:v>12.942622</c:v>
-                </c:pt>
-                <c:pt idx="20">
-                  <c:v>1.2317967000000001</c:v>
-                </c:pt>
-                <c:pt idx="21">
-                  <c:v>0.38604369999999999</c:v>
-                </c:pt>
-                <c:pt idx="22">
-                  <c:v>13.662663999999999</c:v>
-                </c:pt>
-                <c:pt idx="23">
-                  <c:v>10.303621</c:v>
-                </c:pt>
-                <c:pt idx="24">
-                  <c:v>4.0035449999999999</c:v>
-                </c:pt>
-                <c:pt idx="25">
-                  <c:v>1.6678227000000001</c:v>
-                </c:pt>
-                <c:pt idx="26">
-                  <c:v>3.6541223999999999</c:v>
-                </c:pt>
                 <c:pt idx="27">
-                  <c:v>0.16781840000000001</c:v>
-                </c:pt>
-                <c:pt idx="28">
-                  <c:v>15.840717</c:v>
-                </c:pt>
-                <c:pt idx="29">
-                  <c:v>0.66901140000000003</c:v>
-                </c:pt>
-                <c:pt idx="30">
-                  <c:v>5.4610956000000002E-2</c:v>
-                </c:pt>
-                <c:pt idx="31">
-                  <c:v>1.7845040000000001</c:v>
-                </c:pt>
-                <c:pt idx="32">
-                  <c:v>1.2435944000000001</c:v>
-                </c:pt>
-                <c:pt idx="33">
-                  <c:v>6.6705923</c:v>
-                </c:pt>
-                <c:pt idx="34">
-                  <c:v>7.5165436000000002E-2</c:v>
-                </c:pt>
-                <c:pt idx="35">
-                  <c:v>7.4587700000000003</c:v>
-                </c:pt>
-                <c:pt idx="36">
-                  <c:v>4.7614590000000003</c:v>
-                </c:pt>
-                <c:pt idx="37">
-                  <c:v>0.63111424000000005</c:v>
-                </c:pt>
-                <c:pt idx="38">
-                  <c:v>20.972626000000002</c:v>
-                </c:pt>
-                <c:pt idx="39">
-                  <c:v>4.4084564E-2</c:v>
-                </c:pt>
-                <c:pt idx="40">
-                  <c:v>2.0330138</c:v>
-                </c:pt>
-                <c:pt idx="41">
-                  <c:v>1.9036674</c:v>
-                </c:pt>
-                <c:pt idx="42">
-                  <c:v>2.2179918000000001</c:v>
-                </c:pt>
-                <c:pt idx="43">
-                  <c:v>2.1743185999999999</c:v>
-                </c:pt>
-                <c:pt idx="44">
-                  <c:v>0.83524719999999997</c:v>
-                </c:pt>
-                <c:pt idx="45">
-                  <c:v>10.187163</c:v>
-                </c:pt>
-                <c:pt idx="46">
-                  <c:v>0.71180712999999995</c:v>
-                </c:pt>
-                <c:pt idx="47">
-                  <c:v>16.004549000000001</c:v>
-                </c:pt>
-                <c:pt idx="48">
-                  <c:v>10.820873000000001</c:v>
-                </c:pt>
-                <c:pt idx="49">
-                  <c:v>15.509688000000001</c:v>
-                </c:pt>
-                <c:pt idx="50">
-                  <c:v>1.9813848999999999</c:v>
-                </c:pt>
-                <c:pt idx="51">
-                  <c:v>0.35557538</c:v>
-                </c:pt>
-                <c:pt idx="52">
-                  <c:v>3.2528934</c:v>
+                  <c:v>0.76306668530116795</c:v>
                 </c:pt>
               </c:numCache>
             </c:numRef>
@@ -1215,335 +915,185 @@
           <c:invertIfNegative val="0"/>
           <c:cat>
             <c:strRef>
-              <c:f>Sheet1!$A$2:$A$54</c:f>
+              <c:f>Sheet1!$A$2:$A$29</c:f>
               <c:strCache>
-                <c:ptCount val="53"/>
+                <c:ptCount val="28"/>
                 <c:pt idx="0">
+                  <c:v>bzip2</c:v>
+                </c:pt>
+                <c:pt idx="1">
+                  <c:v>perlbench</c:v>
+                </c:pt>
+                <c:pt idx="2">
+                  <c:v>omnetpp</c:v>
+                </c:pt>
+                <c:pt idx="3">
+                  <c:v>calculix</c:v>
+                </c:pt>
+                <c:pt idx="4">
+                  <c:v>gobmk</c:v>
+                </c:pt>
+                <c:pt idx="5">
+                  <c:v>gcc</c:v>
+                </c:pt>
+                <c:pt idx="6">
+                  <c:v>zeusmp</c:v>
+                </c:pt>
+                <c:pt idx="7">
+                  <c:v>bwaves</c:v>
+                </c:pt>
+                <c:pt idx="8">
+                  <c:v>tonto</c:v>
+                </c:pt>
+                <c:pt idx="9">
+                  <c:v>gromacs</c:v>
+                </c:pt>
+                <c:pt idx="10">
+                  <c:v>astar</c:v>
+                </c:pt>
+                <c:pt idx="11">
+                  <c:v>cactusADM</c:v>
+                </c:pt>
+                <c:pt idx="12">
+                  <c:v>xalancbmk</c:v>
+                </c:pt>
+                <c:pt idx="13">
+                  <c:v>gamess</c:v>
+                </c:pt>
+                <c:pt idx="14">
+                  <c:v>sphinx3</c:v>
+                </c:pt>
+                <c:pt idx="15">
+                  <c:v>milc</c:v>
+                </c:pt>
+                <c:pt idx="16">
+                  <c:v>soplex</c:v>
+                </c:pt>
+                <c:pt idx="17">
+                  <c:v>povray</c:v>
+                </c:pt>
+                <c:pt idx="18">
+                  <c:v>hmmer</c:v>
+                </c:pt>
+                <c:pt idx="19">
+                  <c:v>sjeng</c:v>
+                </c:pt>
+                <c:pt idx="20">
+                  <c:v>libquantum</c:v>
+                </c:pt>
+                <c:pt idx="21">
+                  <c:v>leslie3d</c:v>
+                </c:pt>
+                <c:pt idx="22">
+                  <c:v>wrf</c:v>
+                </c:pt>
+                <c:pt idx="23">
+                  <c:v>namd</c:v>
+                </c:pt>
+                <c:pt idx="24">
                   <c:v>GemsFDTD</c:v>
                 </c:pt>
-                <c:pt idx="1">
-                  <c:v>perlbench_diffmail</c:v>
-                </c:pt>
-                <c:pt idx="2">
-                  <c:v>astar_biglakes</c:v>
-                </c:pt>
-                <c:pt idx="3">
-                  <c:v>bwaves</c:v>
-                </c:pt>
-                <c:pt idx="4">
-                  <c:v>soplex_ref</c:v>
-                </c:pt>
-                <c:pt idx="5">
-                  <c:v>omnetpp</c:v>
-                </c:pt>
-                <c:pt idx="6">
-                  <c:v>gobmk_score2</c:v>
-                </c:pt>
-                <c:pt idx="7">
-                  <c:v>hmmer_retro</c:v>
-                </c:pt>
-                <c:pt idx="8">
-                  <c:v>namd</c:v>
-                </c:pt>
-                <c:pt idx="9">
+                <c:pt idx="25">
+                  <c:v>dealII</c:v>
+                </c:pt>
+                <c:pt idx="26">
                   <c:v>lbm</c:v>
                 </c:pt>
-                <c:pt idx="10">
-                  <c:v>perlbench_splitmail</c:v>
-                </c:pt>
-                <c:pt idx="11">
-                  <c:v>gcc_scilab</c:v>
-                </c:pt>
-                <c:pt idx="12">
-                  <c:v>libquantum</c:v>
-                </c:pt>
-                <c:pt idx="13">
-                  <c:v>cactusADM</c:v>
-                </c:pt>
-                <c:pt idx="14">
-                  <c:v>gcc_166</c:v>
-                </c:pt>
-                <c:pt idx="15">
-                  <c:v>xalancbmk</c:v>
-                </c:pt>
-                <c:pt idx="16">
-                  <c:v>gamess_gradient</c:v>
-                </c:pt>
-                <c:pt idx="17">
-                  <c:v>gcc_s04</c:v>
-                </c:pt>
-                <c:pt idx="18">
-                  <c:v>gobmk_nngs</c:v>
-                </c:pt>
-                <c:pt idx="19">
-                  <c:v>gobmk_trevord</c:v>
-                </c:pt>
-                <c:pt idx="20">
-                  <c:v>h264ref_foreman</c:v>
-                </c:pt>
-                <c:pt idx="21">
-                  <c:v>gamess_triazolium</c:v>
-                </c:pt>
-                <c:pt idx="22">
-                  <c:v>hmmer_nph3</c:v>
-                </c:pt>
-                <c:pt idx="23">
-                  <c:v>bzip2_combined</c:v>
-                </c:pt>
-                <c:pt idx="24">
-                  <c:v>bzip2_html</c:v>
-                </c:pt>
-                <c:pt idx="25">
-                  <c:v>gromacs</c:v>
-                </c:pt>
-                <c:pt idx="26">
-                  <c:v>bzip2_chicken</c:v>
-                </c:pt>
                 <c:pt idx="27">
-                  <c:v>gcc_expr</c:v>
-                </c:pt>
-                <c:pt idx="28">
-                  <c:v>astar_rivers</c:v>
-                </c:pt>
-                <c:pt idx="29">
-                  <c:v>tonto</c:v>
-                </c:pt>
-                <c:pt idx="30">
-                  <c:v>leslie3d</c:v>
-                </c:pt>
-                <c:pt idx="31">
-                  <c:v>gcc_cpdecl</c:v>
-                </c:pt>
-                <c:pt idx="32">
-                  <c:v>gamess_cytosine</c:v>
-                </c:pt>
-                <c:pt idx="33">
-                  <c:v>bzip2_program</c:v>
-                </c:pt>
-                <c:pt idx="34">
-                  <c:v>milc</c:v>
-                </c:pt>
-                <c:pt idx="35">
-                  <c:v>sjeng</c:v>
-                </c:pt>
-                <c:pt idx="36">
-                  <c:v>gcc_200</c:v>
-                </c:pt>
-                <c:pt idx="37">
-                  <c:v>gcc_g23</c:v>
-                </c:pt>
-                <c:pt idx="38">
-                  <c:v>mcf</c:v>
-                </c:pt>
-                <c:pt idx="39">
-                  <c:v>zeusmp</c:v>
-                </c:pt>
-                <c:pt idx="40">
-                  <c:v>bzip2_liberty</c:v>
-                </c:pt>
-                <c:pt idx="41">
-                  <c:v>povray</c:v>
-                </c:pt>
-                <c:pt idx="42">
-                  <c:v>sphinx3</c:v>
-                </c:pt>
-                <c:pt idx="43">
-                  <c:v>gcc_expr2</c:v>
-                </c:pt>
-                <c:pt idx="44">
-                  <c:v>dealII</c:v>
-                </c:pt>
-                <c:pt idx="45">
-                  <c:v>bzip2_source</c:v>
-                </c:pt>
-                <c:pt idx="46">
-                  <c:v>h264ref_sss</c:v>
-                </c:pt>
-                <c:pt idx="47">
-                  <c:v>gobmk_13x13</c:v>
-                </c:pt>
-                <c:pt idx="48">
-                  <c:v>soplex_pds</c:v>
-                </c:pt>
-                <c:pt idx="49">
-                  <c:v>gobmk_trevorc</c:v>
-                </c:pt>
-                <c:pt idx="50">
-                  <c:v>gcc_typeck</c:v>
-                </c:pt>
-                <c:pt idx="51">
-                  <c:v>calculix</c:v>
-                </c:pt>
-                <c:pt idx="52">
-                  <c:v>perlbench_checkspam</c:v>
+                  <c:v>h264ref</c:v>
                 </c:pt>
               </c:strCache>
             </c:strRef>
           </c:cat>
           <c:val>
             <c:numRef>
-              <c:f>Sheet1!$B$2:$B$54</c:f>
+              <c:f>Sheet1!$B$2:$B$29</c:f>
               <c:numCache>
                 <c:formatCode>General</c:formatCode>
-                <c:ptCount val="53"/>
+                <c:ptCount val="28"/>
                 <c:pt idx="0">
+                  <c:v>3.52416652982199</c:v>
+                </c:pt>
+                <c:pt idx="1">
+                  <c:v>0.57473057908474801</c:v>
+                </c:pt>
+                <c:pt idx="2">
+                  <c:v>1.2643872</c:v>
+                </c:pt>
+                <c:pt idx="3">
+                  <c:v>4.4939651999999997E-2</c:v>
+                </c:pt>
+                <c:pt idx="4">
+                  <c:v>5.5977736828609999</c:v>
+                </c:pt>
+                <c:pt idx="5">
+                  <c:v>0.54746692687873999</c:v>
+                </c:pt>
+                <c:pt idx="6">
+                  <c:v>9.4709189999999995E-3</c:v>
+                </c:pt>
+                <c:pt idx="7">
+                  <c:v>1.322536E-3</c:v>
+                </c:pt>
+                <c:pt idx="8">
+                  <c:v>0.25580424000000002</c:v>
+                </c:pt>
+                <c:pt idx="9">
+                  <c:v>3.2775020000000001</c:v>
+                </c:pt>
+                <c:pt idx="10">
+                  <c:v>4.2294844014133002</c:v>
+                </c:pt>
+                <c:pt idx="11">
+                  <c:v>1.2309021</c:v>
+                </c:pt>
+                <c:pt idx="12">
+                  <c:v>0.37385249999999998</c:v>
+                </c:pt>
+                <c:pt idx="13">
+                  <c:v>0.30828509632928303</c:v>
+                </c:pt>
+                <c:pt idx="14">
+                  <c:v>1.5314527</c:v>
+                </c:pt>
+                <c:pt idx="15">
+                  <c:v>1.395969E-2</c:v>
+                </c:pt>
+                <c:pt idx="16">
+                  <c:v>3.18032067813252</c:v>
+                </c:pt>
+                <c:pt idx="17">
+                  <c:v>0.37415648000000001</c:v>
+                </c:pt>
+                <c:pt idx="18">
+                  <c:v>5.3231697383445598</c:v>
+                </c:pt>
+                <c:pt idx="19">
+                  <c:v>2.5065803999999998</c:v>
+                </c:pt>
+                <c:pt idx="20">
+                  <c:v>1.2973706E-2</c:v>
+                </c:pt>
+                <c:pt idx="21">
+                  <c:v>1.0795212E-2</c:v>
+                </c:pt>
+                <c:pt idx="22">
+                  <c:v>0</c:v>
+                </c:pt>
+                <c:pt idx="23">
+                  <c:v>2.5402882</c:v>
+                </c:pt>
+                <c:pt idx="24">
                   <c:v>1.9150550999999998E-2</c:v>
                 </c:pt>
-                <c:pt idx="1">
-                  <c:v>0.18533899000000001</c:v>
-                </c:pt>
-                <c:pt idx="2">
-                  <c:v>2.3524845000000001</c:v>
-                </c:pt>
-                <c:pt idx="3">
-                  <c:v>1.322536E-3</c:v>
-                </c:pt>
-                <c:pt idx="4">
-                  <c:v>1.6574247</c:v>
-                </c:pt>
-                <c:pt idx="5">
-                  <c:v>1.2643872</c:v>
-                </c:pt>
-                <c:pt idx="6">
-                  <c:v>5.0066147000000001</c:v>
-                </c:pt>
-                <c:pt idx="7">
-                  <c:v>5.1928010000000002</c:v>
-                </c:pt>
-                <c:pt idx="8">
-                  <c:v>2.5402882</c:v>
-                </c:pt>
-                <c:pt idx="9">
+                <c:pt idx="25">
+                  <c:v>0.57108959999999998</c:v>
+                </c:pt>
+                <c:pt idx="26">
                   <c:v>0.34893653000000002</c:v>
                 </c:pt>
-                <c:pt idx="10">
-                  <c:v>0.24849450000000001</c:v>
-                </c:pt>
-                <c:pt idx="11">
-                  <c:v>1.7200344000000001</c:v>
-                </c:pt>
-                <c:pt idx="12">
-                  <c:v>1.2973706E-2</c:v>
-                </c:pt>
-                <c:pt idx="13">
-                  <c:v>1.2309021</c:v>
-                </c:pt>
-                <c:pt idx="14">
-                  <c:v>0.33123399999999997</c:v>
-                </c:pt>
-                <c:pt idx="15">
-                  <c:v>0.37385249999999998</c:v>
-                </c:pt>
-                <c:pt idx="16">
-                  <c:v>0.27943414</c:v>
-                </c:pt>
-                <c:pt idx="17">
-                  <c:v>0.36943355</c:v>
-                </c:pt>
-                <c:pt idx="18">
-                  <c:v>5.2998605000000003</c:v>
-                </c:pt>
-                <c:pt idx="19">
-                  <c:v>5.5369289999999998</c:v>
-                </c:pt>
-                <c:pt idx="20">
-                  <c:v>0.84431772999999999</c:v>
-                </c:pt>
-                <c:pt idx="21">
-                  <c:v>0.22988132999999999</c:v>
-                </c:pt>
-                <c:pt idx="22">
-                  <c:v>5.5982250000000002</c:v>
-                </c:pt>
-                <c:pt idx="23">
-                  <c:v>5.4580773999999996</c:v>
-                </c:pt>
-                <c:pt idx="24">
-                  <c:v>2.6305013000000002</c:v>
-                </c:pt>
-                <c:pt idx="25">
-                  <c:v>3.2775020000000001</c:v>
-                </c:pt>
-                <c:pt idx="26">
-                  <c:v>1.9149689999999999</c:v>
-                </c:pt>
                 <c:pt idx="27">
-                  <c:v>2.6563834000000001E-2</c:v>
-                </c:pt>
-                <c:pt idx="28">
-                  <c:v>5.1265745000000003</c:v>
-                </c:pt>
-                <c:pt idx="29">
-                  <c:v>0.25580424000000002</c:v>
-                </c:pt>
-                <c:pt idx="30">
-                  <c:v>1.0795212E-2</c:v>
-                </c:pt>
-                <c:pt idx="31">
-                  <c:v>0.41910934</c:v>
-                </c:pt>
-                <c:pt idx="32">
-                  <c:v>0.4270331</c:v>
-                </c:pt>
-                <c:pt idx="33">
-                  <c:v>3.3886158000000002</c:v>
-                </c:pt>
-                <c:pt idx="34">
-                  <c:v>1.395969E-2</c:v>
-                </c:pt>
-                <c:pt idx="35">
-                  <c:v>2.5065803999999998</c:v>
-                </c:pt>
-                <c:pt idx="36">
-                  <c:v>1.3357724</c:v>
-                </c:pt>
-                <c:pt idx="37">
-                  <c:v>0.14766960000000001</c:v>
-                </c:pt>
-                <c:pt idx="38">
-                  <c:v>4.6170080000000002</c:v>
-                </c:pt>
-                <c:pt idx="39">
-                  <c:v>9.4709189999999995E-3</c:v>
-                </c:pt>
-                <c:pt idx="40">
-                  <c:v>1.0314897999999999</c:v>
-                </c:pt>
-                <c:pt idx="41">
-                  <c:v>0.37415648000000001</c:v>
-                </c:pt>
-                <c:pt idx="42">
-                  <c:v>1.5314527</c:v>
-                </c:pt>
-                <c:pt idx="43">
-                  <c:v>0.62405100000000002</c:v>
-                </c:pt>
-                <c:pt idx="44">
-                  <c:v>0.57108959999999998</c:v>
-                </c:pt>
-                <c:pt idx="45">
-                  <c:v>5.9025464000000003</c:v>
-                </c:pt>
-                <c:pt idx="46">
-                  <c:v>0.60715973000000001</c:v>
-                </c:pt>
-                <c:pt idx="47">
-                  <c:v>6.5972986000000002</c:v>
-                </c:pt>
-                <c:pt idx="48">
-                  <c:v>4.6675430000000002</c:v>
-                </c:pt>
-                <c:pt idx="49">
-                  <c:v>6.2696399999999999</c:v>
-                </c:pt>
-                <c:pt idx="50">
-                  <c:v>0.51320330000000003</c:v>
-                </c:pt>
-                <c:pt idx="51">
-                  <c:v>4.4939651999999997E-2</c:v>
-                </c:pt>
-                <c:pt idx="52">
-                  <c:v>0.91089719999999996</c:v>
+                  <c:v>0.630538302028117</c:v>
                 </c:pt>
               </c:numCache>
             </c:numRef>
@@ -1580,335 +1130,185 @@
           <c:invertIfNegative val="0"/>
           <c:cat>
             <c:strRef>
-              <c:f>Sheet1!$A$2:$A$54</c:f>
+              <c:f>Sheet1!$A$2:$A$29</c:f>
               <c:strCache>
-                <c:ptCount val="53"/>
+                <c:ptCount val="28"/>
                 <c:pt idx="0">
+                  <c:v>bzip2</c:v>
+                </c:pt>
+                <c:pt idx="1">
+                  <c:v>perlbench</c:v>
+                </c:pt>
+                <c:pt idx="2">
+                  <c:v>omnetpp</c:v>
+                </c:pt>
+                <c:pt idx="3">
+                  <c:v>calculix</c:v>
+                </c:pt>
+                <c:pt idx="4">
+                  <c:v>gobmk</c:v>
+                </c:pt>
+                <c:pt idx="5">
+                  <c:v>gcc</c:v>
+                </c:pt>
+                <c:pt idx="6">
+                  <c:v>zeusmp</c:v>
+                </c:pt>
+                <c:pt idx="7">
+                  <c:v>bwaves</c:v>
+                </c:pt>
+                <c:pt idx="8">
+                  <c:v>tonto</c:v>
+                </c:pt>
+                <c:pt idx="9">
+                  <c:v>gromacs</c:v>
+                </c:pt>
+                <c:pt idx="10">
+                  <c:v>astar</c:v>
+                </c:pt>
+                <c:pt idx="11">
+                  <c:v>cactusADM</c:v>
+                </c:pt>
+                <c:pt idx="12">
+                  <c:v>xalancbmk</c:v>
+                </c:pt>
+                <c:pt idx="13">
+                  <c:v>gamess</c:v>
+                </c:pt>
+                <c:pt idx="14">
+                  <c:v>sphinx3</c:v>
+                </c:pt>
+                <c:pt idx="15">
+                  <c:v>milc</c:v>
+                </c:pt>
+                <c:pt idx="16">
+                  <c:v>soplex</c:v>
+                </c:pt>
+                <c:pt idx="17">
+                  <c:v>povray</c:v>
+                </c:pt>
+                <c:pt idx="18">
+                  <c:v>hmmer</c:v>
+                </c:pt>
+                <c:pt idx="19">
+                  <c:v>sjeng</c:v>
+                </c:pt>
+                <c:pt idx="20">
+                  <c:v>libquantum</c:v>
+                </c:pt>
+                <c:pt idx="21">
+                  <c:v>leslie3d</c:v>
+                </c:pt>
+                <c:pt idx="22">
+                  <c:v>wrf</c:v>
+                </c:pt>
+                <c:pt idx="23">
+                  <c:v>namd</c:v>
+                </c:pt>
+                <c:pt idx="24">
                   <c:v>GemsFDTD</c:v>
                 </c:pt>
-                <c:pt idx="1">
-                  <c:v>perlbench_diffmail</c:v>
-                </c:pt>
-                <c:pt idx="2">
-                  <c:v>astar_biglakes</c:v>
-                </c:pt>
-                <c:pt idx="3">
-                  <c:v>bwaves</c:v>
-                </c:pt>
-                <c:pt idx="4">
-                  <c:v>soplex_ref</c:v>
-                </c:pt>
-                <c:pt idx="5">
-                  <c:v>omnetpp</c:v>
-                </c:pt>
-                <c:pt idx="6">
-                  <c:v>gobmk_score2</c:v>
-                </c:pt>
-                <c:pt idx="7">
-                  <c:v>hmmer_retro</c:v>
-                </c:pt>
-                <c:pt idx="8">
-                  <c:v>namd</c:v>
-                </c:pt>
-                <c:pt idx="9">
+                <c:pt idx="25">
+                  <c:v>dealII</c:v>
+                </c:pt>
+                <c:pt idx="26">
                   <c:v>lbm</c:v>
                 </c:pt>
-                <c:pt idx="10">
-                  <c:v>perlbench_splitmail</c:v>
-                </c:pt>
-                <c:pt idx="11">
-                  <c:v>gcc_scilab</c:v>
-                </c:pt>
-                <c:pt idx="12">
-                  <c:v>libquantum</c:v>
-                </c:pt>
-                <c:pt idx="13">
-                  <c:v>cactusADM</c:v>
-                </c:pt>
-                <c:pt idx="14">
-                  <c:v>gcc_166</c:v>
-                </c:pt>
-                <c:pt idx="15">
-                  <c:v>xalancbmk</c:v>
-                </c:pt>
-                <c:pt idx="16">
-                  <c:v>gamess_gradient</c:v>
-                </c:pt>
-                <c:pt idx="17">
-                  <c:v>gcc_s04</c:v>
-                </c:pt>
-                <c:pt idx="18">
-                  <c:v>gobmk_nngs</c:v>
-                </c:pt>
-                <c:pt idx="19">
-                  <c:v>gobmk_trevord</c:v>
-                </c:pt>
-                <c:pt idx="20">
-                  <c:v>h264ref_foreman</c:v>
-                </c:pt>
-                <c:pt idx="21">
-                  <c:v>gamess_triazolium</c:v>
-                </c:pt>
-                <c:pt idx="22">
-                  <c:v>hmmer_nph3</c:v>
-                </c:pt>
-                <c:pt idx="23">
-                  <c:v>bzip2_combined</c:v>
-                </c:pt>
-                <c:pt idx="24">
-                  <c:v>bzip2_html</c:v>
-                </c:pt>
-                <c:pt idx="25">
-                  <c:v>gromacs</c:v>
-                </c:pt>
-                <c:pt idx="26">
-                  <c:v>bzip2_chicken</c:v>
-                </c:pt>
                 <c:pt idx="27">
-                  <c:v>gcc_expr</c:v>
-                </c:pt>
-                <c:pt idx="28">
-                  <c:v>astar_rivers</c:v>
-                </c:pt>
-                <c:pt idx="29">
-                  <c:v>tonto</c:v>
-                </c:pt>
-                <c:pt idx="30">
-                  <c:v>leslie3d</c:v>
-                </c:pt>
-                <c:pt idx="31">
-                  <c:v>gcc_cpdecl</c:v>
-                </c:pt>
-                <c:pt idx="32">
-                  <c:v>gamess_cytosine</c:v>
-                </c:pt>
-                <c:pt idx="33">
-                  <c:v>bzip2_program</c:v>
-                </c:pt>
-                <c:pt idx="34">
-                  <c:v>milc</c:v>
-                </c:pt>
-                <c:pt idx="35">
-                  <c:v>sjeng</c:v>
-                </c:pt>
-                <c:pt idx="36">
-                  <c:v>gcc_200</c:v>
-                </c:pt>
-                <c:pt idx="37">
-                  <c:v>gcc_g23</c:v>
-                </c:pt>
-                <c:pt idx="38">
-                  <c:v>mcf</c:v>
-                </c:pt>
-                <c:pt idx="39">
-                  <c:v>zeusmp</c:v>
-                </c:pt>
-                <c:pt idx="40">
-                  <c:v>bzip2_liberty</c:v>
-                </c:pt>
-                <c:pt idx="41">
-                  <c:v>povray</c:v>
-                </c:pt>
-                <c:pt idx="42">
-                  <c:v>sphinx3</c:v>
-                </c:pt>
-                <c:pt idx="43">
-                  <c:v>gcc_expr2</c:v>
-                </c:pt>
-                <c:pt idx="44">
-                  <c:v>dealII</c:v>
-                </c:pt>
-                <c:pt idx="45">
-                  <c:v>bzip2_source</c:v>
-                </c:pt>
-                <c:pt idx="46">
-                  <c:v>h264ref_sss</c:v>
-                </c:pt>
-                <c:pt idx="47">
-                  <c:v>gobmk_13x13</c:v>
-                </c:pt>
-                <c:pt idx="48">
-                  <c:v>soplex_pds</c:v>
-                </c:pt>
-                <c:pt idx="49">
-                  <c:v>gobmk_trevorc</c:v>
-                </c:pt>
-                <c:pt idx="50">
-                  <c:v>gcc_typeck</c:v>
-                </c:pt>
-                <c:pt idx="51">
-                  <c:v>calculix</c:v>
-                </c:pt>
-                <c:pt idx="52">
-                  <c:v>perlbench_checkspam</c:v>
+                  <c:v>h264ref</c:v>
                 </c:pt>
               </c:strCache>
             </c:strRef>
           </c:cat>
           <c:val>
             <c:numRef>
-              <c:f>Sheet1!$C$2:$C$54</c:f>
+              <c:f>Sheet1!$C$2:$C$29</c:f>
               <c:numCache>
                 <c:formatCode>General</c:formatCode>
-                <c:ptCount val="53"/>
+                <c:ptCount val="28"/>
                 <c:pt idx="0">
+                  <c:v>2.51010837864253</c:v>
+                </c:pt>
+                <c:pt idx="1">
+                  <c:v>0.63363216495483898</c:v>
+                </c:pt>
+                <c:pt idx="2">
+                  <c:v>1.209592</c:v>
+                </c:pt>
+                <c:pt idx="3">
+                  <c:v>0.26009633999999998</c:v>
+                </c:pt>
+                <c:pt idx="4">
+                  <c:v>4.7584778028770502</c:v>
+                </c:pt>
+                <c:pt idx="5">
+                  <c:v>0.52147678595369196</c:v>
+                </c:pt>
+                <c:pt idx="6">
+                  <c:v>9.2442683999999997E-2</c:v>
+                </c:pt>
+                <c:pt idx="7">
+                  <c:v>0.10315781</c:v>
+                </c:pt>
+                <c:pt idx="8">
+                  <c:v>0.41064715000000002</c:v>
+                </c:pt>
+                <c:pt idx="9">
+                  <c:v>1.9424782</c:v>
+                </c:pt>
+                <c:pt idx="10">
+                  <c:v>3.9269763719573101</c:v>
+                </c:pt>
+                <c:pt idx="11">
+                  <c:v>0.2768294</c:v>
+                </c:pt>
+                <c:pt idx="12">
+                  <c:v>0.31331098000000002</c:v>
+                </c:pt>
+                <c:pt idx="13">
+                  <c:v>0.57017105023808701</c:v>
+                </c:pt>
+                <c:pt idx="14">
+                  <c:v>1.2651920000000001</c:v>
+                </c:pt>
+                <c:pt idx="15">
+                  <c:v>5.7646629999999997E-2</c:v>
+                </c:pt>
+                <c:pt idx="16">
+                  <c:v>2.4207688831805698</c:v>
+                </c:pt>
+                <c:pt idx="17">
+                  <c:v>0.67883919999999998</c:v>
+                </c:pt>
+                <c:pt idx="18">
+                  <c:v>4.6268154148786698</c:v>
+                </c:pt>
+                <c:pt idx="19">
+                  <c:v>2.2046429999999999</c:v>
+                </c:pt>
+                <c:pt idx="20">
+                  <c:v>3.1123343000000001E-3</c:v>
+                </c:pt>
+                <c:pt idx="21">
+                  <c:v>4.5779581999999999E-2</c:v>
+                </c:pt>
+                <c:pt idx="22">
+                  <c:v>0</c:v>
+                </c:pt>
+                <c:pt idx="23">
+                  <c:v>1.8129896000000001</c:v>
+                </c:pt>
+                <c:pt idx="24">
                   <c:v>0.23388094000000001</c:v>
                 </c:pt>
-                <c:pt idx="1">
-                  <c:v>0.264936</c:v>
-                </c:pt>
-                <c:pt idx="2">
-                  <c:v>2.5353916000000001</c:v>
-                </c:pt>
-                <c:pt idx="3">
-                  <c:v>0.10315781</c:v>
-                </c:pt>
-                <c:pt idx="4">
-                  <c:v>1.4633267999999999</c:v>
-                </c:pt>
-                <c:pt idx="5">
-                  <c:v>1.209592</c:v>
-                </c:pt>
-                <c:pt idx="6">
-                  <c:v>4.3229509999999998</c:v>
-                </c:pt>
-                <c:pt idx="7">
-                  <c:v>4.4920964000000003</c:v>
-                </c:pt>
-                <c:pt idx="8">
-                  <c:v>1.8129896000000001</c:v>
-                </c:pt>
-                <c:pt idx="9">
+                <c:pt idx="25">
+                  <c:v>0.44196187999999997</c:v>
+                </c:pt>
+                <c:pt idx="26">
                   <c:v>0.22779237999999999</c:v>
                 </c:pt>
-                <c:pt idx="10">
-                  <c:v>0.30507951999999999</c:v>
-                </c:pt>
-                <c:pt idx="11">
-                  <c:v>0.95083105999999995</c:v>
-                </c:pt>
-                <c:pt idx="12">
-                  <c:v>3.1123343000000001E-3</c:v>
-                </c:pt>
-                <c:pt idx="13">
-                  <c:v>0.2768294</c:v>
-                </c:pt>
-                <c:pt idx="14">
-                  <c:v>0.39143403999999998</c:v>
-                </c:pt>
-                <c:pt idx="15">
-                  <c:v>0.31331098000000002</c:v>
-                </c:pt>
-                <c:pt idx="16">
-                  <c:v>0.49609908000000003</c:v>
-                </c:pt>
-                <c:pt idx="17">
-                  <c:v>0.43125724999999998</c:v>
-                </c:pt>
-                <c:pt idx="18">
-                  <c:v>4.6523924000000001</c:v>
-                </c:pt>
-                <c:pt idx="19">
-                  <c:v>4.5940539999999999</c:v>
-                </c:pt>
-                <c:pt idx="20">
-                  <c:v>0.78198100000000004</c:v>
-                </c:pt>
-                <c:pt idx="21">
-                  <c:v>0.37028601999999999</c:v>
-                </c:pt>
-                <c:pt idx="22">
-                  <c:v>4.9110490000000002</c:v>
-                </c:pt>
-                <c:pt idx="23">
-                  <c:v>3.9751356000000002</c:v>
-                </c:pt>
-                <c:pt idx="24">
-                  <c:v>1.8673251</c:v>
-                </c:pt>
-                <c:pt idx="25">
-                  <c:v>1.9424782</c:v>
-                </c:pt>
-                <c:pt idx="26">
-                  <c:v>1.2812271</c:v>
-                </c:pt>
                 <c:pt idx="27">
-                  <c:v>3.5262710000000003E-2</c:v>
-                </c:pt>
-                <c:pt idx="28">
-                  <c:v>4.5920680000000003</c:v>
-                </c:pt>
-                <c:pt idx="29">
-                  <c:v>0.41064715000000002</c:v>
-                </c:pt>
-                <c:pt idx="30">
-                  <c:v>4.5779581999999999E-2</c:v>
-                </c:pt>
-                <c:pt idx="31">
-                  <c:v>0.51758000000000004</c:v>
-                </c:pt>
-                <c:pt idx="32">
-                  <c:v>0.87466259999999996</c:v>
-                </c:pt>
-                <c:pt idx="33">
-                  <c:v>2.5162108000000001</c:v>
-                </c:pt>
-                <c:pt idx="34">
-                  <c:v>5.7646629999999997E-2</c:v>
-                </c:pt>
-                <c:pt idx="35">
-                  <c:v>2.2046429999999999</c:v>
-                </c:pt>
-                <c:pt idx="36">
-                  <c:v>1.1853541999999999</c:v>
-                </c:pt>
-                <c:pt idx="37">
-                  <c:v>0.22359499999999999</c:v>
-                </c:pt>
-                <c:pt idx="38">
-                  <c:v>4.2991149999999996</c:v>
-                </c:pt>
-                <c:pt idx="39">
-                  <c:v>9.2442683999999997E-2</c:v>
-                </c:pt>
-                <c:pt idx="40">
-                  <c:v>0.64034926999999997</c:v>
-                </c:pt>
-                <c:pt idx="41">
-                  <c:v>0.67883919999999998</c:v>
-                </c:pt>
-                <c:pt idx="42">
-                  <c:v>1.2651920000000001</c:v>
-                </c:pt>
-                <c:pt idx="43">
-                  <c:v>0.59007186</c:v>
-                </c:pt>
-                <c:pt idx="44">
-                  <c:v>0.44196187999999997</c:v>
-                </c:pt>
-                <c:pt idx="45">
-                  <c:v>4.1165599999999998</c:v>
-                </c:pt>
-                <c:pt idx="46">
-                  <c:v>0.53349360000000001</c:v>
-                </c:pt>
-                <c:pt idx="47">
-                  <c:v>5.1299510000000001</c:v>
-                </c:pt>
-                <c:pt idx="48">
-                  <c:v>3.3557830000000002</c:v>
-                </c:pt>
-                <c:pt idx="49">
-                  <c:v>5.4847783999999997</c:v>
-                </c:pt>
-                <c:pt idx="50">
-                  <c:v>0.52764440000000001</c:v>
-                </c:pt>
-                <c:pt idx="51">
-                  <c:v>0.26009633999999998</c:v>
-                </c:pt>
-                <c:pt idx="52">
-                  <c:v>0.96364839999999996</c:v>
+                  <c:v>0.557989002132669</c:v>
                 </c:pt>
               </c:numCache>
             </c:numRef>
@@ -6425,7 +5825,7 @@
           <p:nvPr>
             <p:extLst>
               <p:ext uri="{D42A27DB-BD31-4B8C-83A1-F6EECF244321}">
-                <p14:modId xmlns:p14="http://schemas.microsoft.com/office/powerpoint/2010/main" val="3414132468"/>
+                <p14:modId xmlns:p14="http://schemas.microsoft.com/office/powerpoint/2010/main" val="1458674157"/>
               </p:ext>
             </p:extLst>
           </p:nvPr>
@@ -6483,7 +5883,7 @@
           <p:nvPr>
             <p:extLst>
               <p:ext uri="{D42A27DB-BD31-4B8C-83A1-F6EECF244321}">
-                <p14:modId xmlns:p14="http://schemas.microsoft.com/office/powerpoint/2010/main" val="3954930242"/>
+                <p14:modId xmlns:p14="http://schemas.microsoft.com/office/powerpoint/2010/main" val="2087069110"/>
               </p:ext>
             </p:extLst>
           </p:nvPr>

--- a/graph.pptx
+++ b/graph.pptx
@@ -6,7 +6,8 @@
   </p:sldMasterIdLst>
   <p:sldIdLst>
     <p:sldId id="256" r:id="rId2"/>
-    <p:sldId id="257" r:id="rId3"/>
+    <p:sldId id="258" r:id="rId3"/>
+    <p:sldId id="257" r:id="rId4"/>
   </p:sldIdLst>
   <p:sldSz cx="12192000" cy="6858000"/>
   <p:notesSz cx="6858000" cy="9144000"/>
@@ -198,7 +199,7 @@
               <c:strCache>
                 <c:ptCount val="1"/>
                 <c:pt idx="0">
-                  <c:v>stream tage</c:v>
+                  <c:v>解耦合式前端</c:v>
                 </c:pt>
               </c:strCache>
             </c:strRef>
@@ -215,335 +216,53 @@
           <c:invertIfNegative val="0"/>
           <c:cat>
             <c:strRef>
-              <c:f>Sheet1!$A$2:$A$54</c:f>
+              <c:f>Sheet1!$A$2:$A$7</c:f>
               <c:strCache>
-                <c:ptCount val="53"/>
+                <c:ptCount val="6"/>
                 <c:pt idx="0">
-                  <c:v>GemsFDTD</c:v>
+                  <c:v>gcc_scilab</c:v>
                 </c:pt>
                 <c:pt idx="1">
-                  <c:v>perlbench_diffmail</c:v>
+                  <c:v>soplex_pds</c:v>
                 </c:pt>
                 <c:pt idx="2">
-                  <c:v>astar_biglakes</c:v>
+                  <c:v>bwaves</c:v>
                 </c:pt>
                 <c:pt idx="3">
-                  <c:v>bwaves</c:v>
+                  <c:v>mcf</c:v>
                 </c:pt>
                 <c:pt idx="4">
-                  <c:v>soplex_ref</c:v>
+                  <c:v>gcc_expr2</c:v>
                 </c:pt>
                 <c:pt idx="5">
-                  <c:v>omnetpp</c:v>
-                </c:pt>
-                <c:pt idx="6">
-                  <c:v>gobmk_score2</c:v>
-                </c:pt>
-                <c:pt idx="7">
-                  <c:v>hmmer_retro</c:v>
-                </c:pt>
-                <c:pt idx="8">
-                  <c:v>namd</c:v>
-                </c:pt>
-                <c:pt idx="9">
-                  <c:v>lbm</c:v>
-                </c:pt>
-                <c:pt idx="10">
-                  <c:v>perlbench_splitmail</c:v>
-                </c:pt>
-                <c:pt idx="11">
-                  <c:v>gcc_scilab</c:v>
-                </c:pt>
-                <c:pt idx="12">
-                  <c:v>libquantum</c:v>
-                </c:pt>
-                <c:pt idx="13">
-                  <c:v>cactusADM</c:v>
-                </c:pt>
-                <c:pt idx="14">
-                  <c:v>gcc_166</c:v>
-                </c:pt>
-                <c:pt idx="15">
-                  <c:v>xalancbmk</c:v>
-                </c:pt>
-                <c:pt idx="16">
-                  <c:v>gamess_gradient</c:v>
-                </c:pt>
-                <c:pt idx="17">
-                  <c:v>gcc_s04</c:v>
-                </c:pt>
-                <c:pt idx="18">
-                  <c:v>gobmk_nngs</c:v>
-                </c:pt>
-                <c:pt idx="19">
-                  <c:v>gobmk_trevord</c:v>
-                </c:pt>
-                <c:pt idx="20">
-                  <c:v>h264ref_foreman</c:v>
-                </c:pt>
-                <c:pt idx="21">
-                  <c:v>gamess_triazolium</c:v>
-                </c:pt>
-                <c:pt idx="22">
-                  <c:v>hmmer_nph3</c:v>
-                </c:pt>
-                <c:pt idx="23">
-                  <c:v>bzip2_combined</c:v>
-                </c:pt>
-                <c:pt idx="24">
-                  <c:v>bzip2_html</c:v>
-                </c:pt>
-                <c:pt idx="25">
-                  <c:v>gromacs</c:v>
-                </c:pt>
-                <c:pt idx="26">
-                  <c:v>bzip2_chicken</c:v>
-                </c:pt>
-                <c:pt idx="27">
-                  <c:v>gcc_expr</c:v>
-                </c:pt>
-                <c:pt idx="28">
-                  <c:v>astar_rivers</c:v>
-                </c:pt>
-                <c:pt idx="29">
-                  <c:v>tonto</c:v>
-                </c:pt>
-                <c:pt idx="30">
-                  <c:v>leslie3d</c:v>
-                </c:pt>
-                <c:pt idx="31">
-                  <c:v>gcc_cpdecl</c:v>
-                </c:pt>
-                <c:pt idx="32">
-                  <c:v>gamess_cytosine</c:v>
-                </c:pt>
-                <c:pt idx="33">
-                  <c:v>bzip2_program</c:v>
-                </c:pt>
-                <c:pt idx="34">
-                  <c:v>milc</c:v>
-                </c:pt>
-                <c:pt idx="35">
-                  <c:v>sjeng</c:v>
-                </c:pt>
-                <c:pt idx="36">
-                  <c:v>gcc_200</c:v>
-                </c:pt>
-                <c:pt idx="37">
-                  <c:v>gcc_g23</c:v>
-                </c:pt>
-                <c:pt idx="38">
-                  <c:v>mcf</c:v>
-                </c:pt>
-                <c:pt idx="39">
-                  <c:v>zeusmp</c:v>
-                </c:pt>
-                <c:pt idx="40">
-                  <c:v>bzip2_liberty</c:v>
-                </c:pt>
-                <c:pt idx="41">
-                  <c:v>povray</c:v>
-                </c:pt>
-                <c:pt idx="42">
-                  <c:v>sphinx3</c:v>
-                </c:pt>
-                <c:pt idx="43">
-                  <c:v>gcc_expr2</c:v>
-                </c:pt>
-                <c:pt idx="44">
-                  <c:v>dealII</c:v>
-                </c:pt>
-                <c:pt idx="45">
-                  <c:v>bzip2_source</c:v>
-                </c:pt>
-                <c:pt idx="46">
-                  <c:v>h264ref_sss</c:v>
-                </c:pt>
-                <c:pt idx="47">
-                  <c:v>gobmk_13x13</c:v>
-                </c:pt>
-                <c:pt idx="48">
-                  <c:v>soplex_pds</c:v>
-                </c:pt>
-                <c:pt idx="49">
-                  <c:v>gobmk_trevorc</c:v>
-                </c:pt>
-                <c:pt idx="50">
-                  <c:v>gcc_typeck</c:v>
-                </c:pt>
-                <c:pt idx="51">
-                  <c:v>calculix</c:v>
-                </c:pt>
-                <c:pt idx="52">
-                  <c:v>perlbench_checkspam</c:v>
+                  <c:v>soplex_ref</c:v>
                 </c:pt>
               </c:strCache>
             </c:strRef>
           </c:cat>
           <c:val>
             <c:numRef>
-              <c:f>Sheet1!$B$2:$B$54</c:f>
+              <c:f>Sheet1!$B$2:$B$7</c:f>
               <c:numCache>
                 <c:formatCode>General</c:formatCode>
-                <c:ptCount val="53"/>
+                <c:ptCount val="6"/>
                 <c:pt idx="0">
-                  <c:v>2.8337251000000001E-2</c:v>
+                  <c:v>22.292937999999999</c:v>
                 </c:pt>
                 <c:pt idx="1">
-                  <c:v>0.55899995999999996</c:v>
+                  <c:v>25.863738999999999</c:v>
                 </c:pt>
                 <c:pt idx="2">
-                  <c:v>8.2114370000000001</c:v>
+                  <c:v>1.6129998999999999</c:v>
                 </c:pt>
                 <c:pt idx="3">
-                  <c:v>9.9999989999999999E-4</c:v>
+                  <c:v>42.272747000000003</c:v>
                 </c:pt>
                 <c:pt idx="4">
-                  <c:v>4.3677210000000004</c:v>
+                  <c:v>7.2543553999999997</c:v>
                 </c:pt>
                 <c:pt idx="5">
-                  <c:v>5.97</c:v>
-                </c:pt>
-                <c:pt idx="6">
-                  <c:v>15.338768</c:v>
-                </c:pt>
-                <c:pt idx="7">
-                  <c:v>16.65258</c:v>
-                </c:pt>
-                <c:pt idx="8">
-                  <c:v>2.6316147000000001</c:v>
-                </c:pt>
-                <c:pt idx="9">
-                  <c:v>7.3999990000000002E-2</c:v>
-                </c:pt>
-                <c:pt idx="10">
-                  <c:v>0.81695485000000001</c:v>
-                </c:pt>
-                <c:pt idx="11">
-                  <c:v>5.953068</c:v>
-                </c:pt>
-                <c:pt idx="12">
-                  <c:v>8.0504279999999998E-2</c:v>
-                </c:pt>
-                <c:pt idx="13">
-                  <c:v>2.1999999999999999E-2</c:v>
-                </c:pt>
-                <c:pt idx="14">
-                  <c:v>1.3577002</c:v>
-                </c:pt>
-                <c:pt idx="15">
-                  <c:v>2.0359492000000001</c:v>
-                </c:pt>
-                <c:pt idx="16">
-                  <c:v>0.31978879999999998</c:v>
-                </c:pt>
-                <c:pt idx="17">
-                  <c:v>1.2309068000000001</c:v>
-                </c:pt>
-                <c:pt idx="18">
-                  <c:v>15.728104</c:v>
-                </c:pt>
-                <c:pt idx="19">
-                  <c:v>15.701649</c:v>
-                </c:pt>
-                <c:pt idx="20">
-                  <c:v>1.330173</c:v>
-                </c:pt>
-                <c:pt idx="21">
-                  <c:v>0.23608080000000001</c:v>
-                </c:pt>
-                <c:pt idx="22">
-                  <c:v>15.574445000000001</c:v>
-                </c:pt>
-                <c:pt idx="23">
-                  <c:v>14.048555</c:v>
-                </c:pt>
-                <c:pt idx="24">
-                  <c:v>5.6446430000000003</c:v>
-                </c:pt>
-                <c:pt idx="25">
-                  <c:v>2.2446654000000001</c:v>
-                </c:pt>
-                <c:pt idx="26">
-                  <c:v>5.5838264999999998</c:v>
-                </c:pt>
-                <c:pt idx="27">
-                  <c:v>0.12729190000000001</c:v>
-                </c:pt>
-                <c:pt idx="28">
-                  <c:v>17.711945</c:v>
-                </c:pt>
-                <c:pt idx="29">
-                  <c:v>0.40822464000000003</c:v>
-                </c:pt>
-                <c:pt idx="30">
-                  <c:v>1.2837596999999999E-2</c:v>
-                </c:pt>
-                <c:pt idx="31">
-                  <c:v>1.4152948000000001</c:v>
-                </c:pt>
-                <c:pt idx="32">
-                  <c:v>0.60887146000000003</c:v>
-                </c:pt>
-                <c:pt idx="33">
-                  <c:v>9.0580409999999993</c:v>
-                </c:pt>
-                <c:pt idx="34">
-                  <c:v>1.8240076000000001E-2</c:v>
-                </c:pt>
-                <c:pt idx="35">
-                  <c:v>8.4827779999999997</c:v>
-                </c:pt>
-                <c:pt idx="36">
-                  <c:v>5.3595499999999996</c:v>
-                </c:pt>
-                <c:pt idx="37">
-                  <c:v>0.42937123999999999</c:v>
-                </c:pt>
-                <c:pt idx="38">
-                  <c:v>22.160806999999998</c:v>
-                </c:pt>
-                <c:pt idx="39">
-                  <c:v>3.4646858000000002E-3</c:v>
-                </c:pt>
-                <c:pt idx="40">
-                  <c:v>3.2733561999999998</c:v>
-                </c:pt>
-                <c:pt idx="41">
-                  <c:v>1.0478272</c:v>
-                </c:pt>
-                <c:pt idx="42">
-                  <c:v>2.6845734000000001</c:v>
-                </c:pt>
-                <c:pt idx="43">
-                  <c:v>2.2909293000000002</c:v>
-                </c:pt>
-                <c:pt idx="44">
-                  <c:v>1.0966834000000001</c:v>
-                </c:pt>
-                <c:pt idx="45">
-                  <c:v>14.502991</c:v>
-                </c:pt>
-                <c:pt idx="46">
-                  <c:v>0.80999770000000004</c:v>
-                </c:pt>
-                <c:pt idx="47">
-                  <c:v>20.544138</c:v>
-                </c:pt>
-                <c:pt idx="48">
-                  <c:v>15.04987</c:v>
-                </c:pt>
-                <c:pt idx="49">
-                  <c:v>17.813139</c:v>
-                </c:pt>
-                <c:pt idx="50">
-                  <c:v>1.9197934999999999</c:v>
-                </c:pt>
-                <c:pt idx="51">
-                  <c:v>6.1122976000000002E-2</c:v>
-                </c:pt>
-                <c:pt idx="52">
-                  <c:v>3.0746609999999999</c:v>
+                  <c:v>10.061024</c:v>
                 </c:pt>
               </c:numCache>
             </c:numRef>
@@ -563,7 +282,7 @@
               <c:strCache>
                 <c:ptCount val="1"/>
                 <c:pt idx="0">
-                  <c:v>coupled</c:v>
+                  <c:v>紧耦合式前端</c:v>
                 </c:pt>
               </c:strCache>
             </c:strRef>
@@ -580,335 +299,53 @@
           <c:invertIfNegative val="0"/>
           <c:cat>
             <c:strRef>
-              <c:f>Sheet1!$A$2:$A$54</c:f>
+              <c:f>Sheet1!$A$2:$A$7</c:f>
               <c:strCache>
-                <c:ptCount val="53"/>
+                <c:ptCount val="6"/>
                 <c:pt idx="0">
-                  <c:v>GemsFDTD</c:v>
+                  <c:v>gcc_scilab</c:v>
                 </c:pt>
                 <c:pt idx="1">
-                  <c:v>perlbench_diffmail</c:v>
+                  <c:v>soplex_pds</c:v>
                 </c:pt>
                 <c:pt idx="2">
-                  <c:v>astar_biglakes</c:v>
+                  <c:v>bwaves</c:v>
                 </c:pt>
                 <c:pt idx="3">
-                  <c:v>bwaves</c:v>
+                  <c:v>mcf</c:v>
                 </c:pt>
                 <c:pt idx="4">
-                  <c:v>soplex_ref</c:v>
+                  <c:v>gcc_expr2</c:v>
                 </c:pt>
                 <c:pt idx="5">
-                  <c:v>omnetpp</c:v>
-                </c:pt>
-                <c:pt idx="6">
-                  <c:v>gobmk_score2</c:v>
-                </c:pt>
-                <c:pt idx="7">
-                  <c:v>hmmer_retro</c:v>
-                </c:pt>
-                <c:pt idx="8">
-                  <c:v>namd</c:v>
-                </c:pt>
-                <c:pt idx="9">
-                  <c:v>lbm</c:v>
-                </c:pt>
-                <c:pt idx="10">
-                  <c:v>perlbench_splitmail</c:v>
-                </c:pt>
-                <c:pt idx="11">
-                  <c:v>gcc_scilab</c:v>
-                </c:pt>
-                <c:pt idx="12">
-                  <c:v>libquantum</c:v>
-                </c:pt>
-                <c:pt idx="13">
-                  <c:v>cactusADM</c:v>
-                </c:pt>
-                <c:pt idx="14">
-                  <c:v>gcc_166</c:v>
-                </c:pt>
-                <c:pt idx="15">
-                  <c:v>xalancbmk</c:v>
-                </c:pt>
-                <c:pt idx="16">
-                  <c:v>gamess_gradient</c:v>
-                </c:pt>
-                <c:pt idx="17">
-                  <c:v>gcc_s04</c:v>
-                </c:pt>
-                <c:pt idx="18">
-                  <c:v>gobmk_nngs</c:v>
-                </c:pt>
-                <c:pt idx="19">
-                  <c:v>gobmk_trevord</c:v>
-                </c:pt>
-                <c:pt idx="20">
-                  <c:v>h264ref_foreman</c:v>
-                </c:pt>
-                <c:pt idx="21">
-                  <c:v>gamess_triazolium</c:v>
-                </c:pt>
-                <c:pt idx="22">
-                  <c:v>hmmer_nph3</c:v>
-                </c:pt>
-                <c:pt idx="23">
-                  <c:v>bzip2_combined</c:v>
-                </c:pt>
-                <c:pt idx="24">
-                  <c:v>bzip2_html</c:v>
-                </c:pt>
-                <c:pt idx="25">
-                  <c:v>gromacs</c:v>
-                </c:pt>
-                <c:pt idx="26">
-                  <c:v>bzip2_chicken</c:v>
-                </c:pt>
-                <c:pt idx="27">
-                  <c:v>gcc_expr</c:v>
-                </c:pt>
-                <c:pt idx="28">
-                  <c:v>astar_rivers</c:v>
-                </c:pt>
-                <c:pt idx="29">
-                  <c:v>tonto</c:v>
-                </c:pt>
-                <c:pt idx="30">
-                  <c:v>leslie3d</c:v>
-                </c:pt>
-                <c:pt idx="31">
-                  <c:v>gcc_cpdecl</c:v>
-                </c:pt>
-                <c:pt idx="32">
-                  <c:v>gamess_cytosine</c:v>
-                </c:pt>
-                <c:pt idx="33">
-                  <c:v>bzip2_program</c:v>
-                </c:pt>
-                <c:pt idx="34">
-                  <c:v>milc</c:v>
-                </c:pt>
-                <c:pt idx="35">
-                  <c:v>sjeng</c:v>
-                </c:pt>
-                <c:pt idx="36">
-                  <c:v>gcc_200</c:v>
-                </c:pt>
-                <c:pt idx="37">
-                  <c:v>gcc_g23</c:v>
-                </c:pt>
-                <c:pt idx="38">
-                  <c:v>mcf</c:v>
-                </c:pt>
-                <c:pt idx="39">
-                  <c:v>zeusmp</c:v>
-                </c:pt>
-                <c:pt idx="40">
-                  <c:v>bzip2_liberty</c:v>
-                </c:pt>
-                <c:pt idx="41">
-                  <c:v>povray</c:v>
-                </c:pt>
-                <c:pt idx="42">
-                  <c:v>sphinx3</c:v>
-                </c:pt>
-                <c:pt idx="43">
-                  <c:v>gcc_expr2</c:v>
-                </c:pt>
-                <c:pt idx="44">
-                  <c:v>dealII</c:v>
-                </c:pt>
-                <c:pt idx="45">
-                  <c:v>bzip2_source</c:v>
-                </c:pt>
-                <c:pt idx="46">
-                  <c:v>h264ref_sss</c:v>
-                </c:pt>
-                <c:pt idx="47">
-                  <c:v>gobmk_13x13</c:v>
-                </c:pt>
-                <c:pt idx="48">
-                  <c:v>soplex_pds</c:v>
-                </c:pt>
-                <c:pt idx="49">
-                  <c:v>gobmk_trevorc</c:v>
-                </c:pt>
-                <c:pt idx="50">
-                  <c:v>gcc_typeck</c:v>
-                </c:pt>
-                <c:pt idx="51">
-                  <c:v>calculix</c:v>
-                </c:pt>
-                <c:pt idx="52">
-                  <c:v>perlbench_checkspam</c:v>
+                  <c:v>soplex_ref</c:v>
                 </c:pt>
               </c:strCache>
             </c:strRef>
           </c:cat>
           <c:val>
             <c:numRef>
-              <c:f>Sheet1!$C$2:$C$54</c:f>
+              <c:f>Sheet1!$C$2:$C$7</c:f>
               <c:numCache>
                 <c:formatCode>General</c:formatCode>
-                <c:ptCount val="53"/>
+                <c:ptCount val="6"/>
                 <c:pt idx="0">
-                  <c:v>0.111848034</c:v>
+                  <c:v>11.908466000000001</c:v>
                 </c:pt>
                 <c:pt idx="1">
-                  <c:v>0.80100000000000005</c:v>
+                  <c:v>11.544846</c:v>
                 </c:pt>
                 <c:pt idx="2">
-                  <c:v>8.9497269999999993</c:v>
+                  <c:v>9.6999995000000006E-2</c:v>
                 </c:pt>
                 <c:pt idx="3">
-                  <c:v>9.8000000000000004E-2</c:v>
+                  <c:v>22.301705999999999</c:v>
                 </c:pt>
                 <c:pt idx="4">
-                  <c:v>3.8495729999999999</c:v>
+                  <c:v>4.4166449999999999</c:v>
                 </c:pt>
                 <c:pt idx="5">
-                  <c:v>5.7130000000000001</c:v>
-                </c:pt>
-                <c:pt idx="6">
-                  <c:v>13.2236595</c:v>
-                </c:pt>
-                <c:pt idx="7">
-                  <c:v>14.405811999999999</c:v>
-                </c:pt>
-                <c:pt idx="8">
-                  <c:v>1.8955476</c:v>
-                </c:pt>
-                <c:pt idx="9">
-                  <c:v>4.7999997000000003E-2</c:v>
-                </c:pt>
-                <c:pt idx="10">
-                  <c:v>1.0328774000000001</c:v>
-                </c:pt>
-                <c:pt idx="11">
-                  <c:v>3.2896771</c:v>
-                </c:pt>
-                <c:pt idx="12">
-                  <c:v>1.9407483E-2</c:v>
-                </c:pt>
-                <c:pt idx="13">
-                  <c:v>5.0000000000000001E-3</c:v>
-                </c:pt>
-                <c:pt idx="14">
-                  <c:v>1.6090914999999999</c:v>
-                </c:pt>
-                <c:pt idx="15">
-                  <c:v>1.7087971</c:v>
-                </c:pt>
-                <c:pt idx="16">
-                  <c:v>0.56511056000000004</c:v>
-                </c:pt>
-                <c:pt idx="17">
-                  <c:v>1.4525151999999999</c:v>
-                </c:pt>
-                <c:pt idx="18">
-                  <c:v>13.746771000000001</c:v>
-                </c:pt>
-                <c:pt idx="19">
-                  <c:v>12.942622</c:v>
-                </c:pt>
-                <c:pt idx="20">
-                  <c:v>1.2317967000000001</c:v>
-                </c:pt>
-                <c:pt idx="21">
-                  <c:v>0.38604369999999999</c:v>
-                </c:pt>
-                <c:pt idx="22">
-                  <c:v>13.662663999999999</c:v>
-                </c:pt>
-                <c:pt idx="23">
-                  <c:v>10.303621</c:v>
-                </c:pt>
-                <c:pt idx="24">
-                  <c:v>4.0035449999999999</c:v>
-                </c:pt>
-                <c:pt idx="25">
-                  <c:v>1.6678227000000001</c:v>
-                </c:pt>
-                <c:pt idx="26">
-                  <c:v>3.6541223999999999</c:v>
-                </c:pt>
-                <c:pt idx="27">
-                  <c:v>0.16781840000000001</c:v>
-                </c:pt>
-                <c:pt idx="28">
-                  <c:v>15.840717</c:v>
-                </c:pt>
-                <c:pt idx="29">
-                  <c:v>0.66901140000000003</c:v>
-                </c:pt>
-                <c:pt idx="30">
-                  <c:v>5.4610956000000002E-2</c:v>
-                </c:pt>
-                <c:pt idx="31">
-                  <c:v>1.7845040000000001</c:v>
-                </c:pt>
-                <c:pt idx="32">
-                  <c:v>1.2435944000000001</c:v>
-                </c:pt>
-                <c:pt idx="33">
-                  <c:v>6.6705923</c:v>
-                </c:pt>
-                <c:pt idx="34">
-                  <c:v>7.5165436000000002E-2</c:v>
-                </c:pt>
-                <c:pt idx="35">
-                  <c:v>7.4587700000000003</c:v>
-                </c:pt>
-                <c:pt idx="36">
-                  <c:v>4.7614590000000003</c:v>
-                </c:pt>
-                <c:pt idx="37">
-                  <c:v>0.63111424000000005</c:v>
-                </c:pt>
-                <c:pt idx="38">
-                  <c:v>20.972626000000002</c:v>
-                </c:pt>
-                <c:pt idx="39">
-                  <c:v>4.4084564E-2</c:v>
-                </c:pt>
-                <c:pt idx="40">
-                  <c:v>2.0330138</c:v>
-                </c:pt>
-                <c:pt idx="41">
-                  <c:v>1.9036674</c:v>
-                </c:pt>
-                <c:pt idx="42">
-                  <c:v>2.2179918000000001</c:v>
-                </c:pt>
-                <c:pt idx="43">
-                  <c:v>2.1743185999999999</c:v>
-                </c:pt>
-                <c:pt idx="44">
-                  <c:v>0.83524719999999997</c:v>
-                </c:pt>
-                <c:pt idx="45">
-                  <c:v>10.187163</c:v>
-                </c:pt>
-                <c:pt idx="46">
-                  <c:v>0.71180712999999995</c:v>
-                </c:pt>
-                <c:pt idx="47">
-                  <c:v>16.004549000000001</c:v>
-                </c:pt>
-                <c:pt idx="48">
-                  <c:v>10.820873000000001</c:v>
-                </c:pt>
-                <c:pt idx="49">
-                  <c:v>15.509688000000001</c:v>
-                </c:pt>
-                <c:pt idx="50">
-                  <c:v>1.9813848999999999</c:v>
-                </c:pt>
-                <c:pt idx="51">
-                  <c:v>0.35557538</c:v>
-                </c:pt>
-                <c:pt idx="52">
-                  <c:v>3.2528934</c:v>
+                  <c:v>4.7122929999999998</c:v>
                 </c:pt>
               </c:numCache>
             </c:numRef>
@@ -939,6 +376,61 @@
         </c:scaling>
         <c:delete val="0"/>
         <c:axPos val="b"/>
+        <c:title>
+          <c:tx>
+            <c:rich>
+              <a:bodyPr rot="0" spcFirstLastPara="1" vertOverflow="ellipsis" vert="horz" wrap="square" anchor="ctr" anchorCtr="1"/>
+              <a:lstStyle/>
+              <a:p>
+                <a:pPr>
+                  <a:defRPr sz="1330" b="0" i="0" u="none" strike="noStrike" kern="1200" baseline="0">
+                    <a:solidFill>
+                      <a:schemeClr val="tx1">
+                        <a:lumMod val="65000"/>
+                        <a:lumOff val="35000"/>
+                      </a:schemeClr>
+                    </a:solidFill>
+                    <a:latin typeface="+mn-lt"/>
+                    <a:ea typeface="+mn-ea"/>
+                    <a:cs typeface="+mn-cs"/>
+                  </a:defRPr>
+                </a:pPr>
+                <a:r>
+                  <a:rPr lang="zh-CN" altLang="en-US"/>
+                  <a:t>工作负载</a:t>
+                </a:r>
+              </a:p>
+            </c:rich>
+          </c:tx>
+          <c:overlay val="0"/>
+          <c:spPr>
+            <a:noFill/>
+            <a:ln>
+              <a:noFill/>
+            </a:ln>
+            <a:effectLst/>
+          </c:spPr>
+          <c:txPr>
+            <a:bodyPr rot="0" spcFirstLastPara="1" vertOverflow="ellipsis" vert="horz" wrap="square" anchor="ctr" anchorCtr="1"/>
+            <a:lstStyle/>
+            <a:p>
+              <a:pPr>
+                <a:defRPr sz="1330" b="0" i="0" u="none" strike="noStrike" kern="1200" baseline="0">
+                  <a:solidFill>
+                    <a:schemeClr val="tx1">
+                      <a:lumMod val="65000"/>
+                      <a:lumOff val="35000"/>
+                    </a:schemeClr>
+                  </a:solidFill>
+                  <a:latin typeface="+mn-lt"/>
+                  <a:ea typeface="+mn-ea"/>
+                  <a:cs typeface="+mn-cs"/>
+                </a:defRPr>
+              </a:pPr>
+              <a:endParaRPr lang="zh-CN"/>
+            </a:p>
+          </c:txPr>
+        </c:title>
         <c:numFmt formatCode="General" sourceLinked="1"/>
         <c:majorTickMark val="none"/>
         <c:minorTickMark val="none"/>
@@ -1004,6 +496,61 @@
             <a:effectLst/>
           </c:spPr>
         </c:majorGridlines>
+        <c:title>
+          <c:tx>
+            <c:rich>
+              <a:bodyPr rot="-5400000" spcFirstLastPara="1" vertOverflow="ellipsis" vert="horz" wrap="square" anchor="ctr" anchorCtr="1"/>
+              <a:lstStyle/>
+              <a:p>
+                <a:pPr>
+                  <a:defRPr sz="1330" b="0" i="0" u="none" strike="noStrike" kern="1200" baseline="0">
+                    <a:solidFill>
+                      <a:schemeClr val="tx1">
+                        <a:lumMod val="65000"/>
+                        <a:lumOff val="35000"/>
+                      </a:schemeClr>
+                    </a:solidFill>
+                    <a:latin typeface="+mn-lt"/>
+                    <a:ea typeface="+mn-ea"/>
+                    <a:cs typeface="+mn-cs"/>
+                  </a:defRPr>
+                </a:pPr>
+                <a:r>
+                  <a:rPr lang="zh-CN" altLang="en-US"/>
+                  <a:t>指令条数</a:t>
+                </a:r>
+              </a:p>
+            </c:rich>
+          </c:tx>
+          <c:overlay val="0"/>
+          <c:spPr>
+            <a:noFill/>
+            <a:ln>
+              <a:noFill/>
+            </a:ln>
+            <a:effectLst/>
+          </c:spPr>
+          <c:txPr>
+            <a:bodyPr rot="-5400000" spcFirstLastPara="1" vertOverflow="ellipsis" vert="horz" wrap="square" anchor="ctr" anchorCtr="1"/>
+            <a:lstStyle/>
+            <a:p>
+              <a:pPr>
+                <a:defRPr sz="1330" b="0" i="0" u="none" strike="noStrike" kern="1200" baseline="0">
+                  <a:solidFill>
+                    <a:schemeClr val="tx1">
+                      <a:lumMod val="65000"/>
+                      <a:lumOff val="35000"/>
+                    </a:schemeClr>
+                  </a:solidFill>
+                  <a:latin typeface="+mn-lt"/>
+                  <a:ea typeface="+mn-ea"/>
+                  <a:cs typeface="+mn-cs"/>
+                </a:defRPr>
+              </a:pPr>
+              <a:endParaRPr lang="zh-CN"/>
+            </a:p>
+          </c:txPr>
+        </c:title>
         <c:numFmt formatCode="General" sourceLinked="1"/>
         <c:majorTickMark val="none"/>
         <c:minorTickMark val="none"/>
@@ -1146,10 +693,10 @@
               </a:defRPr>
             </a:pPr>
             <a:r>
-              <a:rPr lang="en-US" altLang="zh-CN" dirty="0" err="1"/>
-              <a:t>misrate</a:t>
+              <a:rPr lang="zh-CN" altLang="en-US"/>
+              <a:t>分支预测错误率</a:t>
             </a:r>
-            <a:endParaRPr lang="zh-CN" altLang="en-US" dirty="0"/>
+            <a:endParaRPr lang="en-US" altLang="zh-CN" dirty="0"/>
           </a:p>
         </c:rich>
       </c:tx>
@@ -1198,7 +745,7 @@
               <c:strCache>
                 <c:ptCount val="1"/>
                 <c:pt idx="0">
-                  <c:v>stream tage</c:v>
+                  <c:v>解耦合式前端</c:v>
                 </c:pt>
               </c:strCache>
             </c:strRef>
@@ -1215,342 +762,60 @@
           <c:invertIfNegative val="0"/>
           <c:cat>
             <c:strRef>
-              <c:f>Sheet1!$A$2:$A$54</c:f>
+              <c:f>Sheet1!$A$2:$A$7</c:f>
               <c:strCache>
-                <c:ptCount val="53"/>
+                <c:ptCount val="6"/>
                 <c:pt idx="0">
-                  <c:v>GemsFDTD</c:v>
+                  <c:v>gcc_scilab</c:v>
                 </c:pt>
                 <c:pt idx="1">
-                  <c:v>perlbench_diffmail</c:v>
+                  <c:v>soplex_pds</c:v>
                 </c:pt>
                 <c:pt idx="2">
-                  <c:v>astar_biglakes</c:v>
+                  <c:v>bwaves</c:v>
                 </c:pt>
                 <c:pt idx="3">
-                  <c:v>bwaves</c:v>
+                  <c:v>mcf</c:v>
                 </c:pt>
                 <c:pt idx="4">
-                  <c:v>soplex_ref</c:v>
+                  <c:v>gcc_expr2</c:v>
                 </c:pt>
                 <c:pt idx="5">
-                  <c:v>omnetpp</c:v>
-                </c:pt>
-                <c:pt idx="6">
-                  <c:v>gobmk_score2</c:v>
-                </c:pt>
-                <c:pt idx="7">
-                  <c:v>hmmer_retro</c:v>
-                </c:pt>
-                <c:pt idx="8">
-                  <c:v>namd</c:v>
-                </c:pt>
-                <c:pt idx="9">
-                  <c:v>lbm</c:v>
-                </c:pt>
-                <c:pt idx="10">
-                  <c:v>perlbench_splitmail</c:v>
-                </c:pt>
-                <c:pt idx="11">
-                  <c:v>gcc_scilab</c:v>
-                </c:pt>
-                <c:pt idx="12">
-                  <c:v>libquantum</c:v>
-                </c:pt>
-                <c:pt idx="13">
-                  <c:v>cactusADM</c:v>
-                </c:pt>
-                <c:pt idx="14">
-                  <c:v>gcc_166</c:v>
-                </c:pt>
-                <c:pt idx="15">
-                  <c:v>xalancbmk</c:v>
-                </c:pt>
-                <c:pt idx="16">
-                  <c:v>gamess_gradient</c:v>
-                </c:pt>
-                <c:pt idx="17">
-                  <c:v>gcc_s04</c:v>
-                </c:pt>
-                <c:pt idx="18">
-                  <c:v>gobmk_nngs</c:v>
-                </c:pt>
-                <c:pt idx="19">
-                  <c:v>gobmk_trevord</c:v>
-                </c:pt>
-                <c:pt idx="20">
-                  <c:v>h264ref_foreman</c:v>
-                </c:pt>
-                <c:pt idx="21">
-                  <c:v>gamess_triazolium</c:v>
-                </c:pt>
-                <c:pt idx="22">
-                  <c:v>hmmer_nph3</c:v>
-                </c:pt>
-                <c:pt idx="23">
-                  <c:v>bzip2_combined</c:v>
-                </c:pt>
-                <c:pt idx="24">
-                  <c:v>bzip2_html</c:v>
-                </c:pt>
-                <c:pt idx="25">
-                  <c:v>gromacs</c:v>
-                </c:pt>
-                <c:pt idx="26">
-                  <c:v>bzip2_chicken</c:v>
-                </c:pt>
-                <c:pt idx="27">
-                  <c:v>gcc_expr</c:v>
-                </c:pt>
-                <c:pt idx="28">
-                  <c:v>astar_rivers</c:v>
-                </c:pt>
-                <c:pt idx="29">
-                  <c:v>tonto</c:v>
-                </c:pt>
-                <c:pt idx="30">
-                  <c:v>leslie3d</c:v>
-                </c:pt>
-                <c:pt idx="31">
-                  <c:v>gcc_cpdecl</c:v>
-                </c:pt>
-                <c:pt idx="32">
-                  <c:v>gamess_cytosine</c:v>
-                </c:pt>
-                <c:pt idx="33">
-                  <c:v>bzip2_program</c:v>
-                </c:pt>
-                <c:pt idx="34">
-                  <c:v>milc</c:v>
-                </c:pt>
-                <c:pt idx="35">
-                  <c:v>sjeng</c:v>
-                </c:pt>
-                <c:pt idx="36">
-                  <c:v>gcc_200</c:v>
-                </c:pt>
-                <c:pt idx="37">
-                  <c:v>gcc_g23</c:v>
-                </c:pt>
-                <c:pt idx="38">
-                  <c:v>mcf</c:v>
-                </c:pt>
-                <c:pt idx="39">
-                  <c:v>zeusmp</c:v>
-                </c:pt>
-                <c:pt idx="40">
-                  <c:v>bzip2_liberty</c:v>
-                </c:pt>
-                <c:pt idx="41">
-                  <c:v>povray</c:v>
-                </c:pt>
-                <c:pt idx="42">
-                  <c:v>sphinx3</c:v>
-                </c:pt>
-                <c:pt idx="43">
-                  <c:v>gcc_expr2</c:v>
-                </c:pt>
-                <c:pt idx="44">
-                  <c:v>dealII</c:v>
-                </c:pt>
-                <c:pt idx="45">
-                  <c:v>bzip2_source</c:v>
-                </c:pt>
-                <c:pt idx="46">
-                  <c:v>h264ref_sss</c:v>
-                </c:pt>
-                <c:pt idx="47">
-                  <c:v>gobmk_13x13</c:v>
-                </c:pt>
-                <c:pt idx="48">
-                  <c:v>soplex_pds</c:v>
-                </c:pt>
-                <c:pt idx="49">
-                  <c:v>gobmk_trevorc</c:v>
-                </c:pt>
-                <c:pt idx="50">
-                  <c:v>gcc_typeck</c:v>
-                </c:pt>
-                <c:pt idx="51">
-                  <c:v>calculix</c:v>
-                </c:pt>
-                <c:pt idx="52">
-                  <c:v>perlbench_checkspam</c:v>
+                  <c:v>soplex_ref</c:v>
                 </c:pt>
               </c:strCache>
             </c:strRef>
           </c:cat>
           <c:val>
             <c:numRef>
-              <c:f>Sheet1!$B$2:$B$54</c:f>
+              <c:f>Sheet1!$B$2:$B$7</c:f>
               <c:numCache>
                 <c:formatCode>General</c:formatCode>
-                <c:ptCount val="53"/>
+                <c:ptCount val="6"/>
                 <c:pt idx="0">
-                  <c:v>1.9150550999999998E-2</c:v>
+                  <c:v>6.4389950000000002</c:v>
                 </c:pt>
                 <c:pt idx="1">
-                  <c:v>0.18533899000000001</c:v>
+                  <c:v>8.0404490000000006</c:v>
                 </c:pt>
                 <c:pt idx="2">
-                  <c:v>2.3524845000000001</c:v>
+                  <c:v>1.7100390000000001</c:v>
                 </c:pt>
                 <c:pt idx="3">
-                  <c:v>1.322536E-3</c:v>
+                  <c:v>8.2365829999999995</c:v>
                 </c:pt>
                 <c:pt idx="4">
-                  <c:v>1.6574247</c:v>
+                  <c:v>1.9936602000000001</c:v>
                 </c:pt>
                 <c:pt idx="5">
-                  <c:v>1.2643872</c:v>
-                </c:pt>
-                <c:pt idx="6">
-                  <c:v>5.0066147000000001</c:v>
-                </c:pt>
-                <c:pt idx="7">
-                  <c:v>5.1928010000000002</c:v>
-                </c:pt>
-                <c:pt idx="8">
-                  <c:v>2.5402882</c:v>
-                </c:pt>
-                <c:pt idx="9">
-                  <c:v>0.34893653000000002</c:v>
-                </c:pt>
-                <c:pt idx="10">
-                  <c:v>0.24849450000000001</c:v>
-                </c:pt>
-                <c:pt idx="11">
-                  <c:v>1.7200344000000001</c:v>
-                </c:pt>
-                <c:pt idx="12">
-                  <c:v>1.2973706E-2</c:v>
-                </c:pt>
-                <c:pt idx="13">
-                  <c:v>1.2309021</c:v>
-                </c:pt>
-                <c:pt idx="14">
-                  <c:v>0.33123399999999997</c:v>
-                </c:pt>
-                <c:pt idx="15">
-                  <c:v>0.37385249999999998</c:v>
-                </c:pt>
-                <c:pt idx="16">
-                  <c:v>0.27943414</c:v>
-                </c:pt>
-                <c:pt idx="17">
-                  <c:v>0.36943355</c:v>
-                </c:pt>
-                <c:pt idx="18">
-                  <c:v>5.2998605000000003</c:v>
-                </c:pt>
-                <c:pt idx="19">
-                  <c:v>5.5369289999999998</c:v>
-                </c:pt>
-                <c:pt idx="20">
-                  <c:v>0.84431772999999999</c:v>
-                </c:pt>
-                <c:pt idx="21">
-                  <c:v>0.22988132999999999</c:v>
-                </c:pt>
-                <c:pt idx="22">
-                  <c:v>5.5982250000000002</c:v>
-                </c:pt>
-                <c:pt idx="23">
-                  <c:v>5.4580773999999996</c:v>
-                </c:pt>
-                <c:pt idx="24">
-                  <c:v>2.6305013000000002</c:v>
-                </c:pt>
-                <c:pt idx="25">
-                  <c:v>3.2775020000000001</c:v>
-                </c:pt>
-                <c:pt idx="26">
-                  <c:v>1.9149689999999999</c:v>
-                </c:pt>
-                <c:pt idx="27">
-                  <c:v>2.6563834000000001E-2</c:v>
-                </c:pt>
-                <c:pt idx="28">
-                  <c:v>5.1265745000000003</c:v>
-                </c:pt>
-                <c:pt idx="29">
-                  <c:v>0.25580424000000002</c:v>
-                </c:pt>
-                <c:pt idx="30">
-                  <c:v>1.0795212E-2</c:v>
-                </c:pt>
-                <c:pt idx="31">
-                  <c:v>0.41910934</c:v>
-                </c:pt>
-                <c:pt idx="32">
-                  <c:v>0.4270331</c:v>
-                </c:pt>
-                <c:pt idx="33">
-                  <c:v>3.3886158000000002</c:v>
-                </c:pt>
-                <c:pt idx="34">
-                  <c:v>1.395969E-2</c:v>
-                </c:pt>
-                <c:pt idx="35">
-                  <c:v>2.5065803999999998</c:v>
-                </c:pt>
-                <c:pt idx="36">
-                  <c:v>1.3357724</c:v>
-                </c:pt>
-                <c:pt idx="37">
-                  <c:v>0.14766960000000001</c:v>
-                </c:pt>
-                <c:pt idx="38">
-                  <c:v>4.6170080000000002</c:v>
-                </c:pt>
-                <c:pt idx="39">
-                  <c:v>9.4709189999999995E-3</c:v>
-                </c:pt>
-                <c:pt idx="40">
-                  <c:v>1.0314897999999999</c:v>
-                </c:pt>
-                <c:pt idx="41">
-                  <c:v>0.37415648000000001</c:v>
-                </c:pt>
-                <c:pt idx="42">
-                  <c:v>1.5314527</c:v>
-                </c:pt>
-                <c:pt idx="43">
-                  <c:v>0.62405100000000002</c:v>
-                </c:pt>
-                <c:pt idx="44">
-                  <c:v>0.57108959999999998</c:v>
-                </c:pt>
-                <c:pt idx="45">
-                  <c:v>5.9025464000000003</c:v>
-                </c:pt>
-                <c:pt idx="46">
-                  <c:v>0.60715973000000001</c:v>
-                </c:pt>
-                <c:pt idx="47">
-                  <c:v>6.5972986000000002</c:v>
-                </c:pt>
-                <c:pt idx="48">
-                  <c:v>4.6675430000000002</c:v>
-                </c:pt>
-                <c:pt idx="49">
-                  <c:v>6.2696399999999999</c:v>
-                </c:pt>
-                <c:pt idx="50">
-                  <c:v>0.51320330000000003</c:v>
-                </c:pt>
-                <c:pt idx="51">
-                  <c:v>4.4939651999999997E-2</c:v>
-                </c:pt>
-                <c:pt idx="52">
-                  <c:v>0.91089719999999996</c:v>
+                  <c:v>3.8250069999999998</c:v>
                 </c:pt>
               </c:numCache>
             </c:numRef>
           </c:val>
           <c:extLst>
             <c:ext xmlns:c16="http://schemas.microsoft.com/office/drawing/2014/chart" uri="{C3380CC4-5D6E-409C-BE32-E72D297353CC}">
-              <c16:uniqueId val="{00000000-78F6-4CE3-9851-2C31B39A119E}"/>
+              <c16:uniqueId val="{00000000-31C3-4DD2-B497-20B71E2072C8}"/>
             </c:ext>
           </c:extLst>
         </c:ser>
@@ -1563,7 +828,7 @@
               <c:strCache>
                 <c:ptCount val="1"/>
                 <c:pt idx="0">
-                  <c:v>coupled</c:v>
+                  <c:v>紧耦合式前端</c:v>
                 </c:pt>
               </c:strCache>
             </c:strRef>
@@ -1580,340 +845,580 @@
           <c:invertIfNegative val="0"/>
           <c:cat>
             <c:strRef>
-              <c:f>Sheet1!$A$2:$A$54</c:f>
+              <c:f>Sheet1!$A$2:$A$7</c:f>
               <c:strCache>
-                <c:ptCount val="53"/>
+                <c:ptCount val="6"/>
                 <c:pt idx="0">
-                  <c:v>GemsFDTD</c:v>
+                  <c:v>gcc_scilab</c:v>
                 </c:pt>
                 <c:pt idx="1">
-                  <c:v>perlbench_diffmail</c:v>
+                  <c:v>soplex_pds</c:v>
                 </c:pt>
                 <c:pt idx="2">
-                  <c:v>astar_biglakes</c:v>
+                  <c:v>bwaves</c:v>
                 </c:pt>
                 <c:pt idx="3">
-                  <c:v>bwaves</c:v>
+                  <c:v>mcf</c:v>
                 </c:pt>
                 <c:pt idx="4">
-                  <c:v>soplex_ref</c:v>
+                  <c:v>gcc_expr2</c:v>
                 </c:pt>
                 <c:pt idx="5">
-                  <c:v>omnetpp</c:v>
-                </c:pt>
-                <c:pt idx="6">
-                  <c:v>gobmk_score2</c:v>
-                </c:pt>
-                <c:pt idx="7">
-                  <c:v>hmmer_retro</c:v>
-                </c:pt>
-                <c:pt idx="8">
-                  <c:v>namd</c:v>
-                </c:pt>
-                <c:pt idx="9">
-                  <c:v>lbm</c:v>
-                </c:pt>
-                <c:pt idx="10">
-                  <c:v>perlbench_splitmail</c:v>
-                </c:pt>
-                <c:pt idx="11">
-                  <c:v>gcc_scilab</c:v>
-                </c:pt>
-                <c:pt idx="12">
-                  <c:v>libquantum</c:v>
-                </c:pt>
-                <c:pt idx="13">
-                  <c:v>cactusADM</c:v>
-                </c:pt>
-                <c:pt idx="14">
-                  <c:v>gcc_166</c:v>
-                </c:pt>
-                <c:pt idx="15">
-                  <c:v>xalancbmk</c:v>
-                </c:pt>
-                <c:pt idx="16">
-                  <c:v>gamess_gradient</c:v>
-                </c:pt>
-                <c:pt idx="17">
-                  <c:v>gcc_s04</c:v>
-                </c:pt>
-                <c:pt idx="18">
-                  <c:v>gobmk_nngs</c:v>
-                </c:pt>
-                <c:pt idx="19">
-                  <c:v>gobmk_trevord</c:v>
-                </c:pt>
-                <c:pt idx="20">
-                  <c:v>h264ref_foreman</c:v>
-                </c:pt>
-                <c:pt idx="21">
-                  <c:v>gamess_triazolium</c:v>
-                </c:pt>
-                <c:pt idx="22">
-                  <c:v>hmmer_nph3</c:v>
-                </c:pt>
-                <c:pt idx="23">
-                  <c:v>bzip2_combined</c:v>
-                </c:pt>
-                <c:pt idx="24">
-                  <c:v>bzip2_html</c:v>
-                </c:pt>
-                <c:pt idx="25">
-                  <c:v>gromacs</c:v>
-                </c:pt>
-                <c:pt idx="26">
-                  <c:v>bzip2_chicken</c:v>
-                </c:pt>
-                <c:pt idx="27">
-                  <c:v>gcc_expr</c:v>
-                </c:pt>
-                <c:pt idx="28">
-                  <c:v>astar_rivers</c:v>
-                </c:pt>
-                <c:pt idx="29">
-                  <c:v>tonto</c:v>
-                </c:pt>
-                <c:pt idx="30">
-                  <c:v>leslie3d</c:v>
-                </c:pt>
-                <c:pt idx="31">
-                  <c:v>gcc_cpdecl</c:v>
-                </c:pt>
-                <c:pt idx="32">
-                  <c:v>gamess_cytosine</c:v>
-                </c:pt>
-                <c:pt idx="33">
-                  <c:v>bzip2_program</c:v>
-                </c:pt>
-                <c:pt idx="34">
-                  <c:v>milc</c:v>
-                </c:pt>
-                <c:pt idx="35">
-                  <c:v>sjeng</c:v>
-                </c:pt>
-                <c:pt idx="36">
-                  <c:v>gcc_200</c:v>
-                </c:pt>
-                <c:pt idx="37">
-                  <c:v>gcc_g23</c:v>
-                </c:pt>
-                <c:pt idx="38">
-                  <c:v>mcf</c:v>
-                </c:pt>
-                <c:pt idx="39">
-                  <c:v>zeusmp</c:v>
-                </c:pt>
-                <c:pt idx="40">
-                  <c:v>bzip2_liberty</c:v>
-                </c:pt>
-                <c:pt idx="41">
-                  <c:v>povray</c:v>
-                </c:pt>
-                <c:pt idx="42">
-                  <c:v>sphinx3</c:v>
-                </c:pt>
-                <c:pt idx="43">
-                  <c:v>gcc_expr2</c:v>
-                </c:pt>
-                <c:pt idx="44">
-                  <c:v>dealII</c:v>
-                </c:pt>
-                <c:pt idx="45">
-                  <c:v>bzip2_source</c:v>
-                </c:pt>
-                <c:pt idx="46">
-                  <c:v>h264ref_sss</c:v>
-                </c:pt>
-                <c:pt idx="47">
-                  <c:v>gobmk_13x13</c:v>
-                </c:pt>
-                <c:pt idx="48">
-                  <c:v>soplex_pds</c:v>
-                </c:pt>
-                <c:pt idx="49">
-                  <c:v>gobmk_trevorc</c:v>
-                </c:pt>
-                <c:pt idx="50">
-                  <c:v>gcc_typeck</c:v>
-                </c:pt>
-                <c:pt idx="51">
-                  <c:v>calculix</c:v>
-                </c:pt>
-                <c:pt idx="52">
-                  <c:v>perlbench_checkspam</c:v>
+                  <c:v>soplex_ref</c:v>
                 </c:pt>
               </c:strCache>
             </c:strRef>
           </c:cat>
           <c:val>
             <c:numRef>
-              <c:f>Sheet1!$C$2:$C$54</c:f>
+              <c:f>Sheet1!$C$2:$C$7</c:f>
               <c:numCache>
                 <c:formatCode>General</c:formatCode>
-                <c:ptCount val="53"/>
+                <c:ptCount val="6"/>
                 <c:pt idx="0">
-                  <c:v>0.23388094000000001</c:v>
+                  <c:v>3.4393544</c:v>
                 </c:pt>
                 <c:pt idx="1">
-                  <c:v>0.264936</c:v>
+                  <c:v>3.5804128999999998</c:v>
                 </c:pt>
                 <c:pt idx="2">
-                  <c:v>2.5353916000000001</c:v>
+                  <c:v>0.10315781</c:v>
                 </c:pt>
                 <c:pt idx="3">
-                  <c:v>0.10315781</c:v>
+                  <c:v>4.6097630000000001</c:v>
                 </c:pt>
                 <c:pt idx="4">
-                  <c:v>1.4633267999999999</c:v>
+                  <c:v>1.2036651</c:v>
                 </c:pt>
                 <c:pt idx="5">
-                  <c:v>1.209592</c:v>
-                </c:pt>
-                <c:pt idx="6">
-                  <c:v>4.3229509999999998</c:v>
-                </c:pt>
-                <c:pt idx="7">
-                  <c:v>4.4920964000000003</c:v>
-                </c:pt>
-                <c:pt idx="8">
-                  <c:v>1.8129896000000001</c:v>
-                </c:pt>
-                <c:pt idx="9">
-                  <c:v>0.22779237999999999</c:v>
-                </c:pt>
-                <c:pt idx="10">
-                  <c:v>0.30507951999999999</c:v>
-                </c:pt>
-                <c:pt idx="11">
-                  <c:v>0.95083105999999995</c:v>
-                </c:pt>
-                <c:pt idx="12">
-                  <c:v>3.1123343000000001E-3</c:v>
-                </c:pt>
-                <c:pt idx="13">
-                  <c:v>0.2768294</c:v>
-                </c:pt>
-                <c:pt idx="14">
-                  <c:v>0.39143403999999998</c:v>
-                </c:pt>
-                <c:pt idx="15">
-                  <c:v>0.31331098000000002</c:v>
-                </c:pt>
-                <c:pt idx="16">
-                  <c:v>0.49609908000000003</c:v>
-                </c:pt>
-                <c:pt idx="17">
-                  <c:v>0.43125724999999998</c:v>
-                </c:pt>
-                <c:pt idx="18">
-                  <c:v>4.6523924000000001</c:v>
-                </c:pt>
-                <c:pt idx="19">
-                  <c:v>4.5940539999999999</c:v>
-                </c:pt>
-                <c:pt idx="20">
-                  <c:v>0.78198100000000004</c:v>
-                </c:pt>
-                <c:pt idx="21">
-                  <c:v>0.37028601999999999</c:v>
-                </c:pt>
-                <c:pt idx="22">
-                  <c:v>4.9110490000000002</c:v>
-                </c:pt>
-                <c:pt idx="23">
-                  <c:v>3.9751356000000002</c:v>
-                </c:pt>
-                <c:pt idx="24">
-                  <c:v>1.8673251</c:v>
-                </c:pt>
-                <c:pt idx="25">
-                  <c:v>1.9424782</c:v>
-                </c:pt>
-                <c:pt idx="26">
-                  <c:v>1.2812271</c:v>
-                </c:pt>
-                <c:pt idx="27">
-                  <c:v>3.5262710000000003E-2</c:v>
-                </c:pt>
-                <c:pt idx="28">
-                  <c:v>4.5920680000000003</c:v>
-                </c:pt>
-                <c:pt idx="29">
-                  <c:v>0.41064715000000002</c:v>
-                </c:pt>
-                <c:pt idx="30">
-                  <c:v>4.5779581999999999E-2</c:v>
-                </c:pt>
-                <c:pt idx="31">
-                  <c:v>0.51758000000000004</c:v>
-                </c:pt>
-                <c:pt idx="32">
-                  <c:v>0.87466259999999996</c:v>
-                </c:pt>
-                <c:pt idx="33">
-                  <c:v>2.5162108000000001</c:v>
-                </c:pt>
-                <c:pt idx="34">
-                  <c:v>5.7646629999999997E-2</c:v>
-                </c:pt>
-                <c:pt idx="35">
-                  <c:v>2.2046429999999999</c:v>
-                </c:pt>
-                <c:pt idx="36">
-                  <c:v>1.1853541999999999</c:v>
-                </c:pt>
-                <c:pt idx="37">
-                  <c:v>0.22359499999999999</c:v>
-                </c:pt>
-                <c:pt idx="38">
-                  <c:v>4.2991149999999996</c:v>
-                </c:pt>
-                <c:pt idx="39">
-                  <c:v>9.2442683999999997E-2</c:v>
-                </c:pt>
-                <c:pt idx="40">
-                  <c:v>0.64034926999999997</c:v>
-                </c:pt>
-                <c:pt idx="41">
-                  <c:v>0.67883919999999998</c:v>
-                </c:pt>
-                <c:pt idx="42">
-                  <c:v>1.2651920000000001</c:v>
-                </c:pt>
-                <c:pt idx="43">
-                  <c:v>0.59007186</c:v>
-                </c:pt>
-                <c:pt idx="44">
-                  <c:v>0.44196187999999997</c:v>
-                </c:pt>
-                <c:pt idx="45">
-                  <c:v>4.1165599999999998</c:v>
-                </c:pt>
-                <c:pt idx="46">
-                  <c:v>0.53349360000000001</c:v>
-                </c:pt>
-                <c:pt idx="47">
-                  <c:v>5.1299510000000001</c:v>
-                </c:pt>
-                <c:pt idx="48">
-                  <c:v>3.3557830000000002</c:v>
-                </c:pt>
-                <c:pt idx="49">
-                  <c:v>5.4847783999999997</c:v>
-                </c:pt>
-                <c:pt idx="50">
-                  <c:v>0.52764440000000001</c:v>
-                </c:pt>
-                <c:pt idx="51">
-                  <c:v>0.26009633999999998</c:v>
-                </c:pt>
-                <c:pt idx="52">
-                  <c:v>0.96364839999999996</c:v>
+                  <c:v>1.7952443</c:v>
                 </c:pt>
               </c:numCache>
             </c:numRef>
           </c:val>
           <c:extLst>
+            <c:ext xmlns:c16="http://schemas.microsoft.com/office/drawing/2014/chart" uri="{C3380CC4-5D6E-409C-BE32-E72D297353CC}">
+              <c16:uniqueId val="{00000001-31C3-4DD2-B497-20B71E2072C8}"/>
+            </c:ext>
+          </c:extLst>
+        </c:ser>
+        <c:dLbls>
+          <c:showLegendKey val="0"/>
+          <c:showVal val="0"/>
+          <c:showCatName val="0"/>
+          <c:showSerName val="0"/>
+          <c:showPercent val="0"/>
+          <c:showBubbleSize val="0"/>
+        </c:dLbls>
+        <c:gapWidth val="219"/>
+        <c:overlap val="-27"/>
+        <c:axId val="1348992511"/>
+        <c:axId val="1348985439"/>
+      </c:barChart>
+      <c:catAx>
+        <c:axId val="1348992511"/>
+        <c:scaling>
+          <c:orientation val="minMax"/>
+        </c:scaling>
+        <c:delete val="0"/>
+        <c:axPos val="b"/>
+        <c:title>
+          <c:tx>
+            <c:rich>
+              <a:bodyPr rot="0" spcFirstLastPara="1" vertOverflow="ellipsis" vert="horz" wrap="square" anchor="ctr" anchorCtr="1"/>
+              <a:lstStyle/>
+              <a:p>
+                <a:pPr>
+                  <a:defRPr sz="1330" b="0" i="0" u="none" strike="noStrike" kern="1200" baseline="0">
+                    <a:solidFill>
+                      <a:schemeClr val="tx1">
+                        <a:lumMod val="65000"/>
+                        <a:lumOff val="35000"/>
+                      </a:schemeClr>
+                    </a:solidFill>
+                    <a:latin typeface="+mn-lt"/>
+                    <a:ea typeface="+mn-ea"/>
+                    <a:cs typeface="+mn-cs"/>
+                  </a:defRPr>
+                </a:pPr>
+                <a:r>
+                  <a:rPr lang="zh-CN" altLang="en-US"/>
+                  <a:t>工作负载</a:t>
+                </a:r>
+              </a:p>
+            </c:rich>
+          </c:tx>
+          <c:overlay val="0"/>
+          <c:spPr>
+            <a:noFill/>
+            <a:ln>
+              <a:noFill/>
+            </a:ln>
+            <a:effectLst/>
+          </c:spPr>
+          <c:txPr>
+            <a:bodyPr rot="0" spcFirstLastPara="1" vertOverflow="ellipsis" vert="horz" wrap="square" anchor="ctr" anchorCtr="1"/>
+            <a:lstStyle/>
+            <a:p>
+              <a:pPr>
+                <a:defRPr sz="1330" b="0" i="0" u="none" strike="noStrike" kern="1200" baseline="0">
+                  <a:solidFill>
+                    <a:schemeClr val="tx1">
+                      <a:lumMod val="65000"/>
+                      <a:lumOff val="35000"/>
+                    </a:schemeClr>
+                  </a:solidFill>
+                  <a:latin typeface="+mn-lt"/>
+                  <a:ea typeface="+mn-ea"/>
+                  <a:cs typeface="+mn-cs"/>
+                </a:defRPr>
+              </a:pPr>
+              <a:endParaRPr lang="zh-CN"/>
+            </a:p>
+          </c:txPr>
+        </c:title>
+        <c:numFmt formatCode="General" sourceLinked="1"/>
+        <c:majorTickMark val="none"/>
+        <c:minorTickMark val="none"/>
+        <c:tickLblPos val="nextTo"/>
+        <c:spPr>
+          <a:noFill/>
+          <a:ln w="9525" cap="flat" cmpd="sng" algn="ctr">
+            <a:solidFill>
+              <a:schemeClr val="tx1">
+                <a:lumMod val="15000"/>
+                <a:lumOff val="85000"/>
+              </a:schemeClr>
+            </a:solidFill>
+            <a:round/>
+          </a:ln>
+          <a:effectLst/>
+        </c:spPr>
+        <c:txPr>
+          <a:bodyPr rot="-60000000" spcFirstLastPara="1" vertOverflow="ellipsis" vert="horz" wrap="square" anchor="ctr" anchorCtr="1"/>
+          <a:lstStyle/>
+          <a:p>
+            <a:pPr>
+              <a:defRPr sz="1197" b="0" i="0" u="none" strike="noStrike" kern="1200" baseline="0">
+                <a:solidFill>
+                  <a:schemeClr val="tx1">
+                    <a:lumMod val="65000"/>
+                    <a:lumOff val="35000"/>
+                  </a:schemeClr>
+                </a:solidFill>
+                <a:latin typeface="+mn-lt"/>
+                <a:ea typeface="+mn-ea"/>
+                <a:cs typeface="+mn-cs"/>
+              </a:defRPr>
+            </a:pPr>
+            <a:endParaRPr lang="zh-CN"/>
+          </a:p>
+        </c:txPr>
+        <c:crossAx val="1348985439"/>
+        <c:crosses val="autoZero"/>
+        <c:auto val="1"/>
+        <c:lblAlgn val="ctr"/>
+        <c:lblOffset val="100"/>
+        <c:noMultiLvlLbl val="0"/>
+      </c:catAx>
+      <c:valAx>
+        <c:axId val="1348985439"/>
+        <c:scaling>
+          <c:orientation val="minMax"/>
+        </c:scaling>
+        <c:delete val="0"/>
+        <c:axPos val="l"/>
+        <c:majorGridlines>
+          <c:spPr>
+            <a:ln w="9525" cap="flat" cmpd="sng" algn="ctr">
+              <a:solidFill>
+                <a:schemeClr val="tx1">
+                  <a:lumMod val="15000"/>
+                  <a:lumOff val="85000"/>
+                </a:schemeClr>
+              </a:solidFill>
+              <a:round/>
+            </a:ln>
+            <a:effectLst/>
+          </c:spPr>
+        </c:majorGridlines>
+        <c:title>
+          <c:tx>
+            <c:rich>
+              <a:bodyPr rot="-5400000" spcFirstLastPara="1" vertOverflow="ellipsis" vert="horz" wrap="square" anchor="ctr" anchorCtr="1"/>
+              <a:lstStyle/>
+              <a:p>
+                <a:pPr>
+                  <a:defRPr sz="1330" b="0" i="0" u="none" strike="noStrike" kern="1200" baseline="0">
+                    <a:solidFill>
+                      <a:schemeClr val="tx1">
+                        <a:lumMod val="65000"/>
+                        <a:lumOff val="35000"/>
+                      </a:schemeClr>
+                    </a:solidFill>
+                    <a:latin typeface="+mn-lt"/>
+                    <a:ea typeface="+mn-ea"/>
+                    <a:cs typeface="+mn-cs"/>
+                  </a:defRPr>
+                </a:pPr>
+                <a:r>
+                  <a:rPr lang="zh-CN" altLang="en-US"/>
+                  <a:t>错误率（</a:t>
+                </a:r>
+                <a:r>
+                  <a:rPr lang="en-US" altLang="zh-CN"/>
+                  <a:t>%</a:t>
+                </a:r>
+                <a:r>
+                  <a:rPr lang="zh-CN" altLang="en-US"/>
+                  <a:t>）</a:t>
+                </a:r>
+              </a:p>
+            </c:rich>
+          </c:tx>
+          <c:overlay val="0"/>
+          <c:spPr>
+            <a:noFill/>
+            <a:ln>
+              <a:noFill/>
+            </a:ln>
+            <a:effectLst/>
+          </c:spPr>
+          <c:txPr>
+            <a:bodyPr rot="-5400000" spcFirstLastPara="1" vertOverflow="ellipsis" vert="horz" wrap="square" anchor="ctr" anchorCtr="1"/>
+            <a:lstStyle/>
+            <a:p>
+              <a:pPr>
+                <a:defRPr sz="1330" b="0" i="0" u="none" strike="noStrike" kern="1200" baseline="0">
+                  <a:solidFill>
+                    <a:schemeClr val="tx1">
+                      <a:lumMod val="65000"/>
+                      <a:lumOff val="35000"/>
+                    </a:schemeClr>
+                  </a:solidFill>
+                  <a:latin typeface="+mn-lt"/>
+                  <a:ea typeface="+mn-ea"/>
+                  <a:cs typeface="+mn-cs"/>
+                </a:defRPr>
+              </a:pPr>
+              <a:endParaRPr lang="zh-CN"/>
+            </a:p>
+          </c:txPr>
+        </c:title>
+        <c:numFmt formatCode="General" sourceLinked="1"/>
+        <c:majorTickMark val="none"/>
+        <c:minorTickMark val="none"/>
+        <c:tickLblPos val="nextTo"/>
+        <c:spPr>
+          <a:noFill/>
+          <a:ln>
+            <a:noFill/>
+          </a:ln>
+          <a:effectLst/>
+        </c:spPr>
+        <c:txPr>
+          <a:bodyPr rot="-60000000" spcFirstLastPara="1" vertOverflow="ellipsis" vert="horz" wrap="square" anchor="ctr" anchorCtr="1"/>
+          <a:lstStyle/>
+          <a:p>
+            <a:pPr>
+              <a:defRPr sz="1197" b="0" i="0" u="none" strike="noStrike" kern="1200" baseline="0">
+                <a:solidFill>
+                  <a:schemeClr val="tx1">
+                    <a:lumMod val="65000"/>
+                    <a:lumOff val="35000"/>
+                  </a:schemeClr>
+                </a:solidFill>
+                <a:latin typeface="+mn-lt"/>
+                <a:ea typeface="+mn-ea"/>
+                <a:cs typeface="+mn-cs"/>
+              </a:defRPr>
+            </a:pPr>
+            <a:endParaRPr lang="zh-CN"/>
+          </a:p>
+        </c:txPr>
+        <c:crossAx val="1348992511"/>
+        <c:crosses val="autoZero"/>
+        <c:crossBetween val="between"/>
+      </c:valAx>
+      <c:spPr>
+        <a:noFill/>
+        <a:ln>
+          <a:noFill/>
+        </a:ln>
+        <a:effectLst/>
+      </c:spPr>
+    </c:plotArea>
+    <c:legend>
+      <c:legendPos val="b"/>
+      <c:overlay val="0"/>
+      <c:spPr>
+        <a:noFill/>
+        <a:ln>
+          <a:noFill/>
+        </a:ln>
+        <a:effectLst/>
+      </c:spPr>
+      <c:txPr>
+        <a:bodyPr rot="0" spcFirstLastPara="1" vertOverflow="ellipsis" vert="horz" wrap="square" anchor="ctr" anchorCtr="1"/>
+        <a:lstStyle/>
+        <a:p>
+          <a:pPr>
+            <a:defRPr sz="1197" b="0" i="0" u="none" strike="noStrike" kern="1200" baseline="0">
+              <a:solidFill>
+                <a:schemeClr val="tx1">
+                  <a:lumMod val="65000"/>
+                  <a:lumOff val="35000"/>
+                </a:schemeClr>
+              </a:solidFill>
+              <a:latin typeface="+mn-lt"/>
+              <a:ea typeface="+mn-ea"/>
+              <a:cs typeface="+mn-cs"/>
+            </a:defRPr>
+          </a:pPr>
+          <a:endParaRPr lang="zh-CN"/>
+        </a:p>
+      </c:txPr>
+    </c:legend>
+    <c:plotVisOnly val="1"/>
+    <c:dispBlanksAs val="gap"/>
+    <c:extLst>
+      <c:ext xmlns:c16r3="http://schemas.microsoft.com/office/drawing/2017/03/chart" uri="{56B9EC1D-385E-4148-901F-78D8002777C0}">
+        <c16r3:dataDisplayOptions16>
+          <c16r3:dispNaAsBlank val="1"/>
+        </c16r3:dataDisplayOptions16>
+      </c:ext>
+    </c:extLst>
+    <c:showDLblsOverMax val="0"/>
+  </c:chart>
+  <c:spPr>
+    <a:noFill/>
+    <a:ln>
+      <a:noFill/>
+    </a:ln>
+    <a:effectLst/>
+  </c:spPr>
+  <c:txPr>
+    <a:bodyPr/>
+    <a:lstStyle/>
+    <a:p>
+      <a:pPr>
+        <a:defRPr/>
+      </a:pPr>
+      <a:endParaRPr lang="zh-CN"/>
+    </a:p>
+  </c:txPr>
+  <c:externalData r:id="rId3">
+    <c:autoUpdate val="0"/>
+  </c:externalData>
+</c:chartSpace>
+</file>
+
+<file path=ppt/charts/chart3.xml><?xml version="1.0" encoding="utf-8"?>
+<c:chartSpace xmlns:c="http://schemas.openxmlformats.org/drawingml/2006/chart" xmlns:a="http://schemas.openxmlformats.org/drawingml/2006/main" xmlns:r="http://schemas.openxmlformats.org/officeDocument/2006/relationships" xmlns:c16r2="http://schemas.microsoft.com/office/drawing/2015/06/chart">
+  <c:date1904 val="0"/>
+  <c:lang val="zh-CN"/>
+  <c:roundedCorners val="0"/>
+  <mc:AlternateContent xmlns:mc="http://schemas.openxmlformats.org/markup-compatibility/2006">
+    <mc:Choice xmlns:c14="http://schemas.microsoft.com/office/drawing/2007/8/2/chart" Requires="c14">
+      <c14:style val="102"/>
+    </mc:Choice>
+    <mc:Fallback>
+      <c:style val="2"/>
+    </mc:Fallback>
+  </mc:AlternateContent>
+  <c:chart>
+    <c:title>
+      <c:tx>
+        <c:rich>
+          <a:bodyPr rot="0" spcFirstLastPara="1" vertOverflow="ellipsis" vert="horz" wrap="square" anchor="ctr" anchorCtr="1"/>
+          <a:lstStyle/>
+          <a:p>
+            <a:pPr>
+              <a:defRPr sz="1862" b="0" i="0" u="none" strike="noStrike" kern="1200" spc="0" baseline="0">
+                <a:solidFill>
+                  <a:schemeClr val="tx1">
+                    <a:lumMod val="65000"/>
+                    <a:lumOff val="35000"/>
+                  </a:schemeClr>
+                </a:solidFill>
+                <a:latin typeface="+mn-lt"/>
+                <a:ea typeface="+mn-ea"/>
+                <a:cs typeface="+mn-cs"/>
+              </a:defRPr>
+            </a:pPr>
+            <a:r>
+              <a:rPr lang="en-US" altLang="zh-CN" dirty="0" err="1"/>
+              <a:t>misrate</a:t>
+            </a:r>
+            <a:endParaRPr lang="zh-CN" altLang="en-US" dirty="0"/>
+          </a:p>
+        </c:rich>
+      </c:tx>
+      <c:overlay val="0"/>
+      <c:spPr>
+        <a:noFill/>
+        <a:ln>
+          <a:noFill/>
+        </a:ln>
+        <a:effectLst/>
+      </c:spPr>
+      <c:txPr>
+        <a:bodyPr rot="0" spcFirstLastPara="1" vertOverflow="ellipsis" vert="horz" wrap="square" anchor="ctr" anchorCtr="1"/>
+        <a:lstStyle/>
+        <a:p>
+          <a:pPr>
+            <a:defRPr sz="1862" b="0" i="0" u="none" strike="noStrike" kern="1200" spc="0" baseline="0">
+              <a:solidFill>
+                <a:schemeClr val="tx1">
+                  <a:lumMod val="65000"/>
+                  <a:lumOff val="35000"/>
+                </a:schemeClr>
+              </a:solidFill>
+              <a:latin typeface="+mn-lt"/>
+              <a:ea typeface="+mn-ea"/>
+              <a:cs typeface="+mn-cs"/>
+            </a:defRPr>
+          </a:pPr>
+          <a:endParaRPr lang="zh-CN"/>
+        </a:p>
+      </c:txPr>
+    </c:title>
+    <c:autoTitleDeleted val="0"/>
+    <c:plotArea>
+      <c:layout/>
+      <c:barChart>
+        <c:barDir val="col"/>
+        <c:grouping val="clustered"/>
+        <c:varyColors val="0"/>
+        <c:ser>
+          <c:idx val="0"/>
+          <c:order val="0"/>
+          <c:spPr>
+            <a:solidFill>
+              <a:schemeClr val="accent1"/>
+            </a:solidFill>
+            <a:ln>
+              <a:noFill/>
+            </a:ln>
+            <a:effectLst/>
+          </c:spPr>
+          <c:invertIfNegative val="0"/>
+          <c:val>
+            <c:numRef>
+              <c:f>Sheet1!#REF!</c:f>
+              <c:numCache>
+                <c:formatCode>General</c:formatCode>
+                <c:ptCount val="1"/>
+                <c:pt idx="0">
+                  <c:v>1</c:v>
+                </c:pt>
+              </c:numCache>
+            </c:numRef>
+          </c:val>
+          <c:extLst>
+            <c:ext xmlns:c15="http://schemas.microsoft.com/office/drawing/2012/chart" uri="{02D57815-91ED-43cb-92C2-25804820EDAC}">
+              <c15:filteredSeriesTitle>
+                <c15:tx>
+                  <c:strRef>
+                    <c:extLst>
+                      <c:ext uri="{02D57815-91ED-43cb-92C2-25804820EDAC}">
+                        <c15:formulaRef>
+                          <c15:sqref>Sheet1!#REF!</c15:sqref>
+                        </c15:formulaRef>
+                      </c:ext>
+                    </c:extLst>
+                    <c:strCache>
+                      <c:ptCount val="1"/>
+                      <c:pt idx="0">
+                        <c:v>#REF!</c:v>
+                      </c:pt>
+                    </c:strCache>
+                  </c:strRef>
+                </c15:tx>
+              </c15:filteredSeriesTitle>
+            </c:ext>
+            <c:ext xmlns:c15="http://schemas.microsoft.com/office/drawing/2012/chart" uri="{02D57815-91ED-43cb-92C2-25804820EDAC}">
+              <c15:filteredCategoryTitle>
+                <c15:cat>
+                  <c:strRef>
+                    <c:extLst>
+                      <c:ext uri="{02D57815-91ED-43cb-92C2-25804820EDAC}">
+                        <c15:formulaRef>
+                          <c15:sqref>Sheet1!#REF!</c15:sqref>
+                        </c15:formulaRef>
+                      </c:ext>
+                    </c:extLst>
+                  </c:strRef>
+                </c15:cat>
+              </c15:filteredCategoryTitle>
+            </c:ext>
+            <c:ext xmlns:c16="http://schemas.microsoft.com/office/drawing/2014/chart" uri="{C3380CC4-5D6E-409C-BE32-E72D297353CC}">
+              <c16:uniqueId val="{00000000-78F6-4CE3-9851-2C31B39A119E}"/>
+            </c:ext>
+          </c:extLst>
+        </c:ser>
+        <c:ser>
+          <c:idx val="1"/>
+          <c:order val="1"/>
+          <c:spPr>
+            <a:solidFill>
+              <a:schemeClr val="accent2"/>
+            </a:solidFill>
+            <a:ln>
+              <a:noFill/>
+            </a:ln>
+            <a:effectLst/>
+          </c:spPr>
+          <c:invertIfNegative val="0"/>
+          <c:val>
+            <c:numRef>
+              <c:f>Sheet1!#REF!</c:f>
+              <c:numCache>
+                <c:formatCode>General</c:formatCode>
+                <c:ptCount val="1"/>
+                <c:pt idx="0">
+                  <c:v>1</c:v>
+                </c:pt>
+              </c:numCache>
+            </c:numRef>
+          </c:val>
+          <c:extLst>
+            <c:ext xmlns:c15="http://schemas.microsoft.com/office/drawing/2012/chart" uri="{02D57815-91ED-43cb-92C2-25804820EDAC}">
+              <c15:filteredSeriesTitle>
+                <c15:tx>
+                  <c:strRef>
+                    <c:extLst>
+                      <c:ext uri="{02D57815-91ED-43cb-92C2-25804820EDAC}">
+                        <c15:formulaRef>
+                          <c15:sqref>Sheet1!#REF!</c15:sqref>
+                        </c15:formulaRef>
+                      </c:ext>
+                    </c:extLst>
+                    <c:strCache>
+                      <c:ptCount val="1"/>
+                      <c:pt idx="0">
+                        <c:v>#REF!</c:v>
+                      </c:pt>
+                    </c:strCache>
+                  </c:strRef>
+                </c15:tx>
+              </c15:filteredSeriesTitle>
+            </c:ext>
+            <c:ext xmlns:c15="http://schemas.microsoft.com/office/drawing/2012/chart" uri="{02D57815-91ED-43cb-92C2-25804820EDAC}">
+              <c15:filteredCategoryTitle>
+                <c15:cat>
+                  <c:strRef>
+                    <c:extLst>
+                      <c:ext uri="{02D57815-91ED-43cb-92C2-25804820EDAC}">
+                        <c15:formulaRef>
+                          <c15:sqref>Sheet1!#REF!</c15:sqref>
+                        </c15:formulaRef>
+                      </c:ext>
+                    </c:extLst>
+                  </c:strRef>
+                </c15:cat>
+              </c15:filteredCategoryTitle>
+            </c:ext>
             <c:ext xmlns:c16="http://schemas.microsoft.com/office/drawing/2014/chart" uri="{C3380CC4-5D6E-409C-BE32-E72D297353CC}">
               <c16:uniqueId val="{00000001-78F6-4CE3-9851-2C31B39A119E}"/>
             </c:ext>
@@ -2192,6 +1697,46 @@
 </cs:colorStyle>
 </file>
 
+<file path=ppt/charts/colors3.xml><?xml version="1.0" encoding="utf-8"?>
+<cs:colorStyle xmlns:cs="http://schemas.microsoft.com/office/drawing/2012/chartStyle" xmlns:a="http://schemas.openxmlformats.org/drawingml/2006/main" meth="cycle" id="10">
+  <a:schemeClr val="accent1"/>
+  <a:schemeClr val="accent2"/>
+  <a:schemeClr val="accent3"/>
+  <a:schemeClr val="accent4"/>
+  <a:schemeClr val="accent5"/>
+  <a:schemeClr val="accent6"/>
+  <cs:variation/>
+  <cs:variation>
+    <a:lumMod val="60000"/>
+  </cs:variation>
+  <cs:variation>
+    <a:lumMod val="80000"/>
+    <a:lumOff val="20000"/>
+  </cs:variation>
+  <cs:variation>
+    <a:lumMod val="80000"/>
+  </cs:variation>
+  <cs:variation>
+    <a:lumMod val="60000"/>
+    <a:lumOff val="40000"/>
+  </cs:variation>
+  <cs:variation>
+    <a:lumMod val="50000"/>
+  </cs:variation>
+  <cs:variation>
+    <a:lumMod val="70000"/>
+    <a:lumOff val="30000"/>
+  </cs:variation>
+  <cs:variation>
+    <a:lumMod val="70000"/>
+  </cs:variation>
+  <cs:variation>
+    <a:lumMod val="50000"/>
+    <a:lumOff val="50000"/>
+  </cs:variation>
+</cs:colorStyle>
+</file>
+
 <file path=ppt/charts/style1.xml><?xml version="1.0" encoding="utf-8"?>
 <cs:chartStyle xmlns:cs="http://schemas.microsoft.com/office/drawing/2012/chartStyle" xmlns:a="http://schemas.openxmlformats.org/drawingml/2006/main" id="201">
   <cs:axisTitle>
@@ -2696,6 +2241,509 @@
 </file>
 
 <file path=ppt/charts/style2.xml><?xml version="1.0" encoding="utf-8"?>
+<cs:chartStyle xmlns:cs="http://schemas.microsoft.com/office/drawing/2012/chartStyle" xmlns:a="http://schemas.openxmlformats.org/drawingml/2006/main" id="201">
+  <cs:axisTitle>
+    <cs:lnRef idx="0"/>
+    <cs:fillRef idx="0"/>
+    <cs:effectRef idx="0"/>
+    <cs:fontRef idx="minor">
+      <a:schemeClr val="tx1">
+        <a:lumMod val="65000"/>
+        <a:lumOff val="35000"/>
+      </a:schemeClr>
+    </cs:fontRef>
+    <cs:defRPr sz="1330" kern="1200"/>
+  </cs:axisTitle>
+  <cs:categoryAxis>
+    <cs:lnRef idx="0"/>
+    <cs:fillRef idx="0"/>
+    <cs:effectRef idx="0"/>
+    <cs:fontRef idx="minor">
+      <a:schemeClr val="tx1">
+        <a:lumMod val="65000"/>
+        <a:lumOff val="35000"/>
+      </a:schemeClr>
+    </cs:fontRef>
+    <cs:spPr>
+      <a:ln w="9525" cap="flat" cmpd="sng" algn="ctr">
+        <a:solidFill>
+          <a:schemeClr val="tx1">
+            <a:lumMod val="15000"/>
+            <a:lumOff val="85000"/>
+          </a:schemeClr>
+        </a:solidFill>
+        <a:round/>
+      </a:ln>
+    </cs:spPr>
+    <cs:defRPr sz="1197" kern="1200"/>
+  </cs:categoryAxis>
+  <cs:chartArea mods="allowNoFillOverride allowNoLineOverride">
+    <cs:lnRef idx="0"/>
+    <cs:fillRef idx="0"/>
+    <cs:effectRef idx="0"/>
+    <cs:fontRef idx="minor">
+      <a:schemeClr val="tx1"/>
+    </cs:fontRef>
+    <cs:spPr>
+      <a:solidFill>
+        <a:schemeClr val="bg1"/>
+      </a:solidFill>
+      <a:ln w="9525" cap="flat" cmpd="sng" algn="ctr">
+        <a:solidFill>
+          <a:schemeClr val="tx1">
+            <a:lumMod val="15000"/>
+            <a:lumOff val="85000"/>
+          </a:schemeClr>
+        </a:solidFill>
+        <a:round/>
+      </a:ln>
+    </cs:spPr>
+    <cs:defRPr sz="1330" kern="1200"/>
+  </cs:chartArea>
+  <cs:dataLabel>
+    <cs:lnRef idx="0"/>
+    <cs:fillRef idx="0"/>
+    <cs:effectRef idx="0"/>
+    <cs:fontRef idx="minor">
+      <a:schemeClr val="tx1">
+        <a:lumMod val="75000"/>
+        <a:lumOff val="25000"/>
+      </a:schemeClr>
+    </cs:fontRef>
+    <cs:defRPr sz="1197" kern="1200"/>
+  </cs:dataLabel>
+  <cs:dataLabelCallout>
+    <cs:lnRef idx="0"/>
+    <cs:fillRef idx="0"/>
+    <cs:effectRef idx="0"/>
+    <cs:fontRef idx="minor">
+      <a:schemeClr val="dk1">
+        <a:lumMod val="65000"/>
+        <a:lumOff val="35000"/>
+      </a:schemeClr>
+    </cs:fontRef>
+    <cs:spPr>
+      <a:solidFill>
+        <a:schemeClr val="lt1"/>
+      </a:solidFill>
+      <a:ln>
+        <a:solidFill>
+          <a:schemeClr val="dk1">
+            <a:lumMod val="25000"/>
+            <a:lumOff val="75000"/>
+          </a:schemeClr>
+        </a:solidFill>
+      </a:ln>
+    </cs:spPr>
+    <cs:defRPr sz="1197" kern="1200"/>
+    <cs:bodyPr rot="0" spcFirstLastPara="1" vertOverflow="clip" horzOverflow="clip" vert="horz" wrap="square" lIns="36576" tIns="18288" rIns="36576" bIns="18288" anchor="ctr" anchorCtr="1">
+      <a:spAutoFit/>
+    </cs:bodyPr>
+  </cs:dataLabelCallout>
+  <cs:dataPoint>
+    <cs:lnRef idx="0"/>
+    <cs:fillRef idx="1">
+      <cs:styleClr val="auto"/>
+    </cs:fillRef>
+    <cs:effectRef idx="0"/>
+    <cs:fontRef idx="minor">
+      <a:schemeClr val="tx1"/>
+    </cs:fontRef>
+  </cs:dataPoint>
+  <cs:dataPoint3D>
+    <cs:lnRef idx="0"/>
+    <cs:fillRef idx="1">
+      <cs:styleClr val="auto"/>
+    </cs:fillRef>
+    <cs:effectRef idx="0"/>
+    <cs:fontRef idx="minor">
+      <a:schemeClr val="tx1"/>
+    </cs:fontRef>
+  </cs:dataPoint3D>
+  <cs:dataPointLine>
+    <cs:lnRef idx="0">
+      <cs:styleClr val="auto"/>
+    </cs:lnRef>
+    <cs:fillRef idx="1"/>
+    <cs:effectRef idx="0"/>
+    <cs:fontRef idx="minor">
+      <a:schemeClr val="tx1"/>
+    </cs:fontRef>
+    <cs:spPr>
+      <a:ln w="28575" cap="rnd">
+        <a:solidFill>
+          <a:schemeClr val="phClr"/>
+        </a:solidFill>
+        <a:round/>
+      </a:ln>
+    </cs:spPr>
+  </cs:dataPointLine>
+  <cs:dataPointMarker>
+    <cs:lnRef idx="0">
+      <cs:styleClr val="auto"/>
+    </cs:lnRef>
+    <cs:fillRef idx="1">
+      <cs:styleClr val="auto"/>
+    </cs:fillRef>
+    <cs:effectRef idx="0"/>
+    <cs:fontRef idx="minor">
+      <a:schemeClr val="tx1"/>
+    </cs:fontRef>
+    <cs:spPr>
+      <a:ln w="9525">
+        <a:solidFill>
+          <a:schemeClr val="phClr"/>
+        </a:solidFill>
+      </a:ln>
+    </cs:spPr>
+  </cs:dataPointMarker>
+  <cs:dataPointMarkerLayout symbol="circle" size="5"/>
+  <cs:dataPointWireframe>
+    <cs:lnRef idx="0">
+      <cs:styleClr val="auto"/>
+    </cs:lnRef>
+    <cs:fillRef idx="1"/>
+    <cs:effectRef idx="0"/>
+    <cs:fontRef idx="minor">
+      <a:schemeClr val="tx1"/>
+    </cs:fontRef>
+    <cs:spPr>
+      <a:ln w="9525" cap="rnd">
+        <a:solidFill>
+          <a:schemeClr val="phClr"/>
+        </a:solidFill>
+        <a:round/>
+      </a:ln>
+    </cs:spPr>
+  </cs:dataPointWireframe>
+  <cs:dataTable>
+    <cs:lnRef idx="0"/>
+    <cs:fillRef idx="0"/>
+    <cs:effectRef idx="0"/>
+    <cs:fontRef idx="minor">
+      <a:schemeClr val="tx1">
+        <a:lumMod val="65000"/>
+        <a:lumOff val="35000"/>
+      </a:schemeClr>
+    </cs:fontRef>
+    <cs:spPr>
+      <a:noFill/>
+      <a:ln w="9525" cap="flat" cmpd="sng" algn="ctr">
+        <a:solidFill>
+          <a:schemeClr val="tx1">
+            <a:lumMod val="15000"/>
+            <a:lumOff val="85000"/>
+          </a:schemeClr>
+        </a:solidFill>
+        <a:round/>
+      </a:ln>
+    </cs:spPr>
+    <cs:defRPr sz="1197" kern="1200"/>
+  </cs:dataTable>
+  <cs:downBar>
+    <cs:lnRef idx="0"/>
+    <cs:fillRef idx="0"/>
+    <cs:effectRef idx="0"/>
+    <cs:fontRef idx="minor">
+      <a:schemeClr val="dk1"/>
+    </cs:fontRef>
+    <cs:spPr>
+      <a:solidFill>
+        <a:schemeClr val="dk1">
+          <a:lumMod val="65000"/>
+          <a:lumOff val="35000"/>
+        </a:schemeClr>
+      </a:solidFill>
+      <a:ln w="9525">
+        <a:solidFill>
+          <a:schemeClr val="tx1">
+            <a:lumMod val="65000"/>
+            <a:lumOff val="35000"/>
+          </a:schemeClr>
+        </a:solidFill>
+      </a:ln>
+    </cs:spPr>
+  </cs:downBar>
+  <cs:dropLine>
+    <cs:lnRef idx="0"/>
+    <cs:fillRef idx="0"/>
+    <cs:effectRef idx="0"/>
+    <cs:fontRef idx="minor">
+      <a:schemeClr val="tx1"/>
+    </cs:fontRef>
+    <cs:spPr>
+      <a:ln w="9525" cap="flat" cmpd="sng" algn="ctr">
+        <a:solidFill>
+          <a:schemeClr val="tx1">
+            <a:lumMod val="35000"/>
+            <a:lumOff val="65000"/>
+          </a:schemeClr>
+        </a:solidFill>
+        <a:round/>
+      </a:ln>
+    </cs:spPr>
+  </cs:dropLine>
+  <cs:errorBar>
+    <cs:lnRef idx="0"/>
+    <cs:fillRef idx="0"/>
+    <cs:effectRef idx="0"/>
+    <cs:fontRef idx="minor">
+      <a:schemeClr val="tx1"/>
+    </cs:fontRef>
+    <cs:spPr>
+      <a:ln w="9525" cap="flat" cmpd="sng" algn="ctr">
+        <a:solidFill>
+          <a:schemeClr val="tx1">
+            <a:lumMod val="65000"/>
+            <a:lumOff val="35000"/>
+          </a:schemeClr>
+        </a:solidFill>
+        <a:round/>
+      </a:ln>
+    </cs:spPr>
+  </cs:errorBar>
+  <cs:floor>
+    <cs:lnRef idx="0"/>
+    <cs:fillRef idx="0"/>
+    <cs:effectRef idx="0"/>
+    <cs:fontRef idx="minor">
+      <a:schemeClr val="tx1"/>
+    </cs:fontRef>
+    <cs:spPr>
+      <a:noFill/>
+      <a:ln>
+        <a:noFill/>
+      </a:ln>
+    </cs:spPr>
+  </cs:floor>
+  <cs:gridlineMajor>
+    <cs:lnRef idx="0"/>
+    <cs:fillRef idx="0"/>
+    <cs:effectRef idx="0"/>
+    <cs:fontRef idx="minor">
+      <a:schemeClr val="tx1"/>
+    </cs:fontRef>
+    <cs:spPr>
+      <a:ln w="9525" cap="flat" cmpd="sng" algn="ctr">
+        <a:solidFill>
+          <a:schemeClr val="tx1">
+            <a:lumMod val="15000"/>
+            <a:lumOff val="85000"/>
+          </a:schemeClr>
+        </a:solidFill>
+        <a:round/>
+      </a:ln>
+    </cs:spPr>
+  </cs:gridlineMajor>
+  <cs:gridlineMinor>
+    <cs:lnRef idx="0"/>
+    <cs:fillRef idx="0"/>
+    <cs:effectRef idx="0"/>
+    <cs:fontRef idx="minor">
+      <a:schemeClr val="tx1"/>
+    </cs:fontRef>
+    <cs:spPr>
+      <a:ln w="9525" cap="flat" cmpd="sng" algn="ctr">
+        <a:solidFill>
+          <a:schemeClr val="tx1">
+            <a:lumMod val="5000"/>
+            <a:lumOff val="95000"/>
+          </a:schemeClr>
+        </a:solidFill>
+        <a:round/>
+      </a:ln>
+    </cs:spPr>
+  </cs:gridlineMinor>
+  <cs:hiLoLine>
+    <cs:lnRef idx="0"/>
+    <cs:fillRef idx="0"/>
+    <cs:effectRef idx="0"/>
+    <cs:fontRef idx="minor">
+      <a:schemeClr val="tx1"/>
+    </cs:fontRef>
+    <cs:spPr>
+      <a:ln w="9525" cap="flat" cmpd="sng" algn="ctr">
+        <a:solidFill>
+          <a:schemeClr val="tx1">
+            <a:lumMod val="75000"/>
+            <a:lumOff val="25000"/>
+          </a:schemeClr>
+        </a:solidFill>
+        <a:round/>
+      </a:ln>
+    </cs:spPr>
+  </cs:hiLoLine>
+  <cs:leaderLine>
+    <cs:lnRef idx="0"/>
+    <cs:fillRef idx="0"/>
+    <cs:effectRef idx="0"/>
+    <cs:fontRef idx="minor">
+      <a:schemeClr val="tx1"/>
+    </cs:fontRef>
+    <cs:spPr>
+      <a:ln w="9525" cap="flat" cmpd="sng" algn="ctr">
+        <a:solidFill>
+          <a:schemeClr val="tx1">
+            <a:lumMod val="35000"/>
+            <a:lumOff val="65000"/>
+          </a:schemeClr>
+        </a:solidFill>
+        <a:round/>
+      </a:ln>
+    </cs:spPr>
+  </cs:leaderLine>
+  <cs:legend>
+    <cs:lnRef idx="0"/>
+    <cs:fillRef idx="0"/>
+    <cs:effectRef idx="0"/>
+    <cs:fontRef idx="minor">
+      <a:schemeClr val="tx1">
+        <a:lumMod val="65000"/>
+        <a:lumOff val="35000"/>
+      </a:schemeClr>
+    </cs:fontRef>
+    <cs:defRPr sz="1197" kern="1200"/>
+  </cs:legend>
+  <cs:plotArea mods="allowNoFillOverride allowNoLineOverride">
+    <cs:lnRef idx="0"/>
+    <cs:fillRef idx="0"/>
+    <cs:effectRef idx="0"/>
+    <cs:fontRef idx="minor">
+      <a:schemeClr val="tx1"/>
+    </cs:fontRef>
+  </cs:plotArea>
+  <cs:plotArea3D mods="allowNoFillOverride allowNoLineOverride">
+    <cs:lnRef idx="0"/>
+    <cs:fillRef idx="0"/>
+    <cs:effectRef idx="0"/>
+    <cs:fontRef idx="minor">
+      <a:schemeClr val="tx1"/>
+    </cs:fontRef>
+  </cs:plotArea3D>
+  <cs:seriesAxis>
+    <cs:lnRef idx="0"/>
+    <cs:fillRef idx="0"/>
+    <cs:effectRef idx="0"/>
+    <cs:fontRef idx="minor">
+      <a:schemeClr val="tx1">
+        <a:lumMod val="65000"/>
+        <a:lumOff val="35000"/>
+      </a:schemeClr>
+    </cs:fontRef>
+    <cs:defRPr sz="1197" kern="1200"/>
+  </cs:seriesAxis>
+  <cs:seriesLine>
+    <cs:lnRef idx="0"/>
+    <cs:fillRef idx="0"/>
+    <cs:effectRef idx="0"/>
+    <cs:fontRef idx="minor">
+      <a:schemeClr val="tx1"/>
+    </cs:fontRef>
+    <cs:spPr>
+      <a:ln w="9525" cap="flat" cmpd="sng" algn="ctr">
+        <a:solidFill>
+          <a:schemeClr val="tx1">
+            <a:lumMod val="35000"/>
+            <a:lumOff val="65000"/>
+          </a:schemeClr>
+        </a:solidFill>
+        <a:round/>
+      </a:ln>
+    </cs:spPr>
+  </cs:seriesLine>
+  <cs:title>
+    <cs:lnRef idx="0"/>
+    <cs:fillRef idx="0"/>
+    <cs:effectRef idx="0"/>
+    <cs:fontRef idx="minor">
+      <a:schemeClr val="tx1">
+        <a:lumMod val="65000"/>
+        <a:lumOff val="35000"/>
+      </a:schemeClr>
+    </cs:fontRef>
+    <cs:defRPr sz="1862" b="0" kern="1200" spc="0" baseline="0"/>
+  </cs:title>
+  <cs:trendline>
+    <cs:lnRef idx="0">
+      <cs:styleClr val="auto"/>
+    </cs:lnRef>
+    <cs:fillRef idx="0"/>
+    <cs:effectRef idx="0"/>
+    <cs:fontRef idx="minor">
+      <a:schemeClr val="tx1"/>
+    </cs:fontRef>
+    <cs:spPr>
+      <a:ln w="19050" cap="rnd">
+        <a:solidFill>
+          <a:schemeClr val="phClr"/>
+        </a:solidFill>
+        <a:prstDash val="sysDot"/>
+      </a:ln>
+    </cs:spPr>
+  </cs:trendline>
+  <cs:trendlineLabel>
+    <cs:lnRef idx="0"/>
+    <cs:fillRef idx="0"/>
+    <cs:effectRef idx="0"/>
+    <cs:fontRef idx="minor">
+      <a:schemeClr val="tx1">
+        <a:lumMod val="65000"/>
+        <a:lumOff val="35000"/>
+      </a:schemeClr>
+    </cs:fontRef>
+    <cs:defRPr sz="1197" kern="1200"/>
+  </cs:trendlineLabel>
+  <cs:upBar>
+    <cs:lnRef idx="0"/>
+    <cs:fillRef idx="0"/>
+    <cs:effectRef idx="0"/>
+    <cs:fontRef idx="minor">
+      <a:schemeClr val="dk1"/>
+    </cs:fontRef>
+    <cs:spPr>
+      <a:solidFill>
+        <a:schemeClr val="lt1"/>
+      </a:solidFill>
+      <a:ln w="9525">
+        <a:solidFill>
+          <a:schemeClr val="tx1">
+            <a:lumMod val="15000"/>
+            <a:lumOff val="85000"/>
+          </a:schemeClr>
+        </a:solidFill>
+      </a:ln>
+    </cs:spPr>
+  </cs:upBar>
+  <cs:valueAxis>
+    <cs:lnRef idx="0"/>
+    <cs:fillRef idx="0"/>
+    <cs:effectRef idx="0"/>
+    <cs:fontRef idx="minor">
+      <a:schemeClr val="tx1">
+        <a:lumMod val="65000"/>
+        <a:lumOff val="35000"/>
+      </a:schemeClr>
+    </cs:fontRef>
+    <cs:defRPr sz="1197" kern="1200"/>
+  </cs:valueAxis>
+  <cs:wall>
+    <cs:lnRef idx="0"/>
+    <cs:fillRef idx="0"/>
+    <cs:effectRef idx="0"/>
+    <cs:fontRef idx="minor">
+      <a:schemeClr val="tx1"/>
+    </cs:fontRef>
+    <cs:spPr>
+      <a:noFill/>
+      <a:ln>
+        <a:noFill/>
+      </a:ln>
+    </cs:spPr>
+  </cs:wall>
+</cs:chartStyle>
+</file>
+
+<file path=ppt/charts/style3.xml><?xml version="1.0" encoding="utf-8"?>
 <cs:chartStyle xmlns:cs="http://schemas.microsoft.com/office/drawing/2012/chartStyle" xmlns:a="http://schemas.openxmlformats.org/drawingml/2006/main" id="201">
   <cs:axisTitle>
     <cs:lnRef idx="0"/>
@@ -3345,7 +3393,7 @@
           <a:p>
             <a:fld id="{ED4FDD50-B9AB-44B6-8874-BEB4005BD240}" type="datetimeFigureOut">
               <a:rPr lang="zh-CN" altLang="en-US" smtClean="0"/>
-              <a:t>2022/10/25</a:t>
+              <a:t>2023/6/1</a:t>
             </a:fld>
             <a:endParaRPr lang="zh-CN" altLang="en-US"/>
           </a:p>
@@ -3543,7 +3591,7 @@
           <a:p>
             <a:fld id="{ED4FDD50-B9AB-44B6-8874-BEB4005BD240}" type="datetimeFigureOut">
               <a:rPr lang="zh-CN" altLang="en-US" smtClean="0"/>
-              <a:t>2022/10/25</a:t>
+              <a:t>2023/6/1</a:t>
             </a:fld>
             <a:endParaRPr lang="zh-CN" altLang="en-US"/>
           </a:p>
@@ -3751,7 +3799,7 @@
           <a:p>
             <a:fld id="{ED4FDD50-B9AB-44B6-8874-BEB4005BD240}" type="datetimeFigureOut">
               <a:rPr lang="zh-CN" altLang="en-US" smtClean="0"/>
-              <a:t>2022/10/25</a:t>
+              <a:t>2023/6/1</a:t>
             </a:fld>
             <a:endParaRPr lang="zh-CN" altLang="en-US"/>
           </a:p>
@@ -3949,7 +3997,7 @@
           <a:p>
             <a:fld id="{ED4FDD50-B9AB-44B6-8874-BEB4005BD240}" type="datetimeFigureOut">
               <a:rPr lang="zh-CN" altLang="en-US" smtClean="0"/>
-              <a:t>2022/10/25</a:t>
+              <a:t>2023/6/1</a:t>
             </a:fld>
             <a:endParaRPr lang="zh-CN" altLang="en-US"/>
           </a:p>
@@ -4224,7 +4272,7 @@
           <a:p>
             <a:fld id="{ED4FDD50-B9AB-44B6-8874-BEB4005BD240}" type="datetimeFigureOut">
               <a:rPr lang="zh-CN" altLang="en-US" smtClean="0"/>
-              <a:t>2022/10/25</a:t>
+              <a:t>2023/6/1</a:t>
             </a:fld>
             <a:endParaRPr lang="zh-CN" altLang="en-US"/>
           </a:p>
@@ -4489,7 +4537,7 @@
           <a:p>
             <a:fld id="{ED4FDD50-B9AB-44B6-8874-BEB4005BD240}" type="datetimeFigureOut">
               <a:rPr lang="zh-CN" altLang="en-US" smtClean="0"/>
-              <a:t>2022/10/25</a:t>
+              <a:t>2023/6/1</a:t>
             </a:fld>
             <a:endParaRPr lang="zh-CN" altLang="en-US"/>
           </a:p>
@@ -4901,7 +4949,7 @@
           <a:p>
             <a:fld id="{ED4FDD50-B9AB-44B6-8874-BEB4005BD240}" type="datetimeFigureOut">
               <a:rPr lang="zh-CN" altLang="en-US" smtClean="0"/>
-              <a:t>2022/10/25</a:t>
+              <a:t>2023/6/1</a:t>
             </a:fld>
             <a:endParaRPr lang="zh-CN" altLang="en-US"/>
           </a:p>
@@ -5042,7 +5090,7 @@
           <a:p>
             <a:fld id="{ED4FDD50-B9AB-44B6-8874-BEB4005BD240}" type="datetimeFigureOut">
               <a:rPr lang="zh-CN" altLang="en-US" smtClean="0"/>
-              <a:t>2022/10/25</a:t>
+              <a:t>2023/6/1</a:t>
             </a:fld>
             <a:endParaRPr lang="zh-CN" altLang="en-US"/>
           </a:p>
@@ -5155,7 +5203,7 @@
           <a:p>
             <a:fld id="{ED4FDD50-B9AB-44B6-8874-BEB4005BD240}" type="datetimeFigureOut">
               <a:rPr lang="zh-CN" altLang="en-US" smtClean="0"/>
-              <a:t>2022/10/25</a:t>
+              <a:t>2023/6/1</a:t>
             </a:fld>
             <a:endParaRPr lang="zh-CN" altLang="en-US"/>
           </a:p>
@@ -5466,7 +5514,7 @@
           <a:p>
             <a:fld id="{ED4FDD50-B9AB-44B6-8874-BEB4005BD240}" type="datetimeFigureOut">
               <a:rPr lang="zh-CN" altLang="en-US" smtClean="0"/>
-              <a:t>2022/10/25</a:t>
+              <a:t>2023/6/1</a:t>
             </a:fld>
             <a:endParaRPr lang="zh-CN" altLang="en-US"/>
           </a:p>
@@ -5754,7 +5802,7 @@
           <a:p>
             <a:fld id="{ED4FDD50-B9AB-44B6-8874-BEB4005BD240}" type="datetimeFigureOut">
               <a:rPr lang="zh-CN" altLang="en-US" smtClean="0"/>
-              <a:t>2022/10/25</a:t>
+              <a:t>2023/6/1</a:t>
             </a:fld>
             <a:endParaRPr lang="zh-CN" altLang="en-US"/>
           </a:p>
@@ -5995,7 +6043,7 @@
           <a:p>
             <a:fld id="{ED4FDD50-B9AB-44B6-8874-BEB4005BD240}" type="datetimeFigureOut">
               <a:rPr lang="zh-CN" altLang="en-US" smtClean="0"/>
-              <a:t>2022/10/25</a:t>
+              <a:t>2023/6/1</a:t>
             </a:fld>
             <a:endParaRPr lang="zh-CN" altLang="en-US"/>
           </a:p>
@@ -6425,7 +6473,7 @@
           <p:nvPr>
             <p:extLst>
               <p:ext uri="{D42A27DB-BD31-4B8C-83A1-F6EECF244321}">
-                <p14:modId xmlns:p14="http://schemas.microsoft.com/office/powerpoint/2010/main" val="3414132468"/>
+                <p14:modId xmlns:p14="http://schemas.microsoft.com/office/powerpoint/2010/main" val="790428673"/>
               </p:ext>
             </p:extLst>
           </p:nvPr>
@@ -6475,6 +6523,64 @@
           <p:cNvPr id="4" name="图表 3">
             <a:extLst>
               <a:ext uri="{FF2B5EF4-FFF2-40B4-BE49-F238E27FC236}">
+                <a16:creationId xmlns:a16="http://schemas.microsoft.com/office/drawing/2014/main" id="{71EF4C85-5759-BCCD-26DE-74AFA555CA0F}"/>
+              </a:ext>
+            </a:extLst>
+          </p:cNvPr>
+          <p:cNvGraphicFramePr/>
+          <p:nvPr>
+            <p:extLst>
+              <p:ext uri="{D42A27DB-BD31-4B8C-83A1-F6EECF244321}">
+                <p14:modId xmlns:p14="http://schemas.microsoft.com/office/powerpoint/2010/main" val="1859600197"/>
+              </p:ext>
+            </p:extLst>
+          </p:nvPr>
+        </p:nvGraphicFramePr>
+        <p:xfrm>
+          <a:off x="128875" y="719666"/>
+          <a:ext cx="11997665" cy="5418667"/>
+        </p:xfrm>
+        <a:graphic>
+          <a:graphicData uri="http://schemas.openxmlformats.org/drawingml/2006/chart">
+            <c:chart xmlns:c="http://schemas.openxmlformats.org/drawingml/2006/chart" xmlns:r="http://schemas.openxmlformats.org/officeDocument/2006/relationships" r:id="rId2"/>
+          </a:graphicData>
+        </a:graphic>
+      </p:graphicFrame>
+    </p:spTree>
+    <p:extLst>
+      <p:ext uri="{BB962C8B-B14F-4D97-AF65-F5344CB8AC3E}">
+        <p14:creationId xmlns:p14="http://schemas.microsoft.com/office/powerpoint/2010/main" val="382259500"/>
+      </p:ext>
+    </p:extLst>
+  </p:cSld>
+  <p:clrMapOvr>
+    <a:masterClrMapping/>
+  </p:clrMapOvr>
+</p:sld>
+</file>
+
+<file path=ppt/slides/slide3.xml><?xml version="1.0" encoding="utf-8"?>
+<p:sld xmlns:a="http://schemas.openxmlformats.org/drawingml/2006/main" xmlns:r="http://schemas.openxmlformats.org/officeDocument/2006/relationships" xmlns:p="http://schemas.openxmlformats.org/presentationml/2006/main">
+  <p:cSld>
+    <p:spTree>
+      <p:nvGrpSpPr>
+        <p:cNvPr id="1" name=""/>
+        <p:cNvGrpSpPr/>
+        <p:nvPr/>
+      </p:nvGrpSpPr>
+      <p:grpSpPr>
+        <a:xfrm>
+          <a:off x="0" y="0"/>
+          <a:ext cx="0" cy="0"/>
+          <a:chOff x="0" y="0"/>
+          <a:chExt cx="0" cy="0"/>
+        </a:xfrm>
+      </p:grpSpPr>
+      <p:graphicFrame>
+        <p:nvGraphicFramePr>
+          <p:cNvPr id="4" name="图表 3">
+            <a:extLst>
+              <a:ext uri="{FF2B5EF4-FFF2-40B4-BE49-F238E27FC236}">
                 <a16:creationId xmlns:a16="http://schemas.microsoft.com/office/drawing/2014/main" id="{F5691AB9-F4EA-A604-C0DB-544A3A719210}"/>
               </a:ext>
             </a:extLst>
@@ -6483,7 +6589,7 @@
           <p:nvPr>
             <p:extLst>
               <p:ext uri="{D42A27DB-BD31-4B8C-83A1-F6EECF244321}">
-                <p14:modId xmlns:p14="http://schemas.microsoft.com/office/powerpoint/2010/main" val="3954930242"/>
+                <p14:modId xmlns:p14="http://schemas.microsoft.com/office/powerpoint/2010/main" val="4205201410"/>
               </p:ext>
             </p:extLst>
           </p:nvPr>
